--- a/Angular v16.pptx
+++ b/Angular v16.pptx
@@ -8,8 +8,9 @@
     <p:sldId id="256" r:id="rId2"/>
     <p:sldId id="257" r:id="rId3"/>
     <p:sldId id="258" r:id="rId4"/>
-    <p:sldId id="259" r:id="rId5"/>
-    <p:sldId id="260" r:id="rId6"/>
+    <p:sldId id="261" r:id="rId5"/>
+    <p:sldId id="259" r:id="rId6"/>
+    <p:sldId id="260" r:id="rId7"/>
   </p:sldIdLst>
   <p:sldSz cx="12192000" cy="6858000"/>
   <p:notesSz cx="6858000" cy="9144000"/>
@@ -108,6 +109,11 @@
       </a:defRPr>
     </a:lvl9pPr>
   </p:defaultTextStyle>
+  <p:extLst>
+    <p:ext uri="{EFAFB233-063F-42B5-8137-9DF3F51BA10A}">
+      <p15:sldGuideLst xmlns:p15="http://schemas.microsoft.com/office/powerpoint/2012/main"/>
+    </p:ext>
+  </p:extLst>
 </p:presentation>
 </file>
 
@@ -153,10 +159,9 @@
           </a:lstStyle>
           <a:p>
             <a:r>
-              <a:rPr lang="en-US" smtClean="0"/>
+              <a:rPr lang="en-US"/>
               <a:t>Click to edit Master title style</a:t>
             </a:r>
-            <a:endParaRPr lang="en-US"/>
           </a:p>
         </p:txBody>
       </p:sp>
@@ -218,10 +223,9 @@
           </a:lstStyle>
           <a:p>
             <a:r>
-              <a:rPr lang="en-US" smtClean="0"/>
+              <a:rPr lang="en-US"/>
               <a:t>Click to edit Master subtitle style</a:t>
             </a:r>
-            <a:endParaRPr lang="en-US"/>
           </a:p>
         </p:txBody>
       </p:sp>
@@ -242,7 +246,7 @@
           <a:p>
             <a:fld id="{0E4F80F8-4085-4CD5-B19E-9319718D2375}" type="datetimeFigureOut">
               <a:rPr lang="en-US" smtClean="0"/>
-              <a:t>1/6/2024</a:t>
+              <a:t>1/25/2024</a:t>
             </a:fld>
             <a:endParaRPr lang="en-US"/>
           </a:p>
@@ -336,10 +340,9 @@
           <a:lstStyle/>
           <a:p>
             <a:r>
-              <a:rPr lang="en-US" smtClean="0"/>
+              <a:rPr lang="en-US"/>
               <a:t>Click to edit Master title style</a:t>
             </a:r>
-            <a:endParaRPr lang="en-US"/>
           </a:p>
         </p:txBody>
       </p:sp>
@@ -360,38 +363,37 @@
           <a:p>
             <a:pPr lvl="0"/>
             <a:r>
-              <a:rPr lang="en-US" smtClean="0"/>
+              <a:rPr lang="en-US"/>
               <a:t>Click to edit Master text styles</a:t>
             </a:r>
           </a:p>
           <a:p>
             <a:pPr lvl="1"/>
             <a:r>
-              <a:rPr lang="en-US" smtClean="0"/>
+              <a:rPr lang="en-US"/>
               <a:t>Second level</a:t>
             </a:r>
           </a:p>
           <a:p>
             <a:pPr lvl="2"/>
             <a:r>
-              <a:rPr lang="en-US" smtClean="0"/>
+              <a:rPr lang="en-US"/>
               <a:t>Third level</a:t>
             </a:r>
           </a:p>
           <a:p>
             <a:pPr lvl="3"/>
             <a:r>
-              <a:rPr lang="en-US" smtClean="0"/>
+              <a:rPr lang="en-US"/>
               <a:t>Fourth level</a:t>
             </a:r>
           </a:p>
           <a:p>
             <a:pPr lvl="4"/>
             <a:r>
-              <a:rPr lang="en-US" smtClean="0"/>
+              <a:rPr lang="en-US"/>
               <a:t>Fifth level</a:t>
             </a:r>
-            <a:endParaRPr lang="en-US"/>
           </a:p>
         </p:txBody>
       </p:sp>
@@ -412,7 +414,7 @@
           <a:p>
             <a:fld id="{0E4F80F8-4085-4CD5-B19E-9319718D2375}" type="datetimeFigureOut">
               <a:rPr lang="en-US" smtClean="0"/>
-              <a:t>1/6/2024</a:t>
+              <a:t>1/25/2024</a:t>
             </a:fld>
             <a:endParaRPr lang="en-US"/>
           </a:p>
@@ -511,10 +513,9 @@
           <a:lstStyle/>
           <a:p>
             <a:r>
-              <a:rPr lang="en-US" smtClean="0"/>
+              <a:rPr lang="en-US"/>
               <a:t>Click to edit Master title style</a:t>
             </a:r>
-            <a:endParaRPr lang="en-US"/>
           </a:p>
         </p:txBody>
       </p:sp>
@@ -540,38 +541,37 @@
           <a:p>
             <a:pPr lvl="0"/>
             <a:r>
-              <a:rPr lang="en-US" smtClean="0"/>
+              <a:rPr lang="en-US"/>
               <a:t>Click to edit Master text styles</a:t>
             </a:r>
           </a:p>
           <a:p>
             <a:pPr lvl="1"/>
             <a:r>
-              <a:rPr lang="en-US" smtClean="0"/>
+              <a:rPr lang="en-US"/>
               <a:t>Second level</a:t>
             </a:r>
           </a:p>
           <a:p>
             <a:pPr lvl="2"/>
             <a:r>
-              <a:rPr lang="en-US" smtClean="0"/>
+              <a:rPr lang="en-US"/>
               <a:t>Third level</a:t>
             </a:r>
           </a:p>
           <a:p>
             <a:pPr lvl="3"/>
             <a:r>
-              <a:rPr lang="en-US" smtClean="0"/>
+              <a:rPr lang="en-US"/>
               <a:t>Fourth level</a:t>
             </a:r>
           </a:p>
           <a:p>
             <a:pPr lvl="4"/>
             <a:r>
-              <a:rPr lang="en-US" smtClean="0"/>
+              <a:rPr lang="en-US"/>
               <a:t>Fifth level</a:t>
             </a:r>
-            <a:endParaRPr lang="en-US"/>
           </a:p>
         </p:txBody>
       </p:sp>
@@ -592,7 +592,7 @@
           <a:p>
             <a:fld id="{0E4F80F8-4085-4CD5-B19E-9319718D2375}" type="datetimeFigureOut">
               <a:rPr lang="en-US" smtClean="0"/>
-              <a:t>1/6/2024</a:t>
+              <a:t>1/25/2024</a:t>
             </a:fld>
             <a:endParaRPr lang="en-US"/>
           </a:p>
@@ -686,10 +686,9 @@
           <a:lstStyle/>
           <a:p>
             <a:r>
-              <a:rPr lang="en-US" smtClean="0"/>
+              <a:rPr lang="en-US"/>
               <a:t>Click to edit Master title style</a:t>
             </a:r>
-            <a:endParaRPr lang="en-US"/>
           </a:p>
         </p:txBody>
       </p:sp>
@@ -710,38 +709,37 @@
           <a:p>
             <a:pPr lvl="0"/>
             <a:r>
-              <a:rPr lang="en-US" smtClean="0"/>
+              <a:rPr lang="en-US"/>
               <a:t>Click to edit Master text styles</a:t>
             </a:r>
           </a:p>
           <a:p>
             <a:pPr lvl="1"/>
             <a:r>
-              <a:rPr lang="en-US" smtClean="0"/>
+              <a:rPr lang="en-US"/>
               <a:t>Second level</a:t>
             </a:r>
           </a:p>
           <a:p>
             <a:pPr lvl="2"/>
             <a:r>
-              <a:rPr lang="en-US" smtClean="0"/>
+              <a:rPr lang="en-US"/>
               <a:t>Third level</a:t>
             </a:r>
           </a:p>
           <a:p>
             <a:pPr lvl="3"/>
             <a:r>
-              <a:rPr lang="en-US" smtClean="0"/>
+              <a:rPr lang="en-US"/>
               <a:t>Fourth level</a:t>
             </a:r>
           </a:p>
           <a:p>
             <a:pPr lvl="4"/>
             <a:r>
-              <a:rPr lang="en-US" smtClean="0"/>
+              <a:rPr lang="en-US"/>
               <a:t>Fifth level</a:t>
             </a:r>
-            <a:endParaRPr lang="en-US"/>
           </a:p>
         </p:txBody>
       </p:sp>
@@ -762,7 +760,7 @@
           <a:p>
             <a:fld id="{0E4F80F8-4085-4CD5-B19E-9319718D2375}" type="datetimeFigureOut">
               <a:rPr lang="en-US" smtClean="0"/>
-              <a:t>1/6/2024</a:t>
+              <a:t>1/25/2024</a:t>
             </a:fld>
             <a:endParaRPr lang="en-US"/>
           </a:p>
@@ -865,10 +863,9 @@
           </a:lstStyle>
           <a:p>
             <a:r>
-              <a:rPr lang="en-US" smtClean="0"/>
+              <a:rPr lang="en-US"/>
               <a:t>Click to edit Master title style</a:t>
             </a:r>
-            <a:endParaRPr lang="en-US"/>
           </a:p>
         </p:txBody>
       </p:sp>
@@ -985,7 +982,7 @@
           <a:p>
             <a:pPr lvl="0"/>
             <a:r>
-              <a:rPr lang="en-US" smtClean="0"/>
+              <a:rPr lang="en-US"/>
               <a:t>Click to edit Master text styles</a:t>
             </a:r>
           </a:p>
@@ -1008,7 +1005,7 @@
           <a:p>
             <a:fld id="{0E4F80F8-4085-4CD5-B19E-9319718D2375}" type="datetimeFigureOut">
               <a:rPr lang="en-US" smtClean="0"/>
-              <a:t>1/6/2024</a:t>
+              <a:t>1/25/2024</a:t>
             </a:fld>
             <a:endParaRPr lang="en-US"/>
           </a:p>
@@ -1102,10 +1099,9 @@
           <a:lstStyle/>
           <a:p>
             <a:r>
-              <a:rPr lang="en-US" smtClean="0"/>
+              <a:rPr lang="en-US"/>
               <a:t>Click to edit Master title style</a:t>
             </a:r>
-            <a:endParaRPr lang="en-US"/>
           </a:p>
         </p:txBody>
       </p:sp>
@@ -1131,38 +1127,37 @@
           <a:p>
             <a:pPr lvl="0"/>
             <a:r>
-              <a:rPr lang="en-US" smtClean="0"/>
+              <a:rPr lang="en-US"/>
               <a:t>Click to edit Master text styles</a:t>
             </a:r>
           </a:p>
           <a:p>
             <a:pPr lvl="1"/>
             <a:r>
-              <a:rPr lang="en-US" smtClean="0"/>
+              <a:rPr lang="en-US"/>
               <a:t>Second level</a:t>
             </a:r>
           </a:p>
           <a:p>
             <a:pPr lvl="2"/>
             <a:r>
-              <a:rPr lang="en-US" smtClean="0"/>
+              <a:rPr lang="en-US"/>
               <a:t>Third level</a:t>
             </a:r>
           </a:p>
           <a:p>
             <a:pPr lvl="3"/>
             <a:r>
-              <a:rPr lang="en-US" smtClean="0"/>
+              <a:rPr lang="en-US"/>
               <a:t>Fourth level</a:t>
             </a:r>
           </a:p>
           <a:p>
             <a:pPr lvl="4"/>
             <a:r>
-              <a:rPr lang="en-US" smtClean="0"/>
+              <a:rPr lang="en-US"/>
               <a:t>Fifth level</a:t>
             </a:r>
-            <a:endParaRPr lang="en-US"/>
           </a:p>
         </p:txBody>
       </p:sp>
@@ -1188,38 +1183,37 @@
           <a:p>
             <a:pPr lvl="0"/>
             <a:r>
-              <a:rPr lang="en-US" smtClean="0"/>
+              <a:rPr lang="en-US"/>
               <a:t>Click to edit Master text styles</a:t>
             </a:r>
           </a:p>
           <a:p>
             <a:pPr lvl="1"/>
             <a:r>
-              <a:rPr lang="en-US" smtClean="0"/>
+              <a:rPr lang="en-US"/>
               <a:t>Second level</a:t>
             </a:r>
           </a:p>
           <a:p>
             <a:pPr lvl="2"/>
             <a:r>
-              <a:rPr lang="en-US" smtClean="0"/>
+              <a:rPr lang="en-US"/>
               <a:t>Third level</a:t>
             </a:r>
           </a:p>
           <a:p>
             <a:pPr lvl="3"/>
             <a:r>
-              <a:rPr lang="en-US" smtClean="0"/>
+              <a:rPr lang="en-US"/>
               <a:t>Fourth level</a:t>
             </a:r>
           </a:p>
           <a:p>
             <a:pPr lvl="4"/>
             <a:r>
-              <a:rPr lang="en-US" smtClean="0"/>
+              <a:rPr lang="en-US"/>
               <a:t>Fifth level</a:t>
             </a:r>
-            <a:endParaRPr lang="en-US"/>
           </a:p>
         </p:txBody>
       </p:sp>
@@ -1240,7 +1234,7 @@
           <a:p>
             <a:fld id="{0E4F80F8-4085-4CD5-B19E-9319718D2375}" type="datetimeFigureOut">
               <a:rPr lang="en-US" smtClean="0"/>
-              <a:t>1/6/2024</a:t>
+              <a:t>1/25/2024</a:t>
             </a:fld>
             <a:endParaRPr lang="en-US"/>
           </a:p>
@@ -1339,10 +1333,9 @@
           <a:lstStyle/>
           <a:p>
             <a:r>
-              <a:rPr lang="en-US" smtClean="0"/>
+              <a:rPr lang="en-US"/>
               <a:t>Click to edit Master title style</a:t>
             </a:r>
-            <a:endParaRPr lang="en-US"/>
           </a:p>
         </p:txBody>
       </p:sp>
@@ -1405,7 +1398,7 @@
           <a:p>
             <a:pPr lvl="0"/>
             <a:r>
-              <a:rPr lang="en-US" smtClean="0"/>
+              <a:rPr lang="en-US"/>
               <a:t>Click to edit Master text styles</a:t>
             </a:r>
           </a:p>
@@ -1433,38 +1426,37 @@
           <a:p>
             <a:pPr lvl="0"/>
             <a:r>
-              <a:rPr lang="en-US" smtClean="0"/>
+              <a:rPr lang="en-US"/>
               <a:t>Click to edit Master text styles</a:t>
             </a:r>
           </a:p>
           <a:p>
             <a:pPr lvl="1"/>
             <a:r>
-              <a:rPr lang="en-US" smtClean="0"/>
+              <a:rPr lang="en-US"/>
               <a:t>Second level</a:t>
             </a:r>
           </a:p>
           <a:p>
             <a:pPr lvl="2"/>
             <a:r>
-              <a:rPr lang="en-US" smtClean="0"/>
+              <a:rPr lang="en-US"/>
               <a:t>Third level</a:t>
             </a:r>
           </a:p>
           <a:p>
             <a:pPr lvl="3"/>
             <a:r>
-              <a:rPr lang="en-US" smtClean="0"/>
+              <a:rPr lang="en-US"/>
               <a:t>Fourth level</a:t>
             </a:r>
           </a:p>
           <a:p>
             <a:pPr lvl="4"/>
             <a:r>
-              <a:rPr lang="en-US" smtClean="0"/>
+              <a:rPr lang="en-US"/>
               <a:t>Fifth level</a:t>
             </a:r>
-            <a:endParaRPr lang="en-US"/>
           </a:p>
         </p:txBody>
       </p:sp>
@@ -1527,7 +1519,7 @@
           <a:p>
             <a:pPr lvl="0"/>
             <a:r>
-              <a:rPr lang="en-US" smtClean="0"/>
+              <a:rPr lang="en-US"/>
               <a:t>Click to edit Master text styles</a:t>
             </a:r>
           </a:p>
@@ -1555,38 +1547,37 @@
           <a:p>
             <a:pPr lvl="0"/>
             <a:r>
-              <a:rPr lang="en-US" smtClean="0"/>
+              <a:rPr lang="en-US"/>
               <a:t>Click to edit Master text styles</a:t>
             </a:r>
           </a:p>
           <a:p>
             <a:pPr lvl="1"/>
             <a:r>
-              <a:rPr lang="en-US" smtClean="0"/>
+              <a:rPr lang="en-US"/>
               <a:t>Second level</a:t>
             </a:r>
           </a:p>
           <a:p>
             <a:pPr lvl="2"/>
             <a:r>
-              <a:rPr lang="en-US" smtClean="0"/>
+              <a:rPr lang="en-US"/>
               <a:t>Third level</a:t>
             </a:r>
           </a:p>
           <a:p>
             <a:pPr lvl="3"/>
             <a:r>
-              <a:rPr lang="en-US" smtClean="0"/>
+              <a:rPr lang="en-US"/>
               <a:t>Fourth level</a:t>
             </a:r>
           </a:p>
           <a:p>
             <a:pPr lvl="4"/>
             <a:r>
-              <a:rPr lang="en-US" smtClean="0"/>
+              <a:rPr lang="en-US"/>
               <a:t>Fifth level</a:t>
             </a:r>
-            <a:endParaRPr lang="en-US"/>
           </a:p>
         </p:txBody>
       </p:sp>
@@ -1607,7 +1598,7 @@
           <a:p>
             <a:fld id="{0E4F80F8-4085-4CD5-B19E-9319718D2375}" type="datetimeFigureOut">
               <a:rPr lang="en-US" smtClean="0"/>
-              <a:t>1/6/2024</a:t>
+              <a:t>1/25/2024</a:t>
             </a:fld>
             <a:endParaRPr lang="en-US"/>
           </a:p>
@@ -1701,10 +1692,9 @@
           <a:lstStyle/>
           <a:p>
             <a:r>
-              <a:rPr lang="en-US" smtClean="0"/>
+              <a:rPr lang="en-US"/>
               <a:t>Click to edit Master title style</a:t>
             </a:r>
-            <a:endParaRPr lang="en-US"/>
           </a:p>
         </p:txBody>
       </p:sp>
@@ -1725,7 +1715,7 @@
           <a:p>
             <a:fld id="{0E4F80F8-4085-4CD5-B19E-9319718D2375}" type="datetimeFigureOut">
               <a:rPr lang="en-US" smtClean="0"/>
-              <a:t>1/6/2024</a:t>
+              <a:t>1/25/2024</a:t>
             </a:fld>
             <a:endParaRPr lang="en-US"/>
           </a:p>
@@ -1820,7 +1810,7 @@
           <a:p>
             <a:fld id="{0E4F80F8-4085-4CD5-B19E-9319718D2375}" type="datetimeFigureOut">
               <a:rPr lang="en-US" smtClean="0"/>
-              <a:t>1/6/2024</a:t>
+              <a:t>1/25/2024</a:t>
             </a:fld>
             <a:endParaRPr lang="en-US"/>
           </a:p>
@@ -1923,10 +1913,9 @@
           </a:lstStyle>
           <a:p>
             <a:r>
-              <a:rPr lang="en-US" smtClean="0"/>
+              <a:rPr lang="en-US"/>
               <a:t>Click to edit Master title style</a:t>
             </a:r>
-            <a:endParaRPr lang="en-US"/>
           </a:p>
         </p:txBody>
       </p:sp>
@@ -1980,38 +1969,37 @@
           <a:p>
             <a:pPr lvl="0"/>
             <a:r>
-              <a:rPr lang="en-US" smtClean="0"/>
+              <a:rPr lang="en-US"/>
               <a:t>Click to edit Master text styles</a:t>
             </a:r>
           </a:p>
           <a:p>
             <a:pPr lvl="1"/>
             <a:r>
-              <a:rPr lang="en-US" smtClean="0"/>
+              <a:rPr lang="en-US"/>
               <a:t>Second level</a:t>
             </a:r>
           </a:p>
           <a:p>
             <a:pPr lvl="2"/>
             <a:r>
-              <a:rPr lang="en-US" smtClean="0"/>
+              <a:rPr lang="en-US"/>
               <a:t>Third level</a:t>
             </a:r>
           </a:p>
           <a:p>
             <a:pPr lvl="3"/>
             <a:r>
-              <a:rPr lang="en-US" smtClean="0"/>
+              <a:rPr lang="en-US"/>
               <a:t>Fourth level</a:t>
             </a:r>
           </a:p>
           <a:p>
             <a:pPr lvl="4"/>
             <a:r>
-              <a:rPr lang="en-US" smtClean="0"/>
+              <a:rPr lang="en-US"/>
               <a:t>Fifth level</a:t>
             </a:r>
-            <a:endParaRPr lang="en-US"/>
           </a:p>
         </p:txBody>
       </p:sp>
@@ -2074,7 +2062,7 @@
           <a:p>
             <a:pPr lvl="0"/>
             <a:r>
-              <a:rPr lang="en-US" smtClean="0"/>
+              <a:rPr lang="en-US"/>
               <a:t>Click to edit Master text styles</a:t>
             </a:r>
           </a:p>
@@ -2097,7 +2085,7 @@
           <a:p>
             <a:fld id="{0E4F80F8-4085-4CD5-B19E-9319718D2375}" type="datetimeFigureOut">
               <a:rPr lang="en-US" smtClean="0"/>
-              <a:t>1/6/2024</a:t>
+              <a:t>1/25/2024</a:t>
             </a:fld>
             <a:endParaRPr lang="en-US"/>
           </a:p>
@@ -2200,10 +2188,9 @@
           </a:lstStyle>
           <a:p>
             <a:r>
-              <a:rPr lang="en-US" smtClean="0"/>
+              <a:rPr lang="en-US"/>
               <a:t>Click to edit Master title style</a:t>
             </a:r>
-            <a:endParaRPr lang="en-US"/>
           </a:p>
         </p:txBody>
       </p:sp>
@@ -2327,7 +2314,7 @@
           <a:p>
             <a:pPr lvl="0"/>
             <a:r>
-              <a:rPr lang="en-US" smtClean="0"/>
+              <a:rPr lang="en-US"/>
               <a:t>Click to edit Master text styles</a:t>
             </a:r>
           </a:p>
@@ -2350,7 +2337,7 @@
           <a:p>
             <a:fld id="{0E4F80F8-4085-4CD5-B19E-9319718D2375}" type="datetimeFigureOut">
               <a:rPr lang="en-US" smtClean="0"/>
-              <a:t>1/6/2024</a:t>
+              <a:t>1/25/2024</a:t>
             </a:fld>
             <a:endParaRPr lang="en-US"/>
           </a:p>
@@ -2459,10 +2446,9 @@
           <a:lstStyle/>
           <a:p>
             <a:r>
-              <a:rPr lang="en-US" smtClean="0"/>
+              <a:rPr lang="en-US"/>
               <a:t>Click to edit Master title style</a:t>
             </a:r>
-            <a:endParaRPr lang="en-US"/>
           </a:p>
         </p:txBody>
       </p:sp>
@@ -2493,38 +2479,37 @@
           <a:p>
             <a:pPr lvl="0"/>
             <a:r>
-              <a:rPr lang="en-US" smtClean="0"/>
+              <a:rPr lang="en-US"/>
               <a:t>Click to edit Master text styles</a:t>
             </a:r>
           </a:p>
           <a:p>
             <a:pPr lvl="1"/>
             <a:r>
-              <a:rPr lang="en-US" smtClean="0"/>
+              <a:rPr lang="en-US"/>
               <a:t>Second level</a:t>
             </a:r>
           </a:p>
           <a:p>
             <a:pPr lvl="2"/>
             <a:r>
-              <a:rPr lang="en-US" smtClean="0"/>
+              <a:rPr lang="en-US"/>
               <a:t>Third level</a:t>
             </a:r>
           </a:p>
           <a:p>
             <a:pPr lvl="3"/>
             <a:r>
-              <a:rPr lang="en-US" smtClean="0"/>
+              <a:rPr lang="en-US"/>
               <a:t>Fourth level</a:t>
             </a:r>
           </a:p>
           <a:p>
             <a:pPr lvl="4"/>
             <a:r>
-              <a:rPr lang="en-US" smtClean="0"/>
+              <a:rPr lang="en-US"/>
               <a:t>Fifth level</a:t>
             </a:r>
-            <a:endParaRPr lang="en-US"/>
           </a:p>
         </p:txBody>
       </p:sp>
@@ -2563,7 +2548,7 @@
           <a:p>
             <a:fld id="{0E4F80F8-4085-4CD5-B19E-9319718D2375}" type="datetimeFigureOut">
               <a:rPr lang="en-US" smtClean="0"/>
-              <a:t>1/6/2024</a:t>
+              <a:t>1/25/2024</a:t>
             </a:fld>
             <a:endParaRPr lang="en-US"/>
           </a:p>
@@ -2644,6 +2629,54 @@
               <a:t>‹#›</a:t>
             </a:fld>
             <a:endParaRPr lang="en-US"/>
+          </a:p>
+        </p:txBody>
+      </p:sp>
+      <p:sp>
+        <p:nvSpPr>
+          <p:cNvPr id="8" name="TextBox 7">
+            <a:extLst>
+              <a:ext uri="{FF2B5EF4-FFF2-40B4-BE49-F238E27FC236}">
+                <a16:creationId xmlns:a16="http://schemas.microsoft.com/office/drawing/2014/main" id="{36C76D45-2EBA-FD3F-FAEC-87589E59A103}"/>
+              </a:ext>
+            </a:extLst>
+          </p:cNvPr>
+          <p:cNvSpPr txBox="1"/>
+          <p:nvPr userDrawn="1">
+            <p:extLst>
+              <p:ext uri="{1162E1C5-73C7-4A58-AE30-91384D911F3F}">
+                <p184:classification xmlns:p184="http://schemas.microsoft.com/office/powerpoint/2018/4/main" val="ftr"/>
+              </p:ext>
+            </p:extLst>
+          </p:nvPr>
+        </p:nvSpPr>
+        <p:spPr>
+          <a:xfrm>
+            <a:off x="5890387" y="6736080"/>
+            <a:ext cx="433388" cy="121920"/>
+          </a:xfrm>
+          <a:prstGeom prst="rect">
+            <a:avLst/>
+          </a:prstGeom>
+        </p:spPr>
+        <p:txBody>
+          <a:bodyPr horzOverflow="overflow" lIns="0" tIns="0" rIns="0" bIns="0">
+            <a:spAutoFit/>
+          </a:bodyPr>
+          <a:lstStyle/>
+          <a:p>
+            <a:pPr algn="l"/>
+            <a:r>
+              <a:rPr lang="en-US" sz="800">
+                <a:solidFill>
+                  <a:srgbClr val="000000"/>
+                </a:solidFill>
+                <a:latin typeface="Calibri" panose="020F0502020204030204" pitchFamily="34" charset="0"/>
+                <a:ea typeface="Calibri" panose="020F0502020204030204" pitchFamily="34" charset="0"/>
+                <a:cs typeface="Calibri" panose="020F0502020204030204" pitchFamily="34" charset="0"/>
+              </a:rPr>
+              <a:t>INTERNAL</a:t>
+            </a:r>
           </a:p>
         </p:txBody>
       </p:sp>
@@ -3015,6 +3048,36 @@
           </a:p>
         </p:txBody>
       </p:sp>
+      <p:pic>
+        <p:nvPicPr>
+          <p:cNvPr id="5" name="Picture 4">
+            <a:extLst>
+              <a:ext uri="{FF2B5EF4-FFF2-40B4-BE49-F238E27FC236}">
+                <a16:creationId xmlns:a16="http://schemas.microsoft.com/office/drawing/2014/main" id="{37372311-71DD-3039-1FE6-932F095CEC5C}"/>
+              </a:ext>
+            </a:extLst>
+          </p:cNvPr>
+          <p:cNvPicPr>
+            <a:picLocks noChangeAspect="1"/>
+          </p:cNvPicPr>
+          <p:nvPr/>
+        </p:nvPicPr>
+        <p:blipFill>
+          <a:blip r:embed="rId2"/>
+          <a:stretch>
+            <a:fillRect/>
+          </a:stretch>
+        </p:blipFill>
+        <p:spPr>
+          <a:xfrm>
+            <a:off x="1509710" y="3019249"/>
+            <a:ext cx="9405939" cy="2889909"/>
+          </a:xfrm>
+          <a:prstGeom prst="rect">
+            <a:avLst/>
+          </a:prstGeom>
+        </p:spPr>
+      </p:pic>
     </p:spTree>
     <p:extLst>
       <p:ext uri="{BB962C8B-B14F-4D97-AF65-F5344CB8AC3E}">
@@ -3061,10 +3124,9 @@
           <a:lstStyle/>
           <a:p>
             <a:r>
-              <a:rPr lang="en-US" dirty="0" smtClean="0"/>
+              <a:rPr lang="en-US" dirty="0"/>
               <a:t>Topic</a:t>
             </a:r>
-            <a:endParaRPr lang="en-US" dirty="0"/>
           </a:p>
         </p:txBody>
       </p:sp>
@@ -3080,7 +3142,9 @@
         </p:nvSpPr>
         <p:spPr/>
         <p:txBody>
-          <a:bodyPr/>
+          <a:bodyPr>
+            <a:normAutofit fontScale="62500" lnSpcReduction="20000"/>
+          </a:bodyPr>
           <a:lstStyle/>
           <a:p>
             <a:pPr marL="514350" indent="-514350">
@@ -3088,12 +3152,8 @@
               <a:buAutoNum type="arabicPeriod"/>
             </a:pPr>
             <a:r>
-              <a:rPr lang="en-US" dirty="0" smtClean="0"/>
-              <a:t>Angular </a:t>
-            </a:r>
-            <a:r>
-              <a:rPr lang="en-US" dirty="0"/>
-              <a:t>Signals</a:t>
+              <a:rPr lang="en-US" sz="2900" dirty="0"/>
+              <a:t>Angular Signals</a:t>
             </a:r>
           </a:p>
           <a:p>
@@ -3102,12 +3162,12 @@
               <a:buAutoNum type="arabicPeriod"/>
             </a:pPr>
             <a:r>
-              <a:rPr lang="en-US" dirty="0" smtClean="0"/>
-              <a:t>Angular </a:t>
-            </a:r>
-            <a:r>
-              <a:rPr lang="en-US" dirty="0"/>
-              <a:t>enhanced hydration</a:t>
+              <a:rPr lang="en-US" sz="2900" dirty="0" err="1"/>
+              <a:t>RxJS</a:t>
+            </a:r>
+            <a:r>
+              <a:rPr lang="en-US" sz="2900" dirty="0"/>
+              <a:t> interoperability</a:t>
             </a:r>
           </a:p>
           <a:p>
@@ -3116,12 +3176,8 @@
               <a:buAutoNum type="arabicPeriod"/>
             </a:pPr>
             <a:r>
-              <a:rPr lang="en-US" dirty="0" smtClean="0"/>
-              <a:t>Esbuild </a:t>
-            </a:r>
-            <a:r>
-              <a:rPr lang="en-US" dirty="0"/>
-              <a:t>&amp; Vite</a:t>
+              <a:rPr lang="en-US" sz="2900" dirty="0"/>
+              <a:t>Server-side rendering and hydration</a:t>
             </a:r>
           </a:p>
           <a:p>
@@ -3130,12 +3186,8 @@
               <a:buAutoNum type="arabicPeriod"/>
             </a:pPr>
             <a:r>
-              <a:rPr lang="en-US" dirty="0" smtClean="0"/>
-              <a:t>Angular </a:t>
-            </a:r>
-            <a:r>
-              <a:rPr lang="en-US" dirty="0"/>
-              <a:t>stanalone generator</a:t>
+              <a:rPr lang="en-US" sz="2900" dirty="0"/>
+              <a:t>Improved tooling for standalone components, directives, and pipes</a:t>
             </a:r>
           </a:p>
           <a:p>
@@ -3144,12 +3196,8 @@
               <a:buAutoNum type="arabicPeriod"/>
             </a:pPr>
             <a:r>
-              <a:rPr lang="en-US" dirty="0" smtClean="0"/>
-              <a:t>Required </a:t>
-            </a:r>
-            <a:r>
-              <a:rPr lang="en-US" dirty="0"/>
-              <a:t>inputs</a:t>
+              <a:rPr lang="en-US" sz="2900" dirty="0"/>
+              <a:t>Standalone ng new collection</a:t>
             </a:r>
           </a:p>
           <a:p>
@@ -3158,9 +3206,118 @@
               <a:buAutoNum type="arabicPeriod"/>
             </a:pPr>
             <a:r>
-              <a:rPr lang="en-US" dirty="0" smtClean="0"/>
-              <a:t>Miscellaneous</a:t>
-            </a:r>
+              <a:rPr lang="en-US" sz="2900" dirty="0"/>
+              <a:t>Configure Zone.js</a:t>
+            </a:r>
+          </a:p>
+          <a:p>
+            <a:pPr marL="514350" indent="-514350">
+              <a:buFont typeface="+mj-lt"/>
+              <a:buAutoNum type="arabicPeriod"/>
+            </a:pPr>
+            <a:r>
+              <a:rPr lang="en-US" sz="2900" dirty="0"/>
+              <a:t>Advancing developer tooling</a:t>
+            </a:r>
+          </a:p>
+          <a:p>
+            <a:pPr marL="971550" lvl="1" indent="-514350">
+              <a:buFont typeface="+mj-lt"/>
+              <a:buAutoNum type="arabicPeriod"/>
+            </a:pPr>
+            <a:r>
+              <a:rPr lang="en-US" sz="2900" dirty="0"/>
+              <a:t>Developer preview of the </a:t>
+            </a:r>
+            <a:r>
+              <a:rPr lang="en-US" sz="2900" dirty="0" err="1"/>
+              <a:t>esbuild</a:t>
+            </a:r>
+            <a:r>
+              <a:rPr lang="en-US" sz="2900" dirty="0"/>
+              <a:t>-based build system</a:t>
+            </a:r>
+          </a:p>
+          <a:p>
+            <a:pPr marL="971550" lvl="1" indent="-514350">
+              <a:buFont typeface="+mj-lt"/>
+              <a:buAutoNum type="arabicPeriod"/>
+            </a:pPr>
+            <a:r>
+              <a:rPr lang="en-US" sz="2900" dirty="0"/>
+              <a:t>Better unit testing with Jest and Web Test Runner</a:t>
+            </a:r>
+          </a:p>
+          <a:p>
+            <a:pPr marL="971550" lvl="1" indent="-514350">
+              <a:buFont typeface="+mj-lt"/>
+              <a:buAutoNum type="arabicPeriod"/>
+            </a:pPr>
+            <a:r>
+              <a:rPr lang="en-US" sz="2900" dirty="0"/>
+              <a:t>Autocomplete imports in templates</a:t>
+            </a:r>
+          </a:p>
+          <a:p>
+            <a:pPr marL="514350" indent="-514350">
+              <a:buFont typeface="+mj-lt"/>
+              <a:buAutoNum type="arabicPeriod"/>
+            </a:pPr>
+            <a:r>
+              <a:rPr lang="en-US" sz="2900" dirty="0"/>
+              <a:t>Improving Developer Experience</a:t>
+            </a:r>
+          </a:p>
+          <a:p>
+            <a:pPr marL="971550" lvl="1" indent="-514350">
+              <a:buFont typeface="+mj-lt"/>
+              <a:buAutoNum type="arabicPeriod"/>
+            </a:pPr>
+            <a:r>
+              <a:rPr lang="en-US" sz="2900" dirty="0"/>
+              <a:t>Required inputs</a:t>
+            </a:r>
+          </a:p>
+          <a:p>
+            <a:pPr marL="971550" lvl="1" indent="-514350">
+              <a:buFont typeface="+mj-lt"/>
+              <a:buAutoNum type="arabicPeriod"/>
+            </a:pPr>
+            <a:r>
+              <a:rPr lang="en-US" sz="2900" dirty="0"/>
+              <a:t>CSP support for inline-styles</a:t>
+            </a:r>
+          </a:p>
+          <a:p>
+            <a:pPr marL="971550" lvl="1" indent="-514350">
+              <a:buFont typeface="+mj-lt"/>
+              <a:buAutoNum type="arabicPeriod"/>
+            </a:pPr>
+            <a:r>
+              <a:rPr lang="en-US" sz="2900" dirty="0"/>
+              <a:t>Flexible </a:t>
+            </a:r>
+            <a:r>
+              <a:rPr lang="en-US" sz="2900" dirty="0" err="1"/>
+              <a:t>ngOnDestroy</a:t>
+            </a:r>
+            <a:endParaRPr lang="en-US" sz="2900" dirty="0"/>
+          </a:p>
+          <a:p>
+            <a:pPr marL="971550" lvl="1" indent="-514350">
+              <a:buFont typeface="+mj-lt"/>
+              <a:buAutoNum type="arabicPeriod"/>
+            </a:pPr>
+            <a:r>
+              <a:rPr lang="en-US" sz="2900" dirty="0"/>
+              <a:t>Self-closing tags</a:t>
+            </a:r>
+          </a:p>
+          <a:p>
+            <a:pPr marL="971550" lvl="1" indent="-514350">
+              <a:buFont typeface="+mj-lt"/>
+              <a:buAutoNum type="arabicPeriod"/>
+            </a:pPr>
             <a:endParaRPr lang="en-US" dirty="0"/>
           </a:p>
           <a:p>
@@ -3214,32 +3371,70 @@
           <a:lstStyle/>
           <a:p>
             <a:r>
-              <a:rPr lang="en-US" dirty="0" smtClean="0"/>
-              <a:t>Angular Signals</a:t>
+              <a:rPr lang="en-US" dirty="0"/>
+              <a:t>Link</a:t>
+            </a:r>
+          </a:p>
+        </p:txBody>
+      </p:sp>
+      <p:sp>
+        <p:nvSpPr>
+          <p:cNvPr id="3" name="Content Placeholder 2"/>
+          <p:cNvSpPr>
+            <a:spLocks noGrp="1"/>
+          </p:cNvSpPr>
+          <p:nvPr>
+            <p:ph idx="1"/>
+          </p:nvPr>
+        </p:nvSpPr>
+        <p:spPr/>
+        <p:txBody>
+          <a:bodyPr/>
+          <a:lstStyle/>
+          <a:p>
+            <a:r>
+              <a:rPr lang="en-US" dirty="0">
+                <a:hlinkClick r:id="rId2"/>
+              </a:rPr>
+              <a:t>Angular v16 is here!. Six months ago, we reached a… | by </a:t>
+            </a:r>
+            <a:r>
+              <a:rPr lang="en-US" dirty="0" err="1">
+                <a:hlinkClick r:id="rId2"/>
+              </a:rPr>
+              <a:t>Minko</a:t>
+            </a:r>
+            <a:r>
+              <a:rPr lang="en-US" dirty="0">
+                <a:hlinkClick r:id="rId2"/>
+              </a:rPr>
+              <a:t> </a:t>
+            </a:r>
+            <a:r>
+              <a:rPr lang="en-US" dirty="0" err="1">
+                <a:hlinkClick r:id="rId2"/>
+              </a:rPr>
+              <a:t>Gechev</a:t>
+            </a:r>
+            <a:r>
+              <a:rPr lang="en-US" dirty="0">
+                <a:hlinkClick r:id="rId2"/>
+              </a:rPr>
+              <a:t> | Angular Blog</a:t>
             </a:r>
             <a:endParaRPr lang="en-US" dirty="0"/>
           </a:p>
-        </p:txBody>
-      </p:sp>
-      <p:sp>
-        <p:nvSpPr>
-          <p:cNvPr id="3" name="Content Placeholder 2"/>
-          <p:cNvSpPr>
-            <a:spLocks noGrp="1"/>
-          </p:cNvSpPr>
-          <p:nvPr>
-            <p:ph idx="1"/>
-          </p:nvPr>
-        </p:nvSpPr>
-        <p:spPr/>
-        <p:txBody>
-          <a:bodyPr/>
-          <a:lstStyle/>
-          <a:p>
-            <a:r>
-              <a:rPr lang="en-US" dirty="0"/>
-              <a:t>Angular Signals is a system that granularly tracks how and where your state is used throughout an application, allowing the framework to optimize rendering updates.</a:t>
-            </a:r>
+          <a:p>
+            <a:endParaRPr lang="en-US" dirty="0"/>
+          </a:p>
+          <a:p>
+            <a:r>
+              <a:rPr lang="en-US" dirty="0">
+                <a:hlinkClick r:id="rId3"/>
+              </a:rPr>
+              <a:t>Angular - Update Angular to v16</a:t>
+            </a:r>
+            <a:endParaRPr lang="en-US" dirty="0"/>
           </a:p>
         </p:txBody>
       </p:sp>
@@ -3290,13 +3485,8 @@
           <a:p>
             <a:r>
               <a:rPr lang="en-US" dirty="0"/>
-              <a:t>What are signals</a:t>
-            </a:r>
-            <a:r>
-              <a:rPr lang="en-US" dirty="0" smtClean="0"/>
-              <a:t>?</a:t>
-            </a:r>
-            <a:endParaRPr lang="en-US" dirty="0"/>
+              <a:t>Angular Signals</a:t>
+            </a:r>
           </a:p>
         </p:txBody>
       </p:sp>
@@ -3317,46 +3507,15 @@
           <a:p>
             <a:r>
               <a:rPr lang="en-US" dirty="0"/>
-              <a:t>A signal is a wrapper around a value that can notify interested consumers when that value changes. Signals can contain any value, from simple primitives to complex data structures.</a:t>
-            </a:r>
-          </a:p>
-          <a:p>
-            <a:r>
-              <a:rPr lang="en-US" dirty="0"/>
-              <a:t>A signal's value is always read through a getter function, which allows Angular to track where the signal is used.</a:t>
-            </a:r>
-          </a:p>
-          <a:p>
-            <a:r>
-              <a:rPr lang="en-US" dirty="0"/>
-              <a:t>Signals may be either </a:t>
-            </a:r>
-            <a:r>
-              <a:rPr lang="en-US" i="1" dirty="0"/>
-              <a:t>writable</a:t>
-            </a:r>
-            <a:r>
-              <a:rPr lang="en-US" dirty="0"/>
-              <a:t> or </a:t>
-            </a:r>
-            <a:r>
-              <a:rPr lang="en-US" i="1" dirty="0"/>
-              <a:t>read-only</a:t>
-            </a:r>
-            <a:r>
-              <a:rPr lang="en-US" dirty="0"/>
-              <a:t>.</a:t>
-            </a:r>
-          </a:p>
-          <a:p>
-            <a:endParaRPr lang="en-US" dirty="0"/>
+              <a:t>Angular Signals is a system that granularly tracks how and where your state is used throughout an application, allowing the framework to optimize rendering updates.</a:t>
+            </a:r>
           </a:p>
         </p:txBody>
       </p:sp>
     </p:spTree>
     <p:extLst>
       <p:ext uri="{BB962C8B-B14F-4D97-AF65-F5344CB8AC3E}">
-        <p14:creationId xmlns:p14="http://schemas.microsoft.com/office/powerpoint/2010/main" val="4084345503"/>
+        <p14:creationId xmlns:p14="http://schemas.microsoft.com/office/powerpoint/2010/main" val="1982960553"/>
       </p:ext>
     </p:extLst>
   </p:cSld>
@@ -3395,6 +3554,111 @@
         </p:nvSpPr>
         <p:spPr/>
         <p:txBody>
+          <a:bodyPr/>
+          <a:lstStyle/>
+          <a:p>
+            <a:r>
+              <a:rPr lang="en-US" dirty="0"/>
+              <a:t>What are signals?</a:t>
+            </a:r>
+          </a:p>
+        </p:txBody>
+      </p:sp>
+      <p:sp>
+        <p:nvSpPr>
+          <p:cNvPr id="3" name="Content Placeholder 2"/>
+          <p:cNvSpPr>
+            <a:spLocks noGrp="1"/>
+          </p:cNvSpPr>
+          <p:nvPr>
+            <p:ph idx="1"/>
+          </p:nvPr>
+        </p:nvSpPr>
+        <p:spPr/>
+        <p:txBody>
+          <a:bodyPr/>
+          <a:lstStyle/>
+          <a:p>
+            <a:r>
+              <a:rPr lang="en-US" dirty="0"/>
+              <a:t>A signal is a wrapper around a value that can notify interested consumers when that value changes. Signals can contain any value, from simple primitives to complex data structures.</a:t>
+            </a:r>
+          </a:p>
+          <a:p>
+            <a:r>
+              <a:rPr lang="en-US" dirty="0"/>
+              <a:t>A signal's value is always read through a getter function, which allows Angular to track where the signal is used.</a:t>
+            </a:r>
+          </a:p>
+          <a:p>
+            <a:r>
+              <a:rPr lang="en-US" dirty="0"/>
+              <a:t>Signals may be either </a:t>
+            </a:r>
+            <a:r>
+              <a:rPr lang="en-US" i="1" dirty="0"/>
+              <a:t>writable</a:t>
+            </a:r>
+            <a:r>
+              <a:rPr lang="en-US" dirty="0"/>
+              <a:t> or </a:t>
+            </a:r>
+            <a:r>
+              <a:rPr lang="en-US" i="1" dirty="0"/>
+              <a:t>read-only</a:t>
+            </a:r>
+            <a:r>
+              <a:rPr lang="en-US" dirty="0"/>
+              <a:t>.</a:t>
+            </a:r>
+          </a:p>
+          <a:p>
+            <a:endParaRPr lang="en-US" dirty="0"/>
+          </a:p>
+        </p:txBody>
+      </p:sp>
+    </p:spTree>
+    <p:extLst>
+      <p:ext uri="{BB962C8B-B14F-4D97-AF65-F5344CB8AC3E}">
+        <p14:creationId xmlns:p14="http://schemas.microsoft.com/office/powerpoint/2010/main" val="4084345503"/>
+      </p:ext>
+    </p:extLst>
+  </p:cSld>
+  <p:clrMapOvr>
+    <a:masterClrMapping/>
+  </p:clrMapOvr>
+</p:sld>
+</file>
+
+<file path=ppt/slides/slide6.xml><?xml version="1.0" encoding="utf-8"?>
+<p:sld xmlns:a="http://schemas.openxmlformats.org/drawingml/2006/main" xmlns:r="http://schemas.openxmlformats.org/officeDocument/2006/relationships" xmlns:p="http://schemas.openxmlformats.org/presentationml/2006/main">
+  <p:cSld>
+    <p:spTree>
+      <p:nvGrpSpPr>
+        <p:cNvPr id="1" name=""/>
+        <p:cNvGrpSpPr/>
+        <p:nvPr/>
+      </p:nvGrpSpPr>
+      <p:grpSpPr>
+        <a:xfrm>
+          <a:off x="0" y="0"/>
+          <a:ext cx="0" cy="0"/>
+          <a:chOff x="0" y="0"/>
+          <a:chExt cx="0" cy="0"/>
+        </a:xfrm>
+      </p:grpSpPr>
+      <p:sp>
+        <p:nvSpPr>
+          <p:cNvPr id="2" name="Title 1"/>
+          <p:cNvSpPr>
+            <a:spLocks noGrp="1"/>
+          </p:cNvSpPr>
+          <p:nvPr>
+            <p:ph type="title"/>
+          </p:nvPr>
+        </p:nvSpPr>
+        <p:spPr/>
+        <p:txBody>
           <a:bodyPr>
             <a:normAutofit/>
           </a:bodyPr>
@@ -3402,14 +3666,10 @@
           <a:p>
             <a:r>
               <a:rPr lang="en-US" dirty="0"/>
-              <a:t>Writable </a:t>
-            </a:r>
-            <a:r>
-              <a:rPr lang="en-US" dirty="0" smtClean="0"/>
-              <a:t>signals</a:t>
+              <a:t>Writable signals</a:t>
             </a:r>
             <a:br>
-              <a:rPr lang="en-US" dirty="0" smtClean="0"/>
+              <a:rPr lang="en-US" dirty="0"/>
             </a:br>
             <a:endParaRPr lang="en-US" sz="2700" dirty="0"/>
           </a:p>
@@ -3433,23 +3693,22 @@
           <a:lstStyle/>
           <a:p>
             <a:r>
-              <a:rPr lang="en-US" sz="2400" dirty="0" smtClean="0"/>
+              <a:rPr lang="en-US" sz="2400" dirty="0"/>
               <a:t>Writable signals provide an API for updating their values directly. You create writable signals by calling the signal function with the signal's initial value:</a:t>
             </a:r>
           </a:p>
           <a:p>
             <a:r>
-              <a:rPr lang="en-US" sz="2400" dirty="0" smtClean="0"/>
+              <a:rPr lang="en-US" sz="2400" dirty="0"/>
               <a:t>Example:</a:t>
             </a:r>
-            <a:endParaRPr lang="en-US" sz="2400" dirty="0"/>
           </a:p>
           <a:p>
             <a:pPr marL="457200" lvl="1" indent="0">
               <a:buNone/>
             </a:pPr>
             <a:r>
-              <a:rPr lang="en-US" sz="2000" dirty="0" smtClean="0"/>
+              <a:rPr lang="en-US" sz="2000" dirty="0"/>
               <a:t>const count = signal(0);</a:t>
             </a:r>
           </a:p>
@@ -3458,7 +3717,7 @@
               <a:buNone/>
             </a:pPr>
             <a:r>
-              <a:rPr lang="en-US" sz="2000" dirty="0" smtClean="0"/>
+              <a:rPr lang="en-US" sz="2000" dirty="0"/>
               <a:t>// Signals are getter functions - calling them reads their value.</a:t>
             </a:r>
           </a:p>
@@ -3467,10 +3726,9 @@
               <a:buNone/>
             </a:pPr>
             <a:r>
-              <a:rPr lang="en-US" sz="2000" dirty="0" smtClean="0"/>
+              <a:rPr lang="en-US" sz="2000" dirty="0"/>
               <a:t>console.log('The count is: ' + count());</a:t>
             </a:r>
-            <a:endParaRPr lang="en-US" sz="2000" dirty="0"/>
           </a:p>
         </p:txBody>
       </p:sp>

--- a/Angular v16.pptx
+++ b/Angular v16.pptx
@@ -246,7 +246,7 @@
           <a:p>
             <a:fld id="{0E4F80F8-4085-4CD5-B19E-9319718D2375}" type="datetimeFigureOut">
               <a:rPr lang="en-US" smtClean="0"/>
-              <a:t>1/25/2024</a:t>
+              <a:t>1/29/2024</a:t>
             </a:fld>
             <a:endParaRPr lang="en-US"/>
           </a:p>
@@ -414,7 +414,7 @@
           <a:p>
             <a:fld id="{0E4F80F8-4085-4CD5-B19E-9319718D2375}" type="datetimeFigureOut">
               <a:rPr lang="en-US" smtClean="0"/>
-              <a:t>1/25/2024</a:t>
+              <a:t>1/29/2024</a:t>
             </a:fld>
             <a:endParaRPr lang="en-US"/>
           </a:p>
@@ -592,7 +592,7 @@
           <a:p>
             <a:fld id="{0E4F80F8-4085-4CD5-B19E-9319718D2375}" type="datetimeFigureOut">
               <a:rPr lang="en-US" smtClean="0"/>
-              <a:t>1/25/2024</a:t>
+              <a:t>1/29/2024</a:t>
             </a:fld>
             <a:endParaRPr lang="en-US"/>
           </a:p>
@@ -760,7 +760,7 @@
           <a:p>
             <a:fld id="{0E4F80F8-4085-4CD5-B19E-9319718D2375}" type="datetimeFigureOut">
               <a:rPr lang="en-US" smtClean="0"/>
-              <a:t>1/25/2024</a:t>
+              <a:t>1/29/2024</a:t>
             </a:fld>
             <a:endParaRPr lang="en-US"/>
           </a:p>
@@ -1005,7 +1005,7 @@
           <a:p>
             <a:fld id="{0E4F80F8-4085-4CD5-B19E-9319718D2375}" type="datetimeFigureOut">
               <a:rPr lang="en-US" smtClean="0"/>
-              <a:t>1/25/2024</a:t>
+              <a:t>1/29/2024</a:t>
             </a:fld>
             <a:endParaRPr lang="en-US"/>
           </a:p>
@@ -1234,7 +1234,7 @@
           <a:p>
             <a:fld id="{0E4F80F8-4085-4CD5-B19E-9319718D2375}" type="datetimeFigureOut">
               <a:rPr lang="en-US" smtClean="0"/>
-              <a:t>1/25/2024</a:t>
+              <a:t>1/29/2024</a:t>
             </a:fld>
             <a:endParaRPr lang="en-US"/>
           </a:p>
@@ -1598,7 +1598,7 @@
           <a:p>
             <a:fld id="{0E4F80F8-4085-4CD5-B19E-9319718D2375}" type="datetimeFigureOut">
               <a:rPr lang="en-US" smtClean="0"/>
-              <a:t>1/25/2024</a:t>
+              <a:t>1/29/2024</a:t>
             </a:fld>
             <a:endParaRPr lang="en-US"/>
           </a:p>
@@ -1715,7 +1715,7 @@
           <a:p>
             <a:fld id="{0E4F80F8-4085-4CD5-B19E-9319718D2375}" type="datetimeFigureOut">
               <a:rPr lang="en-US" smtClean="0"/>
-              <a:t>1/25/2024</a:t>
+              <a:t>1/29/2024</a:t>
             </a:fld>
             <a:endParaRPr lang="en-US"/>
           </a:p>
@@ -1810,7 +1810,7 @@
           <a:p>
             <a:fld id="{0E4F80F8-4085-4CD5-B19E-9319718D2375}" type="datetimeFigureOut">
               <a:rPr lang="en-US" smtClean="0"/>
-              <a:t>1/25/2024</a:t>
+              <a:t>1/29/2024</a:t>
             </a:fld>
             <a:endParaRPr lang="en-US"/>
           </a:p>
@@ -2085,7 +2085,7 @@
           <a:p>
             <a:fld id="{0E4F80F8-4085-4CD5-B19E-9319718D2375}" type="datetimeFigureOut">
               <a:rPr lang="en-US" smtClean="0"/>
-              <a:t>1/25/2024</a:t>
+              <a:t>1/29/2024</a:t>
             </a:fld>
             <a:endParaRPr lang="en-US"/>
           </a:p>
@@ -2337,7 +2337,7 @@
           <a:p>
             <a:fld id="{0E4F80F8-4085-4CD5-B19E-9319718D2375}" type="datetimeFigureOut">
               <a:rPr lang="en-US" smtClean="0"/>
-              <a:t>1/25/2024</a:t>
+              <a:t>1/29/2024</a:t>
             </a:fld>
             <a:endParaRPr lang="en-US"/>
           </a:p>
@@ -2548,7 +2548,7 @@
           <a:p>
             <a:fld id="{0E4F80F8-4085-4CD5-B19E-9319718D2375}" type="datetimeFigureOut">
               <a:rPr lang="en-US" smtClean="0"/>
-              <a:t>1/25/2024</a:t>
+              <a:t>1/29/2024</a:t>
             </a:fld>
             <a:endParaRPr lang="en-US"/>
           </a:p>
@@ -3143,7 +3143,7 @@
         <p:spPr/>
         <p:txBody>
           <a:bodyPr>
-            <a:normAutofit fontScale="62500" lnSpcReduction="20000"/>
+            <a:normAutofit/>
           </a:bodyPr>
           <a:lstStyle/>
           <a:p>
@@ -3153,7 +3153,7 @@
             </a:pPr>
             <a:r>
               <a:rPr lang="en-US" sz="2900" dirty="0"/>
-              <a:t>Angular Signals</a:t>
+              <a:t>Angular Signals developer preview</a:t>
             </a:r>
           </a:p>
           <a:p>
@@ -3162,12 +3162,8 @@
               <a:buAutoNum type="arabicPeriod"/>
             </a:pPr>
             <a:r>
-              <a:rPr lang="en-US" sz="2900" dirty="0" err="1"/>
-              <a:t>RxJS</a:t>
-            </a:r>
-            <a:r>
               <a:rPr lang="en-US" sz="2900" dirty="0"/>
-              <a:t> interoperability</a:t>
+              <a:t>Enhanced hydration developer preview</a:t>
             </a:r>
           </a:p>
           <a:p>
@@ -3177,7 +3173,15 @@
             </a:pPr>
             <a:r>
               <a:rPr lang="en-US" sz="2900" dirty="0"/>
-              <a:t>Server-side rendering and hydration</a:t>
+              <a:t>Faster builds with the </a:t>
+            </a:r>
+            <a:r>
+              <a:rPr lang="en-US" sz="2900" dirty="0" err="1"/>
+              <a:t>esbuild</a:t>
+            </a:r>
+            <a:r>
+              <a:rPr lang="en-US" sz="2900" dirty="0"/>
+              <a:t> developer preview</a:t>
             </a:r>
           </a:p>
           <a:p>
@@ -3187,136 +3191,12 @@
             </a:pPr>
             <a:r>
               <a:rPr lang="en-US" sz="2900" dirty="0"/>
-              <a:t>Improved tooling for standalone components, directives, and pipes</a:t>
-            </a:r>
-          </a:p>
-          <a:p>
-            <a:pPr marL="514350" indent="-514350">
-              <a:buFont typeface="+mj-lt"/>
-              <a:buAutoNum type="arabicPeriod"/>
-            </a:pPr>
-            <a:r>
-              <a:rPr lang="en-US" sz="2900" dirty="0"/>
-              <a:t>Standalone ng new collection</a:t>
-            </a:r>
-          </a:p>
-          <a:p>
-            <a:pPr marL="514350" indent="-514350">
-              <a:buFont typeface="+mj-lt"/>
-              <a:buAutoNum type="arabicPeriod"/>
-            </a:pPr>
-            <a:r>
-              <a:rPr lang="en-US" sz="2900" dirty="0"/>
-              <a:t>Configure Zone.js</a:t>
-            </a:r>
-          </a:p>
-          <a:p>
-            <a:pPr marL="514350" indent="-514350">
-              <a:buFont typeface="+mj-lt"/>
-              <a:buAutoNum type="arabicPeriod"/>
-            </a:pPr>
-            <a:r>
-              <a:rPr lang="en-US" sz="2900" dirty="0"/>
-              <a:t>Advancing developer tooling</a:t>
-            </a:r>
-          </a:p>
-          <a:p>
-            <a:pPr marL="971550" lvl="1" indent="-514350">
-              <a:buFont typeface="+mj-lt"/>
-              <a:buAutoNum type="arabicPeriod"/>
-            </a:pPr>
-            <a:r>
-              <a:rPr lang="en-US" sz="2900" dirty="0"/>
-              <a:t>Developer preview of the </a:t>
-            </a:r>
-            <a:r>
-              <a:rPr lang="en-US" sz="2900" dirty="0" err="1"/>
-              <a:t>esbuild</a:t>
-            </a:r>
-            <a:r>
-              <a:rPr lang="en-US" sz="2900" dirty="0"/>
-              <a:t>-based build system</a:t>
-            </a:r>
-          </a:p>
-          <a:p>
-            <a:pPr marL="971550" lvl="1" indent="-514350">
-              <a:buFont typeface="+mj-lt"/>
-              <a:buAutoNum type="arabicPeriod"/>
-            </a:pPr>
-            <a:r>
-              <a:rPr lang="en-US" sz="2900" dirty="0"/>
-              <a:t>Better unit testing with Jest and Web Test Runner</a:t>
-            </a:r>
-          </a:p>
-          <a:p>
-            <a:pPr marL="971550" lvl="1" indent="-514350">
-              <a:buFont typeface="+mj-lt"/>
-              <a:buAutoNum type="arabicPeriod"/>
-            </a:pPr>
-            <a:r>
-              <a:rPr lang="en-US" sz="2900" dirty="0"/>
-              <a:t>Autocomplete imports in templates</a:t>
-            </a:r>
-          </a:p>
-          <a:p>
-            <a:pPr marL="514350" indent="-514350">
-              <a:buFont typeface="+mj-lt"/>
-              <a:buAutoNum type="arabicPeriod"/>
-            </a:pPr>
-            <a:r>
-              <a:rPr lang="en-US" sz="2900" dirty="0"/>
-              <a:t>Improving Developer Experience</a:t>
-            </a:r>
-          </a:p>
-          <a:p>
-            <a:pPr marL="971550" lvl="1" indent="-514350">
-              <a:buFont typeface="+mj-lt"/>
-              <a:buAutoNum type="arabicPeriod"/>
-            </a:pPr>
-            <a:r>
-              <a:rPr lang="en-US" sz="2900" dirty="0"/>
-              <a:t>Required inputs</a:t>
-            </a:r>
-          </a:p>
-          <a:p>
-            <a:pPr marL="971550" lvl="1" indent="-514350">
-              <a:buFont typeface="+mj-lt"/>
-              <a:buAutoNum type="arabicPeriod"/>
-            </a:pPr>
-            <a:r>
-              <a:rPr lang="en-US" sz="2900" dirty="0"/>
-              <a:t>CSP support for inline-styles</a:t>
-            </a:r>
-          </a:p>
-          <a:p>
-            <a:pPr marL="971550" lvl="1" indent="-514350">
-              <a:buFont typeface="+mj-lt"/>
-              <a:buAutoNum type="arabicPeriod"/>
-            </a:pPr>
-            <a:r>
-              <a:rPr lang="en-US" sz="2900" dirty="0"/>
-              <a:t>Flexible </a:t>
-            </a:r>
-            <a:r>
-              <a:rPr lang="en-US" sz="2900" dirty="0" err="1"/>
-              <a:t>ngOnDestroy</a:t>
-            </a:r>
-            <a:endParaRPr lang="en-US" sz="2900" dirty="0"/>
-          </a:p>
-          <a:p>
-            <a:pPr marL="971550" lvl="1" indent="-514350">
-              <a:buFont typeface="+mj-lt"/>
-              <a:buAutoNum type="arabicPeriod"/>
-            </a:pPr>
-            <a:r>
-              <a:rPr lang="en-US" sz="2900" dirty="0"/>
-              <a:t>Self-closing tags</a:t>
-            </a:r>
-          </a:p>
-          <a:p>
-            <a:pPr marL="971550" lvl="1" indent="-514350">
-              <a:buFont typeface="+mj-lt"/>
-              <a:buAutoNum type="arabicPeriod"/>
+              <a:t>Standalone component migration and scaffolding</a:t>
+            </a:r>
+          </a:p>
+          <a:p>
+            <a:pPr marL="457200" lvl="1" indent="0">
+              <a:buNone/>
             </a:pPr>
             <a:endParaRPr lang="en-US" dirty="0"/>
           </a:p>

--- a/Angular v16.pptx
+++ b/Angular v16.pptx
@@ -3195,6 +3195,23 @@
             </a:r>
           </a:p>
           <a:p>
+            <a:pPr marL="514350" indent="-514350">
+              <a:buFont typeface="+mj-lt"/>
+              <a:buAutoNum type="arabicPeriod"/>
+            </a:pPr>
+            <a:r>
+              <a:rPr lang="en-US" sz="2900" dirty="0"/>
+              <a:t>Required inputs</a:t>
+            </a:r>
+          </a:p>
+          <a:p>
+            <a:pPr marL="514350" indent="-514350">
+              <a:buFont typeface="+mj-lt"/>
+              <a:buAutoNum type="arabicPeriod"/>
+            </a:pPr>
+            <a:endParaRPr lang="en-US" sz="2900" dirty="0"/>
+          </a:p>
+          <a:p>
             <a:pPr marL="457200" lvl="1" indent="0">
               <a:buNone/>
             </a:pPr>

--- a/Angular v16.pptx
+++ b/Angular v16.pptx
@@ -10,7 +10,7 @@
     <p:sldId id="258" r:id="rId4"/>
     <p:sldId id="261" r:id="rId5"/>
     <p:sldId id="259" r:id="rId6"/>
-    <p:sldId id="260" r:id="rId7"/>
+    <p:sldId id="262" r:id="rId7"/>
   </p:sldIdLst>
   <p:sldSz cx="12192000" cy="6858000"/>
   <p:notesSz cx="6858000" cy="9144000"/>
@@ -3482,34 +3482,6 @@
             </a:r>
           </a:p>
           <a:p>
-            <a:r>
-              <a:rPr lang="en-US" dirty="0"/>
-              <a:t>A signal's value is always read through a getter function, which allows Angular to track where the signal is used.</a:t>
-            </a:r>
-          </a:p>
-          <a:p>
-            <a:r>
-              <a:rPr lang="en-US" dirty="0"/>
-              <a:t>Signals may be either </a:t>
-            </a:r>
-            <a:r>
-              <a:rPr lang="en-US" i="1" dirty="0"/>
-              <a:t>writable</a:t>
-            </a:r>
-            <a:r>
-              <a:rPr lang="en-US" dirty="0"/>
-              <a:t> or </a:t>
-            </a:r>
-            <a:r>
-              <a:rPr lang="en-US" i="1" dirty="0"/>
-              <a:t>read-only</a:t>
-            </a:r>
-            <a:r>
-              <a:rPr lang="en-US" dirty="0"/>
-              <a:t>.</a:t>
-            </a:r>
-          </a:p>
-          <a:p>
             <a:endParaRPr lang="en-US" dirty="0"/>
           </a:p>
         </p:txBody>
@@ -3530,6 +3502,14 @@
 <file path=ppt/slides/slide6.xml><?xml version="1.0" encoding="utf-8"?>
 <p:sld xmlns:a="http://schemas.openxmlformats.org/drawingml/2006/main" xmlns:r="http://schemas.openxmlformats.org/officeDocument/2006/relationships" xmlns:p="http://schemas.openxmlformats.org/presentationml/2006/main">
   <p:cSld>
+    <p:bg>
+      <p:bgPr>
+        <a:solidFill>
+          <a:schemeClr val="bg1"/>
+        </a:solidFill>
+        <a:effectLst/>
+      </p:bgPr>
+    </p:bg>
     <p:spTree>
       <p:nvGrpSpPr>
         <p:cNvPr id="1" name=""/>
@@ -3546,93 +3526,592 @@
       </p:grpSpPr>
       <p:sp>
         <p:nvSpPr>
-          <p:cNvPr id="2" name="Title 1"/>
-          <p:cNvSpPr>
-            <a:spLocks noGrp="1"/>
-          </p:cNvSpPr>
-          <p:nvPr>
-            <p:ph type="title"/>
-          </p:nvPr>
-        </p:nvSpPr>
-        <p:spPr/>
-        <p:txBody>
-          <a:bodyPr>
-            <a:normAutofit/>
+          <p:cNvPr id="10" name="Rectangle 9">
+            <a:extLst>
+              <a:ext uri="{FF2B5EF4-FFF2-40B4-BE49-F238E27FC236}">
+                <a16:creationId xmlns:a16="http://schemas.microsoft.com/office/drawing/2014/main" id="{F3060C83-F051-4F0E-ABAD-AA0DFC48B218}"/>
+              </a:ext>
+              <a:ext uri="{C183D7F6-B498-43B3-948B-1728B52AA6E4}">
+                <adec:decorative xmlns:adec="http://schemas.microsoft.com/office/drawing/2017/decorative" val="1"/>
+              </a:ext>
+            </a:extLst>
+          </p:cNvPr>
+          <p:cNvSpPr>
+            <a:spLocks noGrp="1" noRot="1" noChangeAspect="1" noMove="1" noResize="1" noEditPoints="1" noAdjustHandles="1" noChangeArrowheads="1" noChangeShapeType="1" noTextEdit="1"/>
+          </p:cNvSpPr>
+          <p:nvPr>
+            <p:extLst>
+              <p:ext uri="{386F3935-93C4-4BCD-93E2-E3B085C9AB24}">
+                <p16:designElem xmlns:p16="http://schemas.microsoft.com/office/powerpoint/2015/main" val="1"/>
+              </p:ext>
+            </p:extLst>
+          </p:nvPr>
+        </p:nvSpPr>
+        <p:spPr>
+          <a:xfrm>
+            <a:off x="0" y="0"/>
+            <a:ext cx="12192000" cy="6858000"/>
+          </a:xfrm>
+          <a:prstGeom prst="rect">
+            <a:avLst/>
+          </a:prstGeom>
+          <a:solidFill>
+            <a:schemeClr val="bg1"/>
+          </a:solidFill>
+          <a:ln>
+            <a:noFill/>
+          </a:ln>
+        </p:spPr>
+        <p:style>
+          <a:lnRef idx="2">
+            <a:schemeClr val="accent1">
+              <a:shade val="50000"/>
+            </a:schemeClr>
+          </a:lnRef>
+          <a:fillRef idx="1">
+            <a:schemeClr val="accent1"/>
+          </a:fillRef>
+          <a:effectRef idx="0">
+            <a:schemeClr val="accent1"/>
+          </a:effectRef>
+          <a:fontRef idx="minor">
+            <a:schemeClr val="lt1"/>
+          </a:fontRef>
+        </p:style>
+        <p:txBody>
+          <a:bodyPr rtlCol="0" anchor="ctr"/>
+          <a:lstStyle/>
+          <a:p>
+            <a:pPr algn="ctr"/>
+            <a:endParaRPr lang="en-US" dirty="0"/>
+          </a:p>
+        </p:txBody>
+      </p:sp>
+      <p:sp>
+        <p:nvSpPr>
+          <p:cNvPr id="12" name="Freeform: Shape 11">
+            <a:extLst>
+              <a:ext uri="{FF2B5EF4-FFF2-40B4-BE49-F238E27FC236}">
+                <a16:creationId xmlns:a16="http://schemas.microsoft.com/office/drawing/2014/main" id="{83C98ABE-055B-441F-B07E-44F97F083C39}"/>
+              </a:ext>
+              <a:ext uri="{C183D7F6-B498-43B3-948B-1728B52AA6E4}">
+                <adec:decorative xmlns:adec="http://schemas.microsoft.com/office/drawing/2017/decorative" val="1"/>
+              </a:ext>
+            </a:extLst>
+          </p:cNvPr>
+          <p:cNvSpPr>
+            <a:spLocks noGrp="1" noRot="1" noChangeAspect="1" noMove="1" noResize="1" noEditPoints="1" noAdjustHandles="1" noChangeArrowheads="1" noChangeShapeType="1" noTextEdit="1"/>
+          </p:cNvSpPr>
+          <p:nvPr>
+            <p:extLst>
+              <p:ext uri="{386F3935-93C4-4BCD-93E2-E3B085C9AB24}">
+                <p16:designElem xmlns:p16="http://schemas.microsoft.com/office/powerpoint/2015/main" val="1"/>
+              </p:ext>
+            </p:extLst>
+          </p:nvPr>
+        </p:nvSpPr>
+        <p:spPr>
+          <a:xfrm rot="18900000" flipH="1">
+            <a:off x="-376156" y="-253670"/>
+            <a:ext cx="1827638" cy="1376989"/>
+          </a:xfrm>
+          <a:custGeom>
+            <a:avLst/>
+            <a:gdLst>
+              <a:gd name="connsiteX0" fmla="*/ 0 w 1827638"/>
+              <a:gd name="connsiteY0" fmla="*/ 987379 h 1376989"/>
+              <a:gd name="connsiteX1" fmla="*/ 987379 w 1827638"/>
+              <a:gd name="connsiteY1" fmla="*/ 0 h 1376989"/>
+              <a:gd name="connsiteX2" fmla="*/ 1827638 w 1827638"/>
+              <a:gd name="connsiteY2" fmla="*/ 840260 h 1376989"/>
+              <a:gd name="connsiteX3" fmla="*/ 1827638 w 1827638"/>
+              <a:gd name="connsiteY3" fmla="*/ 1376989 h 1376989"/>
+              <a:gd name="connsiteX4" fmla="*/ 0 w 1827638"/>
+              <a:gd name="connsiteY4" fmla="*/ 1376989 h 1376989"/>
+            </a:gdLst>
+            <a:ahLst/>
+            <a:cxnLst>
+              <a:cxn ang="0">
+                <a:pos x="connsiteX0" y="connsiteY0"/>
+              </a:cxn>
+              <a:cxn ang="0">
+                <a:pos x="connsiteX1" y="connsiteY1"/>
+              </a:cxn>
+              <a:cxn ang="0">
+                <a:pos x="connsiteX2" y="connsiteY2"/>
+              </a:cxn>
+              <a:cxn ang="0">
+                <a:pos x="connsiteX3" y="connsiteY3"/>
+              </a:cxn>
+              <a:cxn ang="0">
+                <a:pos x="connsiteX4" y="connsiteY4"/>
+              </a:cxn>
+            </a:cxnLst>
+            <a:rect l="l" t="t" r="r" b="b"/>
+            <a:pathLst>
+              <a:path w="1827638" h="1376989">
+                <a:moveTo>
+                  <a:pt x="0" y="987379"/>
+                </a:moveTo>
+                <a:lnTo>
+                  <a:pt x="987379" y="0"/>
+                </a:lnTo>
+                <a:lnTo>
+                  <a:pt x="1827638" y="840260"/>
+                </a:lnTo>
+                <a:lnTo>
+                  <a:pt x="1827638" y="1376989"/>
+                </a:lnTo>
+                <a:lnTo>
+                  <a:pt x="0" y="1376989"/>
+                </a:lnTo>
+                <a:close/>
+              </a:path>
+            </a:pathLst>
+          </a:custGeom>
+          <a:solidFill>
+            <a:schemeClr val="accent1">
+              <a:alpha val="30000"/>
+            </a:schemeClr>
+          </a:solidFill>
+          <a:ln>
+            <a:noFill/>
+          </a:ln>
+        </p:spPr>
+        <p:style>
+          <a:lnRef idx="2">
+            <a:schemeClr val="accent1">
+              <a:shade val="50000"/>
+            </a:schemeClr>
+          </a:lnRef>
+          <a:fillRef idx="1">
+            <a:schemeClr val="accent1"/>
+          </a:fillRef>
+          <a:effectRef idx="0">
+            <a:schemeClr val="accent1"/>
+          </a:effectRef>
+          <a:fontRef idx="minor">
+            <a:schemeClr val="lt1"/>
+          </a:fontRef>
+        </p:style>
+        <p:txBody>
+          <a:bodyPr rtlCol="0" anchor="ctr"/>
+          <a:lstStyle/>
+          <a:p>
+            <a:pPr algn="ctr"/>
+            <a:endParaRPr lang="en-US" dirty="0"/>
+          </a:p>
+        </p:txBody>
+      </p:sp>
+      <p:sp>
+        <p:nvSpPr>
+          <p:cNvPr id="14" name="Rectangle 13">
+            <a:extLst>
+              <a:ext uri="{FF2B5EF4-FFF2-40B4-BE49-F238E27FC236}">
+                <a16:creationId xmlns:a16="http://schemas.microsoft.com/office/drawing/2014/main" id="{29FDB030-9B49-4CED-8CCD-4D99382388AC}"/>
+              </a:ext>
+              <a:ext uri="{C183D7F6-B498-43B3-948B-1728B52AA6E4}">
+                <adec:decorative xmlns:adec="http://schemas.microsoft.com/office/drawing/2017/decorative" val="1"/>
+              </a:ext>
+            </a:extLst>
+          </p:cNvPr>
+          <p:cNvSpPr>
+            <a:spLocks noGrp="1" noRot="1" noChangeAspect="1" noMove="1" noResize="1" noEditPoints="1" noAdjustHandles="1" noChangeArrowheads="1" noChangeShapeType="1" noTextEdit="1"/>
+          </p:cNvSpPr>
+          <p:nvPr>
+            <p:extLst>
+              <p:ext uri="{386F3935-93C4-4BCD-93E2-E3B085C9AB24}">
+                <p16:designElem xmlns:p16="http://schemas.microsoft.com/office/powerpoint/2015/main" val="1"/>
+              </p:ext>
+            </p:extLst>
+          </p:nvPr>
+        </p:nvSpPr>
+        <p:spPr>
+          <a:xfrm rot="18900000" flipH="1">
+            <a:off x="891641" y="422146"/>
+            <a:ext cx="645368" cy="645368"/>
+          </a:xfrm>
+          <a:prstGeom prst="rect">
+            <a:avLst/>
+          </a:prstGeom>
+          <a:solidFill>
+            <a:schemeClr val="accent1">
+              <a:alpha val="30000"/>
+            </a:schemeClr>
+          </a:solidFill>
+          <a:ln>
+            <a:noFill/>
+          </a:ln>
+        </p:spPr>
+        <p:style>
+          <a:lnRef idx="2">
+            <a:schemeClr val="accent1">
+              <a:shade val="50000"/>
+            </a:schemeClr>
+          </a:lnRef>
+          <a:fillRef idx="1">
+            <a:schemeClr val="accent1"/>
+          </a:fillRef>
+          <a:effectRef idx="0">
+            <a:schemeClr val="accent1"/>
+          </a:effectRef>
+          <a:fontRef idx="minor">
+            <a:schemeClr val="lt1"/>
+          </a:fontRef>
+        </p:style>
+        <p:txBody>
+          <a:bodyPr rtlCol="0" anchor="ctr"/>
+          <a:lstStyle/>
+          <a:p>
+            <a:pPr algn="ctr"/>
+            <a:endParaRPr lang="en-US"/>
+          </a:p>
+        </p:txBody>
+      </p:sp>
+      <p:sp>
+        <p:nvSpPr>
+          <p:cNvPr id="16" name="Rectangle 15">
+            <a:extLst>
+              <a:ext uri="{FF2B5EF4-FFF2-40B4-BE49-F238E27FC236}">
+                <a16:creationId xmlns:a16="http://schemas.microsoft.com/office/drawing/2014/main" id="{3783CA14-24A1-485C-8B30-D6A5D87987AD}"/>
+              </a:ext>
+              <a:ext uri="{C183D7F6-B498-43B3-948B-1728B52AA6E4}">
+                <adec:decorative xmlns:adec="http://schemas.microsoft.com/office/drawing/2017/decorative" val="1"/>
+              </a:ext>
+            </a:extLst>
+          </p:cNvPr>
+          <p:cNvSpPr>
+            <a:spLocks noGrp="1" noRot="1" noChangeAspect="1" noMove="1" noResize="1" noEditPoints="1" noAdjustHandles="1" noChangeArrowheads="1" noChangeShapeType="1" noTextEdit="1"/>
+          </p:cNvSpPr>
+          <p:nvPr>
+            <p:extLst>
+              <p:ext uri="{386F3935-93C4-4BCD-93E2-E3B085C9AB24}">
+                <p16:designElem xmlns:p16="http://schemas.microsoft.com/office/powerpoint/2015/main" val="1"/>
+              </p:ext>
+            </p:extLst>
+          </p:nvPr>
+        </p:nvSpPr>
+        <p:spPr>
+          <a:xfrm rot="18900000" flipH="1">
+            <a:off x="10043482" y="655140"/>
+            <a:ext cx="687472" cy="687472"/>
+          </a:xfrm>
+          <a:prstGeom prst="rect">
+            <a:avLst/>
+          </a:prstGeom>
+          <a:solidFill>
+            <a:schemeClr val="accent4">
+              <a:alpha val="30000"/>
+            </a:schemeClr>
+          </a:solidFill>
+          <a:ln>
+            <a:noFill/>
+          </a:ln>
+        </p:spPr>
+        <p:style>
+          <a:lnRef idx="2">
+            <a:schemeClr val="accent1">
+              <a:shade val="50000"/>
+            </a:schemeClr>
+          </a:lnRef>
+          <a:fillRef idx="1">
+            <a:schemeClr val="accent1"/>
+          </a:fillRef>
+          <a:effectRef idx="0">
+            <a:schemeClr val="accent1"/>
+          </a:effectRef>
+          <a:fontRef idx="minor">
+            <a:schemeClr val="lt1"/>
+          </a:fontRef>
+        </p:style>
+        <p:txBody>
+          <a:bodyPr rtlCol="0" anchor="ctr"/>
+          <a:lstStyle/>
+          <a:p>
+            <a:pPr algn="ctr"/>
+            <a:endParaRPr lang="en-US"/>
+          </a:p>
+        </p:txBody>
+      </p:sp>
+      <p:sp>
+        <p:nvSpPr>
+          <p:cNvPr id="18" name="Freeform: Shape 17">
+            <a:extLst>
+              <a:ext uri="{FF2B5EF4-FFF2-40B4-BE49-F238E27FC236}">
+                <a16:creationId xmlns:a16="http://schemas.microsoft.com/office/drawing/2014/main" id="{9A97C86A-04D6-40F7-AE84-31AB43E6A846}"/>
+              </a:ext>
+              <a:ext uri="{C183D7F6-B498-43B3-948B-1728B52AA6E4}">
+                <adec:decorative xmlns:adec="http://schemas.microsoft.com/office/drawing/2017/decorative" val="1"/>
+              </a:ext>
+            </a:extLst>
+          </p:cNvPr>
+          <p:cNvSpPr>
+            <a:spLocks noGrp="1" noRot="1" noChangeAspect="1" noMove="1" noResize="1" noEditPoints="1" noAdjustHandles="1" noChangeArrowheads="1" noChangeShapeType="1" noTextEdit="1"/>
+          </p:cNvSpPr>
+          <p:nvPr>
+            <p:extLst>
+              <p:ext uri="{386F3935-93C4-4BCD-93E2-E3B085C9AB24}">
+                <p16:designElem xmlns:p16="http://schemas.microsoft.com/office/powerpoint/2015/main" val="1"/>
+              </p:ext>
+            </p:extLst>
+          </p:nvPr>
+        </p:nvSpPr>
+        <p:spPr>
+          <a:xfrm rot="10800000" flipH="1">
+            <a:off x="9356643" y="0"/>
+            <a:ext cx="2835357" cy="1480837"/>
+          </a:xfrm>
+          <a:custGeom>
+            <a:avLst/>
+            <a:gdLst>
+              <a:gd name="connsiteX0" fmla="*/ 2835357 w 2835357"/>
+              <a:gd name="connsiteY0" fmla="*/ 1480837 h 1480837"/>
+              <a:gd name="connsiteX1" fmla="*/ 0 w 2835357"/>
+              <a:gd name="connsiteY1" fmla="*/ 1480837 h 1480837"/>
+              <a:gd name="connsiteX2" fmla="*/ 1552727 w 2835357"/>
+              <a:gd name="connsiteY2" fmla="*/ 0 h 1480837"/>
+              <a:gd name="connsiteX3" fmla="*/ 2835357 w 2835357"/>
+              <a:gd name="connsiteY3" fmla="*/ 1223245 h 1480837"/>
+            </a:gdLst>
+            <a:ahLst/>
+            <a:cxnLst>
+              <a:cxn ang="0">
+                <a:pos x="connsiteX0" y="connsiteY0"/>
+              </a:cxn>
+              <a:cxn ang="0">
+                <a:pos x="connsiteX1" y="connsiteY1"/>
+              </a:cxn>
+              <a:cxn ang="0">
+                <a:pos x="connsiteX2" y="connsiteY2"/>
+              </a:cxn>
+              <a:cxn ang="0">
+                <a:pos x="connsiteX3" y="connsiteY3"/>
+              </a:cxn>
+            </a:cxnLst>
+            <a:rect l="l" t="t" r="r" b="b"/>
+            <a:pathLst>
+              <a:path w="2835357" h="1480837">
+                <a:moveTo>
+                  <a:pt x="2835357" y="1480837"/>
+                </a:moveTo>
+                <a:lnTo>
+                  <a:pt x="0" y="1480837"/>
+                </a:lnTo>
+                <a:lnTo>
+                  <a:pt x="1552727" y="0"/>
+                </a:lnTo>
+                <a:lnTo>
+                  <a:pt x="2835357" y="1223245"/>
+                </a:lnTo>
+                <a:close/>
+              </a:path>
+            </a:pathLst>
+          </a:custGeom>
+          <a:solidFill>
+            <a:schemeClr val="accent4">
+              <a:alpha val="30000"/>
+            </a:schemeClr>
+          </a:solidFill>
+          <a:ln>
+            <a:noFill/>
+          </a:ln>
+        </p:spPr>
+        <p:style>
+          <a:lnRef idx="2">
+            <a:schemeClr val="accent1">
+              <a:shade val="50000"/>
+            </a:schemeClr>
+          </a:lnRef>
+          <a:fillRef idx="1">
+            <a:schemeClr val="accent1"/>
+          </a:fillRef>
+          <a:effectRef idx="0">
+            <a:schemeClr val="accent1"/>
+          </a:effectRef>
+          <a:fontRef idx="minor">
+            <a:schemeClr val="lt1"/>
+          </a:fontRef>
+        </p:style>
+        <p:txBody>
+          <a:bodyPr wrap="square" rtlCol="0" anchor="ctr">
+            <a:noAutofit/>
           </a:bodyPr>
           <a:lstStyle/>
           <a:p>
-            <a:r>
-              <a:rPr lang="en-US" dirty="0"/>
-              <a:t>Writable signals</a:t>
-            </a:r>
-            <a:br>
-              <a:rPr lang="en-US" dirty="0"/>
-            </a:br>
-            <a:endParaRPr lang="en-US" sz="2700" dirty="0"/>
-          </a:p>
-        </p:txBody>
-      </p:sp>
-      <p:sp>
-        <p:nvSpPr>
-          <p:cNvPr id="3" name="Content Placeholder 2"/>
-          <p:cNvSpPr>
-            <a:spLocks noGrp="1"/>
-          </p:cNvSpPr>
+            <a:pPr algn="ctr"/>
+            <a:endParaRPr lang="en-US" dirty="0"/>
+          </a:p>
+        </p:txBody>
+      </p:sp>
+      <p:sp>
+        <p:nvSpPr>
+          <p:cNvPr id="20" name="Isosceles Triangle 19">
+            <a:extLst>
+              <a:ext uri="{FF2B5EF4-FFF2-40B4-BE49-F238E27FC236}">
+                <a16:creationId xmlns:a16="http://schemas.microsoft.com/office/drawing/2014/main" id="{FF9F2414-84E8-453E-B1F3-389FDE8192D9}"/>
+              </a:ext>
+              <a:ext uri="{C183D7F6-B498-43B3-948B-1728B52AA6E4}">
+                <adec:decorative xmlns:adec="http://schemas.microsoft.com/office/drawing/2017/decorative" val="1"/>
+              </a:ext>
+            </a:extLst>
+          </p:cNvPr>
+          <p:cNvSpPr>
+            <a:spLocks noGrp="1" noRot="1" noChangeAspect="1" noMove="1" noResize="1" noEditPoints="1" noAdjustHandles="1" noChangeArrowheads="1" noChangeShapeType="1" noTextEdit="1"/>
+          </p:cNvSpPr>
+          <p:nvPr>
+            <p:extLst>
+              <p:ext uri="{386F3935-93C4-4BCD-93E2-E3B085C9AB24}">
+                <p16:designElem xmlns:p16="http://schemas.microsoft.com/office/powerpoint/2015/main" val="1"/>
+              </p:ext>
+            </p:extLst>
+          </p:nvPr>
+        </p:nvSpPr>
+        <p:spPr>
+          <a:xfrm flipH="1">
+            <a:off x="7976344" y="6115501"/>
+            <a:ext cx="1494513" cy="742499"/>
+          </a:xfrm>
+          <a:prstGeom prst="triangle">
+            <a:avLst/>
+          </a:prstGeom>
+          <a:solidFill>
+            <a:schemeClr val="accent1">
+              <a:alpha val="30000"/>
+            </a:schemeClr>
+          </a:solidFill>
+          <a:ln>
+            <a:noFill/>
+          </a:ln>
+        </p:spPr>
+        <p:style>
+          <a:lnRef idx="2">
+            <a:schemeClr val="accent1">
+              <a:shade val="50000"/>
+            </a:schemeClr>
+          </a:lnRef>
+          <a:fillRef idx="1">
+            <a:schemeClr val="accent1"/>
+          </a:fillRef>
+          <a:effectRef idx="0">
+            <a:schemeClr val="accent1"/>
+          </a:effectRef>
+          <a:fontRef idx="minor">
+            <a:schemeClr val="lt1"/>
+          </a:fontRef>
+        </p:style>
+        <p:txBody>
+          <a:bodyPr rtlCol="0" anchor="ctr"/>
+          <a:lstStyle/>
+          <a:p>
+            <a:pPr algn="ctr"/>
+            <a:endParaRPr lang="en-US"/>
+          </a:p>
+        </p:txBody>
+      </p:sp>
+      <p:pic>
+        <p:nvPicPr>
+          <p:cNvPr id="5" name="Content Placeholder 4">
+            <a:extLst>
+              <a:ext uri="{FF2B5EF4-FFF2-40B4-BE49-F238E27FC236}">
+                <a16:creationId xmlns:a16="http://schemas.microsoft.com/office/drawing/2014/main" id="{1AC9DB45-0E1B-1108-82E5-A5BC3357573D}"/>
+              </a:ext>
+            </a:extLst>
+          </p:cNvPr>
+          <p:cNvPicPr>
+            <a:picLocks noGrp="1" noChangeAspect="1"/>
+          </p:cNvPicPr>
           <p:nvPr>
             <p:ph idx="1"/>
           </p:nvPr>
-        </p:nvSpPr>
-        <p:spPr/>
-        <p:txBody>
-          <a:bodyPr>
-            <a:normAutofit/>
-          </a:bodyPr>
-          <a:lstStyle/>
-          <a:p>
-            <a:r>
-              <a:rPr lang="en-US" sz="2400" dirty="0"/>
-              <a:t>Writable signals provide an API for updating their values directly. You create writable signals by calling the signal function with the signal's initial value:</a:t>
-            </a:r>
-          </a:p>
-          <a:p>
-            <a:r>
-              <a:rPr lang="en-US" sz="2400" dirty="0"/>
-              <a:t>Example:</a:t>
-            </a:r>
-          </a:p>
-          <a:p>
-            <a:pPr marL="457200" lvl="1" indent="0">
-              <a:buNone/>
-            </a:pPr>
-            <a:r>
-              <a:rPr lang="en-US" sz="2000" dirty="0"/>
-              <a:t>const count = signal(0);</a:t>
-            </a:r>
-          </a:p>
-          <a:p>
-            <a:pPr marL="457200" lvl="1" indent="0">
-              <a:buNone/>
-            </a:pPr>
-            <a:r>
-              <a:rPr lang="en-US" sz="2000" dirty="0"/>
-              <a:t>// Signals are getter functions - calling them reads their value.</a:t>
-            </a:r>
-          </a:p>
-          <a:p>
-            <a:pPr marL="457200" lvl="1" indent="0">
-              <a:buNone/>
-            </a:pPr>
-            <a:r>
-              <a:rPr lang="en-US" sz="2000" dirty="0"/>
-              <a:t>console.log('The count is: ' + count());</a:t>
-            </a:r>
+        </p:nvPicPr>
+        <p:blipFill>
+          <a:blip r:embed="rId2"/>
+          <a:stretch>
+            <a:fillRect/>
+          </a:stretch>
+        </p:blipFill>
+        <p:spPr>
+          <a:xfrm>
+            <a:off x="3965068" y="643467"/>
+            <a:ext cx="4261864" cy="5571065"/>
+          </a:xfrm>
+          <a:prstGeom prst="rect">
+            <a:avLst/>
+          </a:prstGeom>
+          <a:ln>
+            <a:noFill/>
+          </a:ln>
+        </p:spPr>
+      </p:pic>
+      <p:sp>
+        <p:nvSpPr>
+          <p:cNvPr id="22" name="Isosceles Triangle 21">
+            <a:extLst>
+              <a:ext uri="{FF2B5EF4-FFF2-40B4-BE49-F238E27FC236}">
+                <a16:creationId xmlns:a16="http://schemas.microsoft.com/office/drawing/2014/main" id="{3ECA69A1-7536-43AC-85EF-C7106179F5ED}"/>
+              </a:ext>
+              <a:ext uri="{C183D7F6-B498-43B3-948B-1728B52AA6E4}">
+                <adec:decorative xmlns:adec="http://schemas.microsoft.com/office/drawing/2017/decorative" val="1"/>
+              </a:ext>
+            </a:extLst>
+          </p:cNvPr>
+          <p:cNvSpPr>
+            <a:spLocks noGrp="1" noRot="1" noChangeAspect="1" noMove="1" noResize="1" noEditPoints="1" noAdjustHandles="1" noChangeArrowheads="1" noChangeShapeType="1" noTextEdit="1"/>
+          </p:cNvSpPr>
+          <p:nvPr>
+            <p:extLst>
+              <p:ext uri="{386F3935-93C4-4BCD-93E2-E3B085C9AB24}">
+                <p16:designElem xmlns:p16="http://schemas.microsoft.com/office/powerpoint/2015/main" val="1"/>
+              </p:ext>
+            </p:extLst>
+          </p:nvPr>
+        </p:nvSpPr>
+        <p:spPr>
+          <a:xfrm flipH="1">
+            <a:off x="7604080" y="6453143"/>
+            <a:ext cx="814903" cy="404857"/>
+          </a:xfrm>
+          <a:prstGeom prst="triangle">
+            <a:avLst/>
+          </a:prstGeom>
+          <a:solidFill>
+            <a:schemeClr val="accent1">
+              <a:alpha val="30000"/>
+            </a:schemeClr>
+          </a:solidFill>
+          <a:ln>
+            <a:noFill/>
+          </a:ln>
+        </p:spPr>
+        <p:style>
+          <a:lnRef idx="2">
+            <a:schemeClr val="accent1">
+              <a:shade val="50000"/>
+            </a:schemeClr>
+          </a:lnRef>
+          <a:fillRef idx="1">
+            <a:schemeClr val="accent1"/>
+          </a:fillRef>
+          <a:effectRef idx="0">
+            <a:schemeClr val="accent1"/>
+          </a:effectRef>
+          <a:fontRef idx="minor">
+            <a:schemeClr val="lt1"/>
+          </a:fontRef>
+        </p:style>
+        <p:txBody>
+          <a:bodyPr rtlCol="0" anchor="ctr"/>
+          <a:lstStyle/>
+          <a:p>
+            <a:pPr algn="ctr"/>
+            <a:endParaRPr lang="en-US"/>
           </a:p>
         </p:txBody>
       </p:sp>
     </p:spTree>
     <p:extLst>
       <p:ext uri="{BB962C8B-B14F-4D97-AF65-F5344CB8AC3E}">
-        <p14:creationId xmlns:p14="http://schemas.microsoft.com/office/powerpoint/2010/main" val="4238330882"/>
+        <p14:creationId xmlns:p14="http://schemas.microsoft.com/office/powerpoint/2010/main" val="2501021435"/>
       </p:ext>
     </p:extLst>
   </p:cSld>

--- a/Angular v16.pptx
+++ b/Angular v16.pptx
@@ -10,7 +10,8 @@
     <p:sldId id="258" r:id="rId4"/>
     <p:sldId id="261" r:id="rId5"/>
     <p:sldId id="259" r:id="rId6"/>
-    <p:sldId id="260" r:id="rId7"/>
+    <p:sldId id="262" r:id="rId7"/>
+    <p:sldId id="263" r:id="rId8"/>
   </p:sldIdLst>
   <p:sldSz cx="12192000" cy="6858000"/>
   <p:notesSz cx="6858000" cy="9144000"/>
@@ -3482,34 +3483,6 @@
             </a:r>
           </a:p>
           <a:p>
-            <a:r>
-              <a:rPr lang="en-US" dirty="0"/>
-              <a:t>A signal's value is always read through a getter function, which allows Angular to track where the signal is used.</a:t>
-            </a:r>
-          </a:p>
-          <a:p>
-            <a:r>
-              <a:rPr lang="en-US" dirty="0"/>
-              <a:t>Signals may be either </a:t>
-            </a:r>
-            <a:r>
-              <a:rPr lang="en-US" i="1" dirty="0"/>
-              <a:t>writable</a:t>
-            </a:r>
-            <a:r>
-              <a:rPr lang="en-US" dirty="0"/>
-              <a:t> or </a:t>
-            </a:r>
-            <a:r>
-              <a:rPr lang="en-US" i="1" dirty="0"/>
-              <a:t>read-only</a:t>
-            </a:r>
-            <a:r>
-              <a:rPr lang="en-US" dirty="0"/>
-              <a:t>.</a:t>
-            </a:r>
-          </a:p>
-          <a:p>
             <a:endParaRPr lang="en-US" dirty="0"/>
           </a:p>
         </p:txBody>
@@ -3530,6 +3503,14 @@
 <file path=ppt/slides/slide6.xml><?xml version="1.0" encoding="utf-8"?>
 <p:sld xmlns:a="http://schemas.openxmlformats.org/drawingml/2006/main" xmlns:r="http://schemas.openxmlformats.org/officeDocument/2006/relationships" xmlns:p="http://schemas.openxmlformats.org/presentationml/2006/main">
   <p:cSld>
+    <p:bg>
+      <p:bgPr>
+        <a:solidFill>
+          <a:schemeClr val="bg1"/>
+        </a:solidFill>
+        <a:effectLst/>
+      </p:bgPr>
+    </p:bg>
     <p:spTree>
       <p:nvGrpSpPr>
         <p:cNvPr id="1" name=""/>
@@ -3546,93 +3527,663 @@
       </p:grpSpPr>
       <p:sp>
         <p:nvSpPr>
-          <p:cNvPr id="2" name="Title 1"/>
-          <p:cNvSpPr>
-            <a:spLocks noGrp="1"/>
-          </p:cNvSpPr>
-          <p:nvPr>
-            <p:ph type="title"/>
-          </p:nvPr>
-        </p:nvSpPr>
-        <p:spPr/>
-        <p:txBody>
-          <a:bodyPr>
-            <a:normAutofit/>
+          <p:cNvPr id="10" name="Rectangle 9">
+            <a:extLst>
+              <a:ext uri="{FF2B5EF4-FFF2-40B4-BE49-F238E27FC236}">
+                <a16:creationId xmlns:a16="http://schemas.microsoft.com/office/drawing/2014/main" id="{F3060C83-F051-4F0E-ABAD-AA0DFC48B218}"/>
+              </a:ext>
+              <a:ext uri="{C183D7F6-B498-43B3-948B-1728B52AA6E4}">
+                <adec:decorative xmlns:adec="http://schemas.microsoft.com/office/drawing/2017/decorative" val="1"/>
+              </a:ext>
+            </a:extLst>
+          </p:cNvPr>
+          <p:cNvSpPr>
+            <a:spLocks noGrp="1" noRot="1" noChangeAspect="1" noMove="1" noResize="1" noEditPoints="1" noAdjustHandles="1" noChangeArrowheads="1" noChangeShapeType="1" noTextEdit="1"/>
+          </p:cNvSpPr>
+          <p:nvPr>
+            <p:extLst>
+              <p:ext uri="{386F3935-93C4-4BCD-93E2-E3B085C9AB24}">
+                <p16:designElem xmlns:p16="http://schemas.microsoft.com/office/powerpoint/2015/main" val="1"/>
+              </p:ext>
+            </p:extLst>
+          </p:nvPr>
+        </p:nvSpPr>
+        <p:spPr>
+          <a:xfrm>
+            <a:off x="0" y="0"/>
+            <a:ext cx="12192000" cy="6858000"/>
+          </a:xfrm>
+          <a:prstGeom prst="rect">
+            <a:avLst/>
+          </a:prstGeom>
+          <a:solidFill>
+            <a:schemeClr val="bg1"/>
+          </a:solidFill>
+          <a:ln>
+            <a:noFill/>
+          </a:ln>
+        </p:spPr>
+        <p:style>
+          <a:lnRef idx="2">
+            <a:schemeClr val="accent1">
+              <a:shade val="50000"/>
+            </a:schemeClr>
+          </a:lnRef>
+          <a:fillRef idx="1">
+            <a:schemeClr val="accent1"/>
+          </a:fillRef>
+          <a:effectRef idx="0">
+            <a:schemeClr val="accent1"/>
+          </a:effectRef>
+          <a:fontRef idx="minor">
+            <a:schemeClr val="lt1"/>
+          </a:fontRef>
+        </p:style>
+        <p:txBody>
+          <a:bodyPr rtlCol="0" anchor="ctr"/>
+          <a:lstStyle/>
+          <a:p>
+            <a:pPr algn="ctr"/>
+            <a:endParaRPr lang="en-US" dirty="0"/>
+          </a:p>
+        </p:txBody>
+      </p:sp>
+      <p:sp>
+        <p:nvSpPr>
+          <p:cNvPr id="12" name="Freeform: Shape 11">
+            <a:extLst>
+              <a:ext uri="{FF2B5EF4-FFF2-40B4-BE49-F238E27FC236}">
+                <a16:creationId xmlns:a16="http://schemas.microsoft.com/office/drawing/2014/main" id="{83C98ABE-055B-441F-B07E-44F97F083C39}"/>
+              </a:ext>
+              <a:ext uri="{C183D7F6-B498-43B3-948B-1728B52AA6E4}">
+                <adec:decorative xmlns:adec="http://schemas.microsoft.com/office/drawing/2017/decorative" val="1"/>
+              </a:ext>
+            </a:extLst>
+          </p:cNvPr>
+          <p:cNvSpPr>
+            <a:spLocks noGrp="1" noRot="1" noChangeAspect="1" noMove="1" noResize="1" noEditPoints="1" noAdjustHandles="1" noChangeArrowheads="1" noChangeShapeType="1" noTextEdit="1"/>
+          </p:cNvSpPr>
+          <p:nvPr>
+            <p:extLst>
+              <p:ext uri="{386F3935-93C4-4BCD-93E2-E3B085C9AB24}">
+                <p16:designElem xmlns:p16="http://schemas.microsoft.com/office/powerpoint/2015/main" val="1"/>
+              </p:ext>
+            </p:extLst>
+          </p:nvPr>
+        </p:nvSpPr>
+        <p:spPr>
+          <a:xfrm rot="18900000" flipH="1">
+            <a:off x="-376156" y="-253670"/>
+            <a:ext cx="1827638" cy="1376989"/>
+          </a:xfrm>
+          <a:custGeom>
+            <a:avLst/>
+            <a:gdLst>
+              <a:gd name="connsiteX0" fmla="*/ 0 w 1827638"/>
+              <a:gd name="connsiteY0" fmla="*/ 987379 h 1376989"/>
+              <a:gd name="connsiteX1" fmla="*/ 987379 w 1827638"/>
+              <a:gd name="connsiteY1" fmla="*/ 0 h 1376989"/>
+              <a:gd name="connsiteX2" fmla="*/ 1827638 w 1827638"/>
+              <a:gd name="connsiteY2" fmla="*/ 840260 h 1376989"/>
+              <a:gd name="connsiteX3" fmla="*/ 1827638 w 1827638"/>
+              <a:gd name="connsiteY3" fmla="*/ 1376989 h 1376989"/>
+              <a:gd name="connsiteX4" fmla="*/ 0 w 1827638"/>
+              <a:gd name="connsiteY4" fmla="*/ 1376989 h 1376989"/>
+            </a:gdLst>
+            <a:ahLst/>
+            <a:cxnLst>
+              <a:cxn ang="0">
+                <a:pos x="connsiteX0" y="connsiteY0"/>
+              </a:cxn>
+              <a:cxn ang="0">
+                <a:pos x="connsiteX1" y="connsiteY1"/>
+              </a:cxn>
+              <a:cxn ang="0">
+                <a:pos x="connsiteX2" y="connsiteY2"/>
+              </a:cxn>
+              <a:cxn ang="0">
+                <a:pos x="connsiteX3" y="connsiteY3"/>
+              </a:cxn>
+              <a:cxn ang="0">
+                <a:pos x="connsiteX4" y="connsiteY4"/>
+              </a:cxn>
+            </a:cxnLst>
+            <a:rect l="l" t="t" r="r" b="b"/>
+            <a:pathLst>
+              <a:path w="1827638" h="1376989">
+                <a:moveTo>
+                  <a:pt x="0" y="987379"/>
+                </a:moveTo>
+                <a:lnTo>
+                  <a:pt x="987379" y="0"/>
+                </a:lnTo>
+                <a:lnTo>
+                  <a:pt x="1827638" y="840260"/>
+                </a:lnTo>
+                <a:lnTo>
+                  <a:pt x="1827638" y="1376989"/>
+                </a:lnTo>
+                <a:lnTo>
+                  <a:pt x="0" y="1376989"/>
+                </a:lnTo>
+                <a:close/>
+              </a:path>
+            </a:pathLst>
+          </a:custGeom>
+          <a:solidFill>
+            <a:schemeClr val="accent1">
+              <a:alpha val="30000"/>
+            </a:schemeClr>
+          </a:solidFill>
+          <a:ln>
+            <a:noFill/>
+          </a:ln>
+        </p:spPr>
+        <p:style>
+          <a:lnRef idx="2">
+            <a:schemeClr val="accent1">
+              <a:shade val="50000"/>
+            </a:schemeClr>
+          </a:lnRef>
+          <a:fillRef idx="1">
+            <a:schemeClr val="accent1"/>
+          </a:fillRef>
+          <a:effectRef idx="0">
+            <a:schemeClr val="accent1"/>
+          </a:effectRef>
+          <a:fontRef idx="minor">
+            <a:schemeClr val="lt1"/>
+          </a:fontRef>
+        </p:style>
+        <p:txBody>
+          <a:bodyPr rtlCol="0" anchor="ctr"/>
+          <a:lstStyle/>
+          <a:p>
+            <a:pPr algn="ctr"/>
+            <a:endParaRPr lang="en-US" dirty="0"/>
+          </a:p>
+        </p:txBody>
+      </p:sp>
+      <p:sp>
+        <p:nvSpPr>
+          <p:cNvPr id="14" name="Rectangle 13">
+            <a:extLst>
+              <a:ext uri="{FF2B5EF4-FFF2-40B4-BE49-F238E27FC236}">
+                <a16:creationId xmlns:a16="http://schemas.microsoft.com/office/drawing/2014/main" id="{29FDB030-9B49-4CED-8CCD-4D99382388AC}"/>
+              </a:ext>
+              <a:ext uri="{C183D7F6-B498-43B3-948B-1728B52AA6E4}">
+                <adec:decorative xmlns:adec="http://schemas.microsoft.com/office/drawing/2017/decorative" val="1"/>
+              </a:ext>
+            </a:extLst>
+          </p:cNvPr>
+          <p:cNvSpPr>
+            <a:spLocks noGrp="1" noRot="1" noChangeAspect="1" noMove="1" noResize="1" noEditPoints="1" noAdjustHandles="1" noChangeArrowheads="1" noChangeShapeType="1" noTextEdit="1"/>
+          </p:cNvSpPr>
+          <p:nvPr>
+            <p:extLst>
+              <p:ext uri="{386F3935-93C4-4BCD-93E2-E3B085C9AB24}">
+                <p16:designElem xmlns:p16="http://schemas.microsoft.com/office/powerpoint/2015/main" val="1"/>
+              </p:ext>
+            </p:extLst>
+          </p:nvPr>
+        </p:nvSpPr>
+        <p:spPr>
+          <a:xfrm rot="18900000" flipH="1">
+            <a:off x="891641" y="422146"/>
+            <a:ext cx="645368" cy="645368"/>
+          </a:xfrm>
+          <a:prstGeom prst="rect">
+            <a:avLst/>
+          </a:prstGeom>
+          <a:solidFill>
+            <a:schemeClr val="accent1">
+              <a:alpha val="30000"/>
+            </a:schemeClr>
+          </a:solidFill>
+          <a:ln>
+            <a:noFill/>
+          </a:ln>
+        </p:spPr>
+        <p:style>
+          <a:lnRef idx="2">
+            <a:schemeClr val="accent1">
+              <a:shade val="50000"/>
+            </a:schemeClr>
+          </a:lnRef>
+          <a:fillRef idx="1">
+            <a:schemeClr val="accent1"/>
+          </a:fillRef>
+          <a:effectRef idx="0">
+            <a:schemeClr val="accent1"/>
+          </a:effectRef>
+          <a:fontRef idx="minor">
+            <a:schemeClr val="lt1"/>
+          </a:fontRef>
+        </p:style>
+        <p:txBody>
+          <a:bodyPr rtlCol="0" anchor="ctr"/>
+          <a:lstStyle/>
+          <a:p>
+            <a:pPr algn="ctr"/>
+            <a:endParaRPr lang="en-US"/>
+          </a:p>
+        </p:txBody>
+      </p:sp>
+      <p:sp>
+        <p:nvSpPr>
+          <p:cNvPr id="16" name="Rectangle 15">
+            <a:extLst>
+              <a:ext uri="{FF2B5EF4-FFF2-40B4-BE49-F238E27FC236}">
+                <a16:creationId xmlns:a16="http://schemas.microsoft.com/office/drawing/2014/main" id="{3783CA14-24A1-485C-8B30-D6A5D87987AD}"/>
+              </a:ext>
+              <a:ext uri="{C183D7F6-B498-43B3-948B-1728B52AA6E4}">
+                <adec:decorative xmlns:adec="http://schemas.microsoft.com/office/drawing/2017/decorative" val="1"/>
+              </a:ext>
+            </a:extLst>
+          </p:cNvPr>
+          <p:cNvSpPr>
+            <a:spLocks noGrp="1" noRot="1" noChangeAspect="1" noMove="1" noResize="1" noEditPoints="1" noAdjustHandles="1" noChangeArrowheads="1" noChangeShapeType="1" noTextEdit="1"/>
+          </p:cNvSpPr>
+          <p:nvPr>
+            <p:extLst>
+              <p:ext uri="{386F3935-93C4-4BCD-93E2-E3B085C9AB24}">
+                <p16:designElem xmlns:p16="http://schemas.microsoft.com/office/powerpoint/2015/main" val="1"/>
+              </p:ext>
+            </p:extLst>
+          </p:nvPr>
+        </p:nvSpPr>
+        <p:spPr>
+          <a:xfrm rot="18900000" flipH="1">
+            <a:off x="10043482" y="655140"/>
+            <a:ext cx="687472" cy="687472"/>
+          </a:xfrm>
+          <a:prstGeom prst="rect">
+            <a:avLst/>
+          </a:prstGeom>
+          <a:solidFill>
+            <a:schemeClr val="accent4">
+              <a:alpha val="30000"/>
+            </a:schemeClr>
+          </a:solidFill>
+          <a:ln>
+            <a:noFill/>
+          </a:ln>
+        </p:spPr>
+        <p:style>
+          <a:lnRef idx="2">
+            <a:schemeClr val="accent1">
+              <a:shade val="50000"/>
+            </a:schemeClr>
+          </a:lnRef>
+          <a:fillRef idx="1">
+            <a:schemeClr val="accent1"/>
+          </a:fillRef>
+          <a:effectRef idx="0">
+            <a:schemeClr val="accent1"/>
+          </a:effectRef>
+          <a:fontRef idx="minor">
+            <a:schemeClr val="lt1"/>
+          </a:fontRef>
+        </p:style>
+        <p:txBody>
+          <a:bodyPr rtlCol="0" anchor="ctr"/>
+          <a:lstStyle/>
+          <a:p>
+            <a:pPr algn="ctr"/>
+            <a:endParaRPr lang="en-US"/>
+          </a:p>
+        </p:txBody>
+      </p:sp>
+      <p:sp>
+        <p:nvSpPr>
+          <p:cNvPr id="18" name="Freeform: Shape 17">
+            <a:extLst>
+              <a:ext uri="{FF2B5EF4-FFF2-40B4-BE49-F238E27FC236}">
+                <a16:creationId xmlns:a16="http://schemas.microsoft.com/office/drawing/2014/main" id="{9A97C86A-04D6-40F7-AE84-31AB43E6A846}"/>
+              </a:ext>
+              <a:ext uri="{C183D7F6-B498-43B3-948B-1728B52AA6E4}">
+                <adec:decorative xmlns:adec="http://schemas.microsoft.com/office/drawing/2017/decorative" val="1"/>
+              </a:ext>
+            </a:extLst>
+          </p:cNvPr>
+          <p:cNvSpPr>
+            <a:spLocks noGrp="1" noRot="1" noChangeAspect="1" noMove="1" noResize="1" noEditPoints="1" noAdjustHandles="1" noChangeArrowheads="1" noChangeShapeType="1" noTextEdit="1"/>
+          </p:cNvSpPr>
+          <p:nvPr>
+            <p:extLst>
+              <p:ext uri="{386F3935-93C4-4BCD-93E2-E3B085C9AB24}">
+                <p16:designElem xmlns:p16="http://schemas.microsoft.com/office/powerpoint/2015/main" val="1"/>
+              </p:ext>
+            </p:extLst>
+          </p:nvPr>
+        </p:nvSpPr>
+        <p:spPr>
+          <a:xfrm rot="10800000" flipH="1">
+            <a:off x="9356643" y="0"/>
+            <a:ext cx="2835357" cy="1480837"/>
+          </a:xfrm>
+          <a:custGeom>
+            <a:avLst/>
+            <a:gdLst>
+              <a:gd name="connsiteX0" fmla="*/ 2835357 w 2835357"/>
+              <a:gd name="connsiteY0" fmla="*/ 1480837 h 1480837"/>
+              <a:gd name="connsiteX1" fmla="*/ 0 w 2835357"/>
+              <a:gd name="connsiteY1" fmla="*/ 1480837 h 1480837"/>
+              <a:gd name="connsiteX2" fmla="*/ 1552727 w 2835357"/>
+              <a:gd name="connsiteY2" fmla="*/ 0 h 1480837"/>
+              <a:gd name="connsiteX3" fmla="*/ 2835357 w 2835357"/>
+              <a:gd name="connsiteY3" fmla="*/ 1223245 h 1480837"/>
+            </a:gdLst>
+            <a:ahLst/>
+            <a:cxnLst>
+              <a:cxn ang="0">
+                <a:pos x="connsiteX0" y="connsiteY0"/>
+              </a:cxn>
+              <a:cxn ang="0">
+                <a:pos x="connsiteX1" y="connsiteY1"/>
+              </a:cxn>
+              <a:cxn ang="0">
+                <a:pos x="connsiteX2" y="connsiteY2"/>
+              </a:cxn>
+              <a:cxn ang="0">
+                <a:pos x="connsiteX3" y="connsiteY3"/>
+              </a:cxn>
+            </a:cxnLst>
+            <a:rect l="l" t="t" r="r" b="b"/>
+            <a:pathLst>
+              <a:path w="2835357" h="1480837">
+                <a:moveTo>
+                  <a:pt x="2835357" y="1480837"/>
+                </a:moveTo>
+                <a:lnTo>
+                  <a:pt x="0" y="1480837"/>
+                </a:lnTo>
+                <a:lnTo>
+                  <a:pt x="1552727" y="0"/>
+                </a:lnTo>
+                <a:lnTo>
+                  <a:pt x="2835357" y="1223245"/>
+                </a:lnTo>
+                <a:close/>
+              </a:path>
+            </a:pathLst>
+          </a:custGeom>
+          <a:solidFill>
+            <a:schemeClr val="accent4">
+              <a:alpha val="30000"/>
+            </a:schemeClr>
+          </a:solidFill>
+          <a:ln>
+            <a:noFill/>
+          </a:ln>
+        </p:spPr>
+        <p:style>
+          <a:lnRef idx="2">
+            <a:schemeClr val="accent1">
+              <a:shade val="50000"/>
+            </a:schemeClr>
+          </a:lnRef>
+          <a:fillRef idx="1">
+            <a:schemeClr val="accent1"/>
+          </a:fillRef>
+          <a:effectRef idx="0">
+            <a:schemeClr val="accent1"/>
+          </a:effectRef>
+          <a:fontRef idx="minor">
+            <a:schemeClr val="lt1"/>
+          </a:fontRef>
+        </p:style>
+        <p:txBody>
+          <a:bodyPr wrap="square" rtlCol="0" anchor="ctr">
+            <a:noAutofit/>
           </a:bodyPr>
           <a:lstStyle/>
           <a:p>
-            <a:r>
-              <a:rPr lang="en-US" dirty="0"/>
-              <a:t>Writable signals</a:t>
-            </a:r>
-            <a:br>
-              <a:rPr lang="en-US" dirty="0"/>
-            </a:br>
-            <a:endParaRPr lang="en-US" sz="2700" dirty="0"/>
-          </a:p>
-        </p:txBody>
-      </p:sp>
-      <p:sp>
-        <p:nvSpPr>
-          <p:cNvPr id="3" name="Content Placeholder 2"/>
-          <p:cNvSpPr>
-            <a:spLocks noGrp="1"/>
-          </p:cNvSpPr>
+            <a:pPr algn="ctr"/>
+            <a:endParaRPr lang="en-US" dirty="0"/>
+          </a:p>
+        </p:txBody>
+      </p:sp>
+      <p:sp>
+        <p:nvSpPr>
+          <p:cNvPr id="20" name="Isosceles Triangle 19">
+            <a:extLst>
+              <a:ext uri="{FF2B5EF4-FFF2-40B4-BE49-F238E27FC236}">
+                <a16:creationId xmlns:a16="http://schemas.microsoft.com/office/drawing/2014/main" id="{FF9F2414-84E8-453E-B1F3-389FDE8192D9}"/>
+              </a:ext>
+              <a:ext uri="{C183D7F6-B498-43B3-948B-1728B52AA6E4}">
+                <adec:decorative xmlns:adec="http://schemas.microsoft.com/office/drawing/2017/decorative" val="1"/>
+              </a:ext>
+            </a:extLst>
+          </p:cNvPr>
+          <p:cNvSpPr>
+            <a:spLocks noGrp="1" noRot="1" noChangeAspect="1" noMove="1" noResize="1" noEditPoints="1" noAdjustHandles="1" noChangeArrowheads="1" noChangeShapeType="1" noTextEdit="1"/>
+          </p:cNvSpPr>
+          <p:nvPr>
+            <p:extLst>
+              <p:ext uri="{386F3935-93C4-4BCD-93E2-E3B085C9AB24}">
+                <p16:designElem xmlns:p16="http://schemas.microsoft.com/office/powerpoint/2015/main" val="1"/>
+              </p:ext>
+            </p:extLst>
+          </p:nvPr>
+        </p:nvSpPr>
+        <p:spPr>
+          <a:xfrm flipH="1">
+            <a:off x="7976344" y="6115501"/>
+            <a:ext cx="1494513" cy="742499"/>
+          </a:xfrm>
+          <a:prstGeom prst="triangle">
+            <a:avLst/>
+          </a:prstGeom>
+          <a:solidFill>
+            <a:schemeClr val="accent1">
+              <a:alpha val="30000"/>
+            </a:schemeClr>
+          </a:solidFill>
+          <a:ln>
+            <a:noFill/>
+          </a:ln>
+        </p:spPr>
+        <p:style>
+          <a:lnRef idx="2">
+            <a:schemeClr val="accent1">
+              <a:shade val="50000"/>
+            </a:schemeClr>
+          </a:lnRef>
+          <a:fillRef idx="1">
+            <a:schemeClr val="accent1"/>
+          </a:fillRef>
+          <a:effectRef idx="0">
+            <a:schemeClr val="accent1"/>
+          </a:effectRef>
+          <a:fontRef idx="minor">
+            <a:schemeClr val="lt1"/>
+          </a:fontRef>
+        </p:style>
+        <p:txBody>
+          <a:bodyPr rtlCol="0" anchor="ctr"/>
+          <a:lstStyle/>
+          <a:p>
+            <a:pPr algn="ctr"/>
+            <a:endParaRPr lang="en-US"/>
+          </a:p>
+        </p:txBody>
+      </p:sp>
+      <p:pic>
+        <p:nvPicPr>
+          <p:cNvPr id="5" name="Content Placeholder 4">
+            <a:extLst>
+              <a:ext uri="{FF2B5EF4-FFF2-40B4-BE49-F238E27FC236}">
+                <a16:creationId xmlns:a16="http://schemas.microsoft.com/office/drawing/2014/main" id="{1AC9DB45-0E1B-1108-82E5-A5BC3357573D}"/>
+              </a:ext>
+            </a:extLst>
+          </p:cNvPr>
+          <p:cNvPicPr>
+            <a:picLocks noGrp="1" noChangeAspect="1"/>
+          </p:cNvPicPr>
           <p:nvPr>
             <p:ph idx="1"/>
           </p:nvPr>
-        </p:nvSpPr>
-        <p:spPr/>
-        <p:txBody>
-          <a:bodyPr>
-            <a:normAutofit/>
-          </a:bodyPr>
-          <a:lstStyle/>
-          <a:p>
-            <a:r>
-              <a:rPr lang="en-US" sz="2400" dirty="0"/>
-              <a:t>Writable signals provide an API for updating their values directly. You create writable signals by calling the signal function with the signal's initial value:</a:t>
-            </a:r>
-          </a:p>
-          <a:p>
-            <a:r>
-              <a:rPr lang="en-US" sz="2400" dirty="0"/>
-              <a:t>Example:</a:t>
-            </a:r>
-          </a:p>
-          <a:p>
-            <a:pPr marL="457200" lvl="1" indent="0">
-              <a:buNone/>
-            </a:pPr>
-            <a:r>
-              <a:rPr lang="en-US" sz="2000" dirty="0"/>
-              <a:t>const count = signal(0);</a:t>
-            </a:r>
-          </a:p>
-          <a:p>
-            <a:pPr marL="457200" lvl="1" indent="0">
-              <a:buNone/>
-            </a:pPr>
-            <a:r>
-              <a:rPr lang="en-US" sz="2000" dirty="0"/>
-              <a:t>// Signals are getter functions - calling them reads their value.</a:t>
-            </a:r>
-          </a:p>
-          <a:p>
-            <a:pPr marL="457200" lvl="1" indent="0">
-              <a:buNone/>
-            </a:pPr>
-            <a:r>
-              <a:rPr lang="en-US" sz="2000" dirty="0"/>
-              <a:t>console.log('The count is: ' + count());</a:t>
-            </a:r>
+        </p:nvPicPr>
+        <p:blipFill>
+          <a:blip r:embed="rId2"/>
+          <a:stretch>
+            <a:fillRect/>
+          </a:stretch>
+        </p:blipFill>
+        <p:spPr>
+          <a:xfrm>
+            <a:off x="3965068" y="643467"/>
+            <a:ext cx="4261864" cy="5571065"/>
+          </a:xfrm>
+          <a:prstGeom prst="rect">
+            <a:avLst/>
+          </a:prstGeom>
+          <a:ln>
+            <a:noFill/>
+          </a:ln>
+        </p:spPr>
+      </p:pic>
+      <p:sp>
+        <p:nvSpPr>
+          <p:cNvPr id="22" name="Isosceles Triangle 21">
+            <a:extLst>
+              <a:ext uri="{FF2B5EF4-FFF2-40B4-BE49-F238E27FC236}">
+                <a16:creationId xmlns:a16="http://schemas.microsoft.com/office/drawing/2014/main" id="{3ECA69A1-7536-43AC-85EF-C7106179F5ED}"/>
+              </a:ext>
+              <a:ext uri="{C183D7F6-B498-43B3-948B-1728B52AA6E4}">
+                <adec:decorative xmlns:adec="http://schemas.microsoft.com/office/drawing/2017/decorative" val="1"/>
+              </a:ext>
+            </a:extLst>
+          </p:cNvPr>
+          <p:cNvSpPr>
+            <a:spLocks noGrp="1" noRot="1" noChangeAspect="1" noMove="1" noResize="1" noEditPoints="1" noAdjustHandles="1" noChangeArrowheads="1" noChangeShapeType="1" noTextEdit="1"/>
+          </p:cNvSpPr>
+          <p:nvPr>
+            <p:extLst>
+              <p:ext uri="{386F3935-93C4-4BCD-93E2-E3B085C9AB24}">
+                <p16:designElem xmlns:p16="http://schemas.microsoft.com/office/powerpoint/2015/main" val="1"/>
+              </p:ext>
+            </p:extLst>
+          </p:nvPr>
+        </p:nvSpPr>
+        <p:spPr>
+          <a:xfrm flipH="1">
+            <a:off x="7604080" y="6453143"/>
+            <a:ext cx="814903" cy="404857"/>
+          </a:xfrm>
+          <a:prstGeom prst="triangle">
+            <a:avLst/>
+          </a:prstGeom>
+          <a:solidFill>
+            <a:schemeClr val="accent1">
+              <a:alpha val="30000"/>
+            </a:schemeClr>
+          </a:solidFill>
+          <a:ln>
+            <a:noFill/>
+          </a:ln>
+        </p:spPr>
+        <p:style>
+          <a:lnRef idx="2">
+            <a:schemeClr val="accent1">
+              <a:shade val="50000"/>
+            </a:schemeClr>
+          </a:lnRef>
+          <a:fillRef idx="1">
+            <a:schemeClr val="accent1"/>
+          </a:fillRef>
+          <a:effectRef idx="0">
+            <a:schemeClr val="accent1"/>
+          </a:effectRef>
+          <a:fontRef idx="minor">
+            <a:schemeClr val="lt1"/>
+          </a:fontRef>
+        </p:style>
+        <p:txBody>
+          <a:bodyPr rtlCol="0" anchor="ctr"/>
+          <a:lstStyle/>
+          <a:p>
+            <a:pPr algn="ctr"/>
+            <a:endParaRPr lang="en-US"/>
           </a:p>
         </p:txBody>
       </p:sp>
     </p:spTree>
     <p:extLst>
       <p:ext uri="{BB962C8B-B14F-4D97-AF65-F5344CB8AC3E}">
-        <p14:creationId xmlns:p14="http://schemas.microsoft.com/office/powerpoint/2010/main" val="4238330882"/>
+        <p14:creationId xmlns:p14="http://schemas.microsoft.com/office/powerpoint/2010/main" val="2501021435"/>
+      </p:ext>
+    </p:extLst>
+  </p:cSld>
+  <p:clrMapOvr>
+    <a:masterClrMapping/>
+  </p:clrMapOvr>
+</p:sld>
+</file>
+
+<file path=ppt/slides/slide7.xml><?xml version="1.0" encoding="utf-8"?>
+<p:sld xmlns:a="http://schemas.openxmlformats.org/drawingml/2006/main" xmlns:r="http://schemas.openxmlformats.org/officeDocument/2006/relationships" xmlns:p="http://schemas.openxmlformats.org/presentationml/2006/main">
+  <p:cSld>
+    <p:spTree>
+      <p:nvGrpSpPr>
+        <p:cNvPr id="1" name=""/>
+        <p:cNvGrpSpPr/>
+        <p:nvPr/>
+      </p:nvGrpSpPr>
+      <p:grpSpPr>
+        <a:xfrm>
+          <a:off x="0" y="0"/>
+          <a:ext cx="0" cy="0"/>
+          <a:chOff x="0" y="0"/>
+          <a:chExt cx="0" cy="0"/>
+        </a:xfrm>
+      </p:grpSpPr>
+      <p:sp>
+        <p:nvSpPr>
+          <p:cNvPr id="2" name="Title 1"/>
+          <p:cNvSpPr>
+            <a:spLocks noGrp="1"/>
+          </p:cNvSpPr>
+          <p:nvPr>
+            <p:ph type="title"/>
+          </p:nvPr>
+        </p:nvSpPr>
+        <p:spPr/>
+        <p:txBody>
+          <a:bodyPr/>
+          <a:lstStyle/>
+          <a:p>
+            <a:r>
+              <a:rPr lang="en-US" dirty="0"/>
+              <a:t>What are signals?</a:t>
+            </a:r>
+          </a:p>
+        </p:txBody>
+      </p:sp>
+      <p:sp>
+        <p:nvSpPr>
+          <p:cNvPr id="3" name="Content Placeholder 2"/>
+          <p:cNvSpPr>
+            <a:spLocks noGrp="1"/>
+          </p:cNvSpPr>
+          <p:nvPr>
+            <p:ph idx="1"/>
+          </p:nvPr>
+        </p:nvSpPr>
+        <p:spPr/>
+        <p:txBody>
+          <a:bodyPr/>
+          <a:lstStyle/>
+          <a:p>
+            <a:endParaRPr lang="en-US" dirty="0"/>
+          </a:p>
+        </p:txBody>
+      </p:sp>
+    </p:spTree>
+    <p:extLst>
+      <p:ext uri="{BB962C8B-B14F-4D97-AF65-F5344CB8AC3E}">
+        <p14:creationId xmlns:p14="http://schemas.microsoft.com/office/powerpoint/2010/main" val="1500540594"/>
       </p:ext>
     </p:extLst>
   </p:cSld>

--- a/Angular v16.pptx
+++ b/Angular v16.pptx
@@ -247,7 +247,7 @@
           <a:p>
             <a:fld id="{0E4F80F8-4085-4CD5-B19E-9319718D2375}" type="datetimeFigureOut">
               <a:rPr lang="en-US" smtClean="0"/>
-              <a:t>1/29/2024</a:t>
+              <a:t>1/31/2024</a:t>
             </a:fld>
             <a:endParaRPr lang="en-US"/>
           </a:p>
@@ -415,7 +415,7 @@
           <a:p>
             <a:fld id="{0E4F80F8-4085-4CD5-B19E-9319718D2375}" type="datetimeFigureOut">
               <a:rPr lang="en-US" smtClean="0"/>
-              <a:t>1/29/2024</a:t>
+              <a:t>1/31/2024</a:t>
             </a:fld>
             <a:endParaRPr lang="en-US"/>
           </a:p>
@@ -593,7 +593,7 @@
           <a:p>
             <a:fld id="{0E4F80F8-4085-4CD5-B19E-9319718D2375}" type="datetimeFigureOut">
               <a:rPr lang="en-US" smtClean="0"/>
-              <a:t>1/29/2024</a:t>
+              <a:t>1/31/2024</a:t>
             </a:fld>
             <a:endParaRPr lang="en-US"/>
           </a:p>
@@ -761,7 +761,7 @@
           <a:p>
             <a:fld id="{0E4F80F8-4085-4CD5-B19E-9319718D2375}" type="datetimeFigureOut">
               <a:rPr lang="en-US" smtClean="0"/>
-              <a:t>1/29/2024</a:t>
+              <a:t>1/31/2024</a:t>
             </a:fld>
             <a:endParaRPr lang="en-US"/>
           </a:p>
@@ -1006,7 +1006,7 @@
           <a:p>
             <a:fld id="{0E4F80F8-4085-4CD5-B19E-9319718D2375}" type="datetimeFigureOut">
               <a:rPr lang="en-US" smtClean="0"/>
-              <a:t>1/29/2024</a:t>
+              <a:t>1/31/2024</a:t>
             </a:fld>
             <a:endParaRPr lang="en-US"/>
           </a:p>
@@ -1235,7 +1235,7 @@
           <a:p>
             <a:fld id="{0E4F80F8-4085-4CD5-B19E-9319718D2375}" type="datetimeFigureOut">
               <a:rPr lang="en-US" smtClean="0"/>
-              <a:t>1/29/2024</a:t>
+              <a:t>1/31/2024</a:t>
             </a:fld>
             <a:endParaRPr lang="en-US"/>
           </a:p>
@@ -1599,7 +1599,7 @@
           <a:p>
             <a:fld id="{0E4F80F8-4085-4CD5-B19E-9319718D2375}" type="datetimeFigureOut">
               <a:rPr lang="en-US" smtClean="0"/>
-              <a:t>1/29/2024</a:t>
+              <a:t>1/31/2024</a:t>
             </a:fld>
             <a:endParaRPr lang="en-US"/>
           </a:p>
@@ -1716,7 +1716,7 @@
           <a:p>
             <a:fld id="{0E4F80F8-4085-4CD5-B19E-9319718D2375}" type="datetimeFigureOut">
               <a:rPr lang="en-US" smtClean="0"/>
-              <a:t>1/29/2024</a:t>
+              <a:t>1/31/2024</a:t>
             </a:fld>
             <a:endParaRPr lang="en-US"/>
           </a:p>
@@ -1811,7 +1811,7 @@
           <a:p>
             <a:fld id="{0E4F80F8-4085-4CD5-B19E-9319718D2375}" type="datetimeFigureOut">
               <a:rPr lang="en-US" smtClean="0"/>
-              <a:t>1/29/2024</a:t>
+              <a:t>1/31/2024</a:t>
             </a:fld>
             <a:endParaRPr lang="en-US"/>
           </a:p>
@@ -2086,7 +2086,7 @@
           <a:p>
             <a:fld id="{0E4F80F8-4085-4CD5-B19E-9319718D2375}" type="datetimeFigureOut">
               <a:rPr lang="en-US" smtClean="0"/>
-              <a:t>1/29/2024</a:t>
+              <a:t>1/31/2024</a:t>
             </a:fld>
             <a:endParaRPr lang="en-US"/>
           </a:p>
@@ -2338,7 +2338,7 @@
           <a:p>
             <a:fld id="{0E4F80F8-4085-4CD5-B19E-9319718D2375}" type="datetimeFigureOut">
               <a:rPr lang="en-US" smtClean="0"/>
-              <a:t>1/29/2024</a:t>
+              <a:t>1/31/2024</a:t>
             </a:fld>
             <a:endParaRPr lang="en-US"/>
           </a:p>
@@ -2549,7 +2549,7 @@
           <a:p>
             <a:fld id="{0E4F80F8-4085-4CD5-B19E-9319718D2375}" type="datetimeFigureOut">
               <a:rPr lang="en-US" smtClean="0"/>
-              <a:t>1/29/2024</a:t>
+              <a:t>1/31/2024</a:t>
             </a:fld>
             <a:endParaRPr lang="en-US"/>
           </a:p>
@@ -4155,28 +4155,31 @@
           <a:lstStyle/>
           <a:p>
             <a:r>
+              <a:rPr lang="en-US" sz="4400" dirty="0"/>
+              <a:t>Enhanced hydration developer preview</a:t>
+            </a:r>
+          </a:p>
+        </p:txBody>
+      </p:sp>
+      <p:sp>
+        <p:nvSpPr>
+          <p:cNvPr id="3" name="Content Placeholder 2"/>
+          <p:cNvSpPr>
+            <a:spLocks noGrp="1"/>
+          </p:cNvSpPr>
+          <p:nvPr>
+            <p:ph idx="1"/>
+          </p:nvPr>
+        </p:nvSpPr>
+        <p:spPr/>
+        <p:txBody>
+          <a:bodyPr/>
+          <a:lstStyle/>
+          <a:p>
+            <a:r>
               <a:rPr lang="en-US" dirty="0"/>
-              <a:t>What are signals?</a:t>
-            </a:r>
-          </a:p>
-        </p:txBody>
-      </p:sp>
-      <p:sp>
-        <p:nvSpPr>
-          <p:cNvPr id="3" name="Content Placeholder 2"/>
-          <p:cNvSpPr>
-            <a:spLocks noGrp="1"/>
-          </p:cNvSpPr>
-          <p:nvPr>
-            <p:ph idx="1"/>
-          </p:nvPr>
-        </p:nvSpPr>
-        <p:spPr/>
-        <p:txBody>
-          <a:bodyPr/>
-          <a:lstStyle/>
-          <a:p>
-            <a:endParaRPr lang="en-US" dirty="0"/>
+              <a:t>Server Side Rendering (SSR)</a:t>
+            </a:r>
           </a:p>
         </p:txBody>
       </p:sp>

--- a/Angular v16.pptx
+++ b/Angular v16.pptx
@@ -247,7 +247,7 @@
           <a:p>
             <a:fld id="{0E4F80F8-4085-4CD5-B19E-9319718D2375}" type="datetimeFigureOut">
               <a:rPr lang="en-US" smtClean="0"/>
-              <a:t>1/31/2024</a:t>
+              <a:t>2/1/2024</a:t>
             </a:fld>
             <a:endParaRPr lang="en-US"/>
           </a:p>
@@ -415,7 +415,7 @@
           <a:p>
             <a:fld id="{0E4F80F8-4085-4CD5-B19E-9319718D2375}" type="datetimeFigureOut">
               <a:rPr lang="en-US" smtClean="0"/>
-              <a:t>1/31/2024</a:t>
+              <a:t>2/1/2024</a:t>
             </a:fld>
             <a:endParaRPr lang="en-US"/>
           </a:p>
@@ -593,7 +593,7 @@
           <a:p>
             <a:fld id="{0E4F80F8-4085-4CD5-B19E-9319718D2375}" type="datetimeFigureOut">
               <a:rPr lang="en-US" smtClean="0"/>
-              <a:t>1/31/2024</a:t>
+              <a:t>2/1/2024</a:t>
             </a:fld>
             <a:endParaRPr lang="en-US"/>
           </a:p>
@@ -761,7 +761,7 @@
           <a:p>
             <a:fld id="{0E4F80F8-4085-4CD5-B19E-9319718D2375}" type="datetimeFigureOut">
               <a:rPr lang="en-US" smtClean="0"/>
-              <a:t>1/31/2024</a:t>
+              <a:t>2/1/2024</a:t>
             </a:fld>
             <a:endParaRPr lang="en-US"/>
           </a:p>
@@ -1006,7 +1006,7 @@
           <a:p>
             <a:fld id="{0E4F80F8-4085-4CD5-B19E-9319718D2375}" type="datetimeFigureOut">
               <a:rPr lang="en-US" smtClean="0"/>
-              <a:t>1/31/2024</a:t>
+              <a:t>2/1/2024</a:t>
             </a:fld>
             <a:endParaRPr lang="en-US"/>
           </a:p>
@@ -1235,7 +1235,7 @@
           <a:p>
             <a:fld id="{0E4F80F8-4085-4CD5-B19E-9319718D2375}" type="datetimeFigureOut">
               <a:rPr lang="en-US" smtClean="0"/>
-              <a:t>1/31/2024</a:t>
+              <a:t>2/1/2024</a:t>
             </a:fld>
             <a:endParaRPr lang="en-US"/>
           </a:p>
@@ -1599,7 +1599,7 @@
           <a:p>
             <a:fld id="{0E4F80F8-4085-4CD5-B19E-9319718D2375}" type="datetimeFigureOut">
               <a:rPr lang="en-US" smtClean="0"/>
-              <a:t>1/31/2024</a:t>
+              <a:t>2/1/2024</a:t>
             </a:fld>
             <a:endParaRPr lang="en-US"/>
           </a:p>
@@ -1716,7 +1716,7 @@
           <a:p>
             <a:fld id="{0E4F80F8-4085-4CD5-B19E-9319718D2375}" type="datetimeFigureOut">
               <a:rPr lang="en-US" smtClean="0"/>
-              <a:t>1/31/2024</a:t>
+              <a:t>2/1/2024</a:t>
             </a:fld>
             <a:endParaRPr lang="en-US"/>
           </a:p>
@@ -1811,7 +1811,7 @@
           <a:p>
             <a:fld id="{0E4F80F8-4085-4CD5-B19E-9319718D2375}" type="datetimeFigureOut">
               <a:rPr lang="en-US" smtClean="0"/>
-              <a:t>1/31/2024</a:t>
+              <a:t>2/1/2024</a:t>
             </a:fld>
             <a:endParaRPr lang="en-US"/>
           </a:p>
@@ -2086,7 +2086,7 @@
           <a:p>
             <a:fld id="{0E4F80F8-4085-4CD5-B19E-9319718D2375}" type="datetimeFigureOut">
               <a:rPr lang="en-US" smtClean="0"/>
-              <a:t>1/31/2024</a:t>
+              <a:t>2/1/2024</a:t>
             </a:fld>
             <a:endParaRPr lang="en-US"/>
           </a:p>
@@ -2338,7 +2338,7 @@
           <a:p>
             <a:fld id="{0E4F80F8-4085-4CD5-B19E-9319718D2375}" type="datetimeFigureOut">
               <a:rPr lang="en-US" smtClean="0"/>
-              <a:t>1/31/2024</a:t>
+              <a:t>2/1/2024</a:t>
             </a:fld>
             <a:endParaRPr lang="en-US"/>
           </a:p>
@@ -2549,7 +2549,7 @@
           <a:p>
             <a:fld id="{0E4F80F8-4085-4CD5-B19E-9319718D2375}" type="datetimeFigureOut">
               <a:rPr lang="en-US" smtClean="0"/>
-              <a:t>1/31/2024</a:t>
+              <a:t>2/1/2024</a:t>
             </a:fld>
             <a:endParaRPr lang="en-US"/>
           </a:p>
@@ -4178,8 +4178,32 @@
           <a:p>
             <a:r>
               <a:rPr lang="en-US" dirty="0"/>
-              <a:t>Server Side Rendering (SSR)</a:t>
-            </a:r>
+              <a:t>Server Side Rendering (SSR) </a:t>
+            </a:r>
+          </a:p>
+          <a:p>
+            <a:r>
+              <a:rPr lang="en-US" dirty="0">
+                <a:hlinkClick r:id="rId2"/>
+              </a:rPr>
+              <a:t>Introduction to server-side rendering with Angular | by Alain </a:t>
+            </a:r>
+            <a:r>
+              <a:rPr lang="en-US" dirty="0" err="1">
+                <a:hlinkClick r:id="rId2"/>
+              </a:rPr>
+              <a:t>Chautard</a:t>
+            </a:r>
+            <a:r>
+              <a:rPr lang="en-US" dirty="0">
+                <a:hlinkClick r:id="rId2"/>
+              </a:rPr>
+              <a:t> | Jan, 2024 | Angular Training</a:t>
+            </a:r>
+            <a:endParaRPr lang="en-US" dirty="0"/>
+          </a:p>
+          <a:p>
+            <a:endParaRPr lang="en-US" dirty="0"/>
           </a:p>
         </p:txBody>
       </p:sp>

--- a/Angular v16.pptx
+++ b/Angular v16.pptx
@@ -247,7 +247,7 @@
           <a:p>
             <a:fld id="{0E4F80F8-4085-4CD5-B19E-9319718D2375}" type="datetimeFigureOut">
               <a:rPr lang="en-US" smtClean="0"/>
-              <a:t>2/1/2024</a:t>
+              <a:t>2/3/2024</a:t>
             </a:fld>
             <a:endParaRPr lang="en-US"/>
           </a:p>
@@ -415,7 +415,7 @@
           <a:p>
             <a:fld id="{0E4F80F8-4085-4CD5-B19E-9319718D2375}" type="datetimeFigureOut">
               <a:rPr lang="en-US" smtClean="0"/>
-              <a:t>2/1/2024</a:t>
+              <a:t>2/3/2024</a:t>
             </a:fld>
             <a:endParaRPr lang="en-US"/>
           </a:p>
@@ -593,7 +593,7 @@
           <a:p>
             <a:fld id="{0E4F80F8-4085-4CD5-B19E-9319718D2375}" type="datetimeFigureOut">
               <a:rPr lang="en-US" smtClean="0"/>
-              <a:t>2/1/2024</a:t>
+              <a:t>2/3/2024</a:t>
             </a:fld>
             <a:endParaRPr lang="en-US"/>
           </a:p>
@@ -761,7 +761,7 @@
           <a:p>
             <a:fld id="{0E4F80F8-4085-4CD5-B19E-9319718D2375}" type="datetimeFigureOut">
               <a:rPr lang="en-US" smtClean="0"/>
-              <a:t>2/1/2024</a:t>
+              <a:t>2/3/2024</a:t>
             </a:fld>
             <a:endParaRPr lang="en-US"/>
           </a:p>
@@ -1006,7 +1006,7 @@
           <a:p>
             <a:fld id="{0E4F80F8-4085-4CD5-B19E-9319718D2375}" type="datetimeFigureOut">
               <a:rPr lang="en-US" smtClean="0"/>
-              <a:t>2/1/2024</a:t>
+              <a:t>2/3/2024</a:t>
             </a:fld>
             <a:endParaRPr lang="en-US"/>
           </a:p>
@@ -1235,7 +1235,7 @@
           <a:p>
             <a:fld id="{0E4F80F8-4085-4CD5-B19E-9319718D2375}" type="datetimeFigureOut">
               <a:rPr lang="en-US" smtClean="0"/>
-              <a:t>2/1/2024</a:t>
+              <a:t>2/3/2024</a:t>
             </a:fld>
             <a:endParaRPr lang="en-US"/>
           </a:p>
@@ -1599,7 +1599,7 @@
           <a:p>
             <a:fld id="{0E4F80F8-4085-4CD5-B19E-9319718D2375}" type="datetimeFigureOut">
               <a:rPr lang="en-US" smtClean="0"/>
-              <a:t>2/1/2024</a:t>
+              <a:t>2/3/2024</a:t>
             </a:fld>
             <a:endParaRPr lang="en-US"/>
           </a:p>
@@ -1716,7 +1716,7 @@
           <a:p>
             <a:fld id="{0E4F80F8-4085-4CD5-B19E-9319718D2375}" type="datetimeFigureOut">
               <a:rPr lang="en-US" smtClean="0"/>
-              <a:t>2/1/2024</a:t>
+              <a:t>2/3/2024</a:t>
             </a:fld>
             <a:endParaRPr lang="en-US"/>
           </a:p>
@@ -1811,7 +1811,7 @@
           <a:p>
             <a:fld id="{0E4F80F8-4085-4CD5-B19E-9319718D2375}" type="datetimeFigureOut">
               <a:rPr lang="en-US" smtClean="0"/>
-              <a:t>2/1/2024</a:t>
+              <a:t>2/3/2024</a:t>
             </a:fld>
             <a:endParaRPr lang="en-US"/>
           </a:p>
@@ -2086,7 +2086,7 @@
           <a:p>
             <a:fld id="{0E4F80F8-4085-4CD5-B19E-9319718D2375}" type="datetimeFigureOut">
               <a:rPr lang="en-US" smtClean="0"/>
-              <a:t>2/1/2024</a:t>
+              <a:t>2/3/2024</a:t>
             </a:fld>
             <a:endParaRPr lang="en-US"/>
           </a:p>
@@ -2338,7 +2338,7 @@
           <a:p>
             <a:fld id="{0E4F80F8-4085-4CD5-B19E-9319718D2375}" type="datetimeFigureOut">
               <a:rPr lang="en-US" smtClean="0"/>
-              <a:t>2/1/2024</a:t>
+              <a:t>2/3/2024</a:t>
             </a:fld>
             <a:endParaRPr lang="en-US"/>
           </a:p>
@@ -2549,7 +2549,7 @@
           <a:p>
             <a:fld id="{0E4F80F8-4085-4CD5-B19E-9319718D2375}" type="datetimeFigureOut">
               <a:rPr lang="en-US" smtClean="0"/>
-              <a:t>2/1/2024</a:t>
+              <a:t>2/3/2024</a:t>
             </a:fld>
             <a:endParaRPr lang="en-US"/>
           </a:p>
@@ -3154,7 +3154,7 @@
             </a:pPr>
             <a:r>
               <a:rPr lang="en-US" sz="2900" dirty="0"/>
-              <a:t>Angular Signals developer preview</a:t>
+              <a:t>Angular Signals</a:t>
             </a:r>
           </a:p>
           <a:p>
@@ -3164,7 +3164,7 @@
             </a:pPr>
             <a:r>
               <a:rPr lang="en-US" sz="2900" dirty="0"/>
-              <a:t>Enhanced hydration developer preview</a:t>
+              <a:t>Hydration</a:t>
             </a:r>
           </a:p>
           <a:p>
@@ -3173,17 +3173,10 @@
               <a:buAutoNum type="arabicPeriod"/>
             </a:pPr>
             <a:r>
-              <a:rPr lang="en-US" sz="2900" dirty="0"/>
-              <a:t>Faster builds with the </a:t>
-            </a:r>
-            <a:r>
               <a:rPr lang="en-US" sz="2900" dirty="0" err="1"/>
               <a:t>esbuild</a:t>
             </a:r>
-            <a:r>
-              <a:rPr lang="en-US" sz="2900" dirty="0"/>
-              <a:t> developer preview</a:t>
-            </a:r>
+            <a:endParaRPr lang="en-US" sz="2900" dirty="0"/>
           </a:p>
           <a:p>
             <a:pPr marL="514350" indent="-514350">
@@ -3191,9 +3184,10 @@
               <a:buAutoNum type="arabicPeriod"/>
             </a:pPr>
             <a:r>
-              <a:rPr lang="en-US" sz="2900" dirty="0"/>
-              <a:t>Standalone component migration and scaffolding</a:t>
-            </a:r>
+              <a:rPr lang="en-US" sz="2900"/>
+              <a:t>Standalone component</a:t>
+            </a:r>
+            <a:endParaRPr lang="en-US" sz="2900" dirty="0"/>
           </a:p>
           <a:p>
             <a:pPr marL="514350" indent="-514350">

--- a/Angular v16.pptx
+++ b/Angular v16.pptx
@@ -7,10 +7,21 @@
   <p:sldIdLst>
     <p:sldId id="256" r:id="rId2"/>
     <p:sldId id="257" r:id="rId3"/>
-    <p:sldId id="258" r:id="rId4"/>
-    <p:sldId id="261" r:id="rId5"/>
-    <p:sldId id="259" r:id="rId6"/>
-    <p:sldId id="260" r:id="rId7"/>
+    <p:sldId id="261" r:id="rId4"/>
+    <p:sldId id="259" r:id="rId5"/>
+    <p:sldId id="264" r:id="rId6"/>
+    <p:sldId id="265" r:id="rId7"/>
+    <p:sldId id="266" r:id="rId8"/>
+    <p:sldId id="267" r:id="rId9"/>
+    <p:sldId id="268" r:id="rId10"/>
+    <p:sldId id="269" r:id="rId11"/>
+    <p:sldId id="263" r:id="rId12"/>
+    <p:sldId id="270" r:id="rId13"/>
+    <p:sldId id="271" r:id="rId14"/>
+    <p:sldId id="272" r:id="rId15"/>
+    <p:sldId id="273" r:id="rId16"/>
+    <p:sldId id="274" r:id="rId17"/>
+    <p:sldId id="275" r:id="rId18"/>
   </p:sldIdLst>
   <p:sldSz cx="12192000" cy="6858000"/>
   <p:notesSz cx="6858000" cy="9144000"/>
@@ -117,6 +128,2436 @@
 </p:presentation>
 </file>
 
+<file path=ppt/diagrams/colors1.xml><?xml version="1.0" encoding="utf-8"?>
+<dgm:colorsDef xmlns:dgm="http://schemas.openxmlformats.org/drawingml/2006/diagram" xmlns:a="http://schemas.openxmlformats.org/drawingml/2006/main" uniqueId="urn:microsoft.com/office/officeart/2005/8/colors/colorful2">
+  <dgm:title val=""/>
+  <dgm:desc val=""/>
+  <dgm:catLst>
+    <dgm:cat type="colorful" pri="10200"/>
+  </dgm:catLst>
+  <dgm:styleLbl name="node0">
+    <dgm:fillClrLst meth="repeat">
+      <a:schemeClr val="accent1"/>
+    </dgm:fillClrLst>
+    <dgm:linClrLst meth="repeat">
+      <a:schemeClr val="lt1"/>
+    </dgm:linClrLst>
+    <dgm:effectClrLst/>
+    <dgm:txLinClrLst/>
+    <dgm:txFillClrLst/>
+    <dgm:txEffectClrLst/>
+  </dgm:styleLbl>
+  <dgm:styleLbl name="node1">
+    <dgm:fillClrLst>
+      <a:schemeClr val="accent2"/>
+      <a:schemeClr val="accent3"/>
+    </dgm:fillClrLst>
+    <dgm:linClrLst meth="repeat">
+      <a:schemeClr val="lt1"/>
+    </dgm:linClrLst>
+    <dgm:effectClrLst/>
+    <dgm:txLinClrLst/>
+    <dgm:txFillClrLst/>
+    <dgm:txEffectClrLst/>
+  </dgm:styleLbl>
+  <dgm:styleLbl name="alignNode1">
+    <dgm:fillClrLst>
+      <a:schemeClr val="accent2"/>
+      <a:schemeClr val="accent3"/>
+    </dgm:fillClrLst>
+    <dgm:linClrLst>
+      <a:schemeClr val="accent2"/>
+      <a:schemeClr val="accent3"/>
+    </dgm:linClrLst>
+    <dgm:effectClrLst/>
+    <dgm:txLinClrLst/>
+    <dgm:txFillClrLst/>
+    <dgm:txEffectClrLst/>
+  </dgm:styleLbl>
+  <dgm:styleLbl name="lnNode1">
+    <dgm:fillClrLst>
+      <a:schemeClr val="accent2"/>
+      <a:schemeClr val="accent3"/>
+    </dgm:fillClrLst>
+    <dgm:linClrLst meth="repeat">
+      <a:schemeClr val="lt1"/>
+    </dgm:linClrLst>
+    <dgm:effectClrLst/>
+    <dgm:txLinClrLst/>
+    <dgm:txFillClrLst/>
+    <dgm:txEffectClrLst/>
+  </dgm:styleLbl>
+  <dgm:styleLbl name="vennNode1">
+    <dgm:fillClrLst>
+      <a:schemeClr val="accent2">
+        <a:alpha val="50000"/>
+      </a:schemeClr>
+      <a:schemeClr val="accent3">
+        <a:alpha val="50000"/>
+      </a:schemeClr>
+    </dgm:fillClrLst>
+    <dgm:linClrLst meth="repeat">
+      <a:schemeClr val="lt1"/>
+    </dgm:linClrLst>
+    <dgm:effectClrLst/>
+    <dgm:txLinClrLst/>
+    <dgm:txFillClrLst/>
+    <dgm:txEffectClrLst/>
+  </dgm:styleLbl>
+  <dgm:styleLbl name="node2">
+    <dgm:fillClrLst>
+      <a:schemeClr val="accent3"/>
+    </dgm:fillClrLst>
+    <dgm:linClrLst meth="repeat">
+      <a:schemeClr val="lt1"/>
+    </dgm:linClrLst>
+    <dgm:effectClrLst/>
+    <dgm:txLinClrLst/>
+    <dgm:txFillClrLst/>
+    <dgm:txEffectClrLst/>
+  </dgm:styleLbl>
+  <dgm:styleLbl name="node3">
+    <dgm:fillClrLst>
+      <a:schemeClr val="accent4"/>
+    </dgm:fillClrLst>
+    <dgm:linClrLst meth="repeat">
+      <a:schemeClr val="lt1"/>
+    </dgm:linClrLst>
+    <dgm:effectClrLst/>
+    <dgm:txLinClrLst/>
+    <dgm:txFillClrLst/>
+    <dgm:txEffectClrLst/>
+  </dgm:styleLbl>
+  <dgm:styleLbl name="node4">
+    <dgm:fillClrLst>
+      <a:schemeClr val="accent5"/>
+    </dgm:fillClrLst>
+    <dgm:linClrLst meth="repeat">
+      <a:schemeClr val="lt1"/>
+    </dgm:linClrLst>
+    <dgm:effectClrLst/>
+    <dgm:txLinClrLst/>
+    <dgm:txFillClrLst/>
+    <dgm:txEffectClrLst/>
+  </dgm:styleLbl>
+  <dgm:styleLbl name="fgImgPlace1">
+    <dgm:fillClrLst>
+      <a:schemeClr val="accent2">
+        <a:tint val="50000"/>
+      </a:schemeClr>
+      <a:schemeClr val="accent3">
+        <a:tint val="50000"/>
+      </a:schemeClr>
+    </dgm:fillClrLst>
+    <dgm:linClrLst meth="repeat">
+      <a:schemeClr val="lt1"/>
+    </dgm:linClrLst>
+    <dgm:effectClrLst/>
+    <dgm:txLinClrLst/>
+    <dgm:txFillClrLst meth="repeat">
+      <a:schemeClr val="lt1"/>
+    </dgm:txFillClrLst>
+    <dgm:txEffectClrLst/>
+  </dgm:styleLbl>
+  <dgm:styleLbl name="alignImgPlace1">
+    <dgm:fillClrLst>
+      <a:schemeClr val="accent2">
+        <a:tint val="50000"/>
+      </a:schemeClr>
+      <a:schemeClr val="accent3">
+        <a:tint val="20000"/>
+      </a:schemeClr>
+    </dgm:fillClrLst>
+    <dgm:linClrLst meth="repeat">
+      <a:schemeClr val="lt1"/>
+    </dgm:linClrLst>
+    <dgm:effectClrLst/>
+    <dgm:txLinClrLst/>
+    <dgm:txFillClrLst meth="repeat">
+      <a:schemeClr val="lt1"/>
+    </dgm:txFillClrLst>
+    <dgm:txEffectClrLst/>
+  </dgm:styleLbl>
+  <dgm:styleLbl name="bgImgPlace1">
+    <dgm:fillClrLst>
+      <a:schemeClr val="accent2">
+        <a:tint val="50000"/>
+      </a:schemeClr>
+      <a:schemeClr val="accent3">
+        <a:tint val="20000"/>
+      </a:schemeClr>
+    </dgm:fillClrLst>
+    <dgm:linClrLst meth="repeat">
+      <a:schemeClr val="lt1"/>
+    </dgm:linClrLst>
+    <dgm:effectClrLst/>
+    <dgm:txLinClrLst/>
+    <dgm:txFillClrLst meth="repeat">
+      <a:schemeClr val="lt1"/>
+    </dgm:txFillClrLst>
+    <dgm:txEffectClrLst/>
+  </dgm:styleLbl>
+  <dgm:styleLbl name="sibTrans2D1">
+    <dgm:fillClrLst>
+      <a:schemeClr val="accent2"/>
+      <a:schemeClr val="accent3"/>
+    </dgm:fillClrLst>
+    <dgm:linClrLst meth="repeat">
+      <a:schemeClr val="lt1"/>
+    </dgm:linClrLst>
+    <dgm:effectClrLst/>
+    <dgm:txLinClrLst/>
+    <dgm:txFillClrLst/>
+    <dgm:txEffectClrLst/>
+  </dgm:styleLbl>
+  <dgm:styleLbl name="fgSibTrans2D1">
+    <dgm:fillClrLst>
+      <a:schemeClr val="accent2"/>
+      <a:schemeClr val="accent3"/>
+    </dgm:fillClrLst>
+    <dgm:linClrLst meth="repeat">
+      <a:schemeClr val="lt1"/>
+    </dgm:linClrLst>
+    <dgm:effectClrLst/>
+    <dgm:txLinClrLst/>
+    <dgm:txFillClrLst meth="repeat">
+      <a:schemeClr val="lt1"/>
+    </dgm:txFillClrLst>
+    <dgm:txEffectClrLst/>
+  </dgm:styleLbl>
+  <dgm:styleLbl name="bgSibTrans2D1">
+    <dgm:fillClrLst>
+      <a:schemeClr val="accent2"/>
+      <a:schemeClr val="accent3"/>
+    </dgm:fillClrLst>
+    <dgm:linClrLst meth="repeat">
+      <a:schemeClr val="lt1"/>
+    </dgm:linClrLst>
+    <dgm:effectClrLst/>
+    <dgm:txLinClrLst/>
+    <dgm:txFillClrLst meth="repeat">
+      <a:schemeClr val="lt1"/>
+    </dgm:txFillClrLst>
+    <dgm:txEffectClrLst/>
+  </dgm:styleLbl>
+  <dgm:styleLbl name="sibTrans1D1">
+    <dgm:fillClrLst/>
+    <dgm:linClrLst>
+      <a:schemeClr val="accent2"/>
+      <a:schemeClr val="accent3"/>
+    </dgm:linClrLst>
+    <dgm:effectClrLst/>
+    <dgm:txLinClrLst/>
+    <dgm:txFillClrLst meth="repeat">
+      <a:schemeClr val="tx1"/>
+    </dgm:txFillClrLst>
+    <dgm:txEffectClrLst/>
+  </dgm:styleLbl>
+  <dgm:styleLbl name="callout">
+    <dgm:fillClrLst meth="repeat">
+      <a:schemeClr val="accent2"/>
+    </dgm:fillClrLst>
+    <dgm:linClrLst meth="repeat">
+      <a:schemeClr val="accent2">
+        <a:tint val="50000"/>
+      </a:schemeClr>
+    </dgm:linClrLst>
+    <dgm:effectClrLst/>
+    <dgm:txLinClrLst/>
+    <dgm:txFillClrLst meth="repeat">
+      <a:schemeClr val="tx1"/>
+    </dgm:txFillClrLst>
+    <dgm:txEffectClrLst/>
+  </dgm:styleLbl>
+  <dgm:styleLbl name="asst0">
+    <dgm:fillClrLst meth="repeat">
+      <a:schemeClr val="accent2"/>
+    </dgm:fillClrLst>
+    <dgm:linClrLst meth="repeat">
+      <a:schemeClr val="lt1">
+        <a:shade val="80000"/>
+      </a:schemeClr>
+    </dgm:linClrLst>
+    <dgm:effectClrLst/>
+    <dgm:txLinClrLst/>
+    <dgm:txFillClrLst/>
+    <dgm:txEffectClrLst/>
+  </dgm:styleLbl>
+  <dgm:styleLbl name="asst1">
+    <dgm:fillClrLst meth="repeat">
+      <a:schemeClr val="accent3"/>
+    </dgm:fillClrLst>
+    <dgm:linClrLst meth="repeat">
+      <a:schemeClr val="lt1">
+        <a:shade val="80000"/>
+      </a:schemeClr>
+    </dgm:linClrLst>
+    <dgm:effectClrLst/>
+    <dgm:txLinClrLst/>
+    <dgm:txFillClrLst/>
+    <dgm:txEffectClrLst/>
+  </dgm:styleLbl>
+  <dgm:styleLbl name="asst2">
+    <dgm:fillClrLst>
+      <a:schemeClr val="accent4"/>
+    </dgm:fillClrLst>
+    <dgm:linClrLst meth="repeat">
+      <a:schemeClr val="lt1"/>
+    </dgm:linClrLst>
+    <dgm:effectClrLst/>
+    <dgm:txLinClrLst/>
+    <dgm:txFillClrLst/>
+    <dgm:txEffectClrLst/>
+  </dgm:styleLbl>
+  <dgm:styleLbl name="asst3">
+    <dgm:fillClrLst>
+      <a:schemeClr val="accent5"/>
+    </dgm:fillClrLst>
+    <dgm:linClrLst meth="repeat">
+      <a:schemeClr val="lt1"/>
+    </dgm:linClrLst>
+    <dgm:effectClrLst/>
+    <dgm:txLinClrLst/>
+    <dgm:txFillClrLst/>
+    <dgm:txEffectClrLst/>
+  </dgm:styleLbl>
+  <dgm:styleLbl name="asst4">
+    <dgm:fillClrLst>
+      <a:schemeClr val="accent6"/>
+    </dgm:fillClrLst>
+    <dgm:linClrLst meth="repeat">
+      <a:schemeClr val="lt1"/>
+    </dgm:linClrLst>
+    <dgm:effectClrLst/>
+    <dgm:txLinClrLst/>
+    <dgm:txFillClrLst/>
+    <dgm:txEffectClrLst/>
+  </dgm:styleLbl>
+  <dgm:styleLbl name="parChTrans2D1">
+    <dgm:fillClrLst meth="repeat">
+      <a:schemeClr val="accent2"/>
+    </dgm:fillClrLst>
+    <dgm:linClrLst meth="repeat">
+      <a:schemeClr val="lt1"/>
+    </dgm:linClrLst>
+    <dgm:effectClrLst/>
+    <dgm:txLinClrLst/>
+    <dgm:txFillClrLst meth="repeat">
+      <a:schemeClr val="lt1"/>
+    </dgm:txFillClrLst>
+    <dgm:txEffectClrLst/>
+  </dgm:styleLbl>
+  <dgm:styleLbl name="parChTrans2D2">
+    <dgm:fillClrLst meth="repeat">
+      <a:schemeClr val="accent3"/>
+    </dgm:fillClrLst>
+    <dgm:linClrLst meth="repeat">
+      <a:schemeClr val="lt1"/>
+    </dgm:linClrLst>
+    <dgm:effectClrLst/>
+    <dgm:txLinClrLst/>
+    <dgm:txFillClrLst/>
+    <dgm:txEffectClrLst/>
+  </dgm:styleLbl>
+  <dgm:styleLbl name="parChTrans2D3">
+    <dgm:fillClrLst meth="repeat">
+      <a:schemeClr val="accent4"/>
+    </dgm:fillClrLst>
+    <dgm:linClrLst meth="repeat">
+      <a:schemeClr val="lt1"/>
+    </dgm:linClrLst>
+    <dgm:effectClrLst/>
+    <dgm:txLinClrLst/>
+    <dgm:txFillClrLst/>
+    <dgm:txEffectClrLst/>
+  </dgm:styleLbl>
+  <dgm:styleLbl name="parChTrans2D4">
+    <dgm:fillClrLst meth="repeat">
+      <a:schemeClr val="accent5"/>
+    </dgm:fillClrLst>
+    <dgm:linClrLst meth="repeat">
+      <a:schemeClr val="lt1"/>
+    </dgm:linClrLst>
+    <dgm:effectClrLst/>
+    <dgm:txLinClrLst/>
+    <dgm:txFillClrLst meth="repeat">
+      <a:schemeClr val="lt1"/>
+    </dgm:txFillClrLst>
+    <dgm:txEffectClrLst/>
+  </dgm:styleLbl>
+  <dgm:styleLbl name="parChTrans1D1">
+    <dgm:fillClrLst meth="repeat">
+      <a:schemeClr val="accent2"/>
+    </dgm:fillClrLst>
+    <dgm:linClrLst meth="repeat">
+      <a:schemeClr val="accent2"/>
+    </dgm:linClrLst>
+    <dgm:effectClrLst/>
+    <dgm:txLinClrLst/>
+    <dgm:txFillClrLst meth="repeat">
+      <a:schemeClr val="tx1"/>
+    </dgm:txFillClrLst>
+    <dgm:txEffectClrLst/>
+  </dgm:styleLbl>
+  <dgm:styleLbl name="parChTrans1D2">
+    <dgm:fillClrLst meth="repeat">
+      <a:schemeClr val="accent2">
+        <a:tint val="90000"/>
+      </a:schemeClr>
+    </dgm:fillClrLst>
+    <dgm:linClrLst meth="repeat">
+      <a:schemeClr val="accent3"/>
+    </dgm:linClrLst>
+    <dgm:effectClrLst/>
+    <dgm:txLinClrLst/>
+    <dgm:txFillClrLst meth="repeat">
+      <a:schemeClr val="tx1"/>
+    </dgm:txFillClrLst>
+    <dgm:txEffectClrLst/>
+  </dgm:styleLbl>
+  <dgm:styleLbl name="parChTrans1D3">
+    <dgm:fillClrLst meth="repeat">
+      <a:schemeClr val="accent2">
+        <a:tint val="70000"/>
+      </a:schemeClr>
+    </dgm:fillClrLst>
+    <dgm:linClrLst meth="repeat">
+      <a:schemeClr val="accent4"/>
+    </dgm:linClrLst>
+    <dgm:effectClrLst/>
+    <dgm:txLinClrLst/>
+    <dgm:txFillClrLst meth="repeat">
+      <a:schemeClr val="tx1"/>
+    </dgm:txFillClrLst>
+    <dgm:txEffectClrLst/>
+  </dgm:styleLbl>
+  <dgm:styleLbl name="parChTrans1D4">
+    <dgm:fillClrLst meth="repeat">
+      <a:schemeClr val="accent2">
+        <a:tint val="50000"/>
+      </a:schemeClr>
+    </dgm:fillClrLst>
+    <dgm:linClrLst meth="repeat">
+      <a:schemeClr val="accent5"/>
+    </dgm:linClrLst>
+    <dgm:effectClrLst/>
+    <dgm:txLinClrLst/>
+    <dgm:txFillClrLst meth="repeat">
+      <a:schemeClr val="tx1"/>
+    </dgm:txFillClrLst>
+    <dgm:txEffectClrLst/>
+  </dgm:styleLbl>
+  <dgm:styleLbl name="fgAcc1">
+    <dgm:fillClrLst meth="repeat">
+      <a:schemeClr val="lt1">
+        <a:alpha val="90000"/>
+      </a:schemeClr>
+    </dgm:fillClrLst>
+    <dgm:linClrLst>
+      <a:schemeClr val="accent2"/>
+      <a:schemeClr val="accent3"/>
+    </dgm:linClrLst>
+    <dgm:effectClrLst/>
+    <dgm:txLinClrLst/>
+    <dgm:txFillClrLst meth="repeat">
+      <a:schemeClr val="dk1"/>
+    </dgm:txFillClrLst>
+    <dgm:txEffectClrLst/>
+  </dgm:styleLbl>
+  <dgm:styleLbl name="conFgAcc1">
+    <dgm:fillClrLst meth="repeat">
+      <a:schemeClr val="lt1">
+        <a:alpha val="90000"/>
+      </a:schemeClr>
+    </dgm:fillClrLst>
+    <dgm:linClrLst>
+      <a:schemeClr val="accent2"/>
+      <a:schemeClr val="accent3"/>
+    </dgm:linClrLst>
+    <dgm:effectClrLst/>
+    <dgm:txLinClrLst/>
+    <dgm:txFillClrLst meth="repeat">
+      <a:schemeClr val="dk1"/>
+    </dgm:txFillClrLst>
+    <dgm:txEffectClrLst/>
+  </dgm:styleLbl>
+  <dgm:styleLbl name="alignAcc1">
+    <dgm:fillClrLst meth="repeat">
+      <a:schemeClr val="lt1">
+        <a:alpha val="90000"/>
+      </a:schemeClr>
+    </dgm:fillClrLst>
+    <dgm:linClrLst>
+      <a:schemeClr val="accent2"/>
+      <a:schemeClr val="accent3"/>
+    </dgm:linClrLst>
+    <dgm:effectClrLst/>
+    <dgm:txLinClrLst/>
+    <dgm:txFillClrLst meth="repeat">
+      <a:schemeClr val="dk1"/>
+    </dgm:txFillClrLst>
+    <dgm:txEffectClrLst/>
+  </dgm:styleLbl>
+  <dgm:styleLbl name="trAlignAcc1">
+    <dgm:fillClrLst meth="repeat">
+      <a:schemeClr val="lt1">
+        <a:alpha val="40000"/>
+      </a:schemeClr>
+    </dgm:fillClrLst>
+    <dgm:linClrLst meth="repeat">
+      <a:schemeClr val="accent2"/>
+    </dgm:linClrLst>
+    <dgm:effectClrLst/>
+    <dgm:txLinClrLst/>
+    <dgm:txFillClrLst meth="repeat">
+      <a:schemeClr val="dk1"/>
+    </dgm:txFillClrLst>
+    <dgm:txEffectClrLst/>
+  </dgm:styleLbl>
+  <dgm:styleLbl name="bgAcc1">
+    <dgm:fillClrLst meth="repeat">
+      <a:schemeClr val="lt1">
+        <a:alpha val="90000"/>
+      </a:schemeClr>
+    </dgm:fillClrLst>
+    <dgm:linClrLst>
+      <a:schemeClr val="accent2"/>
+      <a:schemeClr val="accent3"/>
+    </dgm:linClrLst>
+    <dgm:effectClrLst/>
+    <dgm:txLinClrLst/>
+    <dgm:txFillClrLst meth="repeat">
+      <a:schemeClr val="dk1"/>
+    </dgm:txFillClrLst>
+    <dgm:txEffectClrLst/>
+  </dgm:styleLbl>
+  <dgm:styleLbl name="solidFgAcc1">
+    <dgm:fillClrLst meth="repeat">
+      <a:schemeClr val="lt1"/>
+    </dgm:fillClrLst>
+    <dgm:linClrLst>
+      <a:schemeClr val="accent2"/>
+      <a:schemeClr val="accent3"/>
+    </dgm:linClrLst>
+    <dgm:effectClrLst/>
+    <dgm:txLinClrLst/>
+    <dgm:txFillClrLst meth="repeat">
+      <a:schemeClr val="dk1"/>
+    </dgm:txFillClrLst>
+    <dgm:txEffectClrLst/>
+  </dgm:styleLbl>
+  <dgm:styleLbl name="solidAlignAcc1">
+    <dgm:fillClrLst meth="repeat">
+      <a:schemeClr val="lt1"/>
+    </dgm:fillClrLst>
+    <dgm:linClrLst>
+      <a:schemeClr val="accent2"/>
+      <a:schemeClr val="accent3"/>
+    </dgm:linClrLst>
+    <dgm:effectClrLst/>
+    <dgm:txLinClrLst/>
+    <dgm:txFillClrLst meth="repeat">
+      <a:schemeClr val="dk1"/>
+    </dgm:txFillClrLst>
+    <dgm:txEffectClrLst/>
+  </dgm:styleLbl>
+  <dgm:styleLbl name="solidBgAcc1">
+    <dgm:fillClrLst meth="repeat">
+      <a:schemeClr val="lt1"/>
+    </dgm:fillClrLst>
+    <dgm:linClrLst>
+      <a:schemeClr val="accent2"/>
+      <a:schemeClr val="accent3"/>
+    </dgm:linClrLst>
+    <dgm:effectClrLst/>
+    <dgm:txLinClrLst/>
+    <dgm:txFillClrLst meth="repeat">
+      <a:schemeClr val="dk1"/>
+    </dgm:txFillClrLst>
+    <dgm:txEffectClrLst/>
+  </dgm:styleLbl>
+  <dgm:styleLbl name="fgAccFollowNode1">
+    <dgm:fillClrLst>
+      <a:schemeClr val="accent2">
+        <a:tint val="40000"/>
+        <a:alpha val="90000"/>
+      </a:schemeClr>
+      <a:schemeClr val="accent3">
+        <a:tint val="40000"/>
+        <a:alpha val="90000"/>
+      </a:schemeClr>
+    </dgm:fillClrLst>
+    <dgm:linClrLst>
+      <a:schemeClr val="accent2">
+        <a:tint val="40000"/>
+        <a:alpha val="90000"/>
+      </a:schemeClr>
+      <a:schemeClr val="accent3">
+        <a:tint val="40000"/>
+        <a:alpha val="90000"/>
+      </a:schemeClr>
+    </dgm:linClrLst>
+    <dgm:effectClrLst/>
+    <dgm:txLinClrLst/>
+    <dgm:txFillClrLst meth="repeat">
+      <a:schemeClr val="dk1"/>
+    </dgm:txFillClrLst>
+    <dgm:txEffectClrLst/>
+  </dgm:styleLbl>
+  <dgm:styleLbl name="alignAccFollowNode1">
+    <dgm:fillClrLst>
+      <a:schemeClr val="accent2">
+        <a:tint val="40000"/>
+        <a:alpha val="90000"/>
+      </a:schemeClr>
+      <a:schemeClr val="accent3">
+        <a:tint val="40000"/>
+        <a:alpha val="90000"/>
+      </a:schemeClr>
+    </dgm:fillClrLst>
+    <dgm:linClrLst>
+      <a:schemeClr val="accent2">
+        <a:tint val="40000"/>
+        <a:alpha val="90000"/>
+      </a:schemeClr>
+      <a:schemeClr val="accent3">
+        <a:tint val="40000"/>
+        <a:alpha val="90000"/>
+      </a:schemeClr>
+    </dgm:linClrLst>
+    <dgm:effectClrLst/>
+    <dgm:txLinClrLst/>
+    <dgm:txFillClrLst meth="repeat">
+      <a:schemeClr val="dk1"/>
+    </dgm:txFillClrLst>
+    <dgm:txEffectClrLst/>
+  </dgm:styleLbl>
+  <dgm:styleLbl name="bgAccFollowNode1">
+    <dgm:fillClrLst>
+      <a:schemeClr val="accent2">
+        <a:tint val="40000"/>
+        <a:alpha val="90000"/>
+      </a:schemeClr>
+      <a:schemeClr val="accent3">
+        <a:tint val="40000"/>
+        <a:alpha val="90000"/>
+      </a:schemeClr>
+    </dgm:fillClrLst>
+    <dgm:linClrLst>
+      <a:schemeClr val="accent2">
+        <a:tint val="40000"/>
+        <a:alpha val="90000"/>
+      </a:schemeClr>
+      <a:schemeClr val="accent3">
+        <a:tint val="40000"/>
+        <a:alpha val="90000"/>
+      </a:schemeClr>
+    </dgm:linClrLst>
+    <dgm:effectClrLst/>
+    <dgm:txLinClrLst/>
+    <dgm:txFillClrLst meth="repeat">
+      <a:schemeClr val="dk1"/>
+    </dgm:txFillClrLst>
+    <dgm:txEffectClrLst/>
+  </dgm:styleLbl>
+  <dgm:styleLbl name="fgAcc0">
+    <dgm:fillClrLst meth="repeat">
+      <a:schemeClr val="lt1">
+        <a:alpha val="90000"/>
+      </a:schemeClr>
+    </dgm:fillClrLst>
+    <dgm:linClrLst>
+      <a:schemeClr val="accent1"/>
+    </dgm:linClrLst>
+    <dgm:effectClrLst/>
+    <dgm:txLinClrLst/>
+    <dgm:txFillClrLst meth="repeat">
+      <a:schemeClr val="dk1"/>
+    </dgm:txFillClrLst>
+    <dgm:txEffectClrLst/>
+  </dgm:styleLbl>
+  <dgm:styleLbl name="fgAcc2">
+    <dgm:fillClrLst meth="repeat">
+      <a:schemeClr val="lt1">
+        <a:alpha val="90000"/>
+      </a:schemeClr>
+    </dgm:fillClrLst>
+    <dgm:linClrLst>
+      <a:schemeClr val="accent3"/>
+    </dgm:linClrLst>
+    <dgm:effectClrLst/>
+    <dgm:txLinClrLst/>
+    <dgm:txFillClrLst meth="repeat">
+      <a:schemeClr val="dk1"/>
+    </dgm:txFillClrLst>
+    <dgm:txEffectClrLst/>
+  </dgm:styleLbl>
+  <dgm:styleLbl name="fgAcc3">
+    <dgm:fillClrLst meth="repeat">
+      <a:schemeClr val="lt1">
+        <a:alpha val="90000"/>
+      </a:schemeClr>
+    </dgm:fillClrLst>
+    <dgm:linClrLst>
+      <a:schemeClr val="accent4"/>
+    </dgm:linClrLst>
+    <dgm:effectClrLst/>
+    <dgm:txLinClrLst/>
+    <dgm:txFillClrLst meth="repeat">
+      <a:schemeClr val="dk1"/>
+    </dgm:txFillClrLst>
+    <dgm:txEffectClrLst/>
+  </dgm:styleLbl>
+  <dgm:styleLbl name="fgAcc4">
+    <dgm:fillClrLst meth="repeat">
+      <a:schemeClr val="lt1">
+        <a:alpha val="90000"/>
+      </a:schemeClr>
+    </dgm:fillClrLst>
+    <dgm:linClrLst>
+      <a:schemeClr val="accent5"/>
+    </dgm:linClrLst>
+    <dgm:effectClrLst/>
+    <dgm:txLinClrLst/>
+    <dgm:txFillClrLst meth="repeat">
+      <a:schemeClr val="dk1"/>
+    </dgm:txFillClrLst>
+    <dgm:txEffectClrLst/>
+  </dgm:styleLbl>
+  <dgm:styleLbl name="bgShp">
+    <dgm:fillClrLst meth="repeat">
+      <a:schemeClr val="accent2">
+        <a:tint val="40000"/>
+      </a:schemeClr>
+    </dgm:fillClrLst>
+    <dgm:linClrLst meth="repeat">
+      <a:schemeClr val="dk1"/>
+    </dgm:linClrLst>
+    <dgm:effectClrLst/>
+    <dgm:txLinClrLst/>
+    <dgm:txFillClrLst meth="repeat">
+      <a:schemeClr val="dk1"/>
+    </dgm:txFillClrLst>
+    <dgm:txEffectClrLst/>
+  </dgm:styleLbl>
+  <dgm:styleLbl name="dkBgShp">
+    <dgm:fillClrLst meth="repeat">
+      <a:schemeClr val="accent2">
+        <a:shade val="90000"/>
+      </a:schemeClr>
+    </dgm:fillClrLst>
+    <dgm:linClrLst meth="repeat">
+      <a:schemeClr val="dk1"/>
+    </dgm:linClrLst>
+    <dgm:effectClrLst/>
+    <dgm:txLinClrLst/>
+    <dgm:txFillClrLst meth="repeat">
+      <a:schemeClr val="lt1"/>
+    </dgm:txFillClrLst>
+    <dgm:txEffectClrLst/>
+  </dgm:styleLbl>
+  <dgm:styleLbl name="trBgShp">
+    <dgm:fillClrLst meth="repeat">
+      <a:schemeClr val="accent2">
+        <a:tint val="50000"/>
+        <a:alpha val="40000"/>
+      </a:schemeClr>
+    </dgm:fillClrLst>
+    <dgm:linClrLst meth="repeat">
+      <a:schemeClr val="accent2"/>
+    </dgm:linClrLst>
+    <dgm:effectClrLst/>
+    <dgm:txLinClrLst/>
+    <dgm:txFillClrLst meth="repeat">
+      <a:schemeClr val="lt1"/>
+    </dgm:txFillClrLst>
+    <dgm:txEffectClrLst/>
+  </dgm:styleLbl>
+  <dgm:styleLbl name="fgShp">
+    <dgm:fillClrLst meth="repeat">
+      <a:schemeClr val="accent2">
+        <a:tint val="40000"/>
+      </a:schemeClr>
+    </dgm:fillClrLst>
+    <dgm:linClrLst meth="repeat">
+      <a:schemeClr val="lt1"/>
+    </dgm:linClrLst>
+    <dgm:effectClrLst/>
+    <dgm:txLinClrLst/>
+    <dgm:txFillClrLst meth="repeat">
+      <a:schemeClr val="dk1"/>
+    </dgm:txFillClrLst>
+    <dgm:txEffectClrLst/>
+  </dgm:styleLbl>
+  <dgm:styleLbl name="revTx">
+    <dgm:fillClrLst meth="repeat">
+      <a:schemeClr val="lt1">
+        <a:alpha val="0"/>
+      </a:schemeClr>
+    </dgm:fillClrLst>
+    <dgm:linClrLst meth="repeat">
+      <a:schemeClr val="dk1">
+        <a:alpha val="0"/>
+      </a:schemeClr>
+    </dgm:linClrLst>
+    <dgm:effectClrLst/>
+    <dgm:txLinClrLst/>
+    <dgm:txFillClrLst meth="repeat">
+      <a:schemeClr val="tx1"/>
+    </dgm:txFillClrLst>
+    <dgm:txEffectClrLst/>
+  </dgm:styleLbl>
+</dgm:colorsDef>
+</file>
+
+<file path=ppt/diagrams/data1.xml><?xml version="1.0" encoding="utf-8"?>
+<dgm:dataModel xmlns:dgm="http://schemas.openxmlformats.org/drawingml/2006/diagram" xmlns:a="http://schemas.openxmlformats.org/drawingml/2006/main">
+  <dgm:ptLst>
+    <dgm:pt modelId="{A168BFF3-6017-42DF-8FFA-2E0C507FFFF8}" type="doc">
+      <dgm:prSet loTypeId="urn:microsoft.com/office/officeart/2005/8/layout/vList2" loCatId="list" qsTypeId="urn:microsoft.com/office/officeart/2005/8/quickstyle/simple1" qsCatId="simple" csTypeId="urn:microsoft.com/office/officeart/2005/8/colors/colorful2" csCatId="colorful"/>
+      <dgm:spPr/>
+      <dgm:t>
+        <a:bodyPr/>
+        <a:lstStyle/>
+        <a:p>
+          <a:endParaRPr lang="en-US"/>
+        </a:p>
+      </dgm:t>
+    </dgm:pt>
+    <dgm:pt modelId="{0A668E8D-2B9D-4073-9C53-84DEA13562EA}">
+      <dgm:prSet/>
+      <dgm:spPr/>
+      <dgm:t>
+        <a:bodyPr/>
+        <a:lstStyle/>
+        <a:p>
+          <a:r>
+            <a:rPr lang="en-US"/>
+            <a:t>It’s in </a:t>
+          </a:r>
+          <a:r>
+            <a:rPr lang="en-US" b="1"/>
+            <a:t>“Developer Preview”</a:t>
+          </a:r>
+          <a:endParaRPr lang="en-US"/>
+        </a:p>
+      </dgm:t>
+    </dgm:pt>
+    <dgm:pt modelId="{1C86B824-5090-48A1-85E4-F92EA53BD3CC}" type="parTrans" cxnId="{9356E045-E38B-4ABC-9449-81DC713E6B6E}">
+      <dgm:prSet/>
+      <dgm:spPr/>
+      <dgm:t>
+        <a:bodyPr/>
+        <a:lstStyle/>
+        <a:p>
+          <a:endParaRPr lang="en-US"/>
+        </a:p>
+      </dgm:t>
+    </dgm:pt>
+    <dgm:pt modelId="{F0C3B1BE-C0EB-4F86-8504-3C439BC7AEE6}" type="sibTrans" cxnId="{9356E045-E38B-4ABC-9449-81DC713E6B6E}">
+      <dgm:prSet/>
+      <dgm:spPr/>
+      <dgm:t>
+        <a:bodyPr/>
+        <a:lstStyle/>
+        <a:p>
+          <a:endParaRPr lang="en-US"/>
+        </a:p>
+      </dgm:t>
+    </dgm:pt>
+    <dgm:pt modelId="{C4ED16A8-8256-4810-BB3A-512D0009E2DC}">
+      <dgm:prSet/>
+      <dgm:spPr/>
+      <dgm:t>
+        <a:bodyPr/>
+        <a:lstStyle/>
+        <a:p>
+          <a:r>
+            <a:rPr lang="en-US"/>
+            <a:t>Syntax &amp; features may change in future versions!</a:t>
+          </a:r>
+        </a:p>
+      </dgm:t>
+    </dgm:pt>
+    <dgm:pt modelId="{CE5D0368-F3DC-44DF-86BC-5D9EFE886101}" type="parTrans" cxnId="{508EA262-0CA2-4F6C-B410-61ECB9A6A8C7}">
+      <dgm:prSet/>
+      <dgm:spPr/>
+      <dgm:t>
+        <a:bodyPr/>
+        <a:lstStyle/>
+        <a:p>
+          <a:endParaRPr lang="en-US"/>
+        </a:p>
+      </dgm:t>
+    </dgm:pt>
+    <dgm:pt modelId="{4C617E71-02F3-4171-9582-4FFCD3D60796}" type="sibTrans" cxnId="{508EA262-0CA2-4F6C-B410-61ECB9A6A8C7}">
+      <dgm:prSet/>
+      <dgm:spPr/>
+      <dgm:t>
+        <a:bodyPr/>
+        <a:lstStyle/>
+        <a:p>
+          <a:endParaRPr lang="en-US"/>
+        </a:p>
+      </dgm:t>
+    </dgm:pt>
+    <dgm:pt modelId="{417EBD4E-8D58-4E1D-80EB-EAA12F5074A1}">
+      <dgm:prSet/>
+      <dgm:spPr/>
+      <dgm:t>
+        <a:bodyPr/>
+        <a:lstStyle/>
+        <a:p>
+          <a:r>
+            <a:rPr lang="en-US" dirty="0"/>
+            <a:t>Patterns &amp; best practices are still to evolve</a:t>
+          </a:r>
+        </a:p>
+      </dgm:t>
+    </dgm:pt>
+    <dgm:pt modelId="{F4C7EBDC-679D-4D07-B54B-BDE557EA90EE}" type="parTrans" cxnId="{78B4ED1D-CB91-46BE-ADF8-C06FFCBF588F}">
+      <dgm:prSet/>
+      <dgm:spPr/>
+      <dgm:t>
+        <a:bodyPr/>
+        <a:lstStyle/>
+        <a:p>
+          <a:endParaRPr lang="en-US"/>
+        </a:p>
+      </dgm:t>
+    </dgm:pt>
+    <dgm:pt modelId="{EE457451-3753-42E1-8EA0-282FD6F55F55}" type="sibTrans" cxnId="{78B4ED1D-CB91-46BE-ADF8-C06FFCBF588F}">
+      <dgm:prSet/>
+      <dgm:spPr/>
+      <dgm:t>
+        <a:bodyPr/>
+        <a:lstStyle/>
+        <a:p>
+          <a:endParaRPr lang="en-US"/>
+        </a:p>
+      </dgm:t>
+    </dgm:pt>
+    <dgm:pt modelId="{BF8E2412-0263-4614-92EF-04DC80790747}" type="pres">
+      <dgm:prSet presAssocID="{A168BFF3-6017-42DF-8FFA-2E0C507FFFF8}" presName="linear" presStyleCnt="0">
+        <dgm:presLayoutVars>
+          <dgm:animLvl val="lvl"/>
+          <dgm:resizeHandles val="exact"/>
+        </dgm:presLayoutVars>
+      </dgm:prSet>
+      <dgm:spPr/>
+    </dgm:pt>
+    <dgm:pt modelId="{92B3B9F2-BA58-4C2A-9E72-94B348D9696F}" type="pres">
+      <dgm:prSet presAssocID="{0A668E8D-2B9D-4073-9C53-84DEA13562EA}" presName="parentText" presStyleLbl="node1" presStyleIdx="0" presStyleCnt="3">
+        <dgm:presLayoutVars>
+          <dgm:chMax val="0"/>
+          <dgm:bulletEnabled val="1"/>
+        </dgm:presLayoutVars>
+      </dgm:prSet>
+      <dgm:spPr/>
+    </dgm:pt>
+    <dgm:pt modelId="{DE7E80F0-F509-46AF-937A-86437519E5DE}" type="pres">
+      <dgm:prSet presAssocID="{F0C3B1BE-C0EB-4F86-8504-3C439BC7AEE6}" presName="spacer" presStyleCnt="0"/>
+      <dgm:spPr/>
+    </dgm:pt>
+    <dgm:pt modelId="{E2C53D26-828E-43BC-A2AC-A8B15149B220}" type="pres">
+      <dgm:prSet presAssocID="{C4ED16A8-8256-4810-BB3A-512D0009E2DC}" presName="parentText" presStyleLbl="node1" presStyleIdx="1" presStyleCnt="3">
+        <dgm:presLayoutVars>
+          <dgm:chMax val="0"/>
+          <dgm:bulletEnabled val="1"/>
+        </dgm:presLayoutVars>
+      </dgm:prSet>
+      <dgm:spPr/>
+    </dgm:pt>
+    <dgm:pt modelId="{AE575402-41D0-47DC-96FE-D005571E4594}" type="pres">
+      <dgm:prSet presAssocID="{4C617E71-02F3-4171-9582-4FFCD3D60796}" presName="spacer" presStyleCnt="0"/>
+      <dgm:spPr/>
+    </dgm:pt>
+    <dgm:pt modelId="{E1D46C88-1F5E-463D-897C-09D529CDC0CD}" type="pres">
+      <dgm:prSet presAssocID="{417EBD4E-8D58-4E1D-80EB-EAA12F5074A1}" presName="parentText" presStyleLbl="node1" presStyleIdx="2" presStyleCnt="3">
+        <dgm:presLayoutVars>
+          <dgm:chMax val="0"/>
+          <dgm:bulletEnabled val="1"/>
+        </dgm:presLayoutVars>
+      </dgm:prSet>
+      <dgm:spPr/>
+    </dgm:pt>
+  </dgm:ptLst>
+  <dgm:cxnLst>
+    <dgm:cxn modelId="{78B4ED1D-CB91-46BE-ADF8-C06FFCBF588F}" srcId="{A168BFF3-6017-42DF-8FFA-2E0C507FFFF8}" destId="{417EBD4E-8D58-4E1D-80EB-EAA12F5074A1}" srcOrd="2" destOrd="0" parTransId="{F4C7EBDC-679D-4D07-B54B-BDE557EA90EE}" sibTransId="{EE457451-3753-42E1-8EA0-282FD6F55F55}"/>
+    <dgm:cxn modelId="{B4AF1162-34B8-419F-A794-0C00F5B14D8C}" type="presOf" srcId="{417EBD4E-8D58-4E1D-80EB-EAA12F5074A1}" destId="{E1D46C88-1F5E-463D-897C-09D529CDC0CD}" srcOrd="0" destOrd="0" presId="urn:microsoft.com/office/officeart/2005/8/layout/vList2"/>
+    <dgm:cxn modelId="{508EA262-0CA2-4F6C-B410-61ECB9A6A8C7}" srcId="{A168BFF3-6017-42DF-8FFA-2E0C507FFFF8}" destId="{C4ED16A8-8256-4810-BB3A-512D0009E2DC}" srcOrd="1" destOrd="0" parTransId="{CE5D0368-F3DC-44DF-86BC-5D9EFE886101}" sibTransId="{4C617E71-02F3-4171-9582-4FFCD3D60796}"/>
+    <dgm:cxn modelId="{9356E045-E38B-4ABC-9449-81DC713E6B6E}" srcId="{A168BFF3-6017-42DF-8FFA-2E0C507FFFF8}" destId="{0A668E8D-2B9D-4073-9C53-84DEA13562EA}" srcOrd="0" destOrd="0" parTransId="{1C86B824-5090-48A1-85E4-F92EA53BD3CC}" sibTransId="{F0C3B1BE-C0EB-4F86-8504-3C439BC7AEE6}"/>
+    <dgm:cxn modelId="{7D9F7D75-B12F-4D3A-86B0-EE003AADD3F9}" type="presOf" srcId="{0A668E8D-2B9D-4073-9C53-84DEA13562EA}" destId="{92B3B9F2-BA58-4C2A-9E72-94B348D9696F}" srcOrd="0" destOrd="0" presId="urn:microsoft.com/office/officeart/2005/8/layout/vList2"/>
+    <dgm:cxn modelId="{38731F7E-77E8-48BA-88D6-DD387EDB2E6E}" type="presOf" srcId="{A168BFF3-6017-42DF-8FFA-2E0C507FFFF8}" destId="{BF8E2412-0263-4614-92EF-04DC80790747}" srcOrd="0" destOrd="0" presId="urn:microsoft.com/office/officeart/2005/8/layout/vList2"/>
+    <dgm:cxn modelId="{64A84CCC-EAE2-4AED-96DC-038A57AAF5B4}" type="presOf" srcId="{C4ED16A8-8256-4810-BB3A-512D0009E2DC}" destId="{E2C53D26-828E-43BC-A2AC-A8B15149B220}" srcOrd="0" destOrd="0" presId="urn:microsoft.com/office/officeart/2005/8/layout/vList2"/>
+    <dgm:cxn modelId="{00BFACB3-C8B3-42D4-A9D5-9EE0463FE3FA}" type="presParOf" srcId="{BF8E2412-0263-4614-92EF-04DC80790747}" destId="{92B3B9F2-BA58-4C2A-9E72-94B348D9696F}" srcOrd="0" destOrd="0" presId="urn:microsoft.com/office/officeart/2005/8/layout/vList2"/>
+    <dgm:cxn modelId="{2C7DF8F9-2263-45C9-BC2D-E934F31AE55D}" type="presParOf" srcId="{BF8E2412-0263-4614-92EF-04DC80790747}" destId="{DE7E80F0-F509-46AF-937A-86437519E5DE}" srcOrd="1" destOrd="0" presId="urn:microsoft.com/office/officeart/2005/8/layout/vList2"/>
+    <dgm:cxn modelId="{60E6873F-5FFC-43C3-A5FB-DD9500D28D42}" type="presParOf" srcId="{BF8E2412-0263-4614-92EF-04DC80790747}" destId="{E2C53D26-828E-43BC-A2AC-A8B15149B220}" srcOrd="2" destOrd="0" presId="urn:microsoft.com/office/officeart/2005/8/layout/vList2"/>
+    <dgm:cxn modelId="{91D4BB43-D641-4DF3-9B47-9DC5273A2C24}" type="presParOf" srcId="{BF8E2412-0263-4614-92EF-04DC80790747}" destId="{AE575402-41D0-47DC-96FE-D005571E4594}" srcOrd="3" destOrd="0" presId="urn:microsoft.com/office/officeart/2005/8/layout/vList2"/>
+    <dgm:cxn modelId="{48CEFDFC-D764-404C-BEA9-703C8CEF7ED7}" type="presParOf" srcId="{BF8E2412-0263-4614-92EF-04DC80790747}" destId="{E1D46C88-1F5E-463D-897C-09D529CDC0CD}" srcOrd="4" destOrd="0" presId="urn:microsoft.com/office/officeart/2005/8/layout/vList2"/>
+  </dgm:cxnLst>
+  <dgm:bg/>
+  <dgm:whole/>
+  <dgm:extLst>
+    <a:ext uri="http://schemas.microsoft.com/office/drawing/2008/diagram">
+      <dsp:dataModelExt xmlns:dsp="http://schemas.microsoft.com/office/drawing/2008/diagram" relId="rId6" minVer="http://schemas.openxmlformats.org/drawingml/2006/diagram"/>
+    </a:ext>
+  </dgm:extLst>
+</dgm:dataModel>
+</file>
+
+<file path=ppt/diagrams/drawing1.xml><?xml version="1.0" encoding="utf-8"?>
+<dsp:drawing xmlns:dgm="http://schemas.openxmlformats.org/drawingml/2006/diagram" xmlns:dsp="http://schemas.microsoft.com/office/drawing/2008/diagram" xmlns:a="http://schemas.openxmlformats.org/drawingml/2006/main">
+  <dsp:spTree>
+    <dsp:nvGrpSpPr>
+      <dsp:cNvPr id="0" name=""/>
+      <dsp:cNvGrpSpPr/>
+    </dsp:nvGrpSpPr>
+    <dsp:grpSpPr/>
+    <dsp:sp modelId="{92B3B9F2-BA58-4C2A-9E72-94B348D9696F}">
+      <dsp:nvSpPr>
+        <dsp:cNvPr id="0" name=""/>
+        <dsp:cNvSpPr/>
+      </dsp:nvSpPr>
+      <dsp:spPr>
+        <a:xfrm>
+          <a:off x="0" y="167573"/>
+          <a:ext cx="6245265" cy="1670759"/>
+        </a:xfrm>
+        <a:prstGeom prst="roundRect">
+          <a:avLst/>
+        </a:prstGeom>
+        <a:solidFill>
+          <a:schemeClr val="accent2">
+            <a:hueOff val="0"/>
+            <a:satOff val="0"/>
+            <a:lumOff val="0"/>
+            <a:alphaOff val="0"/>
+          </a:schemeClr>
+        </a:solidFill>
+        <a:ln w="12700" cap="flat" cmpd="sng" algn="ctr">
+          <a:solidFill>
+            <a:schemeClr val="lt1">
+              <a:hueOff val="0"/>
+              <a:satOff val="0"/>
+              <a:lumOff val="0"/>
+              <a:alphaOff val="0"/>
+            </a:schemeClr>
+          </a:solidFill>
+          <a:prstDash val="solid"/>
+          <a:miter lim="800000"/>
+        </a:ln>
+        <a:effectLst/>
+      </dsp:spPr>
+      <dsp:style>
+        <a:lnRef idx="2">
+          <a:scrgbClr r="0" g="0" b="0"/>
+        </a:lnRef>
+        <a:fillRef idx="1">
+          <a:scrgbClr r="0" g="0" b="0"/>
+        </a:fillRef>
+        <a:effectRef idx="0">
+          <a:scrgbClr r="0" g="0" b="0"/>
+        </a:effectRef>
+        <a:fontRef idx="minor">
+          <a:schemeClr val="lt1"/>
+        </a:fontRef>
+      </dsp:style>
+      <dsp:txBody>
+        <a:bodyPr spcFirstLastPara="0" vert="horz" wrap="square" lIns="160020" tIns="160020" rIns="160020" bIns="160020" numCol="1" spcCol="1270" anchor="ctr" anchorCtr="0">
+          <a:noAutofit/>
+        </a:bodyPr>
+        <a:lstStyle/>
+        <a:p>
+          <a:pPr marL="0" lvl="0" indent="0" algn="l" defTabSz="1866900">
+            <a:lnSpc>
+              <a:spcPct val="90000"/>
+            </a:lnSpc>
+            <a:spcBef>
+              <a:spcPct val="0"/>
+            </a:spcBef>
+            <a:spcAft>
+              <a:spcPct val="35000"/>
+            </a:spcAft>
+            <a:buNone/>
+          </a:pPr>
+          <a:r>
+            <a:rPr lang="en-US" sz="4200" kern="1200"/>
+            <a:t>It’s in </a:t>
+          </a:r>
+          <a:r>
+            <a:rPr lang="en-US" sz="4200" b="1" kern="1200"/>
+            <a:t>“Developer Preview”</a:t>
+          </a:r>
+          <a:endParaRPr lang="en-US" sz="4200" kern="1200"/>
+        </a:p>
+      </dsp:txBody>
+      <dsp:txXfrm>
+        <a:off x="81560" y="249133"/>
+        <a:ext cx="6082145" cy="1507639"/>
+      </dsp:txXfrm>
+    </dsp:sp>
+    <dsp:sp modelId="{E2C53D26-828E-43BC-A2AC-A8B15149B220}">
+      <dsp:nvSpPr>
+        <dsp:cNvPr id="0" name=""/>
+        <dsp:cNvSpPr/>
+      </dsp:nvSpPr>
+      <dsp:spPr>
+        <a:xfrm>
+          <a:off x="0" y="1959293"/>
+          <a:ext cx="6245265" cy="1670759"/>
+        </a:xfrm>
+        <a:prstGeom prst="roundRect">
+          <a:avLst/>
+        </a:prstGeom>
+        <a:solidFill>
+          <a:schemeClr val="accent2">
+            <a:hueOff val="-727682"/>
+            <a:satOff val="-41964"/>
+            <a:lumOff val="4314"/>
+            <a:alphaOff val="0"/>
+          </a:schemeClr>
+        </a:solidFill>
+        <a:ln w="12700" cap="flat" cmpd="sng" algn="ctr">
+          <a:solidFill>
+            <a:schemeClr val="lt1">
+              <a:hueOff val="0"/>
+              <a:satOff val="0"/>
+              <a:lumOff val="0"/>
+              <a:alphaOff val="0"/>
+            </a:schemeClr>
+          </a:solidFill>
+          <a:prstDash val="solid"/>
+          <a:miter lim="800000"/>
+        </a:ln>
+        <a:effectLst/>
+      </dsp:spPr>
+      <dsp:style>
+        <a:lnRef idx="2">
+          <a:scrgbClr r="0" g="0" b="0"/>
+        </a:lnRef>
+        <a:fillRef idx="1">
+          <a:scrgbClr r="0" g="0" b="0"/>
+        </a:fillRef>
+        <a:effectRef idx="0">
+          <a:scrgbClr r="0" g="0" b="0"/>
+        </a:effectRef>
+        <a:fontRef idx="minor">
+          <a:schemeClr val="lt1"/>
+        </a:fontRef>
+      </dsp:style>
+      <dsp:txBody>
+        <a:bodyPr spcFirstLastPara="0" vert="horz" wrap="square" lIns="160020" tIns="160020" rIns="160020" bIns="160020" numCol="1" spcCol="1270" anchor="ctr" anchorCtr="0">
+          <a:noAutofit/>
+        </a:bodyPr>
+        <a:lstStyle/>
+        <a:p>
+          <a:pPr marL="0" lvl="0" indent="0" algn="l" defTabSz="1866900">
+            <a:lnSpc>
+              <a:spcPct val="90000"/>
+            </a:lnSpc>
+            <a:spcBef>
+              <a:spcPct val="0"/>
+            </a:spcBef>
+            <a:spcAft>
+              <a:spcPct val="35000"/>
+            </a:spcAft>
+            <a:buNone/>
+          </a:pPr>
+          <a:r>
+            <a:rPr lang="en-US" sz="4200" kern="1200"/>
+            <a:t>Syntax &amp; features may change in future versions!</a:t>
+          </a:r>
+        </a:p>
+      </dsp:txBody>
+      <dsp:txXfrm>
+        <a:off x="81560" y="2040853"/>
+        <a:ext cx="6082145" cy="1507639"/>
+      </dsp:txXfrm>
+    </dsp:sp>
+    <dsp:sp modelId="{E1D46C88-1F5E-463D-897C-09D529CDC0CD}">
+      <dsp:nvSpPr>
+        <dsp:cNvPr id="0" name=""/>
+        <dsp:cNvSpPr/>
+      </dsp:nvSpPr>
+      <dsp:spPr>
+        <a:xfrm>
+          <a:off x="0" y="3751013"/>
+          <a:ext cx="6245265" cy="1670759"/>
+        </a:xfrm>
+        <a:prstGeom prst="roundRect">
+          <a:avLst/>
+        </a:prstGeom>
+        <a:solidFill>
+          <a:schemeClr val="accent2">
+            <a:hueOff val="-1455363"/>
+            <a:satOff val="-83928"/>
+            <a:lumOff val="8628"/>
+            <a:alphaOff val="0"/>
+          </a:schemeClr>
+        </a:solidFill>
+        <a:ln w="12700" cap="flat" cmpd="sng" algn="ctr">
+          <a:solidFill>
+            <a:schemeClr val="lt1">
+              <a:hueOff val="0"/>
+              <a:satOff val="0"/>
+              <a:lumOff val="0"/>
+              <a:alphaOff val="0"/>
+            </a:schemeClr>
+          </a:solidFill>
+          <a:prstDash val="solid"/>
+          <a:miter lim="800000"/>
+        </a:ln>
+        <a:effectLst/>
+      </dsp:spPr>
+      <dsp:style>
+        <a:lnRef idx="2">
+          <a:scrgbClr r="0" g="0" b="0"/>
+        </a:lnRef>
+        <a:fillRef idx="1">
+          <a:scrgbClr r="0" g="0" b="0"/>
+        </a:fillRef>
+        <a:effectRef idx="0">
+          <a:scrgbClr r="0" g="0" b="0"/>
+        </a:effectRef>
+        <a:fontRef idx="minor">
+          <a:schemeClr val="lt1"/>
+        </a:fontRef>
+      </dsp:style>
+      <dsp:txBody>
+        <a:bodyPr spcFirstLastPara="0" vert="horz" wrap="square" lIns="160020" tIns="160020" rIns="160020" bIns="160020" numCol="1" spcCol="1270" anchor="ctr" anchorCtr="0">
+          <a:noAutofit/>
+        </a:bodyPr>
+        <a:lstStyle/>
+        <a:p>
+          <a:pPr marL="0" lvl="0" indent="0" algn="l" defTabSz="1866900">
+            <a:lnSpc>
+              <a:spcPct val="90000"/>
+            </a:lnSpc>
+            <a:spcBef>
+              <a:spcPct val="0"/>
+            </a:spcBef>
+            <a:spcAft>
+              <a:spcPct val="35000"/>
+            </a:spcAft>
+            <a:buNone/>
+          </a:pPr>
+          <a:r>
+            <a:rPr lang="en-US" sz="4200" kern="1200" dirty="0"/>
+            <a:t>Patterns &amp; best practices are still to evolve</a:t>
+          </a:r>
+        </a:p>
+      </dsp:txBody>
+      <dsp:txXfrm>
+        <a:off x="81560" y="3832573"/>
+        <a:ext cx="6082145" cy="1507639"/>
+      </dsp:txXfrm>
+    </dsp:sp>
+  </dsp:spTree>
+</dsp:drawing>
+</file>
+
+<file path=ppt/diagrams/layout1.xml><?xml version="1.0" encoding="utf-8"?>
+<dgm:layoutDef xmlns:dgm="http://schemas.openxmlformats.org/drawingml/2006/diagram" xmlns:a="http://schemas.openxmlformats.org/drawingml/2006/main" uniqueId="urn:microsoft.com/office/officeart/2005/8/layout/vList2">
+  <dgm:title val=""/>
+  <dgm:desc val=""/>
+  <dgm:catLst>
+    <dgm:cat type="list" pri="3000"/>
+    <dgm:cat type="convert" pri="1000"/>
+  </dgm:catLst>
+  <dgm:sampData>
+    <dgm:dataModel>
+      <dgm:ptLst>
+        <dgm:pt modelId="0" type="doc"/>
+        <dgm:pt modelId="1">
+          <dgm:prSet phldr="1"/>
+        </dgm:pt>
+        <dgm:pt modelId="11">
+          <dgm:prSet phldr="1"/>
+        </dgm:pt>
+        <dgm:pt modelId="2">
+          <dgm:prSet phldr="1"/>
+        </dgm:pt>
+        <dgm:pt modelId="21">
+          <dgm:prSet phldr="1"/>
+        </dgm:pt>
+      </dgm:ptLst>
+      <dgm:cxnLst>
+        <dgm:cxn modelId="4" srcId="0" destId="1" srcOrd="0" destOrd="0"/>
+        <dgm:cxn modelId="5" srcId="0" destId="2" srcOrd="1" destOrd="0"/>
+        <dgm:cxn modelId="12" srcId="1" destId="11" srcOrd="0" destOrd="0"/>
+        <dgm:cxn modelId="23" srcId="2" destId="21" srcOrd="0" destOrd="0"/>
+      </dgm:cxnLst>
+      <dgm:bg/>
+      <dgm:whole/>
+    </dgm:dataModel>
+  </dgm:sampData>
+  <dgm:styleData>
+    <dgm:dataModel>
+      <dgm:ptLst>
+        <dgm:pt modelId="0" type="doc"/>
+        <dgm:pt modelId="1"/>
+        <dgm:pt modelId="2"/>
+      </dgm:ptLst>
+      <dgm:cxnLst>
+        <dgm:cxn modelId="3" srcId="0" destId="1" srcOrd="0" destOrd="0"/>
+        <dgm:cxn modelId="4" srcId="0" destId="2" srcOrd="1" destOrd="0"/>
+      </dgm:cxnLst>
+      <dgm:bg/>
+      <dgm:whole/>
+    </dgm:dataModel>
+  </dgm:styleData>
+  <dgm:clrData>
+    <dgm:dataModel>
+      <dgm:ptLst>
+        <dgm:pt modelId="0" type="doc"/>
+        <dgm:pt modelId="1"/>
+        <dgm:pt modelId="2"/>
+        <dgm:pt modelId="3"/>
+        <dgm:pt modelId="4"/>
+      </dgm:ptLst>
+      <dgm:cxnLst>
+        <dgm:cxn modelId="5" srcId="0" destId="1" srcOrd="0" destOrd="0"/>
+        <dgm:cxn modelId="6" srcId="0" destId="2" srcOrd="1" destOrd="0"/>
+        <dgm:cxn modelId="7" srcId="0" destId="3" srcOrd="2" destOrd="0"/>
+        <dgm:cxn modelId="8" srcId="0" destId="4" srcOrd="3" destOrd="0"/>
+      </dgm:cxnLst>
+      <dgm:bg/>
+      <dgm:whole/>
+    </dgm:dataModel>
+  </dgm:clrData>
+  <dgm:layoutNode name="linear">
+    <dgm:varLst>
+      <dgm:animLvl val="lvl"/>
+      <dgm:resizeHandles val="exact"/>
+    </dgm:varLst>
+    <dgm:alg type="lin">
+      <dgm:param type="linDir" val="fromT"/>
+      <dgm:param type="vertAlign" val="mid"/>
+    </dgm:alg>
+    <dgm:shape xmlns:r="http://schemas.openxmlformats.org/officeDocument/2006/relationships" r:blip="">
+      <dgm:adjLst/>
+    </dgm:shape>
+    <dgm:presOf/>
+    <dgm:constrLst>
+      <dgm:constr type="w" for="ch" forName="parentText" refType="w"/>
+      <dgm:constr type="h" for="ch" forName="parentText" refType="primFontSz" refFor="ch" refForName="parentText" fact="0.52"/>
+      <dgm:constr type="w" for="ch" forName="childText" refType="w"/>
+      <dgm:constr type="h" for="ch" forName="childText" refType="primFontSz" refFor="ch" refForName="parentText" fact="0.46"/>
+      <dgm:constr type="h" for="ch" forName="parentText" op="equ"/>
+      <dgm:constr type="primFontSz" for="ch" forName="parentText" op="equ" val="65"/>
+      <dgm:constr type="primFontSz" for="ch" forName="childText" refType="primFontSz" refFor="ch" refForName="parentText" op="equ"/>
+      <dgm:constr type="h" for="ch" forName="spacer" refType="primFontSz" refFor="ch" refForName="parentText" fact="0.08"/>
+    </dgm:constrLst>
+    <dgm:ruleLst>
+      <dgm:rule type="primFontSz" for="ch" forName="parentText" val="5" fact="NaN" max="NaN"/>
+    </dgm:ruleLst>
+    <dgm:forEach name="Name0" axis="ch" ptType="node">
+      <dgm:layoutNode name="parentText" styleLbl="node1">
+        <dgm:varLst>
+          <dgm:chMax val="0"/>
+          <dgm:bulletEnabled val="1"/>
+        </dgm:varLst>
+        <dgm:alg type="tx">
+          <dgm:param type="parTxLTRAlign" val="l"/>
+          <dgm:param type="parTxRTLAlign" val="r"/>
+        </dgm:alg>
+        <dgm:shape xmlns:r="http://schemas.openxmlformats.org/officeDocument/2006/relationships" type="roundRect" r:blip="">
+          <dgm:adjLst/>
+        </dgm:shape>
+        <dgm:presOf axis="self"/>
+        <dgm:constrLst>
+          <dgm:constr type="tMarg" refType="primFontSz" fact="0.3"/>
+          <dgm:constr type="bMarg" refType="primFontSz" fact="0.3"/>
+          <dgm:constr type="lMarg" refType="primFontSz" fact="0.3"/>
+          <dgm:constr type="rMarg" refType="primFontSz" fact="0.3"/>
+        </dgm:constrLst>
+        <dgm:ruleLst>
+          <dgm:rule type="h" val="INF" fact="NaN" max="NaN"/>
+        </dgm:ruleLst>
+      </dgm:layoutNode>
+      <dgm:choose name="Name1">
+        <dgm:if name="Name2" axis="ch" ptType="node" func="cnt" op="gte" val="1">
+          <dgm:layoutNode name="childText" styleLbl="revTx">
+            <dgm:varLst>
+              <dgm:bulletEnabled val="1"/>
+            </dgm:varLst>
+            <dgm:alg type="tx">
+              <dgm:param type="stBulletLvl" val="1"/>
+              <dgm:param type="lnSpAfChP" val="20"/>
+            </dgm:alg>
+            <dgm:shape xmlns:r="http://schemas.openxmlformats.org/officeDocument/2006/relationships" type="rect" r:blip="">
+              <dgm:adjLst/>
+            </dgm:shape>
+            <dgm:presOf axis="des" ptType="node"/>
+            <dgm:constrLst>
+              <dgm:constr type="tMarg" refType="primFontSz" fact="0.1"/>
+              <dgm:constr type="bMarg" refType="primFontSz" fact="0.1"/>
+              <dgm:constr type="lMarg" refType="w" fact="0.09"/>
+            </dgm:constrLst>
+            <dgm:ruleLst>
+              <dgm:rule type="h" val="INF" fact="NaN" max="NaN"/>
+            </dgm:ruleLst>
+          </dgm:layoutNode>
+        </dgm:if>
+        <dgm:else name="Name3">
+          <dgm:choose name="Name4">
+            <dgm:if name="Name5" axis="par ch" ptType="doc node" func="cnt" op="gte" val="2">
+              <dgm:forEach name="Name6" axis="followSib" ptType="sibTrans" cnt="1">
+                <dgm:layoutNode name="spacer">
+                  <dgm:alg type="sp"/>
+                  <dgm:shape xmlns:r="http://schemas.openxmlformats.org/officeDocument/2006/relationships" r:blip="">
+                    <dgm:adjLst/>
+                  </dgm:shape>
+                  <dgm:presOf/>
+                  <dgm:constrLst/>
+                  <dgm:ruleLst/>
+                </dgm:layoutNode>
+              </dgm:forEach>
+            </dgm:if>
+            <dgm:else name="Name7"/>
+          </dgm:choose>
+        </dgm:else>
+      </dgm:choose>
+    </dgm:forEach>
+  </dgm:layoutNode>
+</dgm:layoutDef>
+</file>
+
+<file path=ppt/diagrams/quickStyle1.xml><?xml version="1.0" encoding="utf-8"?>
+<dgm:styleDef xmlns:dgm="http://schemas.openxmlformats.org/drawingml/2006/diagram" xmlns:a="http://schemas.openxmlformats.org/drawingml/2006/main" uniqueId="urn:microsoft.com/office/officeart/2005/8/quickstyle/simple1">
+  <dgm:title val=""/>
+  <dgm:desc val=""/>
+  <dgm:catLst>
+    <dgm:cat type="simple" pri="10100"/>
+  </dgm:catLst>
+  <dgm:scene3d>
+    <a:camera prst="orthographicFront"/>
+    <a:lightRig rig="threePt" dir="t"/>
+  </dgm:scene3d>
+  <dgm:styleLbl name="node0">
+    <dgm:scene3d>
+      <a:camera prst="orthographicFront"/>
+      <a:lightRig rig="threePt" dir="t"/>
+    </dgm:scene3d>
+    <dgm:sp3d/>
+    <dgm:txPr/>
+    <dgm:style>
+      <a:lnRef idx="2">
+        <a:scrgbClr r="0" g="0" b="0"/>
+      </a:lnRef>
+      <a:fillRef idx="1">
+        <a:scrgbClr r="0" g="0" b="0"/>
+      </a:fillRef>
+      <a:effectRef idx="0">
+        <a:scrgbClr r="0" g="0" b="0"/>
+      </a:effectRef>
+      <a:fontRef idx="minor">
+        <a:schemeClr val="lt1"/>
+      </a:fontRef>
+    </dgm:style>
+  </dgm:styleLbl>
+  <dgm:styleLbl name="lnNode1">
+    <dgm:scene3d>
+      <a:camera prst="orthographicFront"/>
+      <a:lightRig rig="threePt" dir="t"/>
+    </dgm:scene3d>
+    <dgm:sp3d/>
+    <dgm:txPr/>
+    <dgm:style>
+      <a:lnRef idx="2">
+        <a:scrgbClr r="0" g="0" b="0"/>
+      </a:lnRef>
+      <a:fillRef idx="1">
+        <a:scrgbClr r="0" g="0" b="0"/>
+      </a:fillRef>
+      <a:effectRef idx="0">
+        <a:scrgbClr r="0" g="0" b="0"/>
+      </a:effectRef>
+      <a:fontRef idx="minor">
+        <a:schemeClr val="lt1"/>
+      </a:fontRef>
+    </dgm:style>
+  </dgm:styleLbl>
+  <dgm:styleLbl name="vennNode1">
+    <dgm:scene3d>
+      <a:camera prst="orthographicFront"/>
+      <a:lightRig rig="threePt" dir="t"/>
+    </dgm:scene3d>
+    <dgm:sp3d/>
+    <dgm:txPr/>
+    <dgm:style>
+      <a:lnRef idx="2">
+        <a:scrgbClr r="0" g="0" b="0"/>
+      </a:lnRef>
+      <a:fillRef idx="1">
+        <a:scrgbClr r="0" g="0" b="0"/>
+      </a:fillRef>
+      <a:effectRef idx="0">
+        <a:scrgbClr r="0" g="0" b="0"/>
+      </a:effectRef>
+      <a:fontRef idx="minor">
+        <a:schemeClr val="tx1"/>
+      </a:fontRef>
+    </dgm:style>
+  </dgm:styleLbl>
+  <dgm:styleLbl name="alignNode1">
+    <dgm:scene3d>
+      <a:camera prst="orthographicFront"/>
+      <a:lightRig rig="threePt" dir="t"/>
+    </dgm:scene3d>
+    <dgm:sp3d/>
+    <dgm:txPr/>
+    <dgm:style>
+      <a:lnRef idx="2">
+        <a:scrgbClr r="0" g="0" b="0"/>
+      </a:lnRef>
+      <a:fillRef idx="1">
+        <a:scrgbClr r="0" g="0" b="0"/>
+      </a:fillRef>
+      <a:effectRef idx="0">
+        <a:scrgbClr r="0" g="0" b="0"/>
+      </a:effectRef>
+      <a:fontRef idx="minor">
+        <a:schemeClr val="lt1"/>
+      </a:fontRef>
+    </dgm:style>
+  </dgm:styleLbl>
+  <dgm:styleLbl name="node1">
+    <dgm:scene3d>
+      <a:camera prst="orthographicFront"/>
+      <a:lightRig rig="threePt" dir="t"/>
+    </dgm:scene3d>
+    <dgm:sp3d/>
+    <dgm:txPr/>
+    <dgm:style>
+      <a:lnRef idx="2">
+        <a:scrgbClr r="0" g="0" b="0"/>
+      </a:lnRef>
+      <a:fillRef idx="1">
+        <a:scrgbClr r="0" g="0" b="0"/>
+      </a:fillRef>
+      <a:effectRef idx="0">
+        <a:scrgbClr r="0" g="0" b="0"/>
+      </a:effectRef>
+      <a:fontRef idx="minor">
+        <a:schemeClr val="lt1"/>
+      </a:fontRef>
+    </dgm:style>
+  </dgm:styleLbl>
+  <dgm:styleLbl name="node2">
+    <dgm:scene3d>
+      <a:camera prst="orthographicFront"/>
+      <a:lightRig rig="threePt" dir="t"/>
+    </dgm:scene3d>
+    <dgm:sp3d/>
+    <dgm:txPr/>
+    <dgm:style>
+      <a:lnRef idx="2">
+        <a:scrgbClr r="0" g="0" b="0"/>
+      </a:lnRef>
+      <a:fillRef idx="1">
+        <a:scrgbClr r="0" g="0" b="0"/>
+      </a:fillRef>
+      <a:effectRef idx="0">
+        <a:scrgbClr r="0" g="0" b="0"/>
+      </a:effectRef>
+      <a:fontRef idx="minor">
+        <a:schemeClr val="lt1"/>
+      </a:fontRef>
+    </dgm:style>
+  </dgm:styleLbl>
+  <dgm:styleLbl name="node3">
+    <dgm:scene3d>
+      <a:camera prst="orthographicFront"/>
+      <a:lightRig rig="threePt" dir="t"/>
+    </dgm:scene3d>
+    <dgm:sp3d/>
+    <dgm:txPr/>
+    <dgm:style>
+      <a:lnRef idx="2">
+        <a:scrgbClr r="0" g="0" b="0"/>
+      </a:lnRef>
+      <a:fillRef idx="1">
+        <a:scrgbClr r="0" g="0" b="0"/>
+      </a:fillRef>
+      <a:effectRef idx="0">
+        <a:scrgbClr r="0" g="0" b="0"/>
+      </a:effectRef>
+      <a:fontRef idx="minor">
+        <a:schemeClr val="lt1"/>
+      </a:fontRef>
+    </dgm:style>
+  </dgm:styleLbl>
+  <dgm:styleLbl name="node4">
+    <dgm:scene3d>
+      <a:camera prst="orthographicFront"/>
+      <a:lightRig rig="threePt" dir="t"/>
+    </dgm:scene3d>
+    <dgm:sp3d/>
+    <dgm:txPr/>
+    <dgm:style>
+      <a:lnRef idx="2">
+        <a:scrgbClr r="0" g="0" b="0"/>
+      </a:lnRef>
+      <a:fillRef idx="1">
+        <a:scrgbClr r="0" g="0" b="0"/>
+      </a:fillRef>
+      <a:effectRef idx="0">
+        <a:scrgbClr r="0" g="0" b="0"/>
+      </a:effectRef>
+      <a:fontRef idx="minor">
+        <a:schemeClr val="lt1"/>
+      </a:fontRef>
+    </dgm:style>
+  </dgm:styleLbl>
+  <dgm:styleLbl name="fgImgPlace1">
+    <dgm:scene3d>
+      <a:camera prst="orthographicFront"/>
+      <a:lightRig rig="threePt" dir="t"/>
+    </dgm:scene3d>
+    <dgm:sp3d/>
+    <dgm:txPr/>
+    <dgm:style>
+      <a:lnRef idx="2">
+        <a:scrgbClr r="0" g="0" b="0"/>
+      </a:lnRef>
+      <a:fillRef idx="1">
+        <a:scrgbClr r="0" g="0" b="0"/>
+      </a:fillRef>
+      <a:effectRef idx="0">
+        <a:scrgbClr r="0" g="0" b="0"/>
+      </a:effectRef>
+      <a:fontRef idx="minor"/>
+    </dgm:style>
+  </dgm:styleLbl>
+  <dgm:styleLbl name="alignImgPlace1">
+    <dgm:scene3d>
+      <a:camera prst="orthographicFront"/>
+      <a:lightRig rig="threePt" dir="t"/>
+    </dgm:scene3d>
+    <dgm:sp3d/>
+    <dgm:txPr/>
+    <dgm:style>
+      <a:lnRef idx="2">
+        <a:scrgbClr r="0" g="0" b="0"/>
+      </a:lnRef>
+      <a:fillRef idx="1">
+        <a:scrgbClr r="0" g="0" b="0"/>
+      </a:fillRef>
+      <a:effectRef idx="0">
+        <a:scrgbClr r="0" g="0" b="0"/>
+      </a:effectRef>
+      <a:fontRef idx="minor"/>
+    </dgm:style>
+  </dgm:styleLbl>
+  <dgm:styleLbl name="bgImgPlace1">
+    <dgm:scene3d>
+      <a:camera prst="orthographicFront"/>
+      <a:lightRig rig="threePt" dir="t"/>
+    </dgm:scene3d>
+    <dgm:sp3d/>
+    <dgm:txPr/>
+    <dgm:style>
+      <a:lnRef idx="2">
+        <a:scrgbClr r="0" g="0" b="0"/>
+      </a:lnRef>
+      <a:fillRef idx="1">
+        <a:scrgbClr r="0" g="0" b="0"/>
+      </a:fillRef>
+      <a:effectRef idx="0">
+        <a:scrgbClr r="0" g="0" b="0"/>
+      </a:effectRef>
+      <a:fontRef idx="minor"/>
+    </dgm:style>
+  </dgm:styleLbl>
+  <dgm:styleLbl name="sibTrans2D1">
+    <dgm:scene3d>
+      <a:camera prst="orthographicFront"/>
+      <a:lightRig rig="threePt" dir="t"/>
+    </dgm:scene3d>
+    <dgm:sp3d/>
+    <dgm:txPr/>
+    <dgm:style>
+      <a:lnRef idx="0">
+        <a:scrgbClr r="0" g="0" b="0"/>
+      </a:lnRef>
+      <a:fillRef idx="1">
+        <a:scrgbClr r="0" g="0" b="0"/>
+      </a:fillRef>
+      <a:effectRef idx="0">
+        <a:scrgbClr r="0" g="0" b="0"/>
+      </a:effectRef>
+      <a:fontRef idx="minor">
+        <a:schemeClr val="lt1"/>
+      </a:fontRef>
+    </dgm:style>
+  </dgm:styleLbl>
+  <dgm:styleLbl name="fgSibTrans2D1">
+    <dgm:scene3d>
+      <a:camera prst="orthographicFront"/>
+      <a:lightRig rig="threePt" dir="t"/>
+    </dgm:scene3d>
+    <dgm:sp3d/>
+    <dgm:txPr/>
+    <dgm:style>
+      <a:lnRef idx="0">
+        <a:scrgbClr r="0" g="0" b="0"/>
+      </a:lnRef>
+      <a:fillRef idx="1">
+        <a:scrgbClr r="0" g="0" b="0"/>
+      </a:fillRef>
+      <a:effectRef idx="0">
+        <a:scrgbClr r="0" g="0" b="0"/>
+      </a:effectRef>
+      <a:fontRef idx="minor">
+        <a:schemeClr val="lt1"/>
+      </a:fontRef>
+    </dgm:style>
+  </dgm:styleLbl>
+  <dgm:styleLbl name="bgSibTrans2D1">
+    <dgm:scene3d>
+      <a:camera prst="orthographicFront"/>
+      <a:lightRig rig="threePt" dir="t"/>
+    </dgm:scene3d>
+    <dgm:sp3d/>
+    <dgm:txPr/>
+    <dgm:style>
+      <a:lnRef idx="0">
+        <a:scrgbClr r="0" g="0" b="0"/>
+      </a:lnRef>
+      <a:fillRef idx="1">
+        <a:scrgbClr r="0" g="0" b="0"/>
+      </a:fillRef>
+      <a:effectRef idx="0">
+        <a:scrgbClr r="0" g="0" b="0"/>
+      </a:effectRef>
+      <a:fontRef idx="minor">
+        <a:schemeClr val="lt1"/>
+      </a:fontRef>
+    </dgm:style>
+  </dgm:styleLbl>
+  <dgm:styleLbl name="sibTrans1D1">
+    <dgm:scene3d>
+      <a:camera prst="orthographicFront"/>
+      <a:lightRig rig="threePt" dir="t"/>
+    </dgm:scene3d>
+    <dgm:sp3d/>
+    <dgm:txPr/>
+    <dgm:style>
+      <a:lnRef idx="1">
+        <a:scrgbClr r="0" g="0" b="0"/>
+      </a:lnRef>
+      <a:fillRef idx="0">
+        <a:scrgbClr r="0" g="0" b="0"/>
+      </a:fillRef>
+      <a:effectRef idx="0">
+        <a:scrgbClr r="0" g="0" b="0"/>
+      </a:effectRef>
+      <a:fontRef idx="minor"/>
+    </dgm:style>
+  </dgm:styleLbl>
+  <dgm:styleLbl name="callout">
+    <dgm:scene3d>
+      <a:camera prst="orthographicFront"/>
+      <a:lightRig rig="threePt" dir="t"/>
+    </dgm:scene3d>
+    <dgm:sp3d/>
+    <dgm:txPr/>
+    <dgm:style>
+      <a:lnRef idx="2">
+        <a:scrgbClr r="0" g="0" b="0"/>
+      </a:lnRef>
+      <a:fillRef idx="1">
+        <a:scrgbClr r="0" g="0" b="0"/>
+      </a:fillRef>
+      <a:effectRef idx="0">
+        <a:scrgbClr r="0" g="0" b="0"/>
+      </a:effectRef>
+      <a:fontRef idx="minor"/>
+    </dgm:style>
+  </dgm:styleLbl>
+  <dgm:styleLbl name="asst0">
+    <dgm:scene3d>
+      <a:camera prst="orthographicFront"/>
+      <a:lightRig rig="threePt" dir="t"/>
+    </dgm:scene3d>
+    <dgm:sp3d/>
+    <dgm:txPr/>
+    <dgm:style>
+      <a:lnRef idx="2">
+        <a:scrgbClr r="0" g="0" b="0"/>
+      </a:lnRef>
+      <a:fillRef idx="1">
+        <a:scrgbClr r="0" g="0" b="0"/>
+      </a:fillRef>
+      <a:effectRef idx="0">
+        <a:scrgbClr r="0" g="0" b="0"/>
+      </a:effectRef>
+      <a:fontRef idx="minor">
+        <a:schemeClr val="lt1"/>
+      </a:fontRef>
+    </dgm:style>
+  </dgm:styleLbl>
+  <dgm:styleLbl name="asst1">
+    <dgm:scene3d>
+      <a:camera prst="orthographicFront"/>
+      <a:lightRig rig="threePt" dir="t"/>
+    </dgm:scene3d>
+    <dgm:sp3d/>
+    <dgm:txPr/>
+    <dgm:style>
+      <a:lnRef idx="2">
+        <a:scrgbClr r="0" g="0" b="0"/>
+      </a:lnRef>
+      <a:fillRef idx="1">
+        <a:scrgbClr r="0" g="0" b="0"/>
+      </a:fillRef>
+      <a:effectRef idx="0">
+        <a:scrgbClr r="0" g="0" b="0"/>
+      </a:effectRef>
+      <a:fontRef idx="minor">
+        <a:schemeClr val="lt1"/>
+      </a:fontRef>
+    </dgm:style>
+  </dgm:styleLbl>
+  <dgm:styleLbl name="asst2">
+    <dgm:scene3d>
+      <a:camera prst="orthographicFront"/>
+      <a:lightRig rig="threePt" dir="t"/>
+    </dgm:scene3d>
+    <dgm:sp3d/>
+    <dgm:txPr/>
+    <dgm:style>
+      <a:lnRef idx="2">
+        <a:scrgbClr r="0" g="0" b="0"/>
+      </a:lnRef>
+      <a:fillRef idx="1">
+        <a:scrgbClr r="0" g="0" b="0"/>
+      </a:fillRef>
+      <a:effectRef idx="0">
+        <a:scrgbClr r="0" g="0" b="0"/>
+      </a:effectRef>
+      <a:fontRef idx="minor">
+        <a:schemeClr val="lt1"/>
+      </a:fontRef>
+    </dgm:style>
+  </dgm:styleLbl>
+  <dgm:styleLbl name="asst3">
+    <dgm:scene3d>
+      <a:camera prst="orthographicFront"/>
+      <a:lightRig rig="threePt" dir="t"/>
+    </dgm:scene3d>
+    <dgm:sp3d/>
+    <dgm:txPr/>
+    <dgm:style>
+      <a:lnRef idx="2">
+        <a:scrgbClr r="0" g="0" b="0"/>
+      </a:lnRef>
+      <a:fillRef idx="1">
+        <a:scrgbClr r="0" g="0" b="0"/>
+      </a:fillRef>
+      <a:effectRef idx="0">
+        <a:scrgbClr r="0" g="0" b="0"/>
+      </a:effectRef>
+      <a:fontRef idx="minor">
+        <a:schemeClr val="lt1"/>
+      </a:fontRef>
+    </dgm:style>
+  </dgm:styleLbl>
+  <dgm:styleLbl name="asst4">
+    <dgm:scene3d>
+      <a:camera prst="orthographicFront"/>
+      <a:lightRig rig="threePt" dir="t"/>
+    </dgm:scene3d>
+    <dgm:sp3d/>
+    <dgm:txPr/>
+    <dgm:style>
+      <a:lnRef idx="2">
+        <a:scrgbClr r="0" g="0" b="0"/>
+      </a:lnRef>
+      <a:fillRef idx="1">
+        <a:scrgbClr r="0" g="0" b="0"/>
+      </a:fillRef>
+      <a:effectRef idx="0">
+        <a:scrgbClr r="0" g="0" b="0"/>
+      </a:effectRef>
+      <a:fontRef idx="minor">
+        <a:schemeClr val="lt1"/>
+      </a:fontRef>
+    </dgm:style>
+  </dgm:styleLbl>
+  <dgm:styleLbl name="parChTrans2D1">
+    <dgm:scene3d>
+      <a:camera prst="orthographicFront"/>
+      <a:lightRig rig="threePt" dir="t"/>
+    </dgm:scene3d>
+    <dgm:sp3d/>
+    <dgm:txPr/>
+    <dgm:style>
+      <a:lnRef idx="2">
+        <a:scrgbClr r="0" g="0" b="0"/>
+      </a:lnRef>
+      <a:fillRef idx="1">
+        <a:scrgbClr r="0" g="0" b="0"/>
+      </a:fillRef>
+      <a:effectRef idx="0">
+        <a:scrgbClr r="0" g="0" b="0"/>
+      </a:effectRef>
+      <a:fontRef idx="minor">
+        <a:schemeClr val="lt1"/>
+      </a:fontRef>
+    </dgm:style>
+  </dgm:styleLbl>
+  <dgm:styleLbl name="parChTrans2D2">
+    <dgm:scene3d>
+      <a:camera prst="orthographicFront"/>
+      <a:lightRig rig="threePt" dir="t"/>
+    </dgm:scene3d>
+    <dgm:sp3d/>
+    <dgm:txPr/>
+    <dgm:style>
+      <a:lnRef idx="2">
+        <a:scrgbClr r="0" g="0" b="0"/>
+      </a:lnRef>
+      <a:fillRef idx="1">
+        <a:scrgbClr r="0" g="0" b="0"/>
+      </a:fillRef>
+      <a:effectRef idx="0">
+        <a:scrgbClr r="0" g="0" b="0"/>
+      </a:effectRef>
+      <a:fontRef idx="minor">
+        <a:schemeClr val="lt1"/>
+      </a:fontRef>
+    </dgm:style>
+  </dgm:styleLbl>
+  <dgm:styleLbl name="parChTrans2D3">
+    <dgm:scene3d>
+      <a:camera prst="orthographicFront"/>
+      <a:lightRig rig="threePt" dir="t"/>
+    </dgm:scene3d>
+    <dgm:sp3d/>
+    <dgm:txPr/>
+    <dgm:style>
+      <a:lnRef idx="2">
+        <a:scrgbClr r="0" g="0" b="0"/>
+      </a:lnRef>
+      <a:fillRef idx="1">
+        <a:scrgbClr r="0" g="0" b="0"/>
+      </a:fillRef>
+      <a:effectRef idx="0">
+        <a:scrgbClr r="0" g="0" b="0"/>
+      </a:effectRef>
+      <a:fontRef idx="minor">
+        <a:schemeClr val="lt1"/>
+      </a:fontRef>
+    </dgm:style>
+  </dgm:styleLbl>
+  <dgm:styleLbl name="parChTrans2D4">
+    <dgm:scene3d>
+      <a:camera prst="orthographicFront"/>
+      <a:lightRig rig="threePt" dir="t"/>
+    </dgm:scene3d>
+    <dgm:sp3d/>
+    <dgm:txPr/>
+    <dgm:style>
+      <a:lnRef idx="2">
+        <a:scrgbClr r="0" g="0" b="0"/>
+      </a:lnRef>
+      <a:fillRef idx="1">
+        <a:scrgbClr r="0" g="0" b="0"/>
+      </a:fillRef>
+      <a:effectRef idx="0">
+        <a:scrgbClr r="0" g="0" b="0"/>
+      </a:effectRef>
+      <a:fontRef idx="minor">
+        <a:schemeClr val="lt1"/>
+      </a:fontRef>
+    </dgm:style>
+  </dgm:styleLbl>
+  <dgm:styleLbl name="parChTrans1D1">
+    <dgm:scene3d>
+      <a:camera prst="orthographicFront"/>
+      <a:lightRig rig="threePt" dir="t"/>
+    </dgm:scene3d>
+    <dgm:sp3d/>
+    <dgm:txPr/>
+    <dgm:style>
+      <a:lnRef idx="2">
+        <a:scrgbClr r="0" g="0" b="0"/>
+      </a:lnRef>
+      <a:fillRef idx="0">
+        <a:scrgbClr r="0" g="0" b="0"/>
+      </a:fillRef>
+      <a:effectRef idx="0">
+        <a:scrgbClr r="0" g="0" b="0"/>
+      </a:effectRef>
+      <a:fontRef idx="minor"/>
+    </dgm:style>
+  </dgm:styleLbl>
+  <dgm:styleLbl name="parChTrans1D2">
+    <dgm:scene3d>
+      <a:camera prst="orthographicFront"/>
+      <a:lightRig rig="threePt" dir="t"/>
+    </dgm:scene3d>
+    <dgm:sp3d/>
+    <dgm:txPr/>
+    <dgm:style>
+      <a:lnRef idx="2">
+        <a:scrgbClr r="0" g="0" b="0"/>
+      </a:lnRef>
+      <a:fillRef idx="0">
+        <a:scrgbClr r="0" g="0" b="0"/>
+      </a:fillRef>
+      <a:effectRef idx="0">
+        <a:scrgbClr r="0" g="0" b="0"/>
+      </a:effectRef>
+      <a:fontRef idx="minor"/>
+    </dgm:style>
+  </dgm:styleLbl>
+  <dgm:styleLbl name="parChTrans1D3">
+    <dgm:scene3d>
+      <a:camera prst="orthographicFront"/>
+      <a:lightRig rig="threePt" dir="t"/>
+    </dgm:scene3d>
+    <dgm:sp3d/>
+    <dgm:txPr/>
+    <dgm:style>
+      <a:lnRef idx="2">
+        <a:scrgbClr r="0" g="0" b="0"/>
+      </a:lnRef>
+      <a:fillRef idx="0">
+        <a:scrgbClr r="0" g="0" b="0"/>
+      </a:fillRef>
+      <a:effectRef idx="0">
+        <a:scrgbClr r="0" g="0" b="0"/>
+      </a:effectRef>
+      <a:fontRef idx="minor"/>
+    </dgm:style>
+  </dgm:styleLbl>
+  <dgm:styleLbl name="parChTrans1D4">
+    <dgm:scene3d>
+      <a:camera prst="orthographicFront"/>
+      <a:lightRig rig="threePt" dir="t"/>
+    </dgm:scene3d>
+    <dgm:sp3d/>
+    <dgm:txPr/>
+    <dgm:style>
+      <a:lnRef idx="2">
+        <a:scrgbClr r="0" g="0" b="0"/>
+      </a:lnRef>
+      <a:fillRef idx="0">
+        <a:scrgbClr r="0" g="0" b="0"/>
+      </a:fillRef>
+      <a:effectRef idx="0">
+        <a:scrgbClr r="0" g="0" b="0"/>
+      </a:effectRef>
+      <a:fontRef idx="minor"/>
+    </dgm:style>
+  </dgm:styleLbl>
+  <dgm:styleLbl name="fgAcc1">
+    <dgm:scene3d>
+      <a:camera prst="orthographicFront"/>
+      <a:lightRig rig="threePt" dir="t"/>
+    </dgm:scene3d>
+    <dgm:sp3d/>
+    <dgm:txPr/>
+    <dgm:style>
+      <a:lnRef idx="2">
+        <a:scrgbClr r="0" g="0" b="0"/>
+      </a:lnRef>
+      <a:fillRef idx="1">
+        <a:scrgbClr r="0" g="0" b="0"/>
+      </a:fillRef>
+      <a:effectRef idx="0">
+        <a:scrgbClr r="0" g="0" b="0"/>
+      </a:effectRef>
+      <a:fontRef idx="minor"/>
+    </dgm:style>
+  </dgm:styleLbl>
+  <dgm:styleLbl name="conFgAcc1">
+    <dgm:scene3d>
+      <a:camera prst="orthographicFront"/>
+      <a:lightRig rig="threePt" dir="t"/>
+    </dgm:scene3d>
+    <dgm:sp3d/>
+    <dgm:txPr/>
+    <dgm:style>
+      <a:lnRef idx="2">
+        <a:scrgbClr r="0" g="0" b="0"/>
+      </a:lnRef>
+      <a:fillRef idx="1">
+        <a:scrgbClr r="0" g="0" b="0"/>
+      </a:fillRef>
+      <a:effectRef idx="0">
+        <a:scrgbClr r="0" g="0" b="0"/>
+      </a:effectRef>
+      <a:fontRef idx="minor"/>
+    </dgm:style>
+  </dgm:styleLbl>
+  <dgm:styleLbl name="alignAcc1">
+    <dgm:scene3d>
+      <a:camera prst="orthographicFront"/>
+      <a:lightRig rig="threePt" dir="t"/>
+    </dgm:scene3d>
+    <dgm:sp3d/>
+    <dgm:txPr/>
+    <dgm:style>
+      <a:lnRef idx="2">
+        <a:scrgbClr r="0" g="0" b="0"/>
+      </a:lnRef>
+      <a:fillRef idx="1">
+        <a:scrgbClr r="0" g="0" b="0"/>
+      </a:fillRef>
+      <a:effectRef idx="0">
+        <a:scrgbClr r="0" g="0" b="0"/>
+      </a:effectRef>
+      <a:fontRef idx="minor"/>
+    </dgm:style>
+  </dgm:styleLbl>
+  <dgm:styleLbl name="trAlignAcc1">
+    <dgm:scene3d>
+      <a:camera prst="orthographicFront"/>
+      <a:lightRig rig="threePt" dir="t"/>
+    </dgm:scene3d>
+    <dgm:sp3d/>
+    <dgm:txPr/>
+    <dgm:style>
+      <a:lnRef idx="1">
+        <a:scrgbClr r="0" g="0" b="0"/>
+      </a:lnRef>
+      <a:fillRef idx="1">
+        <a:scrgbClr r="0" g="0" b="0"/>
+      </a:fillRef>
+      <a:effectRef idx="0">
+        <a:scrgbClr r="0" g="0" b="0"/>
+      </a:effectRef>
+      <a:fontRef idx="minor"/>
+    </dgm:style>
+  </dgm:styleLbl>
+  <dgm:styleLbl name="bgAcc1">
+    <dgm:scene3d>
+      <a:camera prst="orthographicFront"/>
+      <a:lightRig rig="threePt" dir="t"/>
+    </dgm:scene3d>
+    <dgm:sp3d/>
+    <dgm:txPr/>
+    <dgm:style>
+      <a:lnRef idx="2">
+        <a:scrgbClr r="0" g="0" b="0"/>
+      </a:lnRef>
+      <a:fillRef idx="1">
+        <a:scrgbClr r="0" g="0" b="0"/>
+      </a:fillRef>
+      <a:effectRef idx="0">
+        <a:scrgbClr r="0" g="0" b="0"/>
+      </a:effectRef>
+      <a:fontRef idx="minor"/>
+    </dgm:style>
+  </dgm:styleLbl>
+  <dgm:styleLbl name="solidFgAcc1">
+    <dgm:scene3d>
+      <a:camera prst="orthographicFront"/>
+      <a:lightRig rig="threePt" dir="t"/>
+    </dgm:scene3d>
+    <dgm:sp3d/>
+    <dgm:txPr/>
+    <dgm:style>
+      <a:lnRef idx="2">
+        <a:scrgbClr r="0" g="0" b="0"/>
+      </a:lnRef>
+      <a:fillRef idx="1">
+        <a:scrgbClr r="0" g="0" b="0"/>
+      </a:fillRef>
+      <a:effectRef idx="0">
+        <a:scrgbClr r="0" g="0" b="0"/>
+      </a:effectRef>
+      <a:fontRef idx="minor"/>
+    </dgm:style>
+  </dgm:styleLbl>
+  <dgm:styleLbl name="solidAlignAcc1">
+    <dgm:scene3d>
+      <a:camera prst="orthographicFront"/>
+      <a:lightRig rig="threePt" dir="t"/>
+    </dgm:scene3d>
+    <dgm:sp3d/>
+    <dgm:txPr/>
+    <dgm:style>
+      <a:lnRef idx="2">
+        <a:scrgbClr r="0" g="0" b="0"/>
+      </a:lnRef>
+      <a:fillRef idx="1">
+        <a:scrgbClr r="0" g="0" b="0"/>
+      </a:fillRef>
+      <a:effectRef idx="0">
+        <a:scrgbClr r="0" g="0" b="0"/>
+      </a:effectRef>
+      <a:fontRef idx="minor"/>
+    </dgm:style>
+  </dgm:styleLbl>
+  <dgm:styleLbl name="solidBgAcc1">
+    <dgm:scene3d>
+      <a:camera prst="orthographicFront"/>
+      <a:lightRig rig="threePt" dir="t"/>
+    </dgm:scene3d>
+    <dgm:sp3d/>
+    <dgm:txPr/>
+    <dgm:style>
+      <a:lnRef idx="2">
+        <a:scrgbClr r="0" g="0" b="0"/>
+      </a:lnRef>
+      <a:fillRef idx="1">
+        <a:scrgbClr r="0" g="0" b="0"/>
+      </a:fillRef>
+      <a:effectRef idx="0">
+        <a:scrgbClr r="0" g="0" b="0"/>
+      </a:effectRef>
+      <a:fontRef idx="minor"/>
+    </dgm:style>
+  </dgm:styleLbl>
+  <dgm:styleLbl name="fgAccFollowNode1">
+    <dgm:scene3d>
+      <a:camera prst="orthographicFront"/>
+      <a:lightRig rig="threePt" dir="t"/>
+    </dgm:scene3d>
+    <dgm:sp3d/>
+    <dgm:txPr/>
+    <dgm:style>
+      <a:lnRef idx="2">
+        <a:scrgbClr r="0" g="0" b="0"/>
+      </a:lnRef>
+      <a:fillRef idx="1">
+        <a:scrgbClr r="0" g="0" b="0"/>
+      </a:fillRef>
+      <a:effectRef idx="0">
+        <a:scrgbClr r="0" g="0" b="0"/>
+      </a:effectRef>
+      <a:fontRef idx="minor"/>
+    </dgm:style>
+  </dgm:styleLbl>
+  <dgm:styleLbl name="alignAccFollowNode1">
+    <dgm:scene3d>
+      <a:camera prst="orthographicFront"/>
+      <a:lightRig rig="threePt" dir="t"/>
+    </dgm:scene3d>
+    <dgm:sp3d/>
+    <dgm:txPr/>
+    <dgm:style>
+      <a:lnRef idx="2">
+        <a:scrgbClr r="0" g="0" b="0"/>
+      </a:lnRef>
+      <a:fillRef idx="1">
+        <a:scrgbClr r="0" g="0" b="0"/>
+      </a:fillRef>
+      <a:effectRef idx="0">
+        <a:scrgbClr r="0" g="0" b="0"/>
+      </a:effectRef>
+      <a:fontRef idx="minor"/>
+    </dgm:style>
+  </dgm:styleLbl>
+  <dgm:styleLbl name="bgAccFollowNode1">
+    <dgm:scene3d>
+      <a:camera prst="orthographicFront"/>
+      <a:lightRig rig="threePt" dir="t"/>
+    </dgm:scene3d>
+    <dgm:sp3d/>
+    <dgm:txPr/>
+    <dgm:style>
+      <a:lnRef idx="2">
+        <a:scrgbClr r="0" g="0" b="0"/>
+      </a:lnRef>
+      <a:fillRef idx="1">
+        <a:scrgbClr r="0" g="0" b="0"/>
+      </a:fillRef>
+      <a:effectRef idx="0">
+        <a:scrgbClr r="0" g="0" b="0"/>
+      </a:effectRef>
+      <a:fontRef idx="minor"/>
+    </dgm:style>
+  </dgm:styleLbl>
+  <dgm:styleLbl name="fgAcc0">
+    <dgm:scene3d>
+      <a:camera prst="orthographicFront"/>
+      <a:lightRig rig="threePt" dir="t"/>
+    </dgm:scene3d>
+    <dgm:sp3d/>
+    <dgm:txPr/>
+    <dgm:style>
+      <a:lnRef idx="2">
+        <a:scrgbClr r="0" g="0" b="0"/>
+      </a:lnRef>
+      <a:fillRef idx="1">
+        <a:scrgbClr r="0" g="0" b="0"/>
+      </a:fillRef>
+      <a:effectRef idx="0">
+        <a:scrgbClr r="0" g="0" b="0"/>
+      </a:effectRef>
+      <a:fontRef idx="minor"/>
+    </dgm:style>
+  </dgm:styleLbl>
+  <dgm:styleLbl name="fgAcc2">
+    <dgm:scene3d>
+      <a:camera prst="orthographicFront"/>
+      <a:lightRig rig="threePt" dir="t"/>
+    </dgm:scene3d>
+    <dgm:sp3d/>
+    <dgm:txPr/>
+    <dgm:style>
+      <a:lnRef idx="2">
+        <a:scrgbClr r="0" g="0" b="0"/>
+      </a:lnRef>
+      <a:fillRef idx="1">
+        <a:scrgbClr r="0" g="0" b="0"/>
+      </a:fillRef>
+      <a:effectRef idx="0">
+        <a:scrgbClr r="0" g="0" b="0"/>
+      </a:effectRef>
+      <a:fontRef idx="minor"/>
+    </dgm:style>
+  </dgm:styleLbl>
+  <dgm:styleLbl name="fgAcc3">
+    <dgm:scene3d>
+      <a:camera prst="orthographicFront"/>
+      <a:lightRig rig="threePt" dir="t"/>
+    </dgm:scene3d>
+    <dgm:sp3d/>
+    <dgm:txPr/>
+    <dgm:style>
+      <a:lnRef idx="2">
+        <a:scrgbClr r="0" g="0" b="0"/>
+      </a:lnRef>
+      <a:fillRef idx="1">
+        <a:scrgbClr r="0" g="0" b="0"/>
+      </a:fillRef>
+      <a:effectRef idx="0">
+        <a:scrgbClr r="0" g="0" b="0"/>
+      </a:effectRef>
+      <a:fontRef idx="minor"/>
+    </dgm:style>
+  </dgm:styleLbl>
+  <dgm:styleLbl name="fgAcc4">
+    <dgm:scene3d>
+      <a:camera prst="orthographicFront"/>
+      <a:lightRig rig="threePt" dir="t"/>
+    </dgm:scene3d>
+    <dgm:sp3d/>
+    <dgm:txPr/>
+    <dgm:style>
+      <a:lnRef idx="2">
+        <a:scrgbClr r="0" g="0" b="0"/>
+      </a:lnRef>
+      <a:fillRef idx="1">
+        <a:scrgbClr r="0" g="0" b="0"/>
+      </a:fillRef>
+      <a:effectRef idx="0">
+        <a:scrgbClr r="0" g="0" b="0"/>
+      </a:effectRef>
+      <a:fontRef idx="minor"/>
+    </dgm:style>
+  </dgm:styleLbl>
+  <dgm:styleLbl name="bgShp">
+    <dgm:scene3d>
+      <a:camera prst="orthographicFront"/>
+      <a:lightRig rig="threePt" dir="t"/>
+    </dgm:scene3d>
+    <dgm:sp3d/>
+    <dgm:txPr/>
+    <dgm:style>
+      <a:lnRef idx="0">
+        <a:scrgbClr r="0" g="0" b="0"/>
+      </a:lnRef>
+      <a:fillRef idx="1">
+        <a:scrgbClr r="0" g="0" b="0"/>
+      </a:fillRef>
+      <a:effectRef idx="0">
+        <a:scrgbClr r="0" g="0" b="0"/>
+      </a:effectRef>
+      <a:fontRef idx="minor"/>
+    </dgm:style>
+  </dgm:styleLbl>
+  <dgm:styleLbl name="dkBgShp">
+    <dgm:scene3d>
+      <a:camera prst="orthographicFront"/>
+      <a:lightRig rig="threePt" dir="t"/>
+    </dgm:scene3d>
+    <dgm:sp3d/>
+    <dgm:txPr/>
+    <dgm:style>
+      <a:lnRef idx="0">
+        <a:scrgbClr r="0" g="0" b="0"/>
+      </a:lnRef>
+      <a:fillRef idx="1">
+        <a:scrgbClr r="0" g="0" b="0"/>
+      </a:fillRef>
+      <a:effectRef idx="0">
+        <a:scrgbClr r="0" g="0" b="0"/>
+      </a:effectRef>
+      <a:fontRef idx="minor"/>
+    </dgm:style>
+  </dgm:styleLbl>
+  <dgm:styleLbl name="trBgShp">
+    <dgm:scene3d>
+      <a:camera prst="orthographicFront"/>
+      <a:lightRig rig="threePt" dir="t"/>
+    </dgm:scene3d>
+    <dgm:sp3d/>
+    <dgm:txPr/>
+    <dgm:style>
+      <a:lnRef idx="0">
+        <a:scrgbClr r="0" g="0" b="0"/>
+      </a:lnRef>
+      <a:fillRef idx="1">
+        <a:scrgbClr r="0" g="0" b="0"/>
+      </a:fillRef>
+      <a:effectRef idx="0">
+        <a:scrgbClr r="0" g="0" b="0"/>
+      </a:effectRef>
+      <a:fontRef idx="minor"/>
+    </dgm:style>
+  </dgm:styleLbl>
+  <dgm:styleLbl name="fgShp">
+    <dgm:scene3d>
+      <a:camera prst="orthographicFront"/>
+      <a:lightRig rig="threePt" dir="t"/>
+    </dgm:scene3d>
+    <dgm:sp3d/>
+    <dgm:txPr/>
+    <dgm:style>
+      <a:lnRef idx="2">
+        <a:scrgbClr r="0" g="0" b="0"/>
+      </a:lnRef>
+      <a:fillRef idx="1">
+        <a:scrgbClr r="0" g="0" b="0"/>
+      </a:fillRef>
+      <a:effectRef idx="0">
+        <a:scrgbClr r="0" g="0" b="0"/>
+      </a:effectRef>
+      <a:fontRef idx="minor"/>
+    </dgm:style>
+  </dgm:styleLbl>
+  <dgm:styleLbl name="revTx">
+    <dgm:scene3d>
+      <a:camera prst="orthographicFront"/>
+      <a:lightRig rig="threePt" dir="t"/>
+    </dgm:scene3d>
+    <dgm:sp3d/>
+    <dgm:txPr/>
+    <dgm:style>
+      <a:lnRef idx="0">
+        <a:scrgbClr r="0" g="0" b="0"/>
+      </a:lnRef>
+      <a:fillRef idx="0">
+        <a:scrgbClr r="0" g="0" b="0"/>
+      </a:fillRef>
+      <a:effectRef idx="0">
+        <a:scrgbClr r="0" g="0" b="0"/>
+      </a:effectRef>
+      <a:fontRef idx="minor"/>
+    </dgm:style>
+  </dgm:styleLbl>
+</dgm:styleDef>
+</file>
+
 <file path=ppt/slideLayouts/slideLayout1.xml><?xml version="1.0" encoding="utf-8"?>
 <p:sldLayout xmlns:a="http://schemas.openxmlformats.org/drawingml/2006/main" xmlns:r="http://schemas.openxmlformats.org/officeDocument/2006/relationships" xmlns:p="http://schemas.openxmlformats.org/presentationml/2006/main" type="title" preserve="1">
   <p:cSld name="Title Slide">
@@ -246,7 +2687,7 @@
           <a:p>
             <a:fld id="{0E4F80F8-4085-4CD5-B19E-9319718D2375}" type="datetimeFigureOut">
               <a:rPr lang="en-US" smtClean="0"/>
-              <a:t>1/25/2024</a:t>
+              <a:t>2/3/2024</a:t>
             </a:fld>
             <a:endParaRPr lang="en-US"/>
           </a:p>
@@ -414,7 +2855,7 @@
           <a:p>
             <a:fld id="{0E4F80F8-4085-4CD5-B19E-9319718D2375}" type="datetimeFigureOut">
               <a:rPr lang="en-US" smtClean="0"/>
-              <a:t>1/25/2024</a:t>
+              <a:t>2/3/2024</a:t>
             </a:fld>
             <a:endParaRPr lang="en-US"/>
           </a:p>
@@ -592,7 +3033,7 @@
           <a:p>
             <a:fld id="{0E4F80F8-4085-4CD5-B19E-9319718D2375}" type="datetimeFigureOut">
               <a:rPr lang="en-US" smtClean="0"/>
-              <a:t>1/25/2024</a:t>
+              <a:t>2/3/2024</a:t>
             </a:fld>
             <a:endParaRPr lang="en-US"/>
           </a:p>
@@ -760,7 +3201,7 @@
           <a:p>
             <a:fld id="{0E4F80F8-4085-4CD5-B19E-9319718D2375}" type="datetimeFigureOut">
               <a:rPr lang="en-US" smtClean="0"/>
-              <a:t>1/25/2024</a:t>
+              <a:t>2/3/2024</a:t>
             </a:fld>
             <a:endParaRPr lang="en-US"/>
           </a:p>
@@ -1005,7 +3446,7 @@
           <a:p>
             <a:fld id="{0E4F80F8-4085-4CD5-B19E-9319718D2375}" type="datetimeFigureOut">
               <a:rPr lang="en-US" smtClean="0"/>
-              <a:t>1/25/2024</a:t>
+              <a:t>2/3/2024</a:t>
             </a:fld>
             <a:endParaRPr lang="en-US"/>
           </a:p>
@@ -1234,7 +3675,7 @@
           <a:p>
             <a:fld id="{0E4F80F8-4085-4CD5-B19E-9319718D2375}" type="datetimeFigureOut">
               <a:rPr lang="en-US" smtClean="0"/>
-              <a:t>1/25/2024</a:t>
+              <a:t>2/3/2024</a:t>
             </a:fld>
             <a:endParaRPr lang="en-US"/>
           </a:p>
@@ -1598,7 +4039,7 @@
           <a:p>
             <a:fld id="{0E4F80F8-4085-4CD5-B19E-9319718D2375}" type="datetimeFigureOut">
               <a:rPr lang="en-US" smtClean="0"/>
-              <a:t>1/25/2024</a:t>
+              <a:t>2/3/2024</a:t>
             </a:fld>
             <a:endParaRPr lang="en-US"/>
           </a:p>
@@ -1715,7 +4156,7 @@
           <a:p>
             <a:fld id="{0E4F80F8-4085-4CD5-B19E-9319718D2375}" type="datetimeFigureOut">
               <a:rPr lang="en-US" smtClean="0"/>
-              <a:t>1/25/2024</a:t>
+              <a:t>2/3/2024</a:t>
             </a:fld>
             <a:endParaRPr lang="en-US"/>
           </a:p>
@@ -1810,7 +4251,7 @@
           <a:p>
             <a:fld id="{0E4F80F8-4085-4CD5-B19E-9319718D2375}" type="datetimeFigureOut">
               <a:rPr lang="en-US" smtClean="0"/>
-              <a:t>1/25/2024</a:t>
+              <a:t>2/3/2024</a:t>
             </a:fld>
             <a:endParaRPr lang="en-US"/>
           </a:p>
@@ -2085,7 +4526,7 @@
           <a:p>
             <a:fld id="{0E4F80F8-4085-4CD5-B19E-9319718D2375}" type="datetimeFigureOut">
               <a:rPr lang="en-US" smtClean="0"/>
-              <a:t>1/25/2024</a:t>
+              <a:t>2/3/2024</a:t>
             </a:fld>
             <a:endParaRPr lang="en-US"/>
           </a:p>
@@ -2337,7 +4778,7 @@
           <a:p>
             <a:fld id="{0E4F80F8-4085-4CD5-B19E-9319718D2375}" type="datetimeFigureOut">
               <a:rPr lang="en-US" smtClean="0"/>
-              <a:t>1/25/2024</a:t>
+              <a:t>2/3/2024</a:t>
             </a:fld>
             <a:endParaRPr lang="en-US"/>
           </a:p>
@@ -2548,7 +4989,7 @@
           <a:p>
             <a:fld id="{0E4F80F8-4085-4CD5-B19E-9319718D2375}" type="datetimeFigureOut">
               <a:rPr lang="en-US" smtClean="0"/>
-              <a:t>1/25/2024</a:t>
+              <a:t>2/3/2024</a:t>
             </a:fld>
             <a:endParaRPr lang="en-US"/>
           </a:p>
@@ -3019,7 +5460,9 @@
           <a:lstStyle/>
           <a:p>
             <a:r>
-              <a:rPr lang="en-US" dirty="0"/>
+              <a:rPr lang="en-US" dirty="0">
+                <a:hlinkClick r:id="rId2"/>
+              </a:rPr>
               <a:t>Feature highlights in Angular v16</a:t>
             </a:r>
             <a:br>
@@ -3063,7 +5506,7 @@
           <p:nvPr/>
         </p:nvPicPr>
         <p:blipFill>
-          <a:blip r:embed="rId2"/>
+          <a:blip r:embed="rId3"/>
           <a:stretch>
             <a:fillRect/>
           </a:stretch>
@@ -3091,7 +5534,224 @@
 </p:sld>
 </file>
 
-<file path=ppt/slides/slide2.xml><?xml version="1.0" encoding="utf-8"?>
+<file path=ppt/slides/slide10.xml><?xml version="1.0" encoding="utf-8"?>
+<p:sld xmlns:a="http://schemas.openxmlformats.org/drawingml/2006/main" xmlns:r="http://schemas.openxmlformats.org/officeDocument/2006/relationships" xmlns:p="http://schemas.openxmlformats.org/presentationml/2006/main">
+  <p:cSld>
+    <p:bg>
+      <p:bgPr>
+        <a:solidFill>
+          <a:schemeClr val="bg1"/>
+        </a:solidFill>
+        <a:effectLst/>
+      </p:bgPr>
+    </p:bg>
+    <p:spTree>
+      <p:nvGrpSpPr>
+        <p:cNvPr id="1" name=""/>
+        <p:cNvGrpSpPr/>
+        <p:nvPr/>
+      </p:nvGrpSpPr>
+      <p:grpSpPr>
+        <a:xfrm>
+          <a:off x="0" y="0"/>
+          <a:ext cx="0" cy="0"/>
+          <a:chOff x="0" y="0"/>
+          <a:chExt cx="0" cy="0"/>
+        </a:xfrm>
+      </p:grpSpPr>
+      <p:sp>
+        <p:nvSpPr>
+          <p:cNvPr id="34" name="Down Arrow 7">
+            <a:extLst>
+              <a:ext uri="{FF2B5EF4-FFF2-40B4-BE49-F238E27FC236}">
+                <a16:creationId xmlns:a16="http://schemas.microsoft.com/office/drawing/2014/main" id="{D4771268-CB57-404A-9271-370EB28F6090}"/>
+              </a:ext>
+              <a:ext uri="{C183D7F6-B498-43B3-948B-1728B52AA6E4}">
+                <adec:decorative xmlns:adec="http://schemas.microsoft.com/office/drawing/2017/decorative" val="1"/>
+              </a:ext>
+            </a:extLst>
+          </p:cNvPr>
+          <p:cNvSpPr>
+            <a:spLocks noGrp="1" noRot="1" noChangeAspect="1" noMove="1" noResize="1" noEditPoints="1" noAdjustHandles="1" noChangeArrowheads="1" noChangeShapeType="1" noTextEdit="1"/>
+          </p:cNvSpPr>
+          <p:nvPr>
+            <p:extLst>
+              <p:ext uri="{386F3935-93C4-4BCD-93E2-E3B085C9AB24}">
+                <p16:designElem xmlns:p16="http://schemas.microsoft.com/office/powerpoint/2015/main" val="1"/>
+              </p:ext>
+            </p:extLst>
+          </p:nvPr>
+        </p:nvSpPr>
+        <p:spPr>
+          <a:xfrm rot="16200000">
+            <a:off x="800100" y="1491343"/>
+            <a:ext cx="3333749" cy="3499103"/>
+          </a:xfrm>
+          <a:prstGeom prst="downArrow">
+            <a:avLst>
+              <a:gd name="adj1" fmla="val 100000"/>
+              <a:gd name="adj2" fmla="val 15788"/>
+            </a:avLst>
+          </a:prstGeom>
+          <a:solidFill>
+            <a:srgbClr val="404040"/>
+          </a:solidFill>
+          <a:ln w="53975">
+            <a:noFill/>
+          </a:ln>
+        </p:spPr>
+        <p:style>
+          <a:lnRef idx="2">
+            <a:schemeClr val="accent1">
+              <a:shade val="50000"/>
+            </a:schemeClr>
+          </a:lnRef>
+          <a:fillRef idx="1">
+            <a:schemeClr val="accent1"/>
+          </a:fillRef>
+          <a:effectRef idx="0">
+            <a:schemeClr val="accent1"/>
+          </a:effectRef>
+          <a:fontRef idx="minor">
+            <a:schemeClr val="lt1"/>
+          </a:fontRef>
+        </p:style>
+        <p:txBody>
+          <a:bodyPr rtlCol="0" anchor="ctr"/>
+          <a:lstStyle/>
+          <a:p>
+            <a:pPr algn="ctr"/>
+            <a:endParaRPr lang="en-US"/>
+          </a:p>
+        </p:txBody>
+      </p:sp>
+      <p:sp>
+        <p:nvSpPr>
+          <p:cNvPr id="2" name="Title 1"/>
+          <p:cNvSpPr>
+            <a:spLocks noGrp="1"/>
+          </p:cNvSpPr>
+          <p:nvPr>
+            <p:ph type="title"/>
+          </p:nvPr>
+        </p:nvSpPr>
+        <p:spPr>
+          <a:xfrm>
+            <a:off x="1028700" y="1967266"/>
+            <a:ext cx="2628900" cy="2547257"/>
+          </a:xfrm>
+          <a:noFill/>
+        </p:spPr>
+        <p:txBody>
+          <a:bodyPr vert="horz" lIns="91440" tIns="45720" rIns="91440" bIns="45720" rtlCol="0" anchor="ctr">
+            <a:normAutofit/>
+          </a:bodyPr>
+          <a:lstStyle/>
+          <a:p>
+            <a:pPr algn="ctr"/>
+            <a:r>
+              <a:rPr lang="en-US" sz="3600" b="1" kern="1200" dirty="0">
+                <a:solidFill>
+                  <a:srgbClr val="FFFFFF"/>
+                </a:solidFill>
+                <a:latin typeface="+mj-lt"/>
+                <a:ea typeface="+mj-ea"/>
+                <a:cs typeface="+mj-cs"/>
+              </a:rPr>
+              <a:t>Computed &amp;</a:t>
+            </a:r>
+            <a:br>
+              <a:rPr lang="en-US" sz="3600" b="1" kern="1200" dirty="0">
+                <a:solidFill>
+                  <a:srgbClr val="FFFFFF"/>
+                </a:solidFill>
+                <a:latin typeface="+mj-lt"/>
+                <a:ea typeface="+mj-ea"/>
+                <a:cs typeface="+mj-cs"/>
+              </a:rPr>
+            </a:br>
+            <a:r>
+              <a:rPr lang="en-US" sz="3600" b="1" kern="1200" dirty="0">
+                <a:solidFill>
+                  <a:srgbClr val="FFFFFF"/>
+                </a:solidFill>
+                <a:latin typeface="+mj-lt"/>
+                <a:ea typeface="+mj-ea"/>
+                <a:cs typeface="+mj-cs"/>
+              </a:rPr>
+              <a:t>Effects</a:t>
+            </a:r>
+          </a:p>
+        </p:txBody>
+      </p:sp>
+      <p:sp>
+        <p:nvSpPr>
+          <p:cNvPr id="4" name="Content Placeholder 3">
+            <a:extLst>
+              <a:ext uri="{FF2B5EF4-FFF2-40B4-BE49-F238E27FC236}">
+                <a16:creationId xmlns:a16="http://schemas.microsoft.com/office/drawing/2014/main" id="{02B17300-5F61-6096-0B55-D36BCDEA0A02}"/>
+              </a:ext>
+            </a:extLst>
+          </p:cNvPr>
+          <p:cNvSpPr>
+            <a:spLocks noGrp="1"/>
+          </p:cNvSpPr>
+          <p:nvPr>
+            <p:ph idx="1"/>
+          </p:nvPr>
+        </p:nvSpPr>
+        <p:spPr/>
+        <p:txBody>
+          <a:bodyPr/>
+          <a:lstStyle/>
+          <a:p>
+            <a:endParaRPr lang="en-US"/>
+          </a:p>
+        </p:txBody>
+      </p:sp>
+      <p:pic>
+        <p:nvPicPr>
+          <p:cNvPr id="6" name="Picture 5">
+            <a:extLst>
+              <a:ext uri="{FF2B5EF4-FFF2-40B4-BE49-F238E27FC236}">
+                <a16:creationId xmlns:a16="http://schemas.microsoft.com/office/drawing/2014/main" id="{31B0A288-53B5-70A3-BA73-F86F1D9DD65A}"/>
+              </a:ext>
+            </a:extLst>
+          </p:cNvPr>
+          <p:cNvPicPr>
+            <a:picLocks noChangeAspect="1"/>
+          </p:cNvPicPr>
+          <p:nvPr/>
+        </p:nvPicPr>
+        <p:blipFill rotWithShape="1">
+          <a:blip r:embed="rId2"/>
+          <a:srcRect l="-1" r="35103"/>
+          <a:stretch/>
+        </p:blipFill>
+        <p:spPr>
+          <a:xfrm>
+            <a:off x="4845177" y="1628523"/>
+            <a:ext cx="5156074" cy="3600953"/>
+          </a:xfrm>
+          <a:prstGeom prst="rect">
+            <a:avLst/>
+          </a:prstGeom>
+        </p:spPr>
+      </p:pic>
+    </p:spTree>
+    <p:extLst>
+      <p:ext uri="{BB962C8B-B14F-4D97-AF65-F5344CB8AC3E}">
+        <p14:creationId xmlns:p14="http://schemas.microsoft.com/office/powerpoint/2010/main" val="1545569969"/>
+      </p:ext>
+    </p:extLst>
+  </p:cSld>
+  <p:clrMapOvr>
+    <a:masterClrMapping/>
+  </p:clrMapOvr>
+</p:sld>
+</file>
+
+<file path=ppt/slides/slide11.xml><?xml version="1.0" encoding="utf-8"?>
 <p:sld xmlns:a="http://schemas.openxmlformats.org/drawingml/2006/main" xmlns:r="http://schemas.openxmlformats.org/officeDocument/2006/relationships" xmlns:p="http://schemas.openxmlformats.org/presentationml/2006/main">
   <p:cSld>
     <p:spTree>
@@ -3124,7 +5784,1432 @@
           <a:lstStyle/>
           <a:p>
             <a:r>
+              <a:rPr lang="en-US" b="1" i="0" dirty="0">
+                <a:solidFill>
+                  <a:srgbClr val="2D2F31"/>
+                </a:solidFill>
+                <a:effectLst/>
+                <a:latin typeface="Udemy Sans"/>
+              </a:rPr>
+              <a:t>Signals: What's To Come?</a:t>
+            </a:r>
+            <a:endParaRPr lang="en-US" sz="4400" dirty="0"/>
+          </a:p>
+        </p:txBody>
+      </p:sp>
+      <p:sp>
+        <p:nvSpPr>
+          <p:cNvPr id="3" name="Content Placeholder 2"/>
+          <p:cNvSpPr>
+            <a:spLocks noGrp="1"/>
+          </p:cNvSpPr>
+          <p:nvPr>
+            <p:ph idx="1"/>
+          </p:nvPr>
+        </p:nvSpPr>
+        <p:spPr/>
+        <p:txBody>
+          <a:bodyPr/>
+          <a:lstStyle/>
+          <a:p>
+            <a:r>
+              <a:rPr lang="en-US" dirty="0">
+                <a:solidFill>
+                  <a:srgbClr val="2D2F31"/>
+                </a:solidFill>
+                <a:latin typeface="Udemy Sans"/>
+              </a:rPr>
+              <a:t>T</a:t>
+            </a:r>
+            <a:r>
+              <a:rPr lang="en-US" b="0" i="0" dirty="0">
+                <a:solidFill>
+                  <a:srgbClr val="2D2F31"/>
+                </a:solidFill>
+                <a:effectLst/>
+                <a:latin typeface="Udemy Sans"/>
+              </a:rPr>
+              <a:t>he official RFCs: </a:t>
+            </a:r>
+            <a:r>
+              <a:rPr lang="en-US" b="0" i="0" dirty="0">
+                <a:solidFill>
+                  <a:srgbClr val="5624D0"/>
+                </a:solidFill>
+                <a:effectLst/>
+                <a:latin typeface="Udemy Sans"/>
+                <a:hlinkClick r:id="rId2"/>
+              </a:rPr>
+              <a:t>https://github.com/angular/angular/discussions/49685</a:t>
+            </a:r>
+            <a:endParaRPr lang="en-US" b="0" i="0" dirty="0">
+              <a:solidFill>
+                <a:srgbClr val="5624D0"/>
+              </a:solidFill>
+              <a:effectLst/>
+              <a:latin typeface="Udemy Sans"/>
+            </a:endParaRPr>
+          </a:p>
+          <a:p>
+            <a:endParaRPr lang="en-US" dirty="0">
+              <a:solidFill>
+                <a:srgbClr val="5624D0"/>
+              </a:solidFill>
+              <a:latin typeface="Udemy Sans"/>
+            </a:endParaRPr>
+          </a:p>
+          <a:p>
+            <a:r>
+              <a:rPr lang="en-US" b="0" i="0" dirty="0">
+                <a:solidFill>
+                  <a:srgbClr val="1F2328"/>
+                </a:solidFill>
+                <a:effectLst/>
+                <a:latin typeface="-apple-system"/>
+              </a:rPr>
+              <a:t>If you're interested in exploring how using signals will look in Angular, then start with </a:t>
+            </a:r>
+            <a:r>
+              <a:rPr lang="en-US" b="0" i="0" u="sng" dirty="0">
+                <a:effectLst/>
+                <a:latin typeface="-apple-system"/>
+                <a:hlinkClick r:id="rId3"/>
+              </a:rPr>
+              <a:t>RFC #3: Signal-based components</a:t>
+            </a:r>
+            <a:r>
+              <a:rPr lang="en-US" b="0" i="0" dirty="0">
+                <a:solidFill>
+                  <a:srgbClr val="1F2328"/>
+                </a:solidFill>
+                <a:effectLst/>
+                <a:latin typeface="-apple-system"/>
+              </a:rPr>
+              <a:t>.</a:t>
+            </a:r>
+            <a:endParaRPr lang="en-US" dirty="0"/>
+          </a:p>
+        </p:txBody>
+      </p:sp>
+    </p:spTree>
+    <p:extLst>
+      <p:ext uri="{BB962C8B-B14F-4D97-AF65-F5344CB8AC3E}">
+        <p14:creationId xmlns:p14="http://schemas.microsoft.com/office/powerpoint/2010/main" val="1500540594"/>
+      </p:ext>
+    </p:extLst>
+  </p:cSld>
+  <p:clrMapOvr>
+    <a:masterClrMapping/>
+  </p:clrMapOvr>
+</p:sld>
+</file>
+
+<file path=ppt/slides/slide12.xml><?xml version="1.0" encoding="utf-8"?>
+<p:sld xmlns:a="http://schemas.openxmlformats.org/drawingml/2006/main" xmlns:r="http://schemas.openxmlformats.org/officeDocument/2006/relationships" xmlns:p="http://schemas.openxmlformats.org/presentationml/2006/main">
+  <p:cSld>
+    <p:spTree>
+      <p:nvGrpSpPr>
+        <p:cNvPr id="1" name=""/>
+        <p:cNvGrpSpPr/>
+        <p:nvPr/>
+      </p:nvGrpSpPr>
+      <p:grpSpPr>
+        <a:xfrm>
+          <a:off x="0" y="0"/>
+          <a:ext cx="0" cy="0"/>
+          <a:chOff x="0" y="0"/>
+          <a:chExt cx="0" cy="0"/>
+        </a:xfrm>
+      </p:grpSpPr>
+      <p:sp>
+        <p:nvSpPr>
+          <p:cNvPr id="2" name="Title 1"/>
+          <p:cNvSpPr>
+            <a:spLocks noGrp="1"/>
+          </p:cNvSpPr>
+          <p:nvPr>
+            <p:ph type="title"/>
+          </p:nvPr>
+        </p:nvSpPr>
+        <p:spPr/>
+        <p:txBody>
+          <a:bodyPr/>
+          <a:lstStyle/>
+          <a:p>
+            <a:r>
+              <a:rPr lang="en-US" sz="4400" b="1" dirty="0"/>
+              <a:t>Standalone Component</a:t>
+            </a:r>
+          </a:p>
+        </p:txBody>
+      </p:sp>
+      <p:sp>
+        <p:nvSpPr>
+          <p:cNvPr id="3" name="Content Placeholder 2"/>
+          <p:cNvSpPr>
+            <a:spLocks noGrp="1"/>
+          </p:cNvSpPr>
+          <p:nvPr>
+            <p:ph idx="1"/>
+          </p:nvPr>
+        </p:nvSpPr>
+        <p:spPr>
+          <a:xfrm>
+            <a:off x="838200" y="3429000"/>
+            <a:ext cx="10515600" cy="2747962"/>
+          </a:xfrm>
+        </p:spPr>
+        <p:txBody>
+          <a:bodyPr/>
+          <a:lstStyle/>
+          <a:p>
+            <a:r>
               <a:rPr lang="en-US" dirty="0"/>
+              <a:t>What &amp; Why?</a:t>
+            </a:r>
+          </a:p>
+          <a:p>
+            <a:r>
+              <a:rPr lang="en-US" dirty="0"/>
+              <a:t>Basic Standalone Components</a:t>
+            </a:r>
+          </a:p>
+          <a:p>
+            <a:r>
+              <a:rPr lang="en-US" dirty="0"/>
+              <a:t>Adding Services, Routing &amp; Lazy Loading</a:t>
+            </a:r>
+          </a:p>
+          <a:p>
+            <a:r>
+              <a:rPr lang="en-US" dirty="0">
+                <a:hlinkClick r:id="rId2"/>
+              </a:rPr>
+              <a:t>Migrate an existing Angular project to standalone</a:t>
+            </a:r>
+            <a:endParaRPr lang="en-US" dirty="0"/>
+          </a:p>
+        </p:txBody>
+      </p:sp>
+      <p:sp>
+        <p:nvSpPr>
+          <p:cNvPr id="4" name="Title 1">
+            <a:extLst>
+              <a:ext uri="{FF2B5EF4-FFF2-40B4-BE49-F238E27FC236}">
+                <a16:creationId xmlns:a16="http://schemas.microsoft.com/office/drawing/2014/main" id="{1B746883-ADEB-AA56-740A-FAFDAFF862DF}"/>
+              </a:ext>
+            </a:extLst>
+          </p:cNvPr>
+          <p:cNvSpPr txBox="1">
+            <a:spLocks/>
+          </p:cNvSpPr>
+          <p:nvPr/>
+        </p:nvSpPr>
+        <p:spPr>
+          <a:xfrm>
+            <a:off x="838200" y="1662113"/>
+            <a:ext cx="10515600" cy="966787"/>
+          </a:xfrm>
+          <a:prstGeom prst="rect">
+            <a:avLst/>
+          </a:prstGeom>
+        </p:spPr>
+        <p:txBody>
+          <a:bodyPr vert="horz" lIns="91440" tIns="45720" rIns="91440" bIns="45720" rtlCol="0" anchor="ctr">
+            <a:normAutofit/>
+          </a:bodyPr>
+          <a:lstStyle>
+            <a:lvl1pPr algn="l" defTabSz="914400" rtl="0" eaLnBrk="1" latinLnBrk="0" hangingPunct="1">
+              <a:lnSpc>
+                <a:spcPct val="90000"/>
+              </a:lnSpc>
+              <a:spcBef>
+                <a:spcPct val="0"/>
+              </a:spcBef>
+              <a:buNone/>
+              <a:defRPr sz="4400" kern="1200">
+                <a:solidFill>
+                  <a:schemeClr val="tx1"/>
+                </a:solidFill>
+                <a:latin typeface="+mj-lt"/>
+                <a:ea typeface="+mj-ea"/>
+                <a:cs typeface="+mj-cs"/>
+              </a:defRPr>
+            </a:lvl1pPr>
+          </a:lstStyle>
+          <a:p>
+            <a:r>
+              <a:rPr lang="en-US" sz="3200" b="1" dirty="0"/>
+              <a:t>Building components Without @NgModule</a:t>
+            </a:r>
+          </a:p>
+        </p:txBody>
+      </p:sp>
+    </p:spTree>
+    <p:extLst>
+      <p:ext uri="{BB962C8B-B14F-4D97-AF65-F5344CB8AC3E}">
+        <p14:creationId xmlns:p14="http://schemas.microsoft.com/office/powerpoint/2010/main" val="1208794188"/>
+      </p:ext>
+    </p:extLst>
+  </p:cSld>
+  <p:clrMapOvr>
+    <a:masterClrMapping/>
+  </p:clrMapOvr>
+</p:sld>
+</file>
+
+<file path=ppt/slides/slide13.xml><?xml version="1.0" encoding="utf-8"?>
+<p:sld xmlns:a="http://schemas.openxmlformats.org/drawingml/2006/main" xmlns:r="http://schemas.openxmlformats.org/officeDocument/2006/relationships" xmlns:p="http://schemas.openxmlformats.org/presentationml/2006/main">
+  <p:cSld>
+    <p:spTree>
+      <p:nvGrpSpPr>
+        <p:cNvPr id="1" name=""/>
+        <p:cNvGrpSpPr/>
+        <p:nvPr/>
+      </p:nvGrpSpPr>
+      <p:grpSpPr>
+        <a:xfrm>
+          <a:off x="0" y="0"/>
+          <a:ext cx="0" cy="0"/>
+          <a:chOff x="0" y="0"/>
+          <a:chExt cx="0" cy="0"/>
+        </a:xfrm>
+      </p:grpSpPr>
+      <p:sp>
+        <p:nvSpPr>
+          <p:cNvPr id="2" name="Title 1"/>
+          <p:cNvSpPr>
+            <a:spLocks noGrp="1"/>
+          </p:cNvSpPr>
+          <p:nvPr>
+            <p:ph type="title"/>
+          </p:nvPr>
+        </p:nvSpPr>
+        <p:spPr/>
+        <p:txBody>
+          <a:bodyPr/>
+          <a:lstStyle/>
+          <a:p>
+            <a:r>
+              <a:rPr lang="en-US" sz="4400" b="1" dirty="0"/>
+              <a:t>Pros and Cons of Standalone Components</a:t>
+            </a:r>
+          </a:p>
+        </p:txBody>
+      </p:sp>
+      <p:sp>
+        <p:nvSpPr>
+          <p:cNvPr id="3" name="Content Placeholder 2"/>
+          <p:cNvSpPr>
+            <a:spLocks noGrp="1"/>
+          </p:cNvSpPr>
+          <p:nvPr>
+            <p:ph idx="1"/>
+          </p:nvPr>
+        </p:nvSpPr>
+        <p:spPr>
+          <a:xfrm>
+            <a:off x="838200" y="1928813"/>
+            <a:ext cx="10515600" cy="4248149"/>
+          </a:xfrm>
+        </p:spPr>
+        <p:txBody>
+          <a:bodyPr>
+            <a:normAutofit fontScale="70000" lnSpcReduction="20000"/>
+          </a:bodyPr>
+          <a:lstStyle/>
+          <a:p>
+            <a:pPr marL="0" indent="0">
+              <a:buNone/>
+            </a:pPr>
+            <a:r>
+              <a:rPr lang="en-US" b="1" dirty="0"/>
+              <a:t>Advantages:</a:t>
+            </a:r>
+          </a:p>
+          <a:p>
+            <a:pPr marL="0" indent="0">
+              <a:buNone/>
+            </a:pPr>
+            <a:r>
+              <a:rPr lang="en-US" b="1" dirty="0"/>
+              <a:t>1. Reusability and Modularity:</a:t>
+            </a:r>
+          </a:p>
+          <a:p>
+            <a:pPr marL="0" indent="0">
+              <a:buNone/>
+            </a:pPr>
+            <a:r>
+              <a:rPr lang="en-US" dirty="0"/>
+              <a:t>Standalone components encapsulate specific functionalities, promoting reusability. This modularity allows developers to integrate components seamlessly across various parts of the application or even across distinct projects.</a:t>
+            </a:r>
+          </a:p>
+          <a:p>
+            <a:pPr marL="0" indent="0">
+              <a:buNone/>
+            </a:pPr>
+            <a:endParaRPr lang="en-US" dirty="0"/>
+          </a:p>
+          <a:p>
+            <a:pPr marL="0" indent="0">
+              <a:buNone/>
+            </a:pPr>
+            <a:r>
+              <a:rPr lang="en-US" b="1" dirty="0"/>
+              <a:t>2. Easy Maintenance:</a:t>
+            </a:r>
+          </a:p>
+          <a:p>
+            <a:pPr marL="0" indent="0">
+              <a:buNone/>
+            </a:pPr>
+            <a:r>
+              <a:rPr lang="en-US" dirty="0"/>
+              <a:t>Isolating functionality within standalone components simplifies maintenance and updates. Changes or bug fixes in one component do not affect others, reducing the risk of unintended consequences.</a:t>
+            </a:r>
+          </a:p>
+          <a:p>
+            <a:pPr marL="0" indent="0">
+              <a:buNone/>
+            </a:pPr>
+            <a:endParaRPr lang="en-US" dirty="0"/>
+          </a:p>
+          <a:p>
+            <a:pPr marL="0" indent="0">
+              <a:buNone/>
+            </a:pPr>
+            <a:r>
+              <a:rPr lang="en-US" b="1" dirty="0"/>
+              <a:t>3. Clear Separation of Concerns:</a:t>
+            </a:r>
+          </a:p>
+          <a:p>
+            <a:pPr marL="0" indent="0">
+              <a:buNone/>
+            </a:pPr>
+            <a:r>
+              <a:rPr lang="en-US" dirty="0"/>
+              <a:t>Standalone components adhere to the Single Responsibility Principle (SRP), focusing on specific tasks or features. This promotes a clear separation of concerns, making code more organized and easier to understand.</a:t>
+            </a:r>
+          </a:p>
+        </p:txBody>
+      </p:sp>
+    </p:spTree>
+    <p:extLst>
+      <p:ext uri="{BB962C8B-B14F-4D97-AF65-F5344CB8AC3E}">
+        <p14:creationId xmlns:p14="http://schemas.microsoft.com/office/powerpoint/2010/main" val="1183851448"/>
+      </p:ext>
+    </p:extLst>
+  </p:cSld>
+  <p:clrMapOvr>
+    <a:masterClrMapping/>
+  </p:clrMapOvr>
+</p:sld>
+</file>
+
+<file path=ppt/slides/slide14.xml><?xml version="1.0" encoding="utf-8"?>
+<p:sld xmlns:a="http://schemas.openxmlformats.org/drawingml/2006/main" xmlns:r="http://schemas.openxmlformats.org/officeDocument/2006/relationships" xmlns:p="http://schemas.openxmlformats.org/presentationml/2006/main">
+  <p:cSld>
+    <p:spTree>
+      <p:nvGrpSpPr>
+        <p:cNvPr id="1" name=""/>
+        <p:cNvGrpSpPr/>
+        <p:nvPr/>
+      </p:nvGrpSpPr>
+      <p:grpSpPr>
+        <a:xfrm>
+          <a:off x="0" y="0"/>
+          <a:ext cx="0" cy="0"/>
+          <a:chOff x="0" y="0"/>
+          <a:chExt cx="0" cy="0"/>
+        </a:xfrm>
+      </p:grpSpPr>
+      <p:sp>
+        <p:nvSpPr>
+          <p:cNvPr id="2" name="Title 1"/>
+          <p:cNvSpPr>
+            <a:spLocks noGrp="1"/>
+          </p:cNvSpPr>
+          <p:nvPr>
+            <p:ph type="title"/>
+          </p:nvPr>
+        </p:nvSpPr>
+        <p:spPr/>
+        <p:txBody>
+          <a:bodyPr/>
+          <a:lstStyle/>
+          <a:p>
+            <a:r>
+              <a:rPr lang="en-US" sz="4400" b="1" dirty="0"/>
+              <a:t>Pros and Cons of Standalone Components</a:t>
+            </a:r>
+          </a:p>
+        </p:txBody>
+      </p:sp>
+      <p:sp>
+        <p:nvSpPr>
+          <p:cNvPr id="3" name="Content Placeholder 2"/>
+          <p:cNvSpPr>
+            <a:spLocks noGrp="1"/>
+          </p:cNvSpPr>
+          <p:nvPr>
+            <p:ph idx="1"/>
+          </p:nvPr>
+        </p:nvSpPr>
+        <p:spPr>
+          <a:xfrm>
+            <a:off x="838200" y="1928813"/>
+            <a:ext cx="10515600" cy="4248149"/>
+          </a:xfrm>
+        </p:spPr>
+        <p:txBody>
+          <a:bodyPr>
+            <a:normAutofit/>
+          </a:bodyPr>
+          <a:lstStyle/>
+          <a:p>
+            <a:pPr marL="0" indent="0">
+              <a:buNone/>
+            </a:pPr>
+            <a:r>
+              <a:rPr lang="en-US" sz="2400" b="1" dirty="0"/>
+              <a:t>Disadvantages:</a:t>
+            </a:r>
+          </a:p>
+          <a:p>
+            <a:pPr marL="0" indent="0">
+              <a:buNone/>
+            </a:pPr>
+            <a:r>
+              <a:rPr lang="en-US" sz="2000" b="1" dirty="0"/>
+              <a:t>1. Potential Overhead:</a:t>
+            </a:r>
+          </a:p>
+          <a:p>
+            <a:pPr marL="0" indent="0">
+              <a:buNone/>
+            </a:pPr>
+            <a:r>
+              <a:rPr lang="en-US" sz="2000" dirty="0"/>
+              <a:t>In smaller applications, the use of standalone components might introduce unnecessary complexity. The overhead of creating and managing numerous components can outweigh the benefits.</a:t>
+            </a:r>
+          </a:p>
+          <a:p>
+            <a:pPr marL="0" indent="0">
+              <a:buNone/>
+            </a:pPr>
+            <a:endParaRPr lang="en-US" sz="2000" dirty="0"/>
+          </a:p>
+          <a:p>
+            <a:pPr marL="0" indent="0">
+              <a:buNone/>
+            </a:pPr>
+            <a:r>
+              <a:rPr lang="en-US" sz="2000" b="1" dirty="0"/>
+              <a:t>2. Communication Overhead:</a:t>
+            </a:r>
+          </a:p>
+          <a:p>
+            <a:pPr marL="0" indent="0">
+              <a:buNone/>
+            </a:pPr>
+            <a:r>
+              <a:rPr lang="en-US" sz="2000" dirty="0"/>
+              <a:t>While standalone components promote isolation, they may require additional effort to communicate with other parts of the application. This can lead to increased complexity in managing state and passing data between components.</a:t>
+            </a:r>
+          </a:p>
+        </p:txBody>
+      </p:sp>
+    </p:spTree>
+    <p:extLst>
+      <p:ext uri="{BB962C8B-B14F-4D97-AF65-F5344CB8AC3E}">
+        <p14:creationId xmlns:p14="http://schemas.microsoft.com/office/powerpoint/2010/main" val="245857703"/>
+      </p:ext>
+    </p:extLst>
+  </p:cSld>
+  <p:clrMapOvr>
+    <a:masterClrMapping/>
+  </p:clrMapOvr>
+</p:sld>
+</file>
+
+<file path=ppt/slides/slide15.xml><?xml version="1.0" encoding="utf-8"?>
+<p:sld xmlns:a="http://schemas.openxmlformats.org/drawingml/2006/main" xmlns:r="http://schemas.openxmlformats.org/officeDocument/2006/relationships" xmlns:p="http://schemas.openxmlformats.org/presentationml/2006/main">
+  <p:cSld>
+    <p:spTree>
+      <p:nvGrpSpPr>
+        <p:cNvPr id="1" name=""/>
+        <p:cNvGrpSpPr/>
+        <p:nvPr/>
+      </p:nvGrpSpPr>
+      <p:grpSpPr>
+        <a:xfrm>
+          <a:off x="0" y="0"/>
+          <a:ext cx="0" cy="0"/>
+          <a:chOff x="0" y="0"/>
+          <a:chExt cx="0" cy="0"/>
+        </a:xfrm>
+      </p:grpSpPr>
+      <p:sp>
+        <p:nvSpPr>
+          <p:cNvPr id="2" name="Title 1"/>
+          <p:cNvSpPr>
+            <a:spLocks noGrp="1"/>
+          </p:cNvSpPr>
+          <p:nvPr>
+            <p:ph type="title"/>
+          </p:nvPr>
+        </p:nvSpPr>
+        <p:spPr/>
+        <p:txBody>
+          <a:bodyPr/>
+          <a:lstStyle/>
+          <a:p>
+            <a:r>
+              <a:rPr lang="en-US" sz="4400" b="1" dirty="0" err="1"/>
+              <a:t>esbuilt</a:t>
+            </a:r>
+            <a:endParaRPr lang="en-US" sz="4400" b="1" dirty="0"/>
+          </a:p>
+        </p:txBody>
+      </p:sp>
+      <p:sp>
+        <p:nvSpPr>
+          <p:cNvPr id="3" name="Content Placeholder 2"/>
+          <p:cNvSpPr>
+            <a:spLocks noGrp="1"/>
+          </p:cNvSpPr>
+          <p:nvPr>
+            <p:ph idx="1"/>
+          </p:nvPr>
+        </p:nvSpPr>
+        <p:spPr>
+          <a:xfrm>
+            <a:off x="838200" y="1928813"/>
+            <a:ext cx="10515600" cy="4248149"/>
+          </a:xfrm>
+        </p:spPr>
+        <p:txBody>
+          <a:bodyPr>
+            <a:normAutofit/>
+          </a:bodyPr>
+          <a:lstStyle/>
+          <a:p>
+            <a:pPr marL="0" indent="0">
+              <a:buNone/>
+            </a:pPr>
+            <a:r>
+              <a:rPr lang="en-US" sz="2000" dirty="0"/>
+              <a:t>V16 builder base on </a:t>
+            </a:r>
+            <a:r>
+              <a:rPr lang="en-US" sz="2000" dirty="0" err="1">
+                <a:hlinkClick r:id="rId2"/>
+              </a:rPr>
+              <a:t>esbuild</a:t>
+            </a:r>
+            <a:r>
+              <a:rPr lang="en-US" sz="2000" dirty="0"/>
+              <a:t>. In addition integration with </a:t>
+            </a:r>
+            <a:r>
+              <a:rPr lang="en-US" sz="2000" dirty="0" err="1">
+                <a:hlinkClick r:id="rId3"/>
+              </a:rPr>
+              <a:t>Vite</a:t>
+            </a:r>
+            <a:r>
+              <a:rPr lang="en-US" sz="2000" dirty="0"/>
+              <a:t> powering the </a:t>
+            </a:r>
+            <a:r>
+              <a:rPr lang="en-US" sz="2000" dirty="0" err="1"/>
+              <a:t>Cli’s</a:t>
+            </a:r>
+            <a:r>
+              <a:rPr lang="en-US" sz="2000" dirty="0"/>
+              <a:t> development server.</a:t>
+            </a:r>
+          </a:p>
+          <a:p>
+            <a:pPr marL="0" indent="0">
+              <a:buNone/>
+            </a:pPr>
+            <a:endParaRPr lang="en-US" sz="2000" dirty="0"/>
+          </a:p>
+          <a:p>
+            <a:pPr marL="0" indent="0">
+              <a:buNone/>
+            </a:pPr>
+            <a:r>
+              <a:rPr lang="en-US" sz="2000" dirty="0"/>
+              <a:t>Setup by updating in</a:t>
+            </a:r>
+            <a:r>
+              <a:rPr lang="en-US" sz="2000" i="1" dirty="0"/>
+              <a:t> </a:t>
+            </a:r>
+            <a:r>
+              <a:rPr lang="en-US" sz="2000" i="1" dirty="0" err="1"/>
+              <a:t>angular.json</a:t>
+            </a:r>
+            <a:endParaRPr lang="en-US" sz="2000" i="1" dirty="0"/>
+          </a:p>
+          <a:p>
+            <a:pPr marL="0" indent="0">
+              <a:buNone/>
+            </a:pPr>
+            <a:r>
+              <a:rPr lang="en-US" sz="2000" dirty="0"/>
+              <a:t>"architect": {</a:t>
+            </a:r>
+          </a:p>
+          <a:p>
+            <a:pPr marL="0" indent="0">
+              <a:buNone/>
+            </a:pPr>
+            <a:r>
+              <a:rPr lang="en-US" sz="2000" dirty="0"/>
+              <a:t>  "build": {</a:t>
+            </a:r>
+          </a:p>
+          <a:p>
+            <a:pPr marL="0" indent="0">
+              <a:buNone/>
+            </a:pPr>
+            <a:r>
+              <a:rPr lang="en-US" sz="2000" dirty="0"/>
+              <a:t>    "builder": "@angular-devkit/</a:t>
+            </a:r>
+            <a:r>
+              <a:rPr lang="en-US" sz="2000" dirty="0" err="1"/>
+              <a:t>build-angular:browser-esbuild</a:t>
+            </a:r>
+            <a:r>
+              <a:rPr lang="en-US" sz="2000" dirty="0"/>
+              <a:t>",</a:t>
+            </a:r>
+          </a:p>
+        </p:txBody>
+      </p:sp>
+    </p:spTree>
+    <p:extLst>
+      <p:ext uri="{BB962C8B-B14F-4D97-AF65-F5344CB8AC3E}">
+        <p14:creationId xmlns:p14="http://schemas.microsoft.com/office/powerpoint/2010/main" val="788129902"/>
+      </p:ext>
+    </p:extLst>
+  </p:cSld>
+  <p:clrMapOvr>
+    <a:masterClrMapping/>
+  </p:clrMapOvr>
+</p:sld>
+</file>
+
+<file path=ppt/slides/slide16.xml><?xml version="1.0" encoding="utf-8"?>
+<p:sld xmlns:a="http://schemas.openxmlformats.org/drawingml/2006/main" xmlns:r="http://schemas.openxmlformats.org/officeDocument/2006/relationships" xmlns:p="http://schemas.openxmlformats.org/presentationml/2006/main">
+  <p:cSld>
+    <p:spTree>
+      <p:nvGrpSpPr>
+        <p:cNvPr id="1" name=""/>
+        <p:cNvGrpSpPr/>
+        <p:nvPr/>
+      </p:nvGrpSpPr>
+      <p:grpSpPr>
+        <a:xfrm>
+          <a:off x="0" y="0"/>
+          <a:ext cx="0" cy="0"/>
+          <a:chOff x="0" y="0"/>
+          <a:chExt cx="0" cy="0"/>
+        </a:xfrm>
+      </p:grpSpPr>
+      <p:sp>
+        <p:nvSpPr>
+          <p:cNvPr id="2" name="Title 1"/>
+          <p:cNvSpPr>
+            <a:spLocks noGrp="1"/>
+          </p:cNvSpPr>
+          <p:nvPr>
+            <p:ph type="title"/>
+          </p:nvPr>
+        </p:nvSpPr>
+        <p:spPr/>
+        <p:txBody>
+          <a:bodyPr/>
+          <a:lstStyle/>
+          <a:p>
+            <a:r>
+              <a:rPr lang="en-US" sz="4400" b="1" dirty="0"/>
+              <a:t>Require @Inputs</a:t>
+            </a:r>
+          </a:p>
+        </p:txBody>
+      </p:sp>
+      <p:sp>
+        <p:nvSpPr>
+          <p:cNvPr id="3" name="Content Placeholder 2"/>
+          <p:cNvSpPr>
+            <a:spLocks noGrp="1"/>
+          </p:cNvSpPr>
+          <p:nvPr>
+            <p:ph idx="1"/>
+          </p:nvPr>
+        </p:nvSpPr>
+        <p:spPr>
+          <a:xfrm>
+            <a:off x="838200" y="1928813"/>
+            <a:ext cx="10515600" cy="4248149"/>
+          </a:xfrm>
+        </p:spPr>
+        <p:txBody>
+          <a:bodyPr>
+            <a:normAutofit/>
+          </a:bodyPr>
+          <a:lstStyle/>
+          <a:p>
+            <a:pPr marL="0" indent="0">
+              <a:buNone/>
+            </a:pPr>
+            <a:r>
+              <a:rPr lang="en-US" sz="2000" dirty="0"/>
+              <a:t>You can now mark component and directive inputs as required:</a:t>
+            </a:r>
+          </a:p>
+          <a:p>
+            <a:pPr marL="0" indent="0">
+              <a:buNone/>
+            </a:pPr>
+            <a:endParaRPr lang="en-US" sz="2000" dirty="0"/>
+          </a:p>
+          <a:p>
+            <a:pPr marL="0" indent="0">
+              <a:buNone/>
+            </a:pPr>
+            <a:r>
+              <a:rPr lang="en-US" sz="1400" b="0" i="0" dirty="0">
+                <a:solidFill>
+                  <a:srgbClr val="0000FF"/>
+                </a:solidFill>
+                <a:effectLst/>
+                <a:latin typeface="Roboto Mono" panose="00000009000000000000" pitchFamily="49" charset="0"/>
+              </a:rPr>
+              <a:t>export</a:t>
+            </a:r>
+            <a:r>
+              <a:rPr lang="en-US" sz="1400" b="0" i="0" dirty="0">
+                <a:solidFill>
+                  <a:srgbClr val="000000"/>
+                </a:solidFill>
+                <a:effectLst/>
+                <a:latin typeface="Roboto Mono" panose="00000009000000000000" pitchFamily="49" charset="0"/>
+              </a:rPr>
+              <a:t> </a:t>
+            </a:r>
+            <a:r>
+              <a:rPr lang="en-US" sz="1400" b="0" i="0" dirty="0">
+                <a:solidFill>
+                  <a:srgbClr val="0000FF"/>
+                </a:solidFill>
+                <a:effectLst/>
+                <a:latin typeface="Roboto Mono" panose="00000009000000000000" pitchFamily="49" charset="0"/>
+              </a:rPr>
+              <a:t>class</a:t>
+            </a:r>
+            <a:r>
+              <a:rPr lang="en-US" sz="1400" b="0" i="0" dirty="0">
+                <a:solidFill>
+                  <a:srgbClr val="000000"/>
+                </a:solidFill>
+                <a:effectLst/>
+                <a:latin typeface="Roboto Mono" panose="00000009000000000000" pitchFamily="49" charset="0"/>
+              </a:rPr>
+              <a:t> </a:t>
+            </a:r>
+            <a:r>
+              <a:rPr lang="en-US" sz="1400" b="0" i="0" dirty="0" err="1">
+                <a:solidFill>
+                  <a:srgbClr val="FF0000"/>
+                </a:solidFill>
+                <a:effectLst/>
+                <a:latin typeface="Roboto Mono" panose="00000009000000000000" pitchFamily="49" charset="0"/>
+              </a:rPr>
+              <a:t>ColorPicker</a:t>
+            </a:r>
+            <a:r>
+              <a:rPr lang="en-US" sz="1400" b="0" i="0" dirty="0">
+                <a:solidFill>
+                  <a:srgbClr val="000000"/>
+                </a:solidFill>
+                <a:effectLst/>
+                <a:latin typeface="Roboto Mono" panose="00000009000000000000" pitchFamily="49" charset="0"/>
+              </a:rPr>
+              <a:t> </a:t>
+            </a:r>
+            <a:r>
+              <a:rPr lang="en-US" sz="1400" b="0" i="0" dirty="0">
+                <a:solidFill>
+                  <a:srgbClr val="666600"/>
+                </a:solidFill>
+                <a:effectLst/>
+                <a:latin typeface="Roboto Mono" panose="00000009000000000000" pitchFamily="49" charset="0"/>
+              </a:rPr>
+              <a:t>{</a:t>
+            </a:r>
+          </a:p>
+          <a:p>
+            <a:pPr marL="0" indent="0">
+              <a:buNone/>
+            </a:pPr>
+            <a:r>
+              <a:rPr lang="en-US" sz="1400" dirty="0">
+                <a:solidFill>
+                  <a:srgbClr val="666600"/>
+                </a:solidFill>
+                <a:latin typeface="Roboto Mono" panose="00000009000000000000" pitchFamily="49" charset="0"/>
+              </a:rPr>
+              <a:t>	</a:t>
+            </a:r>
+            <a:r>
+              <a:rPr lang="en-US" sz="1400" b="0" i="0" dirty="0">
+                <a:solidFill>
+                  <a:srgbClr val="000000"/>
+                </a:solidFill>
+                <a:effectLst/>
+                <a:latin typeface="Roboto Mono" panose="00000009000000000000" pitchFamily="49" charset="0"/>
+              </a:rPr>
+              <a:t> </a:t>
+            </a:r>
+            <a:r>
+              <a:rPr lang="en-US" sz="1400" b="0" i="0" dirty="0">
+                <a:solidFill>
+                  <a:srgbClr val="0088CC"/>
+                </a:solidFill>
+                <a:effectLst/>
+                <a:latin typeface="Roboto Mono" panose="00000009000000000000" pitchFamily="49" charset="0"/>
+              </a:rPr>
+              <a:t>@</a:t>
+            </a:r>
+            <a:r>
+              <a:rPr lang="en-US" sz="1400" b="0" i="0" u="none" strike="noStrike" dirty="0">
+                <a:solidFill>
+                  <a:srgbClr val="0088CC"/>
+                </a:solidFill>
+                <a:effectLst/>
+                <a:latin typeface="Roboto Mono" panose="00000009000000000000" pitchFamily="49" charset="0"/>
+                <a:hlinkClick r:id="rId2"/>
+              </a:rPr>
+              <a:t>Input</a:t>
+            </a:r>
+            <a:r>
+              <a:rPr lang="en-US" sz="1400" b="0" i="0" dirty="0">
+                <a:solidFill>
+                  <a:srgbClr val="666600"/>
+                </a:solidFill>
+                <a:effectLst/>
+                <a:latin typeface="Roboto Mono" panose="00000009000000000000" pitchFamily="49" charset="0"/>
+              </a:rPr>
+              <a:t>({</a:t>
+            </a:r>
+            <a:r>
+              <a:rPr lang="en-US" sz="1400" b="0" i="0" dirty="0">
+                <a:solidFill>
+                  <a:srgbClr val="000000"/>
+                </a:solidFill>
+                <a:effectLst/>
+                <a:latin typeface="Roboto Mono" panose="00000009000000000000" pitchFamily="49" charset="0"/>
+              </a:rPr>
+              <a:t> required</a:t>
+            </a:r>
+            <a:r>
+              <a:rPr lang="en-US" sz="1400" b="0" i="0" dirty="0">
+                <a:solidFill>
+                  <a:srgbClr val="666600"/>
+                </a:solidFill>
+                <a:effectLst/>
+                <a:latin typeface="Roboto Mono" panose="00000009000000000000" pitchFamily="49" charset="0"/>
+              </a:rPr>
+              <a:t>:</a:t>
+            </a:r>
+            <a:r>
+              <a:rPr lang="en-US" sz="1400" b="0" i="0" dirty="0">
+                <a:solidFill>
+                  <a:srgbClr val="000000"/>
+                </a:solidFill>
+                <a:effectLst/>
+                <a:latin typeface="Roboto Mono" panose="00000009000000000000" pitchFamily="49" charset="0"/>
+              </a:rPr>
+              <a:t> </a:t>
+            </a:r>
+            <a:r>
+              <a:rPr lang="en-US" sz="1400" b="0" i="0" dirty="0">
+                <a:solidFill>
+                  <a:srgbClr val="0000FF"/>
+                </a:solidFill>
+                <a:effectLst/>
+                <a:latin typeface="Roboto Mono" panose="00000009000000000000" pitchFamily="49" charset="0"/>
+              </a:rPr>
+              <a:t>true</a:t>
+            </a:r>
+            <a:r>
+              <a:rPr lang="en-US" sz="1400" b="0" i="0" dirty="0">
+                <a:solidFill>
+                  <a:srgbClr val="000000"/>
+                </a:solidFill>
+                <a:effectLst/>
+                <a:latin typeface="Roboto Mono" panose="00000009000000000000" pitchFamily="49" charset="0"/>
+              </a:rPr>
+              <a:t> </a:t>
+            </a:r>
+            <a:r>
+              <a:rPr lang="en-US" sz="1400" b="0" i="0" dirty="0">
+                <a:solidFill>
+                  <a:srgbClr val="666600"/>
+                </a:solidFill>
+                <a:effectLst/>
+                <a:latin typeface="Roboto Mono" panose="00000009000000000000" pitchFamily="49" charset="0"/>
+              </a:rPr>
+              <a:t>})</a:t>
+            </a:r>
+            <a:r>
+              <a:rPr lang="en-US" sz="1400" b="0" i="0" dirty="0">
+                <a:solidFill>
+                  <a:srgbClr val="000000"/>
+                </a:solidFill>
+                <a:effectLst/>
+                <a:latin typeface="Roboto Mono" panose="00000009000000000000" pitchFamily="49" charset="0"/>
+              </a:rPr>
+              <a:t> </a:t>
+            </a:r>
+            <a:r>
+              <a:rPr lang="en-US" sz="1400" b="0" i="0" dirty="0" err="1">
+                <a:solidFill>
+                  <a:srgbClr val="000000"/>
+                </a:solidFill>
+                <a:effectLst/>
+                <a:latin typeface="Roboto Mono" panose="00000009000000000000" pitchFamily="49" charset="0"/>
+              </a:rPr>
+              <a:t>defaultColor</a:t>
+            </a:r>
+            <a:r>
+              <a:rPr lang="en-US" sz="1400" b="0" i="0" dirty="0">
+                <a:solidFill>
+                  <a:srgbClr val="666600"/>
+                </a:solidFill>
+                <a:effectLst/>
+                <a:latin typeface="Roboto Mono" panose="00000009000000000000" pitchFamily="49" charset="0"/>
+              </a:rPr>
+              <a:t>!:</a:t>
+            </a:r>
+            <a:r>
+              <a:rPr lang="en-US" sz="1400" b="0" i="0" dirty="0">
+                <a:solidFill>
+                  <a:srgbClr val="000000"/>
+                </a:solidFill>
+                <a:effectLst/>
+                <a:latin typeface="Roboto Mono" panose="00000009000000000000" pitchFamily="49" charset="0"/>
+              </a:rPr>
+              <a:t> string</a:t>
+            </a:r>
+            <a:r>
+              <a:rPr lang="en-US" sz="1400" b="0" i="0" dirty="0">
+                <a:solidFill>
+                  <a:srgbClr val="666600"/>
+                </a:solidFill>
+                <a:effectLst/>
+                <a:latin typeface="Roboto Mono" panose="00000009000000000000" pitchFamily="49" charset="0"/>
+              </a:rPr>
+              <a:t>;</a:t>
+            </a:r>
+            <a:r>
+              <a:rPr lang="en-US" sz="1400" b="0" i="0" dirty="0">
+                <a:solidFill>
+                  <a:srgbClr val="000000"/>
+                </a:solidFill>
+                <a:effectLst/>
+                <a:latin typeface="Roboto Mono" panose="00000009000000000000" pitchFamily="49" charset="0"/>
+              </a:rPr>
+              <a:t> </a:t>
+            </a:r>
+          </a:p>
+          <a:p>
+            <a:pPr marL="0" indent="0">
+              <a:buNone/>
+            </a:pPr>
+            <a:r>
+              <a:rPr lang="en-US" sz="1400" b="0" i="0" dirty="0">
+                <a:solidFill>
+                  <a:srgbClr val="666600"/>
+                </a:solidFill>
+                <a:effectLst/>
+                <a:latin typeface="Roboto Mono" panose="00000009000000000000" pitchFamily="49" charset="0"/>
+              </a:rPr>
+              <a:t>}</a:t>
+            </a:r>
+          </a:p>
+          <a:p>
+            <a:pPr marL="0" indent="0">
+              <a:buNone/>
+            </a:pPr>
+            <a:endParaRPr lang="en-US" sz="1400" dirty="0">
+              <a:solidFill>
+                <a:srgbClr val="666600"/>
+              </a:solidFill>
+              <a:latin typeface="Roboto Mono" panose="00000009000000000000" pitchFamily="49" charset="0"/>
+            </a:endParaRPr>
+          </a:p>
+          <a:p>
+            <a:pPr marL="0" indent="0">
+              <a:buNone/>
+            </a:pPr>
+            <a:r>
+              <a:rPr lang="en-US" sz="2000" dirty="0"/>
+              <a:t>If a template includes a component without specifying all of its required inputs, Angular reports an error at build time.</a:t>
+            </a:r>
+          </a:p>
+        </p:txBody>
+      </p:sp>
+    </p:spTree>
+    <p:extLst>
+      <p:ext uri="{BB962C8B-B14F-4D97-AF65-F5344CB8AC3E}">
+        <p14:creationId xmlns:p14="http://schemas.microsoft.com/office/powerpoint/2010/main" val="433277860"/>
+      </p:ext>
+    </p:extLst>
+  </p:cSld>
+  <p:clrMapOvr>
+    <a:masterClrMapping/>
+  </p:clrMapOvr>
+</p:sld>
+</file>
+
+<file path=ppt/slides/slide17.xml><?xml version="1.0" encoding="utf-8"?>
+<p:sld xmlns:a="http://schemas.openxmlformats.org/drawingml/2006/main" xmlns:r="http://schemas.openxmlformats.org/officeDocument/2006/relationships" xmlns:p="http://schemas.openxmlformats.org/presentationml/2006/main">
+  <p:cSld>
+    <p:spTree>
+      <p:nvGrpSpPr>
+        <p:cNvPr id="1" name=""/>
+        <p:cNvGrpSpPr/>
+        <p:nvPr/>
+      </p:nvGrpSpPr>
+      <p:grpSpPr>
+        <a:xfrm>
+          <a:off x="0" y="0"/>
+          <a:ext cx="0" cy="0"/>
+          <a:chOff x="0" y="0"/>
+          <a:chExt cx="0" cy="0"/>
+        </a:xfrm>
+      </p:grpSpPr>
+      <p:sp>
+        <p:nvSpPr>
+          <p:cNvPr id="2" name="Title 1"/>
+          <p:cNvSpPr>
+            <a:spLocks noGrp="1"/>
+          </p:cNvSpPr>
+          <p:nvPr>
+            <p:ph type="title"/>
+          </p:nvPr>
+        </p:nvSpPr>
+        <p:spPr/>
+        <p:txBody>
+          <a:bodyPr/>
+          <a:lstStyle/>
+          <a:p>
+            <a:r>
+              <a:rPr lang="en-US" dirty="0"/>
+              <a:t>Hydration</a:t>
+            </a:r>
+            <a:endParaRPr lang="en-US" sz="4400" b="1" dirty="0"/>
+          </a:p>
+        </p:txBody>
+      </p:sp>
+      <p:sp>
+        <p:nvSpPr>
+          <p:cNvPr id="3" name="Content Placeholder 2"/>
+          <p:cNvSpPr>
+            <a:spLocks noGrp="1"/>
+          </p:cNvSpPr>
+          <p:nvPr>
+            <p:ph idx="1"/>
+          </p:nvPr>
+        </p:nvSpPr>
+        <p:spPr>
+          <a:xfrm>
+            <a:off x="838200" y="1928813"/>
+            <a:ext cx="10515600" cy="4248149"/>
+          </a:xfrm>
+        </p:spPr>
+        <p:txBody>
+          <a:bodyPr>
+            <a:normAutofit/>
+          </a:bodyPr>
+          <a:lstStyle/>
+          <a:p>
+            <a:pPr marL="0" indent="0">
+              <a:buNone/>
+            </a:pPr>
+            <a:endParaRPr lang="en-US" sz="2000" dirty="0"/>
+          </a:p>
+        </p:txBody>
+      </p:sp>
+    </p:spTree>
+    <p:extLst>
+      <p:ext uri="{BB962C8B-B14F-4D97-AF65-F5344CB8AC3E}">
+        <p14:creationId xmlns:p14="http://schemas.microsoft.com/office/powerpoint/2010/main" val="2208596673"/>
+      </p:ext>
+    </p:extLst>
+  </p:cSld>
+  <p:clrMapOvr>
+    <a:masterClrMapping/>
+  </p:clrMapOvr>
+</p:sld>
+</file>
+
+<file path=ppt/slides/slide2.xml><?xml version="1.0" encoding="utf-8"?>
+<p:sld xmlns:a="http://schemas.openxmlformats.org/drawingml/2006/main" xmlns:r="http://schemas.openxmlformats.org/officeDocument/2006/relationships" xmlns:p="http://schemas.openxmlformats.org/presentationml/2006/main">
+  <p:cSld>
+    <p:bg>
+      <p:bgPr>
+        <a:solidFill>
+          <a:schemeClr val="bg1"/>
+        </a:solidFill>
+        <a:effectLst/>
+      </p:bgPr>
+    </p:bg>
+    <p:spTree>
+      <p:nvGrpSpPr>
+        <p:cNvPr id="1" name=""/>
+        <p:cNvGrpSpPr/>
+        <p:nvPr/>
+      </p:nvGrpSpPr>
+      <p:grpSpPr>
+        <a:xfrm>
+          <a:off x="0" y="0"/>
+          <a:ext cx="0" cy="0"/>
+          <a:chOff x="0" y="0"/>
+          <a:chExt cx="0" cy="0"/>
+        </a:xfrm>
+      </p:grpSpPr>
+      <p:sp useBgFill="1">
+        <p:nvSpPr>
+          <p:cNvPr id="8" name="Rectangle 7">
+            <a:extLst>
+              <a:ext uri="{FF2B5EF4-FFF2-40B4-BE49-F238E27FC236}">
+                <a16:creationId xmlns:a16="http://schemas.microsoft.com/office/drawing/2014/main" id="{907EF6B7-1338-4443-8C46-6A318D952DFD}"/>
+              </a:ext>
+              <a:ext uri="{C183D7F6-B498-43B3-948B-1728B52AA6E4}">
+                <adec:decorative xmlns:adec="http://schemas.microsoft.com/office/drawing/2017/decorative" val="1"/>
+              </a:ext>
+            </a:extLst>
+          </p:cNvPr>
+          <p:cNvSpPr>
+            <a:spLocks noGrp="1" noRot="1" noChangeAspect="1" noMove="1" noResize="1" noEditPoints="1" noAdjustHandles="1" noChangeArrowheads="1" noChangeShapeType="1" noTextEdit="1"/>
+          </p:cNvSpPr>
+          <p:nvPr>
+            <p:extLst>
+              <p:ext uri="{386F3935-93C4-4BCD-93E2-E3B085C9AB24}">
+                <p16:designElem xmlns:p16="http://schemas.microsoft.com/office/powerpoint/2015/main" val="1"/>
+              </p:ext>
+            </p:extLst>
+          </p:nvPr>
+        </p:nvSpPr>
+        <p:spPr>
+          <a:xfrm>
+            <a:off x="3048" y="0"/>
+            <a:ext cx="12188952" cy="6858000"/>
+          </a:xfrm>
+          <a:prstGeom prst="rect">
+            <a:avLst/>
+          </a:prstGeom>
+          <a:ln>
+            <a:noFill/>
+          </a:ln>
+        </p:spPr>
+        <p:style>
+          <a:lnRef idx="2">
+            <a:schemeClr val="accent1">
+              <a:shade val="50000"/>
+            </a:schemeClr>
+          </a:lnRef>
+          <a:fillRef idx="1">
+            <a:schemeClr val="accent1"/>
+          </a:fillRef>
+          <a:effectRef idx="0">
+            <a:schemeClr val="accent1"/>
+          </a:effectRef>
+          <a:fontRef idx="minor">
+            <a:schemeClr val="lt1"/>
+          </a:fontRef>
+        </p:style>
+        <p:txBody>
+          <a:bodyPr rtlCol="0" anchor="ctr"/>
+          <a:lstStyle/>
+          <a:p>
+            <a:pPr algn="ctr"/>
+            <a:endParaRPr lang="en-US"/>
+          </a:p>
+        </p:txBody>
+      </p:sp>
+      <p:sp>
+        <p:nvSpPr>
+          <p:cNvPr id="10" name="Freeform: Shape 9">
+            <a:extLst>
+              <a:ext uri="{FF2B5EF4-FFF2-40B4-BE49-F238E27FC236}">
+                <a16:creationId xmlns:a16="http://schemas.microsoft.com/office/drawing/2014/main" id="{DAAE4CDD-124C-4DCF-9584-B6033B545DD5}"/>
+              </a:ext>
+              <a:ext uri="{C183D7F6-B498-43B3-948B-1728B52AA6E4}">
+                <adec:decorative xmlns:adec="http://schemas.microsoft.com/office/drawing/2017/decorative" val="1"/>
+              </a:ext>
+            </a:extLst>
+          </p:cNvPr>
+          <p:cNvSpPr>
+            <a:spLocks noGrp="1" noRot="1" noChangeAspect="1" noMove="1" noResize="1" noEditPoints="1" noAdjustHandles="1" noChangeArrowheads="1" noChangeShapeType="1" noTextEdit="1"/>
+          </p:cNvSpPr>
+          <p:nvPr>
+            <p:extLst>
+              <p:ext uri="{386F3935-93C4-4BCD-93E2-E3B085C9AB24}">
+                <p16:designElem xmlns:p16="http://schemas.microsoft.com/office/powerpoint/2015/main" val="1"/>
+              </p:ext>
+            </p:extLst>
+          </p:nvPr>
+        </p:nvSpPr>
+        <p:spPr>
+          <a:xfrm>
+            <a:off x="1" y="0"/>
+            <a:ext cx="4167271" cy="6858000"/>
+          </a:xfrm>
+          <a:custGeom>
+            <a:avLst/>
+            <a:gdLst>
+              <a:gd name="connsiteX0" fmla="*/ 0 w 4167271"/>
+              <a:gd name="connsiteY0" fmla="*/ 0 h 6858000"/>
+              <a:gd name="connsiteX1" fmla="*/ 2259550 w 4167271"/>
+              <a:gd name="connsiteY1" fmla="*/ 0 h 6858000"/>
+              <a:gd name="connsiteX2" fmla="*/ 2387803 w 4167271"/>
+              <a:gd name="connsiteY2" fmla="*/ 82222 h 6858000"/>
+              <a:gd name="connsiteX3" fmla="*/ 4167271 w 4167271"/>
+              <a:gd name="connsiteY3" fmla="*/ 3429000 h 6858000"/>
+              <a:gd name="connsiteX4" fmla="*/ 2387803 w 4167271"/>
+              <a:gd name="connsiteY4" fmla="*/ 6775779 h 6858000"/>
+              <a:gd name="connsiteX5" fmla="*/ 2259550 w 4167271"/>
+              <a:gd name="connsiteY5" fmla="*/ 6858000 h 6858000"/>
+              <a:gd name="connsiteX6" fmla="*/ 0 w 4167271"/>
+              <a:gd name="connsiteY6" fmla="*/ 6858000 h 6858000"/>
+            </a:gdLst>
+            <a:ahLst/>
+            <a:cxnLst>
+              <a:cxn ang="0">
+                <a:pos x="connsiteX0" y="connsiteY0"/>
+              </a:cxn>
+              <a:cxn ang="0">
+                <a:pos x="connsiteX1" y="connsiteY1"/>
+              </a:cxn>
+              <a:cxn ang="0">
+                <a:pos x="connsiteX2" y="connsiteY2"/>
+              </a:cxn>
+              <a:cxn ang="0">
+                <a:pos x="connsiteX3" y="connsiteY3"/>
+              </a:cxn>
+              <a:cxn ang="0">
+                <a:pos x="connsiteX4" y="connsiteY4"/>
+              </a:cxn>
+              <a:cxn ang="0">
+                <a:pos x="connsiteX5" y="connsiteY5"/>
+              </a:cxn>
+              <a:cxn ang="0">
+                <a:pos x="connsiteX6" y="connsiteY6"/>
+              </a:cxn>
+            </a:cxnLst>
+            <a:rect l="l" t="t" r="r" b="b"/>
+            <a:pathLst>
+              <a:path w="4167271" h="6858000">
+                <a:moveTo>
+                  <a:pt x="0" y="0"/>
+                </a:moveTo>
+                <a:lnTo>
+                  <a:pt x="2259550" y="0"/>
+                </a:lnTo>
+                <a:lnTo>
+                  <a:pt x="2387803" y="82222"/>
+                </a:lnTo>
+                <a:cubicBezTo>
+                  <a:pt x="3461407" y="807534"/>
+                  <a:pt x="4167271" y="2035835"/>
+                  <a:pt x="4167271" y="3429000"/>
+                </a:cubicBezTo>
+                <a:cubicBezTo>
+                  <a:pt x="4167271" y="4822165"/>
+                  <a:pt x="3461407" y="6050467"/>
+                  <a:pt x="2387803" y="6775779"/>
+                </a:cubicBezTo>
+                <a:lnTo>
+                  <a:pt x="2259550" y="6858000"/>
+                </a:lnTo>
+                <a:lnTo>
+                  <a:pt x="0" y="6858000"/>
+                </a:lnTo>
+                <a:close/>
+              </a:path>
+            </a:pathLst>
+          </a:custGeom>
+          <a:solidFill>
+            <a:schemeClr val="accent2"/>
+          </a:solidFill>
+          <a:ln>
+            <a:noFill/>
+          </a:ln>
+        </p:spPr>
+        <p:style>
+          <a:lnRef idx="2">
+            <a:schemeClr val="accent1">
+              <a:shade val="50000"/>
+            </a:schemeClr>
+          </a:lnRef>
+          <a:fillRef idx="1">
+            <a:schemeClr val="accent1"/>
+          </a:fillRef>
+          <a:effectRef idx="0">
+            <a:schemeClr val="accent1"/>
+          </a:effectRef>
+          <a:fontRef idx="minor">
+            <a:schemeClr val="lt1"/>
+          </a:fontRef>
+        </p:style>
+        <p:txBody>
+          <a:bodyPr rtlCol="0" anchor="ctr"/>
+          <a:lstStyle/>
+          <a:p>
+            <a:pPr algn="ctr"/>
+            <a:endParaRPr lang="en-US"/>
+          </a:p>
+        </p:txBody>
+      </p:sp>
+      <p:sp>
+        <p:nvSpPr>
+          <p:cNvPr id="2" name="Title 1"/>
+          <p:cNvSpPr>
+            <a:spLocks noGrp="1"/>
+          </p:cNvSpPr>
+          <p:nvPr>
+            <p:ph type="title"/>
+          </p:nvPr>
+        </p:nvSpPr>
+        <p:spPr>
+          <a:xfrm>
+            <a:off x="686834" y="1153572"/>
+            <a:ext cx="3200400" cy="4461163"/>
+          </a:xfrm>
+        </p:spPr>
+        <p:txBody>
+          <a:bodyPr>
+            <a:normAutofit/>
+          </a:bodyPr>
+          <a:lstStyle/>
+          <a:p>
+            <a:r>
+              <a:rPr lang="en-US">
+                <a:solidFill>
+                  <a:srgbClr val="FFFFFF"/>
+                </a:solidFill>
+              </a:rPr>
               <a:t>Topic</a:t>
             </a:r>
           </a:p>
@@ -3132,6 +7217,67 @@
       </p:sp>
       <p:sp>
         <p:nvSpPr>
+          <p:cNvPr id="12" name="Arc 11">
+            <a:extLst>
+              <a:ext uri="{FF2B5EF4-FFF2-40B4-BE49-F238E27FC236}">
+                <a16:creationId xmlns:a16="http://schemas.microsoft.com/office/drawing/2014/main" id="{081E4A58-353D-44AE-B2FC-2A74E2E400F7}"/>
+              </a:ext>
+              <a:ext uri="{C183D7F6-B498-43B3-948B-1728B52AA6E4}">
+                <adec:decorative xmlns:adec="http://schemas.microsoft.com/office/drawing/2017/decorative" val="1"/>
+              </a:ext>
+            </a:extLst>
+          </p:cNvPr>
+          <p:cNvSpPr>
+            <a:spLocks noGrp="1" noRot="1" noChangeAspect="1" noMove="1" noResize="1" noEditPoints="1" noAdjustHandles="1" noChangeArrowheads="1" noChangeShapeType="1" noTextEdit="1"/>
+          </p:cNvSpPr>
+          <p:nvPr>
+            <p:extLst>
+              <p:ext uri="{386F3935-93C4-4BCD-93E2-E3B085C9AB24}">
+                <p16:designElem xmlns:p16="http://schemas.microsoft.com/office/powerpoint/2015/main" val="1"/>
+              </p:ext>
+            </p:extLst>
+          </p:nvPr>
+        </p:nvSpPr>
+        <p:spPr>
+          <a:xfrm flipV="1">
+            <a:off x="7550402" y="2455479"/>
+            <a:ext cx="4083433" cy="4083433"/>
+          </a:xfrm>
+          <a:prstGeom prst="arc">
+            <a:avLst/>
+          </a:prstGeom>
+          <a:ln w="127000" cap="rnd">
+            <a:solidFill>
+              <a:schemeClr val="accent4"/>
+            </a:solidFill>
+            <a:prstDash val="dash"/>
+          </a:ln>
+        </p:spPr>
+        <p:style>
+          <a:lnRef idx="1">
+            <a:schemeClr val="accent1"/>
+          </a:lnRef>
+          <a:fillRef idx="0">
+            <a:schemeClr val="accent1"/>
+          </a:fillRef>
+          <a:effectRef idx="0">
+            <a:schemeClr val="accent1"/>
+          </a:effectRef>
+          <a:fontRef idx="minor">
+            <a:schemeClr val="tx1"/>
+          </a:fontRef>
+        </p:style>
+        <p:txBody>
+          <a:bodyPr rtlCol="0" anchor="ctr"/>
+          <a:lstStyle/>
+          <a:p>
+            <a:pPr algn="ctr"/>
+            <a:endParaRPr lang="en-US" dirty="0"/>
+          </a:p>
+        </p:txBody>
+      </p:sp>
+      <p:sp>
+        <p:nvSpPr>
           <p:cNvPr id="3" name="Content Placeholder 2"/>
           <p:cNvSpPr>
             <a:spLocks noGrp="1"/>
@@ -3140,10 +7286,15 @@
             <p:ph idx="1"/>
           </p:nvPr>
         </p:nvSpPr>
-        <p:spPr/>
-        <p:txBody>
-          <a:bodyPr>
-            <a:normAutofit fontScale="62500" lnSpcReduction="20000"/>
+        <p:spPr>
+          <a:xfrm>
+            <a:off x="4447308" y="591344"/>
+            <a:ext cx="6906491" cy="5585619"/>
+          </a:xfrm>
+        </p:spPr>
+        <p:txBody>
+          <a:bodyPr anchor="ctr">
+            <a:normAutofit/>
           </a:bodyPr>
           <a:lstStyle/>
           <a:p>
@@ -3152,7 +7303,7 @@
               <a:buAutoNum type="arabicPeriod"/>
             </a:pPr>
             <a:r>
-              <a:rPr lang="en-US" sz="2900" dirty="0"/>
+              <a:rPr lang="en-US" dirty="0"/>
               <a:t>Angular Signals</a:t>
             </a:r>
           </a:p>
@@ -3162,12 +7313,8 @@
               <a:buAutoNum type="arabicPeriod"/>
             </a:pPr>
             <a:r>
-              <a:rPr lang="en-US" sz="2900" dirty="0" err="1"/>
-              <a:t>RxJS</a:t>
-            </a:r>
-            <a:r>
-              <a:rPr lang="en-US" sz="2900" dirty="0"/>
-              <a:t> interoperability</a:t>
+              <a:rPr lang="en-US" dirty="0"/>
+              <a:t>Standalone component</a:t>
             </a:r>
           </a:p>
           <a:p>
@@ -3176,9 +7323,10 @@
               <a:buAutoNum type="arabicPeriod"/>
             </a:pPr>
             <a:r>
-              <a:rPr lang="en-US" sz="2900" dirty="0"/>
-              <a:t>Server-side rendering and hydration</a:t>
-            </a:r>
+              <a:rPr lang="en-US" dirty="0" err="1"/>
+              <a:t>esbuild</a:t>
+            </a:r>
+            <a:endParaRPr lang="en-US" dirty="0"/>
           </a:p>
           <a:p>
             <a:pPr marL="514350" indent="-514350">
@@ -3186,8 +7334,8 @@
               <a:buAutoNum type="arabicPeriod"/>
             </a:pPr>
             <a:r>
-              <a:rPr lang="en-US" sz="2900" dirty="0"/>
-              <a:t>Improved tooling for standalone components, directives, and pipes</a:t>
+              <a:rPr lang="en-US" dirty="0"/>
+              <a:t>Required inputs</a:t>
             </a:r>
           </a:p>
           <a:p>
@@ -3196,8 +7344,8 @@
               <a:buAutoNum type="arabicPeriod"/>
             </a:pPr>
             <a:r>
-              <a:rPr lang="en-US" sz="2900" dirty="0"/>
-              <a:t>Standalone ng new collection</a:t>
+              <a:rPr lang="en-US" dirty="0"/>
+              <a:t>Hydration</a:t>
             </a:r>
           </a:p>
           <a:p>
@@ -3205,118 +7353,11 @@
               <a:buFont typeface="+mj-lt"/>
               <a:buAutoNum type="arabicPeriod"/>
             </a:pPr>
-            <a:r>
-              <a:rPr lang="en-US" sz="2900" dirty="0"/>
-              <a:t>Configure Zone.js</a:t>
-            </a:r>
-          </a:p>
-          <a:p>
-            <a:pPr marL="514350" indent="-514350">
-              <a:buFont typeface="+mj-lt"/>
-              <a:buAutoNum type="arabicPeriod"/>
-            </a:pPr>
-            <a:r>
-              <a:rPr lang="en-US" sz="2900" dirty="0"/>
-              <a:t>Advancing developer tooling</a:t>
-            </a:r>
-          </a:p>
-          <a:p>
-            <a:pPr marL="971550" lvl="1" indent="-514350">
-              <a:buFont typeface="+mj-lt"/>
-              <a:buAutoNum type="arabicPeriod"/>
-            </a:pPr>
-            <a:r>
-              <a:rPr lang="en-US" sz="2900" dirty="0"/>
-              <a:t>Developer preview of the </a:t>
-            </a:r>
-            <a:r>
-              <a:rPr lang="en-US" sz="2900" dirty="0" err="1"/>
-              <a:t>esbuild</a:t>
-            </a:r>
-            <a:r>
-              <a:rPr lang="en-US" sz="2900" dirty="0"/>
-              <a:t>-based build system</a:t>
-            </a:r>
-          </a:p>
-          <a:p>
-            <a:pPr marL="971550" lvl="1" indent="-514350">
-              <a:buFont typeface="+mj-lt"/>
-              <a:buAutoNum type="arabicPeriod"/>
-            </a:pPr>
-            <a:r>
-              <a:rPr lang="en-US" sz="2900" dirty="0"/>
-              <a:t>Better unit testing with Jest and Web Test Runner</a:t>
-            </a:r>
-          </a:p>
-          <a:p>
-            <a:pPr marL="971550" lvl="1" indent="-514350">
-              <a:buFont typeface="+mj-lt"/>
-              <a:buAutoNum type="arabicPeriod"/>
-            </a:pPr>
-            <a:r>
-              <a:rPr lang="en-US" sz="2900" dirty="0"/>
-              <a:t>Autocomplete imports in templates</a:t>
-            </a:r>
-          </a:p>
-          <a:p>
-            <a:pPr marL="514350" indent="-514350">
-              <a:buFont typeface="+mj-lt"/>
-              <a:buAutoNum type="arabicPeriod"/>
-            </a:pPr>
-            <a:r>
-              <a:rPr lang="en-US" sz="2900" dirty="0"/>
-              <a:t>Improving Developer Experience</a:t>
-            </a:r>
-          </a:p>
-          <a:p>
-            <a:pPr marL="971550" lvl="1" indent="-514350">
-              <a:buFont typeface="+mj-lt"/>
-              <a:buAutoNum type="arabicPeriod"/>
-            </a:pPr>
-            <a:r>
-              <a:rPr lang="en-US" sz="2900" dirty="0"/>
-              <a:t>Required inputs</a:t>
-            </a:r>
-          </a:p>
-          <a:p>
-            <a:pPr marL="971550" lvl="1" indent="-514350">
-              <a:buFont typeface="+mj-lt"/>
-              <a:buAutoNum type="arabicPeriod"/>
-            </a:pPr>
-            <a:r>
-              <a:rPr lang="en-US" sz="2900" dirty="0"/>
-              <a:t>CSP support for inline-styles</a:t>
-            </a:r>
-          </a:p>
-          <a:p>
-            <a:pPr marL="971550" lvl="1" indent="-514350">
-              <a:buFont typeface="+mj-lt"/>
-              <a:buAutoNum type="arabicPeriod"/>
-            </a:pPr>
-            <a:r>
-              <a:rPr lang="en-US" sz="2900" dirty="0"/>
-              <a:t>Flexible </a:t>
-            </a:r>
-            <a:r>
-              <a:rPr lang="en-US" sz="2900" dirty="0" err="1"/>
-              <a:t>ngOnDestroy</a:t>
-            </a:r>
-            <a:endParaRPr lang="en-US" sz="2900" dirty="0"/>
-          </a:p>
-          <a:p>
-            <a:pPr marL="971550" lvl="1" indent="-514350">
-              <a:buFont typeface="+mj-lt"/>
-              <a:buAutoNum type="arabicPeriod"/>
-            </a:pPr>
-            <a:r>
-              <a:rPr lang="en-US" sz="2900" dirty="0"/>
-              <a:t>Self-closing tags</a:t>
-            </a:r>
-          </a:p>
-          <a:p>
-            <a:pPr marL="971550" lvl="1" indent="-514350">
-              <a:buFont typeface="+mj-lt"/>
-              <a:buAutoNum type="arabicPeriod"/>
+            <a:endParaRPr lang="en-US" dirty="0"/>
+          </a:p>
+          <a:p>
+            <a:pPr marL="457200" lvl="1" indent="0">
+              <a:buNone/>
             </a:pPr>
             <a:endParaRPr lang="en-US" dirty="0"/>
           </a:p>
@@ -3341,6 +7382,14 @@
 <file path=ppt/slides/slide3.xml><?xml version="1.0" encoding="utf-8"?>
 <p:sld xmlns:a="http://schemas.openxmlformats.org/drawingml/2006/main" xmlns:r="http://schemas.openxmlformats.org/officeDocument/2006/relationships" xmlns:p="http://schemas.openxmlformats.org/presentationml/2006/main">
   <p:cSld>
+    <p:bg>
+      <p:bgPr>
+        <a:solidFill>
+          <a:schemeClr val="bg1"/>
+        </a:solidFill>
+        <a:effectLst/>
+      </p:bgPr>
+    </p:bg>
     <p:spTree>
       <p:nvGrpSpPr>
         <p:cNvPr id="1" name=""/>
@@ -3355,6 +7404,70 @@
           <a:chExt cx="0" cy="0"/>
         </a:xfrm>
       </p:grpSpPr>
+      <p:sp useBgFill="1">
+        <p:nvSpPr>
+          <p:cNvPr id="49" name="Rectangle 48">
+            <a:extLst>
+              <a:ext uri="{FF2B5EF4-FFF2-40B4-BE49-F238E27FC236}">
+                <a16:creationId xmlns:a16="http://schemas.microsoft.com/office/drawing/2014/main" id="{2659FDB4-FCBE-4A89-B46D-43D4FA54464D}"/>
+              </a:ext>
+              <a:ext uri="{C183D7F6-B498-43B3-948B-1728B52AA6E4}">
+                <adec:decorative xmlns:adec="http://schemas.microsoft.com/office/drawing/2017/decorative" val="1"/>
+              </a:ext>
+            </a:extLst>
+          </p:cNvPr>
+          <p:cNvSpPr>
+            <a:spLocks noGrp="1" noRot="1" noChangeAspect="1" noMove="1" noResize="1" noEditPoints="1" noAdjustHandles="1" noChangeArrowheads="1" noChangeShapeType="1" noTextEdit="1"/>
+          </p:cNvSpPr>
+          <p:nvPr>
+            <p:extLst>
+              <p:ext uri="{386F3935-93C4-4BCD-93E2-E3B085C9AB24}">
+                <p16:designElem xmlns:p16="http://schemas.microsoft.com/office/powerpoint/2015/main" val="1"/>
+              </p:ext>
+            </p:extLst>
+          </p:nvPr>
+        </p:nvSpPr>
+        <p:spPr>
+          <a:xfrm>
+            <a:off x="0" y="8313"/>
+            <a:ext cx="12192000" cy="6858000"/>
+          </a:xfrm>
+          <a:prstGeom prst="rect">
+            <a:avLst/>
+          </a:prstGeom>
+          <a:ln>
+            <a:noFill/>
+          </a:ln>
+        </p:spPr>
+        <p:style>
+          <a:lnRef idx="2">
+            <a:schemeClr val="accent1">
+              <a:shade val="50000"/>
+            </a:schemeClr>
+          </a:lnRef>
+          <a:fillRef idx="1">
+            <a:schemeClr val="accent1"/>
+          </a:fillRef>
+          <a:effectRef idx="0">
+            <a:schemeClr val="accent1"/>
+          </a:effectRef>
+          <a:fontRef idx="minor">
+            <a:schemeClr val="lt1"/>
+          </a:fontRef>
+        </p:style>
+        <p:txBody>
+          <a:bodyPr rtlCol="0" anchor="ctr"/>
+          <a:lstStyle/>
+          <a:p>
+            <a:pPr algn="ctr"/>
+            <a:endParaRPr lang="en-US">
+              <a:solidFill>
+                <a:schemeClr val="bg1"/>
+              </a:solidFill>
+            </a:endParaRPr>
+          </a:p>
+        </p:txBody>
+      </p:sp>
       <p:sp>
         <p:nvSpPr>
           <p:cNvPr id="2" name="Title 1"/>
@@ -3365,83 +7478,131 @@
             <p:ph type="title"/>
           </p:nvPr>
         </p:nvSpPr>
-        <p:spPr/>
-        <p:txBody>
-          <a:bodyPr/>
+        <p:spPr>
+          <a:xfrm>
+            <a:off x="479394" y="1070800"/>
+            <a:ext cx="3939688" cy="5583126"/>
+          </a:xfrm>
+        </p:spPr>
+        <p:txBody>
+          <a:bodyPr>
+            <a:normAutofit/>
+          </a:bodyPr>
           <a:lstStyle/>
           <a:p>
-            <a:r>
-              <a:rPr lang="en-US" dirty="0"/>
-              <a:t>Link</a:t>
-            </a:r>
-          </a:p>
-        </p:txBody>
-      </p:sp>
-      <p:sp>
-        <p:nvSpPr>
-          <p:cNvPr id="3" name="Content Placeholder 2"/>
-          <p:cNvSpPr>
-            <a:spLocks noGrp="1"/>
-          </p:cNvSpPr>
+            <a:pPr algn="ctr"/>
+            <a:r>
+              <a:rPr lang="en-US" sz="3600" b="1" dirty="0"/>
+              <a:t>Angular Signals</a:t>
+            </a:r>
+            <a:br>
+              <a:rPr lang="en-US" sz="3600" dirty="0"/>
+            </a:br>
+            <a:r>
+              <a:rPr lang="en-US" sz="2400" dirty="0"/>
+              <a:t>(Developer Preview)</a:t>
+            </a:r>
+            <a:endParaRPr lang="en-US" sz="3600" dirty="0"/>
+          </a:p>
+        </p:txBody>
+      </p:sp>
+      <p:cxnSp>
+        <p:nvCxnSpPr>
+          <p:cNvPr id="51" name="Straight Connector 50">
+            <a:extLst>
+              <a:ext uri="{FF2B5EF4-FFF2-40B4-BE49-F238E27FC236}">
+                <a16:creationId xmlns:a16="http://schemas.microsoft.com/office/drawing/2014/main" id="{C8F51B3F-8331-4E4A-AE96-D47B1006EEAD}"/>
+              </a:ext>
+              <a:ext uri="{C183D7F6-B498-43B3-948B-1728B52AA6E4}">
+                <adec:decorative xmlns:adec="http://schemas.microsoft.com/office/drawing/2017/decorative" val="1"/>
+              </a:ext>
+            </a:extLst>
+          </p:cNvPr>
+          <p:cNvCxnSpPr>
+            <a:cxnSpLocks noGrp="1" noRot="1" noChangeAspect="1" noMove="1" noResize="1" noEditPoints="1" noAdjustHandles="1" noChangeArrowheads="1" noChangeShapeType="1"/>
+          </p:cNvCxnSpPr>
+          <p:nvPr>
+            <p:extLst>
+              <p:ext uri="{386F3935-93C4-4BCD-93E2-E3B085C9AB24}">
+                <p16:designElem xmlns:p16="http://schemas.microsoft.com/office/powerpoint/2015/main" val="1"/>
+              </p:ext>
+            </p:extLst>
+          </p:nvPr>
+        </p:nvCxnSpPr>
+        <p:spPr>
+          <a:xfrm>
+            <a:off x="4728053" y="1132114"/>
+            <a:ext cx="0" cy="5717573"/>
+          </a:xfrm>
+          <a:prstGeom prst="line">
+            <a:avLst/>
+          </a:prstGeom>
+          <a:ln w="25400" cap="sq">
+            <a:gradFill flip="none" rotWithShape="1">
+              <a:gsLst>
+                <a:gs pos="0">
+                  <a:schemeClr val="accent1"/>
+                </a:gs>
+                <a:gs pos="100000">
+                  <a:schemeClr val="accent2"/>
+                </a:gs>
+              </a:gsLst>
+              <a:lin ang="16200000" scaled="1"/>
+              <a:tileRect/>
+            </a:gradFill>
+            <a:bevel/>
+          </a:ln>
+        </p:spPr>
+        <p:style>
+          <a:lnRef idx="1">
+            <a:schemeClr val="accent1"/>
+          </a:lnRef>
+          <a:fillRef idx="0">
+            <a:schemeClr val="accent1"/>
+          </a:fillRef>
+          <a:effectRef idx="0">
+            <a:schemeClr val="accent1"/>
+          </a:effectRef>
+          <a:fontRef idx="minor">
+            <a:schemeClr val="tx1"/>
+          </a:fontRef>
+        </p:style>
+      </p:cxnSp>
+      <p:graphicFrame>
+        <p:nvGraphicFramePr>
+          <p:cNvPr id="45" name="Content Placeholder 2">
+            <a:extLst>
+              <a:ext uri="{FF2B5EF4-FFF2-40B4-BE49-F238E27FC236}">
+                <a16:creationId xmlns:a16="http://schemas.microsoft.com/office/drawing/2014/main" id="{5B56D59A-D4C7-B7FC-8237-7F9B88EC4743}"/>
+              </a:ext>
+            </a:extLst>
+          </p:cNvPr>
+          <p:cNvGraphicFramePr>
+            <a:graphicFrameLocks noGrp="1"/>
+          </p:cNvGraphicFramePr>
           <p:nvPr>
             <p:ph idx="1"/>
-          </p:nvPr>
-        </p:nvSpPr>
-        <p:spPr/>
-        <p:txBody>
-          <a:bodyPr/>
-          <a:lstStyle/>
-          <a:p>
-            <a:r>
-              <a:rPr lang="en-US" dirty="0">
-                <a:hlinkClick r:id="rId2"/>
-              </a:rPr>
-              <a:t>Angular v16 is here!. Six months ago, we reached a… | by </a:t>
-            </a:r>
-            <a:r>
-              <a:rPr lang="en-US" dirty="0" err="1">
-                <a:hlinkClick r:id="rId2"/>
-              </a:rPr>
-              <a:t>Minko</a:t>
-            </a:r>
-            <a:r>
-              <a:rPr lang="en-US" dirty="0">
-                <a:hlinkClick r:id="rId2"/>
-              </a:rPr>
-              <a:t> </a:t>
-            </a:r>
-            <a:r>
-              <a:rPr lang="en-US" dirty="0" err="1">
-                <a:hlinkClick r:id="rId2"/>
-              </a:rPr>
-              <a:t>Gechev</a:t>
-            </a:r>
-            <a:r>
-              <a:rPr lang="en-US" dirty="0">
-                <a:hlinkClick r:id="rId2"/>
-              </a:rPr>
-              <a:t> | Angular Blog</a:t>
-            </a:r>
-            <a:endParaRPr lang="en-US" dirty="0"/>
-          </a:p>
-          <a:p>
-            <a:endParaRPr lang="en-US" dirty="0"/>
-          </a:p>
-          <a:p>
-            <a:r>
-              <a:rPr lang="en-US" dirty="0">
-                <a:hlinkClick r:id="rId3"/>
-              </a:rPr>
-              <a:t>Angular - Update Angular to v16</a:t>
-            </a:r>
-            <a:endParaRPr lang="en-US" dirty="0"/>
-          </a:p>
-        </p:txBody>
-      </p:sp>
+            <p:extLst>
+              <p:ext uri="{D42A27DB-BD31-4B8C-83A1-F6EECF244321}">
+                <p14:modId xmlns:p14="http://schemas.microsoft.com/office/powerpoint/2010/main" val="834072781"/>
+              </p:ext>
+            </p:extLst>
+          </p:nvPr>
+        </p:nvGraphicFramePr>
+        <p:xfrm>
+          <a:off x="5108535" y="1070800"/>
+          <a:ext cx="6245265" cy="5589347"/>
+        </p:xfrm>
+        <a:graphic>
+          <a:graphicData uri="http://schemas.openxmlformats.org/drawingml/2006/diagram">
+            <dgm:relIds xmlns:dgm="http://schemas.openxmlformats.org/drawingml/2006/diagram" xmlns:r="http://schemas.openxmlformats.org/officeDocument/2006/relationships" r:dm="rId2" r:lo="rId3" r:qs="rId4" r:cs="rId5"/>
+          </a:graphicData>
+        </a:graphic>
+      </p:graphicFrame>
     </p:spTree>
     <p:extLst>
       <p:ext uri="{BB962C8B-B14F-4D97-AF65-F5344CB8AC3E}">
-        <p14:creationId xmlns:p14="http://schemas.microsoft.com/office/powerpoint/2010/main" val="589078087"/>
+        <p14:creationId xmlns:p14="http://schemas.microsoft.com/office/powerpoint/2010/main" val="1982960553"/>
       </p:ext>
     </p:extLst>
   </p:cSld>
@@ -3484,8 +7645,8 @@
           <a:lstStyle/>
           <a:p>
             <a:r>
-              <a:rPr lang="en-US" dirty="0"/>
-              <a:t>Angular Signals</a:t>
+              <a:rPr lang="en-US" b="1" dirty="0"/>
+              <a:t>Getting started with Signals</a:t>
             </a:r>
           </a:p>
         </p:txBody>
@@ -3500,14 +7661,85 @@
             <p:ph idx="1"/>
           </p:nvPr>
         </p:nvSpPr>
-        <p:spPr/>
+        <p:spPr>
+          <a:xfrm>
+            <a:off x="838200" y="3429001"/>
+            <a:ext cx="10515600" cy="2747962"/>
+          </a:xfrm>
+        </p:spPr>
         <p:txBody>
           <a:bodyPr/>
           <a:lstStyle/>
           <a:p>
             <a:r>
               <a:rPr lang="en-US" dirty="0"/>
-              <a:t>Angular Signals is a system that granularly tracks how and where your state is used throughout an application, allowing the framework to optimize rendering updates.</a:t>
+              <a:t>What &amp; Why?</a:t>
+            </a:r>
+          </a:p>
+          <a:p>
+            <a:r>
+              <a:rPr lang="en-US" dirty="0"/>
+              <a:t>Creating &amp; Using Signals</a:t>
+            </a:r>
+          </a:p>
+          <a:p>
+            <a:r>
+              <a:rPr lang="en-US" dirty="0"/>
+              <a:t>Updating Signal Values</a:t>
+            </a:r>
+          </a:p>
+        </p:txBody>
+      </p:sp>
+      <p:sp>
+        <p:nvSpPr>
+          <p:cNvPr id="4" name="Title 1">
+            <a:extLst>
+              <a:ext uri="{FF2B5EF4-FFF2-40B4-BE49-F238E27FC236}">
+                <a16:creationId xmlns:a16="http://schemas.microsoft.com/office/drawing/2014/main" id="{C0DD7B4C-3A00-7284-ADBC-2F9107BB9EEB}"/>
+              </a:ext>
+            </a:extLst>
+          </p:cNvPr>
+          <p:cNvSpPr txBox="1">
+            <a:spLocks/>
+          </p:cNvSpPr>
+          <p:nvPr/>
+        </p:nvSpPr>
+        <p:spPr>
+          <a:xfrm>
+            <a:off x="838200" y="1690688"/>
+            <a:ext cx="10515600" cy="1325563"/>
+          </a:xfrm>
+          <a:prstGeom prst="rect">
+            <a:avLst/>
+          </a:prstGeom>
+        </p:spPr>
+        <p:txBody>
+          <a:bodyPr vert="horz" lIns="91440" tIns="45720" rIns="91440" bIns="45720" rtlCol="0" anchor="ctr">
+            <a:normAutofit/>
+          </a:bodyPr>
+          <a:lstStyle>
+            <a:lvl1pPr algn="l" defTabSz="914400" rtl="0" eaLnBrk="1" latinLnBrk="0" hangingPunct="1">
+              <a:lnSpc>
+                <a:spcPct val="90000"/>
+              </a:lnSpc>
+              <a:spcBef>
+                <a:spcPct val="0"/>
+              </a:spcBef>
+              <a:buNone/>
+              <a:defRPr sz="4400" kern="1200">
+                <a:solidFill>
+                  <a:schemeClr val="tx1"/>
+                </a:solidFill>
+                <a:latin typeface="+mj-lt"/>
+                <a:ea typeface="+mj-ea"/>
+                <a:cs typeface="+mj-cs"/>
+              </a:defRPr>
+            </a:lvl1pPr>
+          </a:lstStyle>
+          <a:p>
+            <a:r>
+              <a:rPr lang="en-US" sz="3200" b="1" dirty="0"/>
+              <a:t>A different Way Of Detecting Changes</a:t>
             </a:r>
           </a:p>
         </p:txBody>
@@ -3515,7 +7747,7 @@
     </p:spTree>
     <p:extLst>
       <p:ext uri="{BB962C8B-B14F-4D97-AF65-F5344CB8AC3E}">
-        <p14:creationId xmlns:p14="http://schemas.microsoft.com/office/powerpoint/2010/main" val="1982960553"/>
+        <p14:creationId xmlns:p14="http://schemas.microsoft.com/office/powerpoint/2010/main" val="4084345503"/>
       </p:ext>
     </p:extLst>
   </p:cSld>
@@ -3528,6 +7760,14 @@
 <file path=ppt/slides/slide5.xml><?xml version="1.0" encoding="utf-8"?>
 <p:sld xmlns:a="http://schemas.openxmlformats.org/drawingml/2006/main" xmlns:r="http://schemas.openxmlformats.org/officeDocument/2006/relationships" xmlns:p="http://schemas.openxmlformats.org/presentationml/2006/main">
   <p:cSld>
+    <p:bg>
+      <p:bgPr>
+        <a:solidFill>
+          <a:schemeClr val="bg1"/>
+        </a:solidFill>
+        <a:effectLst/>
+      </p:bgPr>
+    </p:bg>
     <p:spTree>
       <p:nvGrpSpPr>
         <p:cNvPr id="1" name=""/>
@@ -3544,6 +7784,132 @@
       </p:grpSpPr>
       <p:sp>
         <p:nvSpPr>
+          <p:cNvPr id="12" name="Rectangle 11">
+            <a:extLst>
+              <a:ext uri="{FF2B5EF4-FFF2-40B4-BE49-F238E27FC236}">
+                <a16:creationId xmlns:a16="http://schemas.microsoft.com/office/drawing/2014/main" id="{6753252F-4873-4F63-801D-CC719279A7D5}"/>
+              </a:ext>
+              <a:ext uri="{C183D7F6-B498-43B3-948B-1728B52AA6E4}">
+                <adec:decorative xmlns:adec="http://schemas.microsoft.com/office/drawing/2017/decorative" val="1"/>
+              </a:ext>
+            </a:extLst>
+          </p:cNvPr>
+          <p:cNvSpPr>
+            <a:spLocks noGrp="1" noRot="1" noChangeAspect="1" noMove="1" noResize="1" noEditPoints="1" noAdjustHandles="1" noChangeArrowheads="1" noChangeShapeType="1" noTextEdit="1"/>
+          </p:cNvSpPr>
+          <p:nvPr>
+            <p:extLst>
+              <p:ext uri="{386F3935-93C4-4BCD-93E2-E3B085C9AB24}">
+                <p16:designElem xmlns:p16="http://schemas.microsoft.com/office/powerpoint/2015/main" val="1"/>
+              </p:ext>
+            </p:extLst>
+          </p:nvPr>
+        </p:nvSpPr>
+        <p:spPr>
+          <a:xfrm>
+            <a:off x="0" y="0"/>
+            <a:ext cx="12192000" cy="6858000"/>
+          </a:xfrm>
+          <a:prstGeom prst="rect">
+            <a:avLst/>
+          </a:prstGeom>
+          <a:solidFill>
+            <a:srgbClr val="FFFFFF"/>
+          </a:solidFill>
+          <a:ln>
+            <a:noFill/>
+          </a:ln>
+        </p:spPr>
+        <p:style>
+          <a:lnRef idx="2">
+            <a:schemeClr val="accent1">
+              <a:shade val="50000"/>
+            </a:schemeClr>
+          </a:lnRef>
+          <a:fillRef idx="1">
+            <a:schemeClr val="accent1"/>
+          </a:fillRef>
+          <a:effectRef idx="0">
+            <a:schemeClr val="accent1"/>
+          </a:effectRef>
+          <a:fontRef idx="minor">
+            <a:schemeClr val="lt1"/>
+          </a:fontRef>
+        </p:style>
+        <p:txBody>
+          <a:bodyPr rtlCol="0" anchor="ctr"/>
+          <a:lstStyle/>
+          <a:p>
+            <a:pPr algn="ctr"/>
+            <a:endParaRPr lang="en-US"/>
+          </a:p>
+        </p:txBody>
+      </p:sp>
+      <p:sp>
+        <p:nvSpPr>
+          <p:cNvPr id="14" name="Rectangle 13">
+            <a:extLst>
+              <a:ext uri="{FF2B5EF4-FFF2-40B4-BE49-F238E27FC236}">
+                <a16:creationId xmlns:a16="http://schemas.microsoft.com/office/drawing/2014/main" id="{047C8CCB-F95D-4249-92DD-651249D3535A}"/>
+              </a:ext>
+              <a:ext uri="{C183D7F6-B498-43B3-948B-1728B52AA6E4}">
+                <adec:decorative xmlns:adec="http://schemas.microsoft.com/office/drawing/2017/decorative" val="1"/>
+              </a:ext>
+            </a:extLst>
+          </p:cNvPr>
+          <p:cNvSpPr>
+            <a:spLocks noGrp="1" noRot="1" noChangeAspect="1" noMove="1" noResize="1" noEditPoints="1" noAdjustHandles="1" noChangeArrowheads="1" noChangeShapeType="1" noTextEdit="1"/>
+          </p:cNvSpPr>
+          <p:nvPr>
+            <p:extLst>
+              <p:ext uri="{386F3935-93C4-4BCD-93E2-E3B085C9AB24}">
+                <p16:designElem xmlns:p16="http://schemas.microsoft.com/office/powerpoint/2015/main" val="1"/>
+              </p:ext>
+            </p:extLst>
+          </p:nvPr>
+        </p:nvSpPr>
+        <p:spPr>
+          <a:xfrm>
+            <a:off x="0" y="0"/>
+            <a:ext cx="2013557" cy="6858000"/>
+          </a:xfrm>
+          <a:prstGeom prst="rect">
+            <a:avLst/>
+          </a:prstGeom>
+          <a:solidFill>
+            <a:srgbClr val="48395B"/>
+          </a:solidFill>
+          <a:ln>
+            <a:noFill/>
+          </a:ln>
+        </p:spPr>
+        <p:style>
+          <a:lnRef idx="2">
+            <a:schemeClr val="accent1">
+              <a:shade val="50000"/>
+            </a:schemeClr>
+          </a:lnRef>
+          <a:fillRef idx="1">
+            <a:schemeClr val="accent1"/>
+          </a:fillRef>
+          <a:effectRef idx="0">
+            <a:schemeClr val="accent1"/>
+          </a:effectRef>
+          <a:fontRef idx="minor">
+            <a:schemeClr val="lt1"/>
+          </a:fontRef>
+        </p:style>
+        <p:txBody>
+          <a:bodyPr rtlCol="0" anchor="ctr"/>
+          <a:lstStyle/>
+          <a:p>
+            <a:pPr algn="ctr"/>
+            <a:endParaRPr lang="en-US"/>
+          </a:p>
+        </p:txBody>
+      </p:sp>
+      <p:sp>
+        <p:nvSpPr>
           <p:cNvPr id="2" name="Title 1"/>
           <p:cNvSpPr>
             <a:spLocks noGrp="1"/>
@@ -3552,75 +7918,80 @@
             <p:ph type="title"/>
           </p:nvPr>
         </p:nvSpPr>
-        <p:spPr/>
-        <p:txBody>
-          <a:bodyPr/>
+        <p:spPr>
+          <a:xfrm>
+            <a:off x="640080" y="2074363"/>
+            <a:ext cx="2752354" cy="2709275"/>
+          </a:xfrm>
+          <a:prstGeom prst="ellipse">
+            <a:avLst/>
+          </a:prstGeom>
+          <a:solidFill>
+            <a:srgbClr val="262626"/>
+          </a:solidFill>
+          <a:ln w="174625" cmpd="thinThick">
+            <a:solidFill>
+              <a:srgbClr val="262626"/>
+            </a:solidFill>
+          </a:ln>
+        </p:spPr>
+        <p:txBody>
+          <a:bodyPr vert="horz" lIns="91440" tIns="45720" rIns="91440" bIns="45720" rtlCol="0" anchor="ctr">
+            <a:normAutofit/>
+          </a:bodyPr>
           <a:lstStyle/>
           <a:p>
-            <a:r>
-              <a:rPr lang="en-US" dirty="0"/>
-              <a:t>What are signals?</a:t>
-            </a:r>
-          </a:p>
-        </p:txBody>
-      </p:sp>
-      <p:sp>
-        <p:nvSpPr>
-          <p:cNvPr id="3" name="Content Placeholder 2"/>
-          <p:cNvSpPr>
-            <a:spLocks noGrp="1"/>
-          </p:cNvSpPr>
+            <a:pPr algn="ctr"/>
+            <a:r>
+              <a:rPr lang="en-US" sz="2600" kern="1200">
+                <a:solidFill>
+                  <a:srgbClr val="FFFFFF"/>
+                </a:solidFill>
+                <a:latin typeface="+mj-lt"/>
+                <a:ea typeface="+mj-ea"/>
+                <a:cs typeface="+mj-cs"/>
+              </a:rPr>
+              <a:t>Signals: What &amp;Why</a:t>
+            </a:r>
+          </a:p>
+        </p:txBody>
+      </p:sp>
+      <p:pic>
+        <p:nvPicPr>
+          <p:cNvPr id="5" name="Content Placeholder 4">
+            <a:extLst>
+              <a:ext uri="{FF2B5EF4-FFF2-40B4-BE49-F238E27FC236}">
+                <a16:creationId xmlns:a16="http://schemas.microsoft.com/office/drawing/2014/main" id="{3472D994-A307-647E-47EE-920F8A4B9066}"/>
+              </a:ext>
+            </a:extLst>
+          </p:cNvPr>
+          <p:cNvPicPr>
+            <a:picLocks noGrp="1" noChangeAspect="1"/>
+          </p:cNvPicPr>
           <p:nvPr>
             <p:ph idx="1"/>
           </p:nvPr>
-        </p:nvSpPr>
-        <p:spPr/>
-        <p:txBody>
-          <a:bodyPr/>
-          <a:lstStyle/>
-          <a:p>
-            <a:r>
-              <a:rPr lang="en-US" dirty="0"/>
-              <a:t>A signal is a wrapper around a value that can notify interested consumers when that value changes. Signals can contain any value, from simple primitives to complex data structures.</a:t>
-            </a:r>
-          </a:p>
-          <a:p>
-            <a:r>
-              <a:rPr lang="en-US" dirty="0"/>
-              <a:t>A signal's value is always read through a getter function, which allows Angular to track where the signal is used.</a:t>
-            </a:r>
-          </a:p>
-          <a:p>
-            <a:r>
-              <a:rPr lang="en-US" dirty="0"/>
-              <a:t>Signals may be either </a:t>
-            </a:r>
-            <a:r>
-              <a:rPr lang="en-US" i="1" dirty="0"/>
-              <a:t>writable</a:t>
-            </a:r>
-            <a:r>
-              <a:rPr lang="en-US" dirty="0"/>
-              <a:t> or </a:t>
-            </a:r>
-            <a:r>
-              <a:rPr lang="en-US" i="1" dirty="0"/>
-              <a:t>read-only</a:t>
-            </a:r>
-            <a:r>
-              <a:rPr lang="en-US" dirty="0"/>
-              <a:t>.</a:t>
-            </a:r>
-          </a:p>
-          <a:p>
-            <a:endParaRPr lang="en-US" dirty="0"/>
-          </a:p>
-        </p:txBody>
-      </p:sp>
+        </p:nvPicPr>
+        <p:blipFill>
+          <a:blip r:embed="rId2"/>
+          <a:stretch>
+            <a:fillRect/>
+          </a:stretch>
+        </p:blipFill>
+        <p:spPr>
+          <a:xfrm>
+            <a:off x="4038600" y="1765035"/>
+            <a:ext cx="7188199" cy="3324541"/>
+          </a:xfrm>
+          <a:prstGeom prst="rect">
+            <a:avLst/>
+          </a:prstGeom>
+        </p:spPr>
+      </p:pic>
     </p:spTree>
     <p:extLst>
       <p:ext uri="{BB962C8B-B14F-4D97-AF65-F5344CB8AC3E}">
-        <p14:creationId xmlns:p14="http://schemas.microsoft.com/office/powerpoint/2010/main" val="4084345503"/>
+        <p14:creationId xmlns:p14="http://schemas.microsoft.com/office/powerpoint/2010/main" val="1196785201"/>
       </p:ext>
     </p:extLst>
   </p:cSld>
@@ -3657,7 +8028,12 @@
             <p:ph type="title"/>
           </p:nvPr>
         </p:nvSpPr>
-        <p:spPr/>
+        <p:spPr>
+          <a:xfrm>
+            <a:off x="838200" y="114300"/>
+            <a:ext cx="10515600" cy="885826"/>
+          </a:xfrm>
+        </p:spPr>
         <p:txBody>
           <a:bodyPr>
             <a:normAutofit/>
@@ -3665,13 +8041,9 @@
           <a:lstStyle/>
           <a:p>
             <a:r>
-              <a:rPr lang="en-US" dirty="0"/>
-              <a:t>Writable signals</a:t>
-            </a:r>
-            <a:br>
-              <a:rPr lang="en-US" dirty="0"/>
-            </a:br>
-            <a:endParaRPr lang="en-US" sz="2700" dirty="0"/>
+              <a:rPr lang="en-US" sz="3600" b="1" dirty="0"/>
+              <a:t>Signals vs “Classic Change Detection”</a:t>
+            </a:r>
           </a:p>
         </p:txBody>
       </p:sp>
@@ -3685,49 +8057,386 @@
             <p:ph idx="1"/>
           </p:nvPr>
         </p:nvSpPr>
-        <p:spPr/>
+        <p:spPr>
+          <a:xfrm>
+            <a:off x="457200" y="1385888"/>
+            <a:ext cx="5143500" cy="4791075"/>
+          </a:xfrm>
+        </p:spPr>
         <p:txBody>
           <a:bodyPr>
             <a:normAutofit/>
           </a:bodyPr>
           <a:lstStyle/>
           <a:p>
-            <a:r>
-              <a:rPr lang="en-US" sz="2400" dirty="0"/>
-              <a:t>Writable signals provide an API for updating their values directly. You create writable signals by calling the signal function with the signal's initial value:</a:t>
-            </a:r>
-          </a:p>
-          <a:p>
-            <a:r>
-              <a:rPr lang="en-US" sz="2400" dirty="0"/>
-              <a:t>Example:</a:t>
-            </a:r>
-          </a:p>
-          <a:p>
-            <a:pPr marL="457200" lvl="1" indent="0">
+            <a:pPr marL="0" indent="0">
               <a:buNone/>
             </a:pPr>
             <a:r>
+              <a:rPr lang="en-US" sz="2000" b="1" dirty="0"/>
+              <a:t>Classic Change Detection</a:t>
+            </a:r>
+          </a:p>
+          <a:p>
+            <a:pPr marL="0" indent="0">
+              <a:buNone/>
+            </a:pPr>
+            <a:r>
               <a:rPr lang="en-US" sz="2000" dirty="0"/>
-              <a:t>const count = signal(0);</a:t>
-            </a:r>
-          </a:p>
-          <a:p>
-            <a:pPr marL="457200" lvl="1" indent="0">
+              <a:t>(“Zone-based Change Detection”)</a:t>
+            </a:r>
+          </a:p>
+          <a:p>
+            <a:pPr marL="0" indent="0">
               <a:buNone/>
             </a:pPr>
+            <a:endParaRPr lang="en-US" sz="2000" dirty="0"/>
+          </a:p>
+          <a:p>
+            <a:pPr marL="0" indent="0">
+              <a:buNone/>
+            </a:pPr>
             <a:r>
               <a:rPr lang="en-US" sz="2000" dirty="0"/>
-              <a:t>// Signals are getter functions - calling them reads their value.</a:t>
-            </a:r>
-          </a:p>
-          <a:p>
-            <a:pPr marL="457200" lvl="1" indent="0">
+              <a:t>Changes are detected automatically</a:t>
+            </a:r>
+          </a:p>
+          <a:p>
+            <a:pPr marL="0" indent="0">
               <a:buNone/>
             </a:pPr>
+            <a:endParaRPr lang="en-US" sz="2000" dirty="0"/>
+          </a:p>
+          <a:p>
+            <a:pPr marL="0" indent="0">
+              <a:buNone/>
+            </a:pPr>
             <a:r>
               <a:rPr lang="en-US" sz="2000" dirty="0"/>
-              <a:t>console.log('The count is: ' + count());</a:t>
+              <a:t>UI is updated automatically</a:t>
+            </a:r>
+          </a:p>
+          <a:p>
+            <a:pPr marL="0" indent="0">
+              <a:buNone/>
+            </a:pPr>
+            <a:endParaRPr lang="en-US" sz="2000" dirty="0"/>
+          </a:p>
+          <a:p>
+            <a:pPr marL="0" indent="0">
+              <a:buNone/>
+            </a:pPr>
+            <a:r>
+              <a:rPr lang="en-US" sz="2000" b="1" dirty="0">
+                <a:solidFill>
+                  <a:schemeClr val="bg1"/>
+                </a:solidFill>
+                <a:highlight>
+                  <a:srgbClr val="000080"/>
+                </a:highlight>
+              </a:rPr>
+              <a:t>Sounds perfect, right?</a:t>
+            </a:r>
+          </a:p>
+          <a:p>
+            <a:pPr marL="0" indent="0">
+              <a:buNone/>
+            </a:pPr>
+            <a:r>
+              <a:rPr lang="en-US" sz="2000" b="1" dirty="0">
+                <a:solidFill>
+                  <a:schemeClr val="bg1"/>
+                </a:solidFill>
+                <a:highlight>
+                  <a:srgbClr val="FF0000"/>
+                </a:highlight>
+              </a:rPr>
+              <a:t>Performance could be better &amp; bundle size is increased!</a:t>
+            </a:r>
+          </a:p>
+        </p:txBody>
+      </p:sp>
+      <p:sp>
+        <p:nvSpPr>
+          <p:cNvPr id="5" name="Content Placeholder 2">
+            <a:extLst>
+              <a:ext uri="{FF2B5EF4-FFF2-40B4-BE49-F238E27FC236}">
+                <a16:creationId xmlns:a16="http://schemas.microsoft.com/office/drawing/2014/main" id="{93D06C66-7101-E152-11B7-DD88C2DD028F}"/>
+              </a:ext>
+            </a:extLst>
+          </p:cNvPr>
+          <p:cNvSpPr txBox="1">
+            <a:spLocks/>
+          </p:cNvSpPr>
+          <p:nvPr/>
+        </p:nvSpPr>
+        <p:spPr>
+          <a:xfrm>
+            <a:off x="6324600" y="1385888"/>
+            <a:ext cx="5143500" cy="4862512"/>
+          </a:xfrm>
+          <a:prstGeom prst="rect">
+            <a:avLst/>
+          </a:prstGeom>
+        </p:spPr>
+        <p:txBody>
+          <a:bodyPr vert="horz" lIns="91440" tIns="45720" rIns="91440" bIns="45720" rtlCol="0">
+            <a:normAutofit/>
+          </a:bodyPr>
+          <a:lstStyle>
+            <a:lvl1pPr marL="228600" indent="-228600" algn="l" defTabSz="914400" rtl="0" eaLnBrk="1" latinLnBrk="0" hangingPunct="1">
+              <a:lnSpc>
+                <a:spcPct val="90000"/>
+              </a:lnSpc>
+              <a:spcBef>
+                <a:spcPts val="1000"/>
+              </a:spcBef>
+              <a:buFont typeface="Arial" panose="020B0604020202020204" pitchFamily="34" charset="0"/>
+              <a:buChar char="•"/>
+              <a:defRPr sz="2800" kern="1200">
+                <a:solidFill>
+                  <a:schemeClr val="tx1"/>
+                </a:solidFill>
+                <a:latin typeface="+mn-lt"/>
+                <a:ea typeface="+mn-ea"/>
+                <a:cs typeface="+mn-cs"/>
+              </a:defRPr>
+            </a:lvl1pPr>
+            <a:lvl2pPr marL="685800" indent="-228600" algn="l" defTabSz="914400" rtl="0" eaLnBrk="1" latinLnBrk="0" hangingPunct="1">
+              <a:lnSpc>
+                <a:spcPct val="90000"/>
+              </a:lnSpc>
+              <a:spcBef>
+                <a:spcPts val="500"/>
+              </a:spcBef>
+              <a:buFont typeface="Arial" panose="020B0604020202020204" pitchFamily="34" charset="0"/>
+              <a:buChar char="•"/>
+              <a:defRPr sz="2400" kern="1200">
+                <a:solidFill>
+                  <a:schemeClr val="tx1"/>
+                </a:solidFill>
+                <a:latin typeface="+mn-lt"/>
+                <a:ea typeface="+mn-ea"/>
+                <a:cs typeface="+mn-cs"/>
+              </a:defRPr>
+            </a:lvl2pPr>
+            <a:lvl3pPr marL="1143000" indent="-228600" algn="l" defTabSz="914400" rtl="0" eaLnBrk="1" latinLnBrk="0" hangingPunct="1">
+              <a:lnSpc>
+                <a:spcPct val="90000"/>
+              </a:lnSpc>
+              <a:spcBef>
+                <a:spcPts val="500"/>
+              </a:spcBef>
+              <a:buFont typeface="Arial" panose="020B0604020202020204" pitchFamily="34" charset="0"/>
+              <a:buChar char="•"/>
+              <a:defRPr sz="2000" kern="1200">
+                <a:solidFill>
+                  <a:schemeClr val="tx1"/>
+                </a:solidFill>
+                <a:latin typeface="+mn-lt"/>
+                <a:ea typeface="+mn-ea"/>
+                <a:cs typeface="+mn-cs"/>
+              </a:defRPr>
+            </a:lvl3pPr>
+            <a:lvl4pPr marL="1600200" indent="-228600" algn="l" defTabSz="914400" rtl="0" eaLnBrk="1" latinLnBrk="0" hangingPunct="1">
+              <a:lnSpc>
+                <a:spcPct val="90000"/>
+              </a:lnSpc>
+              <a:spcBef>
+                <a:spcPts val="500"/>
+              </a:spcBef>
+              <a:buFont typeface="Arial" panose="020B0604020202020204" pitchFamily="34" charset="0"/>
+              <a:buChar char="•"/>
+              <a:defRPr sz="1800" kern="1200">
+                <a:solidFill>
+                  <a:schemeClr val="tx1"/>
+                </a:solidFill>
+                <a:latin typeface="+mn-lt"/>
+                <a:ea typeface="+mn-ea"/>
+                <a:cs typeface="+mn-cs"/>
+              </a:defRPr>
+            </a:lvl4pPr>
+            <a:lvl5pPr marL="2057400" indent="-228600" algn="l" defTabSz="914400" rtl="0" eaLnBrk="1" latinLnBrk="0" hangingPunct="1">
+              <a:lnSpc>
+                <a:spcPct val="90000"/>
+              </a:lnSpc>
+              <a:spcBef>
+                <a:spcPts val="500"/>
+              </a:spcBef>
+              <a:buFont typeface="Arial" panose="020B0604020202020204" pitchFamily="34" charset="0"/>
+              <a:buChar char="•"/>
+              <a:defRPr sz="1800" kern="1200">
+                <a:solidFill>
+                  <a:schemeClr val="tx1"/>
+                </a:solidFill>
+                <a:latin typeface="+mn-lt"/>
+                <a:ea typeface="+mn-ea"/>
+                <a:cs typeface="+mn-cs"/>
+              </a:defRPr>
+            </a:lvl5pPr>
+            <a:lvl6pPr marL="2514600" indent="-228600" algn="l" defTabSz="914400" rtl="0" eaLnBrk="1" latinLnBrk="0" hangingPunct="1">
+              <a:lnSpc>
+                <a:spcPct val="90000"/>
+              </a:lnSpc>
+              <a:spcBef>
+                <a:spcPts val="500"/>
+              </a:spcBef>
+              <a:buFont typeface="Arial" panose="020B0604020202020204" pitchFamily="34" charset="0"/>
+              <a:buChar char="•"/>
+              <a:defRPr sz="1800" kern="1200">
+                <a:solidFill>
+                  <a:schemeClr val="tx1"/>
+                </a:solidFill>
+                <a:latin typeface="+mn-lt"/>
+                <a:ea typeface="+mn-ea"/>
+                <a:cs typeface="+mn-cs"/>
+              </a:defRPr>
+            </a:lvl6pPr>
+            <a:lvl7pPr marL="2971800" indent="-228600" algn="l" defTabSz="914400" rtl="0" eaLnBrk="1" latinLnBrk="0" hangingPunct="1">
+              <a:lnSpc>
+                <a:spcPct val="90000"/>
+              </a:lnSpc>
+              <a:spcBef>
+                <a:spcPts val="500"/>
+              </a:spcBef>
+              <a:buFont typeface="Arial" panose="020B0604020202020204" pitchFamily="34" charset="0"/>
+              <a:buChar char="•"/>
+              <a:defRPr sz="1800" kern="1200">
+                <a:solidFill>
+                  <a:schemeClr val="tx1"/>
+                </a:solidFill>
+                <a:latin typeface="+mn-lt"/>
+                <a:ea typeface="+mn-ea"/>
+                <a:cs typeface="+mn-cs"/>
+              </a:defRPr>
+            </a:lvl7pPr>
+            <a:lvl8pPr marL="3429000" indent="-228600" algn="l" defTabSz="914400" rtl="0" eaLnBrk="1" latinLnBrk="0" hangingPunct="1">
+              <a:lnSpc>
+                <a:spcPct val="90000"/>
+              </a:lnSpc>
+              <a:spcBef>
+                <a:spcPts val="500"/>
+              </a:spcBef>
+              <a:buFont typeface="Arial" panose="020B0604020202020204" pitchFamily="34" charset="0"/>
+              <a:buChar char="•"/>
+              <a:defRPr sz="1800" kern="1200">
+                <a:solidFill>
+                  <a:schemeClr val="tx1"/>
+                </a:solidFill>
+                <a:latin typeface="+mn-lt"/>
+                <a:ea typeface="+mn-ea"/>
+                <a:cs typeface="+mn-cs"/>
+              </a:defRPr>
+            </a:lvl8pPr>
+            <a:lvl9pPr marL="3886200" indent="-228600" algn="l" defTabSz="914400" rtl="0" eaLnBrk="1" latinLnBrk="0" hangingPunct="1">
+              <a:lnSpc>
+                <a:spcPct val="90000"/>
+              </a:lnSpc>
+              <a:spcBef>
+                <a:spcPts val="500"/>
+              </a:spcBef>
+              <a:buFont typeface="Arial" panose="020B0604020202020204" pitchFamily="34" charset="0"/>
+              <a:buChar char="•"/>
+              <a:defRPr sz="1800" kern="1200">
+                <a:solidFill>
+                  <a:schemeClr val="tx1"/>
+                </a:solidFill>
+                <a:latin typeface="+mn-lt"/>
+                <a:ea typeface="+mn-ea"/>
+                <a:cs typeface="+mn-cs"/>
+              </a:defRPr>
+            </a:lvl9pPr>
+          </a:lstStyle>
+          <a:p>
+            <a:pPr marL="0" indent="0">
+              <a:buFont typeface="Arial" panose="020B0604020202020204" pitchFamily="34" charset="0"/>
+              <a:buNone/>
+            </a:pPr>
+            <a:r>
+              <a:rPr lang="en-US" sz="2000" b="1" dirty="0"/>
+              <a:t>Signals</a:t>
+            </a:r>
+          </a:p>
+          <a:p>
+            <a:pPr marL="0" indent="0">
+              <a:buFont typeface="Arial" panose="020B0604020202020204" pitchFamily="34" charset="0"/>
+              <a:buNone/>
+            </a:pPr>
+            <a:r>
+              <a:rPr lang="en-US" sz="2000" dirty="0"/>
+              <a:t>(Added as “Developer Preview” in V16)</a:t>
+            </a:r>
+          </a:p>
+          <a:p>
+            <a:pPr marL="0" indent="0">
+              <a:buFont typeface="Arial" panose="020B0604020202020204" pitchFamily="34" charset="0"/>
+              <a:buNone/>
+            </a:pPr>
+            <a:endParaRPr lang="en-US" sz="2000" dirty="0"/>
+          </a:p>
+          <a:p>
+            <a:pPr marL="0" indent="0">
+              <a:buFont typeface="Arial" panose="020B0604020202020204" pitchFamily="34" charset="0"/>
+              <a:buNone/>
+            </a:pPr>
+            <a:r>
+              <a:rPr lang="en-US" sz="2000" dirty="0"/>
+              <a:t>No automatic change detection -- &gt; You “tell” Angular when data changes</a:t>
+            </a:r>
+          </a:p>
+          <a:p>
+            <a:pPr marL="0" indent="0">
+              <a:buFont typeface="Arial" panose="020B0604020202020204" pitchFamily="34" charset="0"/>
+              <a:buNone/>
+            </a:pPr>
+            <a:endParaRPr lang="en-US" sz="2000" dirty="0"/>
+          </a:p>
+          <a:p>
+            <a:pPr marL="0" indent="0">
+              <a:buFont typeface="Arial" panose="020B0604020202020204" pitchFamily="34" charset="0"/>
+              <a:buNone/>
+            </a:pPr>
+            <a:r>
+              <a:rPr lang="en-US" sz="2000" dirty="0"/>
+              <a:t>Angular updates only the parts of the UI where the data (“signal”) is used</a:t>
+            </a:r>
+          </a:p>
+          <a:p>
+            <a:pPr marL="0" indent="0">
+              <a:buFont typeface="Arial" panose="020B0604020202020204" pitchFamily="34" charset="0"/>
+              <a:buNone/>
+            </a:pPr>
+            <a:endParaRPr lang="en-US" sz="2000" dirty="0"/>
+          </a:p>
+          <a:p>
+            <a:pPr marL="0" indent="0">
+              <a:buFont typeface="Arial" panose="020B0604020202020204" pitchFamily="34" charset="0"/>
+              <a:buNone/>
+            </a:pPr>
+            <a:r>
+              <a:rPr lang="en-US" sz="2000" b="1" dirty="0">
+                <a:solidFill>
+                  <a:schemeClr val="bg1"/>
+                </a:solidFill>
+                <a:highlight>
+                  <a:srgbClr val="800080"/>
+                </a:highlight>
+              </a:rPr>
+              <a:t>Slightly more work</a:t>
+            </a:r>
+          </a:p>
+          <a:p>
+            <a:pPr marL="0" indent="0">
+              <a:buFont typeface="Arial" panose="020B0604020202020204" pitchFamily="34" charset="0"/>
+              <a:buNone/>
+            </a:pPr>
+            <a:r>
+              <a:rPr lang="en-US" sz="2000" b="1" dirty="0">
+                <a:highlight>
+                  <a:srgbClr val="00FFFF"/>
+                </a:highlight>
+              </a:rPr>
+              <a:t>But full control, better performance &amp; smaller bundle</a:t>
             </a:r>
           </a:p>
         </p:txBody>
@@ -3735,7 +8444,950 @@
     </p:spTree>
     <p:extLst>
       <p:ext uri="{BB962C8B-B14F-4D97-AF65-F5344CB8AC3E}">
-        <p14:creationId xmlns:p14="http://schemas.microsoft.com/office/powerpoint/2010/main" val="4238330882"/>
+        <p14:creationId xmlns:p14="http://schemas.microsoft.com/office/powerpoint/2010/main" val="2137493009"/>
+      </p:ext>
+    </p:extLst>
+  </p:cSld>
+  <p:clrMapOvr>
+    <a:masterClrMapping/>
+  </p:clrMapOvr>
+</p:sld>
+</file>
+
+<file path=ppt/slides/slide7.xml><?xml version="1.0" encoding="utf-8"?>
+<p:sld xmlns:a="http://schemas.openxmlformats.org/drawingml/2006/main" xmlns:r="http://schemas.openxmlformats.org/officeDocument/2006/relationships" xmlns:p="http://schemas.openxmlformats.org/presentationml/2006/main">
+  <p:cSld>
+    <p:bg>
+      <p:bgPr>
+        <a:solidFill>
+          <a:schemeClr val="bg1"/>
+        </a:solidFill>
+        <a:effectLst/>
+      </p:bgPr>
+    </p:bg>
+    <p:spTree>
+      <p:nvGrpSpPr>
+        <p:cNvPr id="1" name=""/>
+        <p:cNvGrpSpPr/>
+        <p:nvPr/>
+      </p:nvGrpSpPr>
+      <p:grpSpPr>
+        <a:xfrm>
+          <a:off x="0" y="0"/>
+          <a:ext cx="0" cy="0"/>
+          <a:chOff x="0" y="0"/>
+          <a:chExt cx="0" cy="0"/>
+        </a:xfrm>
+      </p:grpSpPr>
+      <p:sp>
+        <p:nvSpPr>
+          <p:cNvPr id="16" name="Flowchart: Document 11">
+            <a:extLst>
+              <a:ext uri="{FF2B5EF4-FFF2-40B4-BE49-F238E27FC236}">
+                <a16:creationId xmlns:a16="http://schemas.microsoft.com/office/drawing/2014/main" id="{D12DDE76-C203-4047-9998-63900085B5E8}"/>
+              </a:ext>
+              <a:ext uri="{C183D7F6-B498-43B3-948B-1728B52AA6E4}">
+                <adec:decorative xmlns:adec="http://schemas.microsoft.com/office/drawing/2017/decorative" val="1"/>
+              </a:ext>
+            </a:extLst>
+          </p:cNvPr>
+          <p:cNvSpPr>
+            <a:spLocks noGrp="1" noRot="1" noChangeAspect="1" noMove="1" noResize="1" noEditPoints="1" noAdjustHandles="1" noChangeArrowheads="1" noChangeShapeType="1" noTextEdit="1"/>
+          </p:cNvSpPr>
+          <p:nvPr>
+            <p:extLst>
+              <p:ext uri="{386F3935-93C4-4BCD-93E2-E3B085C9AB24}">
+                <p16:designElem xmlns:p16="http://schemas.microsoft.com/office/powerpoint/2015/main" val="1"/>
+              </p:ext>
+            </p:extLst>
+          </p:nvPr>
+        </p:nvSpPr>
+        <p:spPr>
+          <a:xfrm>
+            <a:off x="638175" y="0"/>
+            <a:ext cx="3248025" cy="3400426"/>
+          </a:xfrm>
+          <a:prstGeom prst="flowChartDocument">
+            <a:avLst/>
+          </a:prstGeom>
+          <a:solidFill>
+            <a:srgbClr val="406D39"/>
+          </a:solidFill>
+          <a:ln>
+            <a:noFill/>
+          </a:ln>
+        </p:spPr>
+        <p:style>
+          <a:lnRef idx="2">
+            <a:schemeClr val="accent1">
+              <a:shade val="50000"/>
+            </a:schemeClr>
+          </a:lnRef>
+          <a:fillRef idx="1">
+            <a:schemeClr val="accent1"/>
+          </a:fillRef>
+          <a:effectRef idx="0">
+            <a:schemeClr val="accent1"/>
+          </a:effectRef>
+          <a:fontRef idx="minor">
+            <a:schemeClr val="lt1"/>
+          </a:fontRef>
+        </p:style>
+        <p:txBody>
+          <a:bodyPr rtlCol="0" anchor="ctr"/>
+          <a:lstStyle/>
+          <a:p>
+            <a:pPr algn="ctr"/>
+            <a:endParaRPr lang="en-US"/>
+          </a:p>
+        </p:txBody>
+      </p:sp>
+      <p:sp>
+        <p:nvSpPr>
+          <p:cNvPr id="2" name="Title 1"/>
+          <p:cNvSpPr>
+            <a:spLocks noGrp="1"/>
+          </p:cNvSpPr>
+          <p:nvPr>
+            <p:ph type="title"/>
+          </p:nvPr>
+        </p:nvSpPr>
+        <p:spPr>
+          <a:xfrm>
+            <a:off x="838200" y="171162"/>
+            <a:ext cx="2840182" cy="2371148"/>
+          </a:xfrm>
+        </p:spPr>
+        <p:txBody>
+          <a:bodyPr vert="horz" lIns="91440" tIns="45720" rIns="91440" bIns="45720" rtlCol="0" anchor="ctr">
+            <a:normAutofit/>
+          </a:bodyPr>
+          <a:lstStyle/>
+          <a:p>
+            <a:r>
+              <a:rPr lang="en-US" sz="3200" b="1" kern="1200">
+                <a:solidFill>
+                  <a:srgbClr val="FFFFFF"/>
+                </a:solidFill>
+                <a:latin typeface="+mj-lt"/>
+                <a:ea typeface="+mj-ea"/>
+                <a:cs typeface="+mj-cs"/>
+              </a:rPr>
+              <a:t>Create &amp; Use Signals</a:t>
+            </a:r>
+          </a:p>
+        </p:txBody>
+      </p:sp>
+      <p:pic>
+        <p:nvPicPr>
+          <p:cNvPr id="7" name="Content Placeholder 6">
+            <a:extLst>
+              <a:ext uri="{FF2B5EF4-FFF2-40B4-BE49-F238E27FC236}">
+                <a16:creationId xmlns:a16="http://schemas.microsoft.com/office/drawing/2014/main" id="{B424958D-CEBF-B638-DD4E-B160180AE565}"/>
+              </a:ext>
+            </a:extLst>
+          </p:cNvPr>
+          <p:cNvPicPr>
+            <a:picLocks noGrp="1" noChangeAspect="1"/>
+          </p:cNvPicPr>
+          <p:nvPr>
+            <p:ph idx="1"/>
+          </p:nvPr>
+        </p:nvPicPr>
+        <p:blipFill>
+          <a:blip r:embed="rId2"/>
+          <a:stretch>
+            <a:fillRect/>
+          </a:stretch>
+        </p:blipFill>
+        <p:spPr>
+          <a:xfrm>
+            <a:off x="4207933" y="1730370"/>
+            <a:ext cx="7347537" cy="3398235"/>
+          </a:xfrm>
+          <a:prstGeom prst="rect">
+            <a:avLst/>
+          </a:prstGeom>
+        </p:spPr>
+      </p:pic>
+    </p:spTree>
+    <p:extLst>
+      <p:ext uri="{BB962C8B-B14F-4D97-AF65-F5344CB8AC3E}">
+        <p14:creationId xmlns:p14="http://schemas.microsoft.com/office/powerpoint/2010/main" val="3357030992"/>
+      </p:ext>
+    </p:extLst>
+  </p:cSld>
+  <p:clrMapOvr>
+    <a:masterClrMapping/>
+  </p:clrMapOvr>
+</p:sld>
+</file>
+
+<file path=ppt/slides/slide8.xml><?xml version="1.0" encoding="utf-8"?>
+<p:sld xmlns:a="http://schemas.openxmlformats.org/drawingml/2006/main" xmlns:r="http://schemas.openxmlformats.org/officeDocument/2006/relationships" xmlns:p="http://schemas.openxmlformats.org/presentationml/2006/main">
+  <p:cSld>
+    <p:bg>
+      <p:bgPr>
+        <a:solidFill>
+          <a:schemeClr val="bg1"/>
+        </a:solidFill>
+        <a:effectLst/>
+      </p:bgPr>
+    </p:bg>
+    <p:spTree>
+      <p:nvGrpSpPr>
+        <p:cNvPr id="1" name=""/>
+        <p:cNvGrpSpPr/>
+        <p:nvPr/>
+      </p:nvGrpSpPr>
+      <p:grpSpPr>
+        <a:xfrm>
+          <a:off x="0" y="0"/>
+          <a:ext cx="0" cy="0"/>
+          <a:chOff x="0" y="0"/>
+          <a:chExt cx="0" cy="0"/>
+        </a:xfrm>
+      </p:grpSpPr>
+      <p:sp useBgFill="1">
+        <p:nvSpPr>
+          <p:cNvPr id="21" name="Rectangle 20">
+            <a:extLst>
+              <a:ext uri="{FF2B5EF4-FFF2-40B4-BE49-F238E27FC236}">
+                <a16:creationId xmlns:a16="http://schemas.microsoft.com/office/drawing/2014/main" id="{A8384FB5-9ADC-4DDC-881B-597D56F5B15D}"/>
+              </a:ext>
+              <a:ext uri="{C183D7F6-B498-43B3-948B-1728B52AA6E4}">
+                <adec:decorative xmlns:adec="http://schemas.microsoft.com/office/drawing/2017/decorative" val="1"/>
+              </a:ext>
+            </a:extLst>
+          </p:cNvPr>
+          <p:cNvSpPr>
+            <a:spLocks noGrp="1" noRot="1" noChangeAspect="1" noMove="1" noResize="1" noEditPoints="1" noAdjustHandles="1" noChangeArrowheads="1" noChangeShapeType="1" noTextEdit="1"/>
+          </p:cNvSpPr>
+          <p:nvPr>
+            <p:extLst>
+              <p:ext uri="{386F3935-93C4-4BCD-93E2-E3B085C9AB24}">
+                <p16:designElem xmlns:p16="http://schemas.microsoft.com/office/powerpoint/2015/main" val="1"/>
+              </p:ext>
+            </p:extLst>
+          </p:nvPr>
+        </p:nvSpPr>
+        <p:spPr>
+          <a:xfrm>
+            <a:off x="0" y="0"/>
+            <a:ext cx="12192000" cy="6858000"/>
+          </a:xfrm>
+          <a:prstGeom prst="rect">
+            <a:avLst/>
+          </a:prstGeom>
+          <a:ln w="12700" cap="flat" cmpd="sng" algn="ctr">
+            <a:noFill/>
+            <a:prstDash val="solid"/>
+            <a:miter lim="800000"/>
+          </a:ln>
+          <a:effectLst/>
+          <a:extLst>
+            <a:ext uri="{91240B29-F687-4F45-9708-019B960494DF}">
+              <a14:hiddenLine xmlns:a14="http://schemas.microsoft.com/office/drawing/2010/main" w="12700" cap="flat" cmpd="sng" algn="ctr">
+                <a:solidFill>
+                  <a:schemeClr val="accent1">
+                    <a:shade val="50000"/>
+                  </a:schemeClr>
+                </a:solidFill>
+                <a:prstDash val="solid"/>
+                <a:miter lim="800000"/>
+              </a14:hiddenLine>
+            </a:ext>
+          </a:extLst>
+        </p:spPr>
+        <p:style>
+          <a:lnRef idx="2">
+            <a:schemeClr val="accent1">
+              <a:shade val="50000"/>
+            </a:schemeClr>
+          </a:lnRef>
+          <a:fillRef idx="1">
+            <a:schemeClr val="accent1"/>
+          </a:fillRef>
+          <a:effectRef idx="0">
+            <a:schemeClr val="accent1"/>
+          </a:effectRef>
+          <a:fontRef idx="minor">
+            <a:schemeClr val="lt1"/>
+          </a:fontRef>
+        </p:style>
+        <p:txBody>
+          <a:bodyPr rtlCol="0" anchor="ctr"/>
+          <a:lstStyle/>
+          <a:p>
+            <a:pPr algn="ctr"/>
+            <a:endParaRPr lang="en-US"/>
+          </a:p>
+        </p:txBody>
+      </p:sp>
+      <p:sp>
+        <p:nvSpPr>
+          <p:cNvPr id="23" name="Rectangle 22">
+            <a:extLst>
+              <a:ext uri="{FF2B5EF4-FFF2-40B4-BE49-F238E27FC236}">
+                <a16:creationId xmlns:a16="http://schemas.microsoft.com/office/drawing/2014/main" id="{91E5A9A7-95C6-4F4F-B00E-C82E07FE62EF}"/>
+              </a:ext>
+              <a:ext uri="{C183D7F6-B498-43B3-948B-1728B52AA6E4}">
+                <adec:decorative xmlns:adec="http://schemas.microsoft.com/office/drawing/2017/decorative" val="1"/>
+              </a:ext>
+            </a:extLst>
+          </p:cNvPr>
+          <p:cNvSpPr>
+            <a:spLocks noGrp="1" noRot="1" noChangeAspect="1" noMove="1" noResize="1" noEditPoints="1" noAdjustHandles="1" noChangeArrowheads="1" noChangeShapeType="1" noTextEdit="1"/>
+          </p:cNvSpPr>
+          <p:nvPr>
+            <p:extLst>
+              <p:ext uri="{386F3935-93C4-4BCD-93E2-E3B085C9AB24}">
+                <p16:designElem xmlns:p16="http://schemas.microsoft.com/office/powerpoint/2015/main" val="1"/>
+              </p:ext>
+            </p:extLst>
+          </p:nvPr>
+        </p:nvSpPr>
+        <p:spPr>
+          <a:xfrm rot="5400000" flipH="1">
+            <a:off x="-1417539" y="1417538"/>
+            <a:ext cx="6875818" cy="4040744"/>
+          </a:xfrm>
+          <a:prstGeom prst="rect">
+            <a:avLst/>
+          </a:prstGeom>
+          <a:gradFill>
+            <a:gsLst>
+              <a:gs pos="0">
+                <a:srgbClr val="000000"/>
+              </a:gs>
+              <a:gs pos="100000">
+                <a:schemeClr val="accent1">
+                  <a:lumMod val="75000"/>
+                </a:schemeClr>
+              </a:gs>
+            </a:gsLst>
+            <a:lin ang="18600000" scaled="0"/>
+          </a:gradFill>
+          <a:ln>
+            <a:noFill/>
+          </a:ln>
+        </p:spPr>
+        <p:style>
+          <a:lnRef idx="2">
+            <a:schemeClr val="accent1">
+              <a:shade val="50000"/>
+            </a:schemeClr>
+          </a:lnRef>
+          <a:fillRef idx="1">
+            <a:schemeClr val="accent1"/>
+          </a:fillRef>
+          <a:effectRef idx="0">
+            <a:schemeClr val="accent1"/>
+          </a:effectRef>
+          <a:fontRef idx="minor">
+            <a:schemeClr val="lt1"/>
+          </a:fontRef>
+        </p:style>
+        <p:txBody>
+          <a:bodyPr rtlCol="0" anchor="ctr"/>
+          <a:lstStyle/>
+          <a:p>
+            <a:pPr algn="ctr"/>
+            <a:endParaRPr lang="en-US" dirty="0"/>
+          </a:p>
+        </p:txBody>
+      </p:sp>
+      <p:sp>
+        <p:nvSpPr>
+          <p:cNvPr id="25" name="Rectangle 24">
+            <a:extLst>
+              <a:ext uri="{FF2B5EF4-FFF2-40B4-BE49-F238E27FC236}">
+                <a16:creationId xmlns:a16="http://schemas.microsoft.com/office/drawing/2014/main" id="{D07DD2DE-F619-49DD-B5E7-03A290FF4ED1}"/>
+              </a:ext>
+              <a:ext uri="{C183D7F6-B498-43B3-948B-1728B52AA6E4}">
+                <adec:decorative xmlns:adec="http://schemas.microsoft.com/office/drawing/2017/decorative" val="1"/>
+              </a:ext>
+            </a:extLst>
+          </p:cNvPr>
+          <p:cNvSpPr>
+            <a:spLocks noGrp="1" noRot="1" noChangeAspect="1" noMove="1" noResize="1" noEditPoints="1" noAdjustHandles="1" noChangeArrowheads="1" noChangeShapeType="1" noTextEdit="1"/>
+          </p:cNvSpPr>
+          <p:nvPr>
+            <p:extLst>
+              <p:ext uri="{386F3935-93C4-4BCD-93E2-E3B085C9AB24}">
+                <p16:designElem xmlns:p16="http://schemas.microsoft.com/office/powerpoint/2015/main" val="1"/>
+              </p:ext>
+            </p:extLst>
+          </p:nvPr>
+        </p:nvSpPr>
+        <p:spPr>
+          <a:xfrm rot="16200000">
+            <a:off x="-158495" y="2660473"/>
+            <a:ext cx="4355594" cy="4038603"/>
+          </a:xfrm>
+          <a:prstGeom prst="rect">
+            <a:avLst/>
+          </a:prstGeom>
+          <a:gradFill>
+            <a:gsLst>
+              <a:gs pos="0">
+                <a:schemeClr val="accent1">
+                  <a:alpha val="50000"/>
+                </a:schemeClr>
+              </a:gs>
+              <a:gs pos="100000">
+                <a:schemeClr val="accent1">
+                  <a:lumMod val="50000"/>
+                  <a:alpha val="0"/>
+                </a:schemeClr>
+              </a:gs>
+            </a:gsLst>
+            <a:lin ang="11400000" scaled="0"/>
+          </a:gradFill>
+          <a:ln>
+            <a:noFill/>
+          </a:ln>
+        </p:spPr>
+        <p:style>
+          <a:lnRef idx="2">
+            <a:schemeClr val="accent1">
+              <a:shade val="50000"/>
+            </a:schemeClr>
+          </a:lnRef>
+          <a:fillRef idx="1">
+            <a:schemeClr val="accent1"/>
+          </a:fillRef>
+          <a:effectRef idx="0">
+            <a:schemeClr val="accent1"/>
+          </a:effectRef>
+          <a:fontRef idx="minor">
+            <a:schemeClr val="lt1"/>
+          </a:fontRef>
+        </p:style>
+        <p:txBody>
+          <a:bodyPr rtlCol="0" anchor="ctr"/>
+          <a:lstStyle/>
+          <a:p>
+            <a:pPr algn="ctr"/>
+            <a:endParaRPr lang="en-US"/>
+          </a:p>
+        </p:txBody>
+      </p:sp>
+      <p:sp>
+        <p:nvSpPr>
+          <p:cNvPr id="27" name="Rectangle 26">
+            <a:extLst>
+              <a:ext uri="{FF2B5EF4-FFF2-40B4-BE49-F238E27FC236}">
+                <a16:creationId xmlns:a16="http://schemas.microsoft.com/office/drawing/2014/main" id="{85149191-5F60-4A28-AAFF-039F96B0F3EC}"/>
+              </a:ext>
+              <a:ext uri="{C183D7F6-B498-43B3-948B-1728B52AA6E4}">
+                <adec:decorative xmlns:adec="http://schemas.microsoft.com/office/drawing/2017/decorative" val="1"/>
+              </a:ext>
+            </a:extLst>
+          </p:cNvPr>
+          <p:cNvSpPr>
+            <a:spLocks noGrp="1" noRot="1" noChangeAspect="1" noMove="1" noResize="1" noEditPoints="1" noAdjustHandles="1" noChangeArrowheads="1" noChangeShapeType="1" noTextEdit="1"/>
+          </p:cNvSpPr>
+          <p:nvPr>
+            <p:extLst>
+              <p:ext uri="{386F3935-93C4-4BCD-93E2-E3B085C9AB24}">
+                <p16:designElem xmlns:p16="http://schemas.microsoft.com/office/powerpoint/2015/main" val="1"/>
+              </p:ext>
+            </p:extLst>
+          </p:nvPr>
+        </p:nvSpPr>
+        <p:spPr>
+          <a:xfrm rot="16200000" flipH="1">
+            <a:off x="-1180882" y="1638085"/>
+            <a:ext cx="6857572" cy="3581401"/>
+          </a:xfrm>
+          <a:prstGeom prst="rect">
+            <a:avLst/>
+          </a:prstGeom>
+          <a:gradFill>
+            <a:gsLst>
+              <a:gs pos="0">
+                <a:srgbClr val="000000">
+                  <a:alpha val="59000"/>
+                </a:srgbClr>
+              </a:gs>
+              <a:gs pos="69000">
+                <a:schemeClr val="accent1">
+                  <a:alpha val="0"/>
+                </a:schemeClr>
+              </a:gs>
+            </a:gsLst>
+            <a:lin ang="13200000" scaled="0"/>
+          </a:gradFill>
+          <a:ln>
+            <a:noFill/>
+          </a:ln>
+        </p:spPr>
+        <p:style>
+          <a:lnRef idx="2">
+            <a:schemeClr val="accent1">
+              <a:shade val="50000"/>
+            </a:schemeClr>
+          </a:lnRef>
+          <a:fillRef idx="1">
+            <a:schemeClr val="accent1"/>
+          </a:fillRef>
+          <a:effectRef idx="0">
+            <a:schemeClr val="accent1"/>
+          </a:effectRef>
+          <a:fontRef idx="minor">
+            <a:schemeClr val="lt1"/>
+          </a:fontRef>
+        </p:style>
+        <p:txBody>
+          <a:bodyPr rtlCol="0" anchor="ctr"/>
+          <a:lstStyle/>
+          <a:p>
+            <a:pPr algn="ctr"/>
+            <a:endParaRPr lang="en-US" dirty="0"/>
+          </a:p>
+        </p:txBody>
+      </p:sp>
+      <p:sp>
+        <p:nvSpPr>
+          <p:cNvPr id="29" name="Freeform: Shape 28">
+            <a:extLst>
+              <a:ext uri="{FF2B5EF4-FFF2-40B4-BE49-F238E27FC236}">
+                <a16:creationId xmlns:a16="http://schemas.microsoft.com/office/drawing/2014/main" id="{F8260ED5-17F7-4158-B241-D51DD4CF1B7E}"/>
+              </a:ext>
+              <a:ext uri="{C183D7F6-B498-43B3-948B-1728B52AA6E4}">
+                <adec:decorative xmlns:adec="http://schemas.microsoft.com/office/drawing/2017/decorative" val="1"/>
+              </a:ext>
+            </a:extLst>
+          </p:cNvPr>
+          <p:cNvSpPr>
+            <a:spLocks noGrp="1" noRot="1" noChangeAspect="1" noMove="1" noResize="1" noEditPoints="1" noAdjustHandles="1" noChangeArrowheads="1" noChangeShapeType="1" noTextEdit="1"/>
+          </p:cNvSpPr>
+          <p:nvPr>
+            <p:extLst>
+              <p:ext uri="{386F3935-93C4-4BCD-93E2-E3B085C9AB24}">
+                <p16:designElem xmlns:p16="http://schemas.microsoft.com/office/powerpoint/2015/main" val="1"/>
+              </p:ext>
+            </p:extLst>
+          </p:nvPr>
+        </p:nvSpPr>
+        <p:spPr>
+          <a:xfrm rot="6097846">
+            <a:off x="-747355" y="1201312"/>
+            <a:ext cx="4808302" cy="4088666"/>
+          </a:xfrm>
+          <a:custGeom>
+            <a:avLst/>
+            <a:gdLst>
+              <a:gd name="connsiteX0" fmla="*/ 48844 w 4808302"/>
+              <a:gd name="connsiteY0" fmla="*/ 2888671 h 4088666"/>
+              <a:gd name="connsiteX1" fmla="*/ 0 w 4808302"/>
+              <a:gd name="connsiteY1" fmla="*/ 2404151 h 4088666"/>
+              <a:gd name="connsiteX2" fmla="*/ 2404151 w 4808302"/>
+              <a:gd name="connsiteY2" fmla="*/ 0 h 4088666"/>
+              <a:gd name="connsiteX3" fmla="*/ 4808302 w 4808302"/>
+              <a:gd name="connsiteY3" fmla="*/ 2404151 h 4088666"/>
+              <a:gd name="connsiteX4" fmla="*/ 4700216 w 4808302"/>
+              <a:gd name="connsiteY4" fmla="*/ 3119072 h 4088666"/>
+              <a:gd name="connsiteX5" fmla="*/ 4643143 w 4808302"/>
+              <a:gd name="connsiteY5" fmla="*/ 3275009 h 4088666"/>
+              <a:gd name="connsiteX6" fmla="*/ 690093 w 4808302"/>
+              <a:gd name="connsiteY6" fmla="*/ 4088666 h 4088666"/>
+              <a:gd name="connsiteX7" fmla="*/ 548991 w 4808302"/>
+              <a:gd name="connsiteY7" fmla="*/ 3933414 h 4088666"/>
+              <a:gd name="connsiteX8" fmla="*/ 48844 w 4808302"/>
+              <a:gd name="connsiteY8" fmla="*/ 2888671 h 4088666"/>
+            </a:gdLst>
+            <a:ahLst/>
+            <a:cxnLst>
+              <a:cxn ang="0">
+                <a:pos x="connsiteX0" y="connsiteY0"/>
+              </a:cxn>
+              <a:cxn ang="0">
+                <a:pos x="connsiteX1" y="connsiteY1"/>
+              </a:cxn>
+              <a:cxn ang="0">
+                <a:pos x="connsiteX2" y="connsiteY2"/>
+              </a:cxn>
+              <a:cxn ang="0">
+                <a:pos x="connsiteX3" y="connsiteY3"/>
+              </a:cxn>
+              <a:cxn ang="0">
+                <a:pos x="connsiteX4" y="connsiteY4"/>
+              </a:cxn>
+              <a:cxn ang="0">
+                <a:pos x="connsiteX5" y="connsiteY5"/>
+              </a:cxn>
+              <a:cxn ang="0">
+                <a:pos x="connsiteX6" y="connsiteY6"/>
+              </a:cxn>
+              <a:cxn ang="0">
+                <a:pos x="connsiteX7" y="connsiteY7"/>
+              </a:cxn>
+              <a:cxn ang="0">
+                <a:pos x="connsiteX8" y="connsiteY8"/>
+              </a:cxn>
+            </a:cxnLst>
+            <a:rect l="l" t="t" r="r" b="b"/>
+            <a:pathLst>
+              <a:path w="4808302" h="4088666">
+                <a:moveTo>
+                  <a:pt x="48844" y="2888671"/>
+                </a:moveTo>
+                <a:cubicBezTo>
+                  <a:pt x="16818" y="2732167"/>
+                  <a:pt x="0" y="2570123"/>
+                  <a:pt x="0" y="2404151"/>
+                </a:cubicBezTo>
+                <a:cubicBezTo>
+                  <a:pt x="0" y="1076375"/>
+                  <a:pt x="1076375" y="0"/>
+                  <a:pt x="2404151" y="0"/>
+                </a:cubicBezTo>
+                <a:cubicBezTo>
+                  <a:pt x="3731927" y="0"/>
+                  <a:pt x="4808302" y="1076375"/>
+                  <a:pt x="4808302" y="2404151"/>
+                </a:cubicBezTo>
+                <a:cubicBezTo>
+                  <a:pt x="4808302" y="2653109"/>
+                  <a:pt x="4770461" y="2893229"/>
+                  <a:pt x="4700216" y="3119072"/>
+                </a:cubicBezTo>
+                <a:lnTo>
+                  <a:pt x="4643143" y="3275009"/>
+                </a:lnTo>
+                <a:lnTo>
+                  <a:pt x="690093" y="4088666"/>
+                </a:lnTo>
+                <a:lnTo>
+                  <a:pt x="548991" y="3933414"/>
+                </a:lnTo>
+                <a:cubicBezTo>
+                  <a:pt x="304015" y="3636572"/>
+                  <a:pt x="128908" y="3279932"/>
+                  <a:pt x="48844" y="2888671"/>
+                </a:cubicBezTo>
+                <a:close/>
+              </a:path>
+            </a:pathLst>
+          </a:custGeom>
+          <a:gradFill>
+            <a:gsLst>
+              <a:gs pos="39000">
+                <a:schemeClr val="accent1">
+                  <a:lumMod val="60000"/>
+                  <a:lumOff val="40000"/>
+                  <a:alpha val="0"/>
+                </a:schemeClr>
+              </a:gs>
+              <a:gs pos="100000">
+                <a:schemeClr val="accent1">
+                  <a:lumMod val="75000"/>
+                  <a:alpha val="26000"/>
+                </a:schemeClr>
+              </a:gs>
+            </a:gsLst>
+            <a:lin ang="18600000" scaled="0"/>
+          </a:gradFill>
+          <a:ln>
+            <a:noFill/>
+          </a:ln>
+        </p:spPr>
+        <p:style>
+          <a:lnRef idx="2">
+            <a:schemeClr val="accent1">
+              <a:shade val="50000"/>
+            </a:schemeClr>
+          </a:lnRef>
+          <a:fillRef idx="1">
+            <a:schemeClr val="accent1"/>
+          </a:fillRef>
+          <a:effectRef idx="0">
+            <a:schemeClr val="accent1"/>
+          </a:effectRef>
+          <a:fontRef idx="minor">
+            <a:schemeClr val="lt1"/>
+          </a:fontRef>
+        </p:style>
+        <p:txBody>
+          <a:bodyPr wrap="square" rtlCol="0" anchor="ctr">
+            <a:noAutofit/>
+          </a:bodyPr>
+          <a:lstStyle/>
+          <a:p>
+            <a:pPr algn="ctr"/>
+            <a:endParaRPr lang="en-US" dirty="0"/>
+          </a:p>
+        </p:txBody>
+      </p:sp>
+      <p:sp>
+        <p:nvSpPr>
+          <p:cNvPr id="2" name="Title 1"/>
+          <p:cNvSpPr>
+            <a:spLocks noGrp="1"/>
+          </p:cNvSpPr>
+          <p:nvPr>
+            <p:ph type="title"/>
+          </p:nvPr>
+        </p:nvSpPr>
+        <p:spPr>
+          <a:xfrm>
+            <a:off x="660041" y="2767106"/>
+            <a:ext cx="2880828" cy="3071906"/>
+          </a:xfrm>
+        </p:spPr>
+        <p:txBody>
+          <a:bodyPr vert="horz" lIns="91440" tIns="45720" rIns="91440" bIns="45720" rtlCol="0" anchor="t">
+            <a:normAutofit/>
+          </a:bodyPr>
+          <a:lstStyle/>
+          <a:p>
+            <a:r>
+              <a:rPr lang="en-US" sz="4000" b="1" kern="1200">
+                <a:solidFill>
+                  <a:srgbClr val="FFFFFF"/>
+                </a:solidFill>
+                <a:latin typeface="+mj-lt"/>
+                <a:ea typeface="+mj-ea"/>
+                <a:cs typeface="+mj-cs"/>
+              </a:rPr>
+              <a:t>Update Value Signals</a:t>
+            </a:r>
+          </a:p>
+        </p:txBody>
+      </p:sp>
+      <p:pic>
+        <p:nvPicPr>
+          <p:cNvPr id="6" name="Content Placeholder 5">
+            <a:extLst>
+              <a:ext uri="{FF2B5EF4-FFF2-40B4-BE49-F238E27FC236}">
+                <a16:creationId xmlns:a16="http://schemas.microsoft.com/office/drawing/2014/main" id="{FE69166B-7373-5B29-F8B6-C94CF535A881}"/>
+              </a:ext>
+            </a:extLst>
+          </p:cNvPr>
+          <p:cNvPicPr>
+            <a:picLocks noGrp="1" noChangeAspect="1"/>
+          </p:cNvPicPr>
+          <p:nvPr>
+            <p:ph idx="1"/>
+          </p:nvPr>
+        </p:nvPicPr>
+        <p:blipFill>
+          <a:blip r:embed="rId2"/>
+          <a:stretch>
+            <a:fillRect/>
+          </a:stretch>
+        </p:blipFill>
+        <p:spPr>
+          <a:xfrm>
+            <a:off x="4502428" y="1622563"/>
+            <a:ext cx="7225748" cy="3612874"/>
+          </a:xfrm>
+          <a:prstGeom prst="rect">
+            <a:avLst/>
+          </a:prstGeom>
+        </p:spPr>
+      </p:pic>
+    </p:spTree>
+    <p:extLst>
+      <p:ext uri="{BB962C8B-B14F-4D97-AF65-F5344CB8AC3E}">
+        <p14:creationId xmlns:p14="http://schemas.microsoft.com/office/powerpoint/2010/main" val="1746138557"/>
+      </p:ext>
+    </p:extLst>
+  </p:cSld>
+  <p:clrMapOvr>
+    <a:masterClrMapping/>
+  </p:clrMapOvr>
+</p:sld>
+</file>
+
+<file path=ppt/slides/slide9.xml><?xml version="1.0" encoding="utf-8"?>
+<p:sld xmlns:a="http://schemas.openxmlformats.org/drawingml/2006/main" xmlns:r="http://schemas.openxmlformats.org/officeDocument/2006/relationships" xmlns:p="http://schemas.openxmlformats.org/presentationml/2006/main">
+  <p:cSld>
+    <p:bg>
+      <p:bgPr>
+        <a:solidFill>
+          <a:schemeClr val="bg1"/>
+        </a:solidFill>
+        <a:effectLst/>
+      </p:bgPr>
+    </p:bg>
+    <p:spTree>
+      <p:nvGrpSpPr>
+        <p:cNvPr id="1" name=""/>
+        <p:cNvGrpSpPr/>
+        <p:nvPr/>
+      </p:nvGrpSpPr>
+      <p:grpSpPr>
+        <a:xfrm>
+          <a:off x="0" y="0"/>
+          <a:ext cx="0" cy="0"/>
+          <a:chOff x="0" y="0"/>
+          <a:chExt cx="0" cy="0"/>
+        </a:xfrm>
+      </p:grpSpPr>
+      <p:sp>
+        <p:nvSpPr>
+          <p:cNvPr id="34" name="Down Arrow 7">
+            <a:extLst>
+              <a:ext uri="{FF2B5EF4-FFF2-40B4-BE49-F238E27FC236}">
+                <a16:creationId xmlns:a16="http://schemas.microsoft.com/office/drawing/2014/main" id="{D4771268-CB57-404A-9271-370EB28F6090}"/>
+              </a:ext>
+              <a:ext uri="{C183D7F6-B498-43B3-948B-1728B52AA6E4}">
+                <adec:decorative xmlns:adec="http://schemas.microsoft.com/office/drawing/2017/decorative" val="1"/>
+              </a:ext>
+            </a:extLst>
+          </p:cNvPr>
+          <p:cNvSpPr>
+            <a:spLocks noGrp="1" noRot="1" noChangeAspect="1" noMove="1" noResize="1" noEditPoints="1" noAdjustHandles="1" noChangeArrowheads="1" noChangeShapeType="1" noTextEdit="1"/>
+          </p:cNvSpPr>
+          <p:nvPr>
+            <p:extLst>
+              <p:ext uri="{386F3935-93C4-4BCD-93E2-E3B085C9AB24}">
+                <p16:designElem xmlns:p16="http://schemas.microsoft.com/office/powerpoint/2015/main" val="1"/>
+              </p:ext>
+            </p:extLst>
+          </p:nvPr>
+        </p:nvSpPr>
+        <p:spPr>
+          <a:xfrm rot="16200000">
+            <a:off x="800100" y="1491343"/>
+            <a:ext cx="3333749" cy="3499103"/>
+          </a:xfrm>
+          <a:prstGeom prst="downArrow">
+            <a:avLst>
+              <a:gd name="adj1" fmla="val 100000"/>
+              <a:gd name="adj2" fmla="val 15788"/>
+            </a:avLst>
+          </a:prstGeom>
+          <a:solidFill>
+            <a:srgbClr val="404040"/>
+          </a:solidFill>
+          <a:ln w="53975">
+            <a:noFill/>
+          </a:ln>
+        </p:spPr>
+        <p:style>
+          <a:lnRef idx="2">
+            <a:schemeClr val="accent1">
+              <a:shade val="50000"/>
+            </a:schemeClr>
+          </a:lnRef>
+          <a:fillRef idx="1">
+            <a:schemeClr val="accent1"/>
+          </a:fillRef>
+          <a:effectRef idx="0">
+            <a:schemeClr val="accent1"/>
+          </a:effectRef>
+          <a:fontRef idx="minor">
+            <a:schemeClr val="lt1"/>
+          </a:fontRef>
+        </p:style>
+        <p:txBody>
+          <a:bodyPr rtlCol="0" anchor="ctr"/>
+          <a:lstStyle/>
+          <a:p>
+            <a:pPr algn="ctr"/>
+            <a:endParaRPr lang="en-US"/>
+          </a:p>
+        </p:txBody>
+      </p:sp>
+      <p:sp>
+        <p:nvSpPr>
+          <p:cNvPr id="2" name="Title 1"/>
+          <p:cNvSpPr>
+            <a:spLocks noGrp="1"/>
+          </p:cNvSpPr>
+          <p:nvPr>
+            <p:ph type="title"/>
+          </p:nvPr>
+        </p:nvSpPr>
+        <p:spPr>
+          <a:xfrm>
+            <a:off x="1028700" y="1967266"/>
+            <a:ext cx="2628900" cy="2547257"/>
+          </a:xfrm>
+          <a:noFill/>
+        </p:spPr>
+        <p:txBody>
+          <a:bodyPr vert="horz" lIns="91440" tIns="45720" rIns="91440" bIns="45720" rtlCol="0" anchor="ctr">
+            <a:normAutofit/>
+          </a:bodyPr>
+          <a:lstStyle/>
+          <a:p>
+            <a:pPr algn="ctr"/>
+            <a:r>
+              <a:rPr lang="en-US" sz="3600" b="1" kern="1200">
+                <a:solidFill>
+                  <a:srgbClr val="FFFFFF"/>
+                </a:solidFill>
+                <a:latin typeface="+mj-lt"/>
+                <a:ea typeface="+mj-ea"/>
+                <a:cs typeface="+mj-cs"/>
+              </a:rPr>
+              <a:t>Reading &amp; Outputting </a:t>
+            </a:r>
+            <a:br>
+              <a:rPr lang="en-US" sz="3600" b="1" kern="1200">
+                <a:solidFill>
+                  <a:srgbClr val="FFFFFF"/>
+                </a:solidFill>
+                <a:latin typeface="+mj-lt"/>
+                <a:ea typeface="+mj-ea"/>
+                <a:cs typeface="+mj-cs"/>
+              </a:rPr>
+            </a:br>
+            <a:r>
+              <a:rPr lang="en-US" sz="3600" b="1" kern="1200">
+                <a:solidFill>
+                  <a:srgbClr val="FFFFFF"/>
+                </a:solidFill>
+                <a:latin typeface="+mj-lt"/>
+                <a:ea typeface="+mj-ea"/>
+                <a:cs typeface="+mj-cs"/>
+              </a:rPr>
+              <a:t>a Signals Value</a:t>
+            </a:r>
+          </a:p>
+        </p:txBody>
+      </p:sp>
+      <p:pic>
+        <p:nvPicPr>
+          <p:cNvPr id="7" name="Content Placeholder 6">
+            <a:extLst>
+              <a:ext uri="{FF2B5EF4-FFF2-40B4-BE49-F238E27FC236}">
+                <a16:creationId xmlns:a16="http://schemas.microsoft.com/office/drawing/2014/main" id="{D09858AD-6E3E-27BB-E845-E90DB963CCB9}"/>
+              </a:ext>
+            </a:extLst>
+          </p:cNvPr>
+          <p:cNvPicPr>
+            <a:picLocks noGrp="1" noChangeAspect="1"/>
+          </p:cNvPicPr>
+          <p:nvPr>
+            <p:ph idx="1"/>
+          </p:nvPr>
+        </p:nvPicPr>
+        <p:blipFill>
+          <a:blip r:embed="rId2"/>
+          <a:stretch>
+            <a:fillRect/>
+          </a:stretch>
+        </p:blipFill>
+        <p:spPr>
+          <a:xfrm>
+            <a:off x="4777316" y="1613998"/>
+            <a:ext cx="6780700" cy="3627675"/>
+          </a:xfrm>
+          <a:prstGeom prst="rect">
+            <a:avLst/>
+          </a:prstGeom>
+        </p:spPr>
+      </p:pic>
+    </p:spTree>
+    <p:extLst>
+      <p:ext uri="{BB962C8B-B14F-4D97-AF65-F5344CB8AC3E}">
+        <p14:creationId xmlns:p14="http://schemas.microsoft.com/office/powerpoint/2010/main" val="526376454"/>
       </p:ext>
     </p:extLst>
   </p:cSld>

--- a/Angular v16.pptx
+++ b/Angular v16.pptx
@@ -22,6 +22,8 @@
     <p:sldId id="273" r:id="rId16"/>
     <p:sldId id="274" r:id="rId17"/>
     <p:sldId id="275" r:id="rId18"/>
+    <p:sldId id="276" r:id="rId19"/>
+    <p:sldId id="277" r:id="rId20"/>
   </p:sldIdLst>
   <p:sldSz cx="12192000" cy="6858000"/>
   <p:notesSz cx="6858000" cy="9144000"/>
@@ -6582,266 +6584,339 @@
             <a:endParaRPr lang="en-US" sz="2000" dirty="0"/>
           </a:p>
           <a:p>
-            <a:pPr marL="0" indent="0">
-              <a:buNone/>
-            </a:pPr>
-            <a:r>
-              <a:rPr lang="en-US" sz="1400" b="0" i="0" dirty="0">
+            <a:r>
+              <a:rPr lang="en-US" sz="2400" b="0" dirty="0">
                 <a:solidFill>
-                  <a:srgbClr val="0000FF"/>
+                  <a:srgbClr val="C586C0"/>
                 </a:solidFill>
                 <a:effectLst/>
-                <a:latin typeface="Roboto Mono" panose="00000009000000000000" pitchFamily="49" charset="0"/>
+                <a:latin typeface="Consolas" panose="020B0609020204030204" pitchFamily="49" charset="0"/>
               </a:rPr>
               <a:t>export</a:t>
             </a:r>
             <a:r>
-              <a:rPr lang="en-US" sz="1400" b="0" i="0" dirty="0">
+              <a:rPr lang="en-US" sz="2400" b="0" dirty="0">
                 <a:solidFill>
-                  <a:srgbClr val="000000"/>
+                  <a:srgbClr val="CCCCCC"/>
                 </a:solidFill>
                 <a:effectLst/>
-                <a:latin typeface="Roboto Mono" panose="00000009000000000000" pitchFamily="49" charset="0"/>
+                <a:latin typeface="Consolas" panose="020B0609020204030204" pitchFamily="49" charset="0"/>
               </a:rPr>
               <a:t> </a:t>
             </a:r>
             <a:r>
-              <a:rPr lang="en-US" sz="1400" b="0" i="0" dirty="0">
+              <a:rPr lang="en-US" sz="2400" b="0" dirty="0">
                 <a:solidFill>
-                  <a:srgbClr val="0000FF"/>
+                  <a:srgbClr val="569CD6"/>
                 </a:solidFill>
                 <a:effectLst/>
-                <a:latin typeface="Roboto Mono" panose="00000009000000000000" pitchFamily="49" charset="0"/>
+                <a:latin typeface="Consolas" panose="020B0609020204030204" pitchFamily="49" charset="0"/>
               </a:rPr>
               <a:t>class</a:t>
             </a:r>
             <a:r>
-              <a:rPr lang="en-US" sz="1400" b="0" i="0" dirty="0">
+              <a:rPr lang="en-US" sz="2400" b="0" dirty="0">
                 <a:solidFill>
-                  <a:srgbClr val="000000"/>
+                  <a:srgbClr val="CCCCCC"/>
                 </a:solidFill>
                 <a:effectLst/>
-                <a:latin typeface="Roboto Mono" panose="00000009000000000000" pitchFamily="49" charset="0"/>
+                <a:latin typeface="Consolas" panose="020B0609020204030204" pitchFamily="49" charset="0"/>
               </a:rPr>
               <a:t> </a:t>
             </a:r>
             <a:r>
-              <a:rPr lang="en-US" sz="1400" b="0" i="0" dirty="0" err="1">
+              <a:rPr lang="en-US" sz="2400" b="0" dirty="0" err="1">
                 <a:solidFill>
-                  <a:srgbClr val="FF0000"/>
+                  <a:srgbClr val="4EC9B0"/>
                 </a:solidFill>
                 <a:effectLst/>
-                <a:latin typeface="Roboto Mono" panose="00000009000000000000" pitchFamily="49" charset="0"/>
+                <a:latin typeface="Consolas" panose="020B0609020204030204" pitchFamily="49" charset="0"/>
               </a:rPr>
-              <a:t>ColorPicker</a:t>
-            </a:r>
-            <a:r>
-              <a:rPr lang="en-US" sz="1400" b="0" i="0" dirty="0">
+              <a:t>ButtonComponent</a:t>
+            </a:r>
+            <a:r>
+              <a:rPr lang="en-US" sz="2400" b="0" dirty="0">
                 <a:solidFill>
-                  <a:srgbClr val="000000"/>
+                  <a:srgbClr val="CCCCCC"/>
                 </a:solidFill>
                 <a:effectLst/>
-                <a:latin typeface="Roboto Mono" panose="00000009000000000000" pitchFamily="49" charset="0"/>
+                <a:latin typeface="Consolas" panose="020B0609020204030204" pitchFamily="49" charset="0"/>
+              </a:rPr>
+              <a:t> {</a:t>
+            </a:r>
+          </a:p>
+          <a:p>
+            <a:r>
+              <a:rPr lang="en-US" sz="2400" b="0" dirty="0">
+                <a:solidFill>
+                  <a:srgbClr val="CCCCCC"/>
+                </a:solidFill>
+                <a:effectLst/>
+                <a:latin typeface="Consolas" panose="020B0609020204030204" pitchFamily="49" charset="0"/>
+              </a:rPr>
+              <a:t>  @</a:t>
+            </a:r>
+            <a:r>
+              <a:rPr lang="en-US" sz="2400" b="0" dirty="0">
+                <a:solidFill>
+                  <a:srgbClr val="4EC9B0"/>
+                </a:solidFill>
+                <a:effectLst/>
+                <a:latin typeface="Consolas" panose="020B0609020204030204" pitchFamily="49" charset="0"/>
+              </a:rPr>
+              <a:t>Input</a:t>
+            </a:r>
+            <a:r>
+              <a:rPr lang="en-US" sz="2400" b="0" dirty="0">
+                <a:solidFill>
+                  <a:srgbClr val="CCCCCC"/>
+                </a:solidFill>
+                <a:effectLst/>
+                <a:latin typeface="Consolas" panose="020B0609020204030204" pitchFamily="49" charset="0"/>
+              </a:rPr>
+              <a:t>({ </a:t>
+            </a:r>
+            <a:r>
+              <a:rPr lang="en-US" sz="2400" b="0" dirty="0">
+                <a:solidFill>
+                  <a:srgbClr val="9CDCFE"/>
+                </a:solidFill>
+                <a:effectLst/>
+                <a:latin typeface="Consolas" panose="020B0609020204030204" pitchFamily="49" charset="0"/>
+              </a:rPr>
+              <a:t>required:</a:t>
+            </a:r>
+            <a:r>
+              <a:rPr lang="en-US" sz="2400" b="0" dirty="0">
+                <a:solidFill>
+                  <a:srgbClr val="CCCCCC"/>
+                </a:solidFill>
+                <a:effectLst/>
+                <a:latin typeface="Consolas" panose="020B0609020204030204" pitchFamily="49" charset="0"/>
               </a:rPr>
               <a:t> </a:t>
             </a:r>
             <a:r>
-              <a:rPr lang="en-US" sz="1400" b="0" i="0" dirty="0">
+              <a:rPr lang="en-US" sz="2400" b="0" dirty="0">
                 <a:solidFill>
-                  <a:srgbClr val="666600"/>
+                  <a:srgbClr val="569CD6"/>
                 </a:solidFill>
                 <a:effectLst/>
-                <a:latin typeface="Roboto Mono" panose="00000009000000000000" pitchFamily="49" charset="0"/>
+                <a:latin typeface="Consolas" panose="020B0609020204030204" pitchFamily="49" charset="0"/>
               </a:rPr>
-              <a:t>{</a:t>
-            </a:r>
-          </a:p>
-          <a:p>
-            <a:pPr marL="0" indent="0">
-              <a:buNone/>
-            </a:pPr>
-            <a:r>
-              <a:rPr lang="en-US" sz="1400" dirty="0">
+              <a:t>true</a:t>
+            </a:r>
+            <a:r>
+              <a:rPr lang="en-US" sz="2400" b="0" dirty="0">
                 <a:solidFill>
-                  <a:srgbClr val="666600"/>
-                </a:solidFill>
-                <a:latin typeface="Roboto Mono" panose="00000009000000000000" pitchFamily="49" charset="0"/>
-              </a:rPr>
-              <a:t>	</a:t>
-            </a:r>
-            <a:r>
-              <a:rPr lang="en-US" sz="1400" b="0" i="0" dirty="0">
-                <a:solidFill>
-                  <a:srgbClr val="000000"/>
+                  <a:srgbClr val="CCCCCC"/>
                 </a:solidFill>
                 <a:effectLst/>
-                <a:latin typeface="Roboto Mono" panose="00000009000000000000" pitchFamily="49" charset="0"/>
+                <a:latin typeface="Consolas" panose="020B0609020204030204" pitchFamily="49" charset="0"/>
+              </a:rPr>
+              <a:t> }) </a:t>
+            </a:r>
+            <a:r>
+              <a:rPr lang="en-US" sz="2400" b="0" dirty="0">
+                <a:solidFill>
+                  <a:srgbClr val="9CDCFE"/>
+                </a:solidFill>
+                <a:effectLst/>
+                <a:latin typeface="Consolas" panose="020B0609020204030204" pitchFamily="49" charset="0"/>
+              </a:rPr>
+              <a:t>text</a:t>
+            </a:r>
+            <a:r>
+              <a:rPr lang="en-US" sz="2400" b="0" dirty="0">
+                <a:solidFill>
+                  <a:srgbClr val="CCCCCC"/>
+                </a:solidFill>
+                <a:effectLst/>
+                <a:latin typeface="Consolas" panose="020B0609020204030204" pitchFamily="49" charset="0"/>
               </a:rPr>
               <a:t> </a:t>
             </a:r>
             <a:r>
-              <a:rPr lang="en-US" sz="1400" b="0" i="0" dirty="0">
+              <a:rPr lang="en-US" sz="2400" b="0" dirty="0">
                 <a:solidFill>
-                  <a:srgbClr val="0088CC"/>
+                  <a:srgbClr val="D4D4D4"/>
                 </a:solidFill>
                 <a:effectLst/>
-                <a:latin typeface="Roboto Mono" panose="00000009000000000000" pitchFamily="49" charset="0"/>
+                <a:latin typeface="Consolas" panose="020B0609020204030204" pitchFamily="49" charset="0"/>
               </a:rPr>
-              <a:t>@</a:t>
-            </a:r>
-            <a:r>
-              <a:rPr lang="en-US" sz="1400" b="0" i="0" u="none" strike="noStrike" dirty="0">
+              <a:t>=</a:t>
+            </a:r>
+            <a:r>
+              <a:rPr lang="en-US" sz="2400" b="0" dirty="0">
                 <a:solidFill>
-                  <a:srgbClr val="0088CC"/>
+                  <a:srgbClr val="CCCCCC"/>
                 </a:solidFill>
                 <a:effectLst/>
-                <a:latin typeface="Roboto Mono" panose="00000009000000000000" pitchFamily="49" charset="0"/>
-                <a:hlinkClick r:id="rId2"/>
+                <a:latin typeface="Consolas" panose="020B0609020204030204" pitchFamily="49" charset="0"/>
+              </a:rPr>
+              <a:t> </a:t>
+            </a:r>
+            <a:r>
+              <a:rPr lang="en-US" sz="2400" b="0" dirty="0">
+                <a:solidFill>
+                  <a:srgbClr val="CE9178"/>
+                </a:solidFill>
+                <a:effectLst/>
+                <a:latin typeface="Consolas" panose="020B0609020204030204" pitchFamily="49" charset="0"/>
+              </a:rPr>
+              <a:t>'submit'</a:t>
+            </a:r>
+            <a:r>
+              <a:rPr lang="en-US" sz="2400" b="0" dirty="0">
+                <a:solidFill>
+                  <a:srgbClr val="CCCCCC"/>
+                </a:solidFill>
+                <a:effectLst/>
+                <a:latin typeface="Consolas" panose="020B0609020204030204" pitchFamily="49" charset="0"/>
+              </a:rPr>
+              <a:t>;</a:t>
+            </a:r>
+          </a:p>
+          <a:p>
+            <a:r>
+              <a:rPr lang="en-US" sz="2400" b="0" dirty="0">
+                <a:solidFill>
+                  <a:srgbClr val="CCCCCC"/>
+                </a:solidFill>
+                <a:effectLst/>
+                <a:latin typeface="Consolas" panose="020B0609020204030204" pitchFamily="49" charset="0"/>
+              </a:rPr>
+              <a:t>  @</a:t>
+            </a:r>
+            <a:r>
+              <a:rPr lang="en-US" sz="2400" b="0" dirty="0">
+                <a:solidFill>
+                  <a:srgbClr val="4EC9B0"/>
+                </a:solidFill>
+                <a:effectLst/>
+                <a:latin typeface="Consolas" panose="020B0609020204030204" pitchFamily="49" charset="0"/>
               </a:rPr>
               <a:t>Input</a:t>
             </a:r>
             <a:r>
-              <a:rPr lang="en-US" sz="1400" b="0" i="0" dirty="0">
+              <a:rPr lang="en-US" sz="2400" b="0" dirty="0">
                 <a:solidFill>
-                  <a:srgbClr val="666600"/>
+                  <a:srgbClr val="CCCCCC"/>
                 </a:solidFill>
                 <a:effectLst/>
-                <a:latin typeface="Roboto Mono" panose="00000009000000000000" pitchFamily="49" charset="0"/>
+                <a:latin typeface="Consolas" panose="020B0609020204030204" pitchFamily="49" charset="0"/>
               </a:rPr>
-              <a:t>({</a:t>
-            </a:r>
-            <a:r>
-              <a:rPr lang="en-US" sz="1400" b="0" i="0" dirty="0">
+              <a:t>({ </a:t>
+            </a:r>
+            <a:r>
+              <a:rPr lang="en-US" sz="2400" b="0" dirty="0">
                 <a:solidFill>
-                  <a:srgbClr val="000000"/>
+                  <a:srgbClr val="9CDCFE"/>
                 </a:solidFill>
                 <a:effectLst/>
-                <a:latin typeface="Roboto Mono" panose="00000009000000000000" pitchFamily="49" charset="0"/>
+                <a:latin typeface="Consolas" panose="020B0609020204030204" pitchFamily="49" charset="0"/>
               </a:rPr>
-              <a:t> required</a:t>
-            </a:r>
-            <a:r>
-              <a:rPr lang="en-US" sz="1400" b="0" i="0" dirty="0">
+              <a:t>required:</a:t>
+            </a:r>
+            <a:r>
+              <a:rPr lang="en-US" sz="2400" b="0" dirty="0">
                 <a:solidFill>
-                  <a:srgbClr val="666600"/>
+                  <a:srgbClr val="CCCCCC"/>
                 </a:solidFill>
                 <a:effectLst/>
-                <a:latin typeface="Roboto Mono" panose="00000009000000000000" pitchFamily="49" charset="0"/>
+                <a:latin typeface="Consolas" panose="020B0609020204030204" pitchFamily="49" charset="0"/>
               </a:rPr>
-              <a:t>:</a:t>
-            </a:r>
-            <a:r>
-              <a:rPr lang="en-US" sz="1400" b="0" i="0" dirty="0">
+              <a:t> </a:t>
+            </a:r>
+            <a:r>
+              <a:rPr lang="en-US" sz="2400" b="0" dirty="0">
                 <a:solidFill>
-                  <a:srgbClr val="000000"/>
+                  <a:srgbClr val="569CD6"/>
                 </a:solidFill>
                 <a:effectLst/>
-                <a:latin typeface="Roboto Mono" panose="00000009000000000000" pitchFamily="49" charset="0"/>
+                <a:latin typeface="Consolas" panose="020B0609020204030204" pitchFamily="49" charset="0"/>
+              </a:rPr>
+              <a:t>true</a:t>
+            </a:r>
+            <a:r>
+              <a:rPr lang="en-US" sz="2400" b="0" dirty="0">
+                <a:solidFill>
+                  <a:srgbClr val="CCCCCC"/>
+                </a:solidFill>
+                <a:effectLst/>
+                <a:latin typeface="Consolas" panose="020B0609020204030204" pitchFamily="49" charset="0"/>
+              </a:rPr>
+              <a:t> }) </a:t>
+            </a:r>
+            <a:r>
+              <a:rPr lang="en-US" sz="2400" b="0" dirty="0">
+                <a:solidFill>
+                  <a:srgbClr val="9CDCFE"/>
+                </a:solidFill>
+                <a:effectLst/>
+                <a:latin typeface="Consolas" panose="020B0609020204030204" pitchFamily="49" charset="0"/>
+              </a:rPr>
+              <a:t>icon</a:t>
+            </a:r>
+            <a:r>
+              <a:rPr lang="en-US" sz="2400" b="0" dirty="0">
+                <a:solidFill>
+                  <a:srgbClr val="CCCCCC"/>
+                </a:solidFill>
+                <a:effectLst/>
+                <a:latin typeface="Consolas" panose="020B0609020204030204" pitchFamily="49" charset="0"/>
               </a:rPr>
               <a:t> </a:t>
             </a:r>
             <a:r>
-              <a:rPr lang="en-US" sz="1400" b="0" i="0" dirty="0">
+              <a:rPr lang="en-US" sz="2400" b="0" dirty="0">
                 <a:solidFill>
-                  <a:srgbClr val="0000FF"/>
+                  <a:srgbClr val="D4D4D4"/>
                 </a:solidFill>
                 <a:effectLst/>
-                <a:latin typeface="Roboto Mono" panose="00000009000000000000" pitchFamily="49" charset="0"/>
+                <a:latin typeface="Consolas" panose="020B0609020204030204" pitchFamily="49" charset="0"/>
               </a:rPr>
-              <a:t>true</a:t>
-            </a:r>
-            <a:r>
-              <a:rPr lang="en-US" sz="1400" b="0" i="0" dirty="0">
+              <a:t>=</a:t>
+            </a:r>
+            <a:r>
+              <a:rPr lang="en-US" sz="2400" b="0" dirty="0">
                 <a:solidFill>
-                  <a:srgbClr val="000000"/>
+                  <a:srgbClr val="CCCCCC"/>
                 </a:solidFill>
                 <a:effectLst/>
-                <a:latin typeface="Roboto Mono" panose="00000009000000000000" pitchFamily="49" charset="0"/>
+                <a:latin typeface="Consolas" panose="020B0609020204030204" pitchFamily="49" charset="0"/>
               </a:rPr>
               <a:t> </a:t>
             </a:r>
             <a:r>
-              <a:rPr lang="en-US" sz="1400" b="0" i="0" dirty="0">
+              <a:rPr lang="en-US" sz="2400" b="0" dirty="0">
                 <a:solidFill>
-                  <a:srgbClr val="666600"/>
+                  <a:srgbClr val="CE9178"/>
                 </a:solidFill>
                 <a:effectLst/>
-                <a:latin typeface="Roboto Mono" panose="00000009000000000000" pitchFamily="49" charset="0"/>
+                <a:latin typeface="Consolas" panose="020B0609020204030204" pitchFamily="49" charset="0"/>
               </a:rPr>
-              <a:t>})</a:t>
-            </a:r>
-            <a:r>
-              <a:rPr lang="en-US" sz="1400" b="0" i="0" dirty="0">
+              <a:t>'string'</a:t>
+            </a:r>
+            <a:r>
+              <a:rPr lang="en-US" sz="2400" b="0" dirty="0">
                 <a:solidFill>
-                  <a:srgbClr val="000000"/>
+                  <a:srgbClr val="CCCCCC"/>
                 </a:solidFill>
                 <a:effectLst/>
-                <a:latin typeface="Roboto Mono" panose="00000009000000000000" pitchFamily="49" charset="0"/>
+                <a:latin typeface="Consolas" panose="020B0609020204030204" pitchFamily="49" charset="0"/>
               </a:rPr>
-              <a:t> </a:t>
-            </a:r>
-            <a:r>
-              <a:rPr lang="en-US" sz="1400" b="0" i="0" dirty="0" err="1">
+              <a:t>;</a:t>
+            </a:r>
+          </a:p>
+          <a:p>
+            <a:r>
+              <a:rPr lang="en-US" sz="2400" b="0" dirty="0">
                 <a:solidFill>
-                  <a:srgbClr val="000000"/>
+                  <a:srgbClr val="CCCCCC"/>
                 </a:solidFill>
                 <a:effectLst/>
-                <a:latin typeface="Roboto Mono" panose="00000009000000000000" pitchFamily="49" charset="0"/>
-              </a:rPr>
-              <a:t>defaultColor</a:t>
-            </a:r>
-            <a:r>
-              <a:rPr lang="en-US" sz="1400" b="0" i="0" dirty="0">
-                <a:solidFill>
-                  <a:srgbClr val="666600"/>
-                </a:solidFill>
-                <a:effectLst/>
-                <a:latin typeface="Roboto Mono" panose="00000009000000000000" pitchFamily="49" charset="0"/>
-              </a:rPr>
-              <a:t>!:</a:t>
-            </a:r>
-            <a:r>
-              <a:rPr lang="en-US" sz="1400" b="0" i="0" dirty="0">
-                <a:solidFill>
-                  <a:srgbClr val="000000"/>
-                </a:solidFill>
-                <a:effectLst/>
-                <a:latin typeface="Roboto Mono" panose="00000009000000000000" pitchFamily="49" charset="0"/>
-              </a:rPr>
-              <a:t> string</a:t>
-            </a:r>
-            <a:r>
-              <a:rPr lang="en-US" sz="1400" b="0" i="0" dirty="0">
-                <a:solidFill>
-                  <a:srgbClr val="666600"/>
-                </a:solidFill>
-                <a:effectLst/>
-                <a:latin typeface="Roboto Mono" panose="00000009000000000000" pitchFamily="49" charset="0"/>
-              </a:rPr>
-              <a:t>;</a:t>
-            </a:r>
-            <a:r>
-              <a:rPr lang="en-US" sz="1400" b="0" i="0" dirty="0">
-                <a:solidFill>
-                  <a:srgbClr val="000000"/>
-                </a:solidFill>
-                <a:effectLst/>
-                <a:latin typeface="Roboto Mono" panose="00000009000000000000" pitchFamily="49" charset="0"/>
-              </a:rPr>
-              <a:t> </a:t>
-            </a:r>
-          </a:p>
-          <a:p>
-            <a:pPr marL="0" indent="0">
-              <a:buNone/>
-            </a:pPr>
-            <a:r>
-              <a:rPr lang="en-US" sz="1400" b="0" i="0" dirty="0">
-                <a:solidFill>
-                  <a:srgbClr val="666600"/>
-                </a:solidFill>
-                <a:effectLst/>
-                <a:latin typeface="Roboto Mono" panose="00000009000000000000" pitchFamily="49" charset="0"/>
+                <a:latin typeface="Consolas" panose="020B0609020204030204" pitchFamily="49" charset="0"/>
               </a:rPr>
               <a:t>}</a:t>
             </a:r>
@@ -6868,6 +6943,36 @@
           </a:p>
         </p:txBody>
       </p:sp>
+      <p:pic>
+        <p:nvPicPr>
+          <p:cNvPr id="5" name="Picture 4">
+            <a:extLst>
+              <a:ext uri="{FF2B5EF4-FFF2-40B4-BE49-F238E27FC236}">
+                <a16:creationId xmlns:a16="http://schemas.microsoft.com/office/drawing/2014/main" id="{EC892679-99B8-3B0A-F4CD-B6C6260545F0}"/>
+              </a:ext>
+            </a:extLst>
+          </p:cNvPr>
+          <p:cNvPicPr>
+            <a:picLocks noChangeAspect="1"/>
+          </p:cNvPicPr>
+          <p:nvPr/>
+        </p:nvPicPr>
+        <p:blipFill>
+          <a:blip r:embed="rId2"/>
+          <a:stretch>
+            <a:fillRect/>
+          </a:stretch>
+        </p:blipFill>
+        <p:spPr>
+          <a:xfrm>
+            <a:off x="7699463" y="1400931"/>
+            <a:ext cx="4250124" cy="1325563"/>
+          </a:xfrm>
+          <a:prstGeom prst="rect">
+            <a:avLst/>
+          </a:prstGeom>
+        </p:spPr>
+      </p:pic>
     </p:spTree>
     <p:extLst>
       <p:ext uri="{BB962C8B-B14F-4D97-AF65-F5344CB8AC3E}">
@@ -6914,8 +7019,10 @@
           <a:lstStyle/>
           <a:p>
             <a:r>
-              <a:rPr lang="en-US" dirty="0"/>
-              <a:t>Hydration</a:t>
+              <a:rPr lang="en-US" dirty="0">
+                <a:hlinkClick r:id="rId2"/>
+              </a:rPr>
+              <a:t>What is hydration</a:t>
             </a:r>
             <a:endParaRPr lang="en-US" sz="4400" b="1" dirty="0"/>
           </a:p>
@@ -6943,10 +7050,16 @@
           </a:bodyPr>
           <a:lstStyle/>
           <a:p>
-            <a:pPr marL="0" indent="0">
-              <a:buNone/>
-            </a:pPr>
-            <a:endParaRPr lang="en-US" sz="2000" dirty="0"/>
+            <a:r>
+              <a:rPr lang="en-US" sz="2400" dirty="0"/>
+              <a:t>Hydration is the process that restores the server side rendered application on the client. </a:t>
+            </a:r>
+          </a:p>
+          <a:p>
+            <a:r>
+              <a:rPr lang="en-US" sz="2400" dirty="0"/>
+              <a:t>This includes things like reusing the server rendered DOM structures, persisting the application state, transferring application data that was retrieved already by the server, and other processes.</a:t>
+            </a:r>
           </a:p>
         </p:txBody>
       </p:sp>
@@ -6954,6 +7067,329 @@
     <p:extLst>
       <p:ext uri="{BB962C8B-B14F-4D97-AF65-F5344CB8AC3E}">
         <p14:creationId xmlns:p14="http://schemas.microsoft.com/office/powerpoint/2010/main" val="2208596673"/>
+      </p:ext>
+    </p:extLst>
+  </p:cSld>
+  <p:clrMapOvr>
+    <a:masterClrMapping/>
+  </p:clrMapOvr>
+</p:sld>
+</file>
+
+<file path=ppt/slides/slide18.xml><?xml version="1.0" encoding="utf-8"?>
+<p:sld xmlns:a="http://schemas.openxmlformats.org/drawingml/2006/main" xmlns:r="http://schemas.openxmlformats.org/officeDocument/2006/relationships" xmlns:p="http://schemas.openxmlformats.org/presentationml/2006/main">
+  <p:cSld>
+    <p:spTree>
+      <p:nvGrpSpPr>
+        <p:cNvPr id="1" name=""/>
+        <p:cNvGrpSpPr/>
+        <p:nvPr/>
+      </p:nvGrpSpPr>
+      <p:grpSpPr>
+        <a:xfrm>
+          <a:off x="0" y="0"/>
+          <a:ext cx="0" cy="0"/>
+          <a:chOff x="0" y="0"/>
+          <a:chExt cx="0" cy="0"/>
+        </a:xfrm>
+      </p:grpSpPr>
+      <p:sp>
+        <p:nvSpPr>
+          <p:cNvPr id="2" name="Title 1"/>
+          <p:cNvSpPr>
+            <a:spLocks noGrp="1"/>
+          </p:cNvSpPr>
+          <p:nvPr>
+            <p:ph type="title"/>
+          </p:nvPr>
+        </p:nvSpPr>
+        <p:spPr/>
+        <p:txBody>
+          <a:bodyPr/>
+          <a:lstStyle/>
+          <a:p>
+            <a:r>
+              <a:rPr lang="en-US" dirty="0"/>
+              <a:t>Why is hydration important?</a:t>
+            </a:r>
+            <a:endParaRPr lang="en-US" sz="4400" b="1" dirty="0"/>
+          </a:p>
+        </p:txBody>
+      </p:sp>
+      <p:sp>
+        <p:nvSpPr>
+          <p:cNvPr id="3" name="Content Placeholder 2"/>
+          <p:cNvSpPr>
+            <a:spLocks noGrp="1"/>
+          </p:cNvSpPr>
+          <p:nvPr>
+            <p:ph idx="1"/>
+          </p:nvPr>
+        </p:nvSpPr>
+        <p:spPr>
+          <a:xfrm>
+            <a:off x="838200" y="1928813"/>
+            <a:ext cx="10515600" cy="4248149"/>
+          </a:xfrm>
+        </p:spPr>
+        <p:txBody>
+          <a:bodyPr>
+            <a:normAutofit/>
+          </a:bodyPr>
+          <a:lstStyle/>
+          <a:p>
+            <a:r>
+              <a:rPr lang="en-US" sz="2000" dirty="0"/>
+              <a:t>Hydration improves application performance by avoiding extra work to re-create DOM nodes. Instead, Angular tries to match existing DOM elements to the applications structure at runtime and reuses DOM nodes when possible. </a:t>
+            </a:r>
+          </a:p>
+          <a:p>
+            <a:r>
+              <a:rPr lang="en-US" sz="2000" dirty="0"/>
+              <a:t>This results in a performance improvement that can be measured using Core Web Vitals (CWV) statistics, such as reducing the First-</a:t>
+            </a:r>
+            <a:r>
+              <a:rPr lang="en-US" sz="2000" dirty="0" err="1"/>
+              <a:t>contentful</a:t>
+            </a:r>
+            <a:r>
+              <a:rPr lang="en-US" sz="2000" dirty="0"/>
+              <a:t> paint FCP and Largest </a:t>
+            </a:r>
+            <a:r>
+              <a:rPr lang="en-US" sz="2000" dirty="0" err="1"/>
+              <a:t>Contentful</a:t>
+            </a:r>
+            <a:r>
+              <a:rPr lang="en-US" sz="2000" dirty="0"/>
+              <a:t> Paint (LCP), as well as Cumulative Layout Shift (CLS). Improving these numbers also affects things like SEO performance.</a:t>
+            </a:r>
+          </a:p>
+          <a:p>
+            <a:endParaRPr lang="en-US" sz="2000" dirty="0"/>
+          </a:p>
+          <a:p>
+            <a:r>
+              <a:rPr lang="en-US" sz="2000" dirty="0"/>
+              <a:t>Without hydration enabled, server side rendered Angular applications will destroy and re-render the application's DOM, which may result in a visible UI flicker. This re-rendering can negatively impact Core Web Vitals like LCP and cause a layout shift. Enabling hydration allows the existing DOM to be re-used and prevents a flicker.</a:t>
+            </a:r>
+          </a:p>
+        </p:txBody>
+      </p:sp>
+    </p:spTree>
+    <p:extLst>
+      <p:ext uri="{BB962C8B-B14F-4D97-AF65-F5344CB8AC3E}">
+        <p14:creationId xmlns:p14="http://schemas.microsoft.com/office/powerpoint/2010/main" val="1266371649"/>
+      </p:ext>
+    </p:extLst>
+  </p:cSld>
+  <p:clrMapOvr>
+    <a:masterClrMapping/>
+  </p:clrMapOvr>
+</p:sld>
+</file>
+
+<file path=ppt/slides/slide19.xml><?xml version="1.0" encoding="utf-8"?>
+<p:sld xmlns:a="http://schemas.openxmlformats.org/drawingml/2006/main" xmlns:r="http://schemas.openxmlformats.org/officeDocument/2006/relationships" xmlns:p="http://schemas.openxmlformats.org/presentationml/2006/main">
+  <p:cSld>
+    <p:spTree>
+      <p:nvGrpSpPr>
+        <p:cNvPr id="1" name=""/>
+        <p:cNvGrpSpPr/>
+        <p:nvPr/>
+      </p:nvGrpSpPr>
+      <p:grpSpPr>
+        <a:xfrm>
+          <a:off x="0" y="0"/>
+          <a:ext cx="0" cy="0"/>
+          <a:chOff x="0" y="0"/>
+          <a:chExt cx="0" cy="0"/>
+        </a:xfrm>
+      </p:grpSpPr>
+      <p:sp>
+        <p:nvSpPr>
+          <p:cNvPr id="2" name="Title 1"/>
+          <p:cNvSpPr>
+            <a:spLocks noGrp="1"/>
+          </p:cNvSpPr>
+          <p:nvPr>
+            <p:ph type="title"/>
+          </p:nvPr>
+        </p:nvSpPr>
+        <p:spPr>
+          <a:xfrm>
+            <a:off x="838200" y="365125"/>
+            <a:ext cx="10515600" cy="735013"/>
+          </a:xfrm>
+        </p:spPr>
+        <p:txBody>
+          <a:bodyPr/>
+          <a:lstStyle/>
+          <a:p>
+            <a:r>
+              <a:rPr lang="en-US" dirty="0"/>
+              <a:t>How do you enable hydration in Angular</a:t>
+            </a:r>
+            <a:endParaRPr lang="en-US" sz="4400" b="1" dirty="0"/>
+          </a:p>
+        </p:txBody>
+      </p:sp>
+      <p:sp>
+        <p:nvSpPr>
+          <p:cNvPr id="3" name="Content Placeholder 2"/>
+          <p:cNvSpPr>
+            <a:spLocks noGrp="1"/>
+          </p:cNvSpPr>
+          <p:nvPr>
+            <p:ph idx="1"/>
+          </p:nvPr>
+        </p:nvSpPr>
+        <p:spPr>
+          <a:xfrm>
+            <a:off x="838200" y="1285875"/>
+            <a:ext cx="10515600" cy="4891087"/>
+          </a:xfrm>
+        </p:spPr>
+        <p:txBody>
+          <a:bodyPr>
+            <a:normAutofit fontScale="92500" lnSpcReduction="10000"/>
+          </a:bodyPr>
+          <a:lstStyle/>
+          <a:p>
+            <a:r>
+              <a:rPr lang="en-US" sz="2000" dirty="0"/>
+              <a:t>Before you can get started with hydration, you must have a server side rendered (SSR) application. Follow the Angular SSR Guide to enable server side rendering first. </a:t>
+            </a:r>
+          </a:p>
+          <a:p>
+            <a:r>
+              <a:rPr lang="en-US" sz="2000" dirty="0"/>
+              <a:t>Once you have SSR working with your application, you can enable hydration by visiting your main app component or module and importing </a:t>
+            </a:r>
+            <a:r>
+              <a:rPr lang="en-US" sz="2000" dirty="0" err="1"/>
+              <a:t>provideClientHydration</a:t>
+            </a:r>
+            <a:r>
+              <a:rPr lang="en-US" sz="2000" dirty="0"/>
+              <a:t> from @angular/platform-browser. You'll then add that provider to your app's bootstrapping providers list.</a:t>
+            </a:r>
+          </a:p>
+          <a:p>
+            <a:r>
+              <a:rPr lang="en-US" sz="2000" dirty="0"/>
+              <a:t>Angular Universal v16:</a:t>
+            </a:r>
+            <a:r>
+              <a:rPr lang="en-US" sz="2400" dirty="0"/>
+              <a:t> </a:t>
+            </a:r>
+            <a:r>
+              <a:rPr lang="en-US" sz="1600" b="0" i="0" dirty="0">
+                <a:solidFill>
+                  <a:srgbClr val="B4690E"/>
+                </a:solidFill>
+                <a:effectLst/>
+                <a:latin typeface="sfmono-regular"/>
+              </a:rPr>
+              <a:t>ng add @nguniversal/express-engine</a:t>
+            </a:r>
+            <a:endParaRPr lang="en-US" sz="2000" dirty="0"/>
+          </a:p>
+          <a:p>
+            <a:endParaRPr lang="en-US" sz="2000" dirty="0"/>
+          </a:p>
+          <a:p>
+            <a:r>
+              <a:rPr lang="en-US" sz="1700" dirty="0"/>
+              <a:t>import {</a:t>
+            </a:r>
+            <a:r>
+              <a:rPr lang="en-US" sz="1700" dirty="0" err="1">
+                <a:highlight>
+                  <a:srgbClr val="FFFF00"/>
+                </a:highlight>
+              </a:rPr>
+              <a:t>provideClientHydration</a:t>
+            </a:r>
+            <a:r>
+              <a:rPr lang="en-US" sz="1700" dirty="0"/>
+              <a:t>} from '@angular/platform-browser';</a:t>
+            </a:r>
+          </a:p>
+          <a:p>
+            <a:r>
+              <a:rPr lang="en-US" sz="1700" dirty="0"/>
+              <a:t>import {</a:t>
+            </a:r>
+            <a:r>
+              <a:rPr lang="en-US" sz="1700" dirty="0" err="1"/>
+              <a:t>NgModule</a:t>
+            </a:r>
+            <a:r>
+              <a:rPr lang="en-US" sz="1700" dirty="0"/>
+              <a:t>} from '@angular/core';</a:t>
+            </a:r>
+          </a:p>
+          <a:p>
+            <a:endParaRPr lang="en-US" sz="1700" dirty="0"/>
+          </a:p>
+          <a:p>
+            <a:r>
+              <a:rPr lang="en-US" sz="1700" dirty="0"/>
+              <a:t>@NgModule({</a:t>
+            </a:r>
+          </a:p>
+          <a:p>
+            <a:r>
+              <a:rPr lang="en-US" sz="1700" dirty="0"/>
+              <a:t>…</a:t>
+            </a:r>
+          </a:p>
+          <a:p>
+            <a:r>
+              <a:rPr lang="en-US" sz="1700" dirty="0"/>
+              <a:t>  providers: [</a:t>
+            </a:r>
+            <a:r>
+              <a:rPr lang="en-US" sz="1700" dirty="0" err="1">
+                <a:highlight>
+                  <a:srgbClr val="FFFF00"/>
+                </a:highlight>
+              </a:rPr>
+              <a:t>provideClientHydration</a:t>
+            </a:r>
+            <a:r>
+              <a:rPr lang="en-US" sz="1700" dirty="0"/>
+              <a:t>()],</a:t>
+            </a:r>
+          </a:p>
+          <a:p>
+            <a:r>
+              <a:rPr lang="en-US" sz="1700" dirty="0"/>
+              <a:t>})</a:t>
+            </a:r>
+          </a:p>
+          <a:p>
+            <a:r>
+              <a:rPr lang="en-US" sz="1700" dirty="0"/>
+              <a:t>export class </a:t>
+            </a:r>
+            <a:r>
+              <a:rPr lang="en-US" sz="1700" dirty="0" err="1"/>
+              <a:t>AppModule</a:t>
+            </a:r>
+            <a:r>
+              <a:rPr lang="en-US" sz="1700" dirty="0"/>
+              <a:t> {}</a:t>
+            </a:r>
+          </a:p>
+        </p:txBody>
+      </p:sp>
+    </p:spTree>
+    <p:extLst>
+      <p:ext uri="{BB962C8B-B14F-4D97-AF65-F5344CB8AC3E}">
+        <p14:creationId xmlns:p14="http://schemas.microsoft.com/office/powerpoint/2010/main" val="3922140700"/>
       </p:ext>
     </p:extLst>
   </p:cSld>
